--- a/Flujograma.pptx
+++ b/Flujograma.pptx
@@ -4,8 +4,13 @@
   <p:sldMasterIdLst>
     <p:sldMasterId id="2147483648" r:id="rId1"/>
   </p:sldMasterIdLst>
+  <p:notesMasterIdLst>
+    <p:notesMasterId r:id="rId5"/>
+  </p:notesMasterIdLst>
   <p:sldIdLst>
     <p:sldId id="257" r:id="rId2"/>
+    <p:sldId id="258" r:id="rId3"/>
+    <p:sldId id="259" r:id="rId4"/>
   </p:sldIdLst>
   <p:sldSz cx="9144000" cy="6858000" type="screen4x3"/>
   <p:notesSz cx="6858000" cy="9144000"/>
@@ -107,6 +112,434 @@
 </p:presentation>
 </file>
 
+<file path=ppt/notesMasters/notesMaster1.xml><?xml version="1.0" encoding="utf-8"?>
+<p:notesMaster xmlns:a="http://schemas.openxmlformats.org/drawingml/2006/main" xmlns:r="http://schemas.openxmlformats.org/officeDocument/2006/relationships" xmlns:p="http://schemas.openxmlformats.org/presentationml/2006/main">
+  <p:cSld>
+    <p:bg>
+      <p:bgRef idx="1001">
+        <a:schemeClr val="bg1"/>
+      </p:bgRef>
+    </p:bg>
+    <p:spTree>
+      <p:nvGrpSpPr>
+        <p:cNvPr id="1" name=""/>
+        <p:cNvGrpSpPr/>
+        <p:nvPr/>
+      </p:nvGrpSpPr>
+      <p:grpSpPr>
+        <a:xfrm>
+          <a:off x="0" y="0"/>
+          <a:ext cx="0" cy="0"/>
+          <a:chOff x="0" y="0"/>
+          <a:chExt cx="0" cy="0"/>
+        </a:xfrm>
+      </p:grpSpPr>
+      <p:sp>
+        <p:nvSpPr>
+          <p:cNvPr id="2" name="1 Marcador de encabezado"/>
+          <p:cNvSpPr>
+            <a:spLocks noGrp="1"/>
+          </p:cNvSpPr>
+          <p:nvPr>
+            <p:ph type="hdr" sz="quarter"/>
+          </p:nvPr>
+        </p:nvSpPr>
+        <p:spPr>
+          <a:xfrm>
+            <a:off x="0" y="0"/>
+            <a:ext cx="2971800" cy="457200"/>
+          </a:xfrm>
+          <a:prstGeom prst="rect">
+            <a:avLst/>
+          </a:prstGeom>
+        </p:spPr>
+        <p:txBody>
+          <a:bodyPr vert="horz" lIns="91440" tIns="45720" rIns="91440" bIns="45720" rtlCol="0"/>
+          <a:lstStyle>
+            <a:lvl1pPr algn="l">
+              <a:defRPr sz="1200"/>
+            </a:lvl1pPr>
+          </a:lstStyle>
+          <a:p>
+            <a:endParaRPr lang="es-ES"/>
+          </a:p>
+        </p:txBody>
+      </p:sp>
+      <p:sp>
+        <p:nvSpPr>
+          <p:cNvPr id="3" name="2 Marcador de fecha"/>
+          <p:cNvSpPr>
+            <a:spLocks noGrp="1"/>
+          </p:cNvSpPr>
+          <p:nvPr>
+            <p:ph type="dt" idx="1"/>
+          </p:nvPr>
+        </p:nvSpPr>
+        <p:spPr>
+          <a:xfrm>
+            <a:off x="3884613" y="0"/>
+            <a:ext cx="2971800" cy="457200"/>
+          </a:xfrm>
+          <a:prstGeom prst="rect">
+            <a:avLst/>
+          </a:prstGeom>
+        </p:spPr>
+        <p:txBody>
+          <a:bodyPr vert="horz" lIns="91440" tIns="45720" rIns="91440" bIns="45720" rtlCol="0"/>
+          <a:lstStyle>
+            <a:lvl1pPr algn="r">
+              <a:defRPr sz="1200"/>
+            </a:lvl1pPr>
+          </a:lstStyle>
+          <a:p>
+            <a:fld id="{E6AC3E37-DC7D-4262-BE08-BB6CBEC07656}" type="datetimeFigureOut">
+              <a:rPr lang="es-ES" smtClean="0"/>
+              <a:t>25/11/2017</a:t>
+            </a:fld>
+            <a:endParaRPr lang="es-ES"/>
+          </a:p>
+        </p:txBody>
+      </p:sp>
+      <p:sp>
+        <p:nvSpPr>
+          <p:cNvPr id="4" name="3 Marcador de imagen de diapositiva"/>
+          <p:cNvSpPr>
+            <a:spLocks noGrp="1" noRot="1" noChangeAspect="1"/>
+          </p:cNvSpPr>
+          <p:nvPr>
+            <p:ph type="sldImg" idx="2"/>
+          </p:nvPr>
+        </p:nvSpPr>
+        <p:spPr>
+          <a:xfrm>
+            <a:off x="1143000" y="685800"/>
+            <a:ext cx="4572000" cy="3429000"/>
+          </a:xfrm>
+          <a:prstGeom prst="rect">
+            <a:avLst/>
+          </a:prstGeom>
+          <a:noFill/>
+          <a:ln w="12700">
+            <a:solidFill>
+              <a:prstClr val="black"/>
+            </a:solidFill>
+          </a:ln>
+        </p:spPr>
+        <p:txBody>
+          <a:bodyPr vert="horz" lIns="91440" tIns="45720" rIns="91440" bIns="45720" rtlCol="0" anchor="ctr"/>
+          <a:lstStyle/>
+          <a:p>
+            <a:endParaRPr lang="es-ES"/>
+          </a:p>
+        </p:txBody>
+      </p:sp>
+      <p:sp>
+        <p:nvSpPr>
+          <p:cNvPr id="5" name="4 Marcador de notas"/>
+          <p:cNvSpPr>
+            <a:spLocks noGrp="1"/>
+          </p:cNvSpPr>
+          <p:nvPr>
+            <p:ph type="body" sz="quarter" idx="3"/>
+          </p:nvPr>
+        </p:nvSpPr>
+        <p:spPr>
+          <a:xfrm>
+            <a:off x="685800" y="4343400"/>
+            <a:ext cx="5486400" cy="4114800"/>
+          </a:xfrm>
+          <a:prstGeom prst="rect">
+            <a:avLst/>
+          </a:prstGeom>
+        </p:spPr>
+        <p:txBody>
+          <a:bodyPr vert="horz" lIns="91440" tIns="45720" rIns="91440" bIns="45720" rtlCol="0">
+            <a:normAutofit/>
+          </a:bodyPr>
+          <a:lstStyle/>
+          <a:p>
+            <a:pPr lvl="0"/>
+            <a:r>
+              <a:rPr lang="es-ES" smtClean="0"/>
+              <a:t>Haga clic para modificar el estilo de texto del patrón</a:t>
+            </a:r>
+          </a:p>
+          <a:p>
+            <a:pPr lvl="1"/>
+            <a:r>
+              <a:rPr lang="es-ES" smtClean="0"/>
+              <a:t>Segundo nivel</a:t>
+            </a:r>
+          </a:p>
+          <a:p>
+            <a:pPr lvl="2"/>
+            <a:r>
+              <a:rPr lang="es-ES" smtClean="0"/>
+              <a:t>Tercer nivel</a:t>
+            </a:r>
+          </a:p>
+          <a:p>
+            <a:pPr lvl="3"/>
+            <a:r>
+              <a:rPr lang="es-ES" smtClean="0"/>
+              <a:t>Cuarto nivel</a:t>
+            </a:r>
+          </a:p>
+          <a:p>
+            <a:pPr lvl="4"/>
+            <a:r>
+              <a:rPr lang="es-ES" smtClean="0"/>
+              <a:t>Quinto nivel</a:t>
+            </a:r>
+            <a:endParaRPr lang="es-ES"/>
+          </a:p>
+        </p:txBody>
+      </p:sp>
+      <p:sp>
+        <p:nvSpPr>
+          <p:cNvPr id="6" name="5 Marcador de pie de página"/>
+          <p:cNvSpPr>
+            <a:spLocks noGrp="1"/>
+          </p:cNvSpPr>
+          <p:nvPr>
+            <p:ph type="ftr" sz="quarter" idx="4"/>
+          </p:nvPr>
+        </p:nvSpPr>
+        <p:spPr>
+          <a:xfrm>
+            <a:off x="0" y="8685213"/>
+            <a:ext cx="2971800" cy="457200"/>
+          </a:xfrm>
+          <a:prstGeom prst="rect">
+            <a:avLst/>
+          </a:prstGeom>
+        </p:spPr>
+        <p:txBody>
+          <a:bodyPr vert="horz" lIns="91440" tIns="45720" rIns="91440" bIns="45720" rtlCol="0" anchor="b"/>
+          <a:lstStyle>
+            <a:lvl1pPr algn="l">
+              <a:defRPr sz="1200"/>
+            </a:lvl1pPr>
+          </a:lstStyle>
+          <a:p>
+            <a:endParaRPr lang="es-ES"/>
+          </a:p>
+        </p:txBody>
+      </p:sp>
+      <p:sp>
+        <p:nvSpPr>
+          <p:cNvPr id="7" name="6 Marcador de número de diapositiva"/>
+          <p:cNvSpPr>
+            <a:spLocks noGrp="1"/>
+          </p:cNvSpPr>
+          <p:nvPr>
+            <p:ph type="sldNum" sz="quarter" idx="5"/>
+          </p:nvPr>
+        </p:nvSpPr>
+        <p:spPr>
+          <a:xfrm>
+            <a:off x="3884613" y="8685213"/>
+            <a:ext cx="2971800" cy="457200"/>
+          </a:xfrm>
+          <a:prstGeom prst="rect">
+            <a:avLst/>
+          </a:prstGeom>
+        </p:spPr>
+        <p:txBody>
+          <a:bodyPr vert="horz" lIns="91440" tIns="45720" rIns="91440" bIns="45720" rtlCol="0" anchor="b"/>
+          <a:lstStyle>
+            <a:lvl1pPr algn="r">
+              <a:defRPr sz="1200"/>
+            </a:lvl1pPr>
+          </a:lstStyle>
+          <a:p>
+            <a:fld id="{A427C1E4-2F91-4139-B3AA-2C1C5FF4DC8D}" type="slidenum">
+              <a:rPr lang="es-ES" smtClean="0"/>
+              <a:t>‹Nº›</a:t>
+            </a:fld>
+            <a:endParaRPr lang="es-ES"/>
+          </a:p>
+        </p:txBody>
+      </p:sp>
+    </p:spTree>
+  </p:cSld>
+  <p:clrMap bg1="lt1" tx1="dk1" bg2="lt2" tx2="dk2" accent1="accent1" accent2="accent2" accent3="accent3" accent4="accent4" accent5="accent5" accent6="accent6" hlink="hlink" folHlink="folHlink"/>
+  <p:notesStyle>
+    <a:lvl1pPr marL="0" algn="l" defTabSz="914400" rtl="0" eaLnBrk="1" latinLnBrk="0" hangingPunct="1">
+      <a:defRPr sz="1200" kern="1200">
+        <a:solidFill>
+          <a:schemeClr val="tx1"/>
+        </a:solidFill>
+        <a:latin typeface="+mn-lt"/>
+        <a:ea typeface="+mn-ea"/>
+        <a:cs typeface="+mn-cs"/>
+      </a:defRPr>
+    </a:lvl1pPr>
+    <a:lvl2pPr marL="457200" algn="l" defTabSz="914400" rtl="0" eaLnBrk="1" latinLnBrk="0" hangingPunct="1">
+      <a:defRPr sz="1200" kern="1200">
+        <a:solidFill>
+          <a:schemeClr val="tx1"/>
+        </a:solidFill>
+        <a:latin typeface="+mn-lt"/>
+        <a:ea typeface="+mn-ea"/>
+        <a:cs typeface="+mn-cs"/>
+      </a:defRPr>
+    </a:lvl2pPr>
+    <a:lvl3pPr marL="914400" algn="l" defTabSz="914400" rtl="0" eaLnBrk="1" latinLnBrk="0" hangingPunct="1">
+      <a:defRPr sz="1200" kern="1200">
+        <a:solidFill>
+          <a:schemeClr val="tx1"/>
+        </a:solidFill>
+        <a:latin typeface="+mn-lt"/>
+        <a:ea typeface="+mn-ea"/>
+        <a:cs typeface="+mn-cs"/>
+      </a:defRPr>
+    </a:lvl3pPr>
+    <a:lvl4pPr marL="1371600" algn="l" defTabSz="914400" rtl="0" eaLnBrk="1" latinLnBrk="0" hangingPunct="1">
+      <a:defRPr sz="1200" kern="1200">
+        <a:solidFill>
+          <a:schemeClr val="tx1"/>
+        </a:solidFill>
+        <a:latin typeface="+mn-lt"/>
+        <a:ea typeface="+mn-ea"/>
+        <a:cs typeface="+mn-cs"/>
+      </a:defRPr>
+    </a:lvl4pPr>
+    <a:lvl5pPr marL="1828800" algn="l" defTabSz="914400" rtl="0" eaLnBrk="1" latinLnBrk="0" hangingPunct="1">
+      <a:defRPr sz="1200" kern="1200">
+        <a:solidFill>
+          <a:schemeClr val="tx1"/>
+        </a:solidFill>
+        <a:latin typeface="+mn-lt"/>
+        <a:ea typeface="+mn-ea"/>
+        <a:cs typeface="+mn-cs"/>
+      </a:defRPr>
+    </a:lvl5pPr>
+    <a:lvl6pPr marL="2286000" algn="l" defTabSz="914400" rtl="0" eaLnBrk="1" latinLnBrk="0" hangingPunct="1">
+      <a:defRPr sz="1200" kern="1200">
+        <a:solidFill>
+          <a:schemeClr val="tx1"/>
+        </a:solidFill>
+        <a:latin typeface="+mn-lt"/>
+        <a:ea typeface="+mn-ea"/>
+        <a:cs typeface="+mn-cs"/>
+      </a:defRPr>
+    </a:lvl6pPr>
+    <a:lvl7pPr marL="2743200" algn="l" defTabSz="914400" rtl="0" eaLnBrk="1" latinLnBrk="0" hangingPunct="1">
+      <a:defRPr sz="1200" kern="1200">
+        <a:solidFill>
+          <a:schemeClr val="tx1"/>
+        </a:solidFill>
+        <a:latin typeface="+mn-lt"/>
+        <a:ea typeface="+mn-ea"/>
+        <a:cs typeface="+mn-cs"/>
+      </a:defRPr>
+    </a:lvl7pPr>
+    <a:lvl8pPr marL="3200400" algn="l" defTabSz="914400" rtl="0" eaLnBrk="1" latinLnBrk="0" hangingPunct="1">
+      <a:defRPr sz="1200" kern="1200">
+        <a:solidFill>
+          <a:schemeClr val="tx1"/>
+        </a:solidFill>
+        <a:latin typeface="+mn-lt"/>
+        <a:ea typeface="+mn-ea"/>
+        <a:cs typeface="+mn-cs"/>
+      </a:defRPr>
+    </a:lvl8pPr>
+    <a:lvl9pPr marL="3657600" algn="l" defTabSz="914400" rtl="0" eaLnBrk="1" latinLnBrk="0" hangingPunct="1">
+      <a:defRPr sz="1200" kern="1200">
+        <a:solidFill>
+          <a:schemeClr val="tx1"/>
+        </a:solidFill>
+        <a:latin typeface="+mn-lt"/>
+        <a:ea typeface="+mn-ea"/>
+        <a:cs typeface="+mn-cs"/>
+      </a:defRPr>
+    </a:lvl9pPr>
+  </p:notesStyle>
+</p:notesMaster>
+</file>
+
+<file path=ppt/notesSlides/notesSlide1.xml><?xml version="1.0" encoding="utf-8"?>
+<p:notes xmlns:a="http://schemas.openxmlformats.org/drawingml/2006/main" xmlns:r="http://schemas.openxmlformats.org/officeDocument/2006/relationships" xmlns:p="http://schemas.openxmlformats.org/presentationml/2006/main">
+  <p:cSld>
+    <p:spTree>
+      <p:nvGrpSpPr>
+        <p:cNvPr id="1" name=""/>
+        <p:cNvGrpSpPr/>
+        <p:nvPr/>
+      </p:nvGrpSpPr>
+      <p:grpSpPr>
+        <a:xfrm>
+          <a:off x="0" y="0"/>
+          <a:ext cx="0" cy="0"/>
+          <a:chOff x="0" y="0"/>
+          <a:chExt cx="0" cy="0"/>
+        </a:xfrm>
+      </p:grpSpPr>
+      <p:sp>
+        <p:nvSpPr>
+          <p:cNvPr id="2" name="1 Marcador de imagen de diapositiva"/>
+          <p:cNvSpPr>
+            <a:spLocks noGrp="1" noRot="1" noChangeAspect="1"/>
+          </p:cNvSpPr>
+          <p:nvPr>
+            <p:ph type="sldImg"/>
+          </p:nvPr>
+        </p:nvSpPr>
+        <p:spPr/>
+      </p:sp>
+      <p:sp>
+        <p:nvSpPr>
+          <p:cNvPr id="3" name="2 Marcador de notas"/>
+          <p:cNvSpPr>
+            <a:spLocks noGrp="1"/>
+          </p:cNvSpPr>
+          <p:nvPr>
+            <p:ph type="body" idx="1"/>
+          </p:nvPr>
+        </p:nvSpPr>
+        <p:spPr/>
+        <p:txBody>
+          <a:bodyPr>
+            <a:normAutofit/>
+          </a:bodyPr>
+          <a:lstStyle/>
+          <a:p>
+            <a:endParaRPr lang="es-ES" dirty="0"/>
+          </a:p>
+        </p:txBody>
+      </p:sp>
+      <p:sp>
+        <p:nvSpPr>
+          <p:cNvPr id="4" name="3 Marcador de número de diapositiva"/>
+          <p:cNvSpPr>
+            <a:spLocks noGrp="1"/>
+          </p:cNvSpPr>
+          <p:nvPr>
+            <p:ph type="sldNum" sz="quarter" idx="10"/>
+          </p:nvPr>
+        </p:nvSpPr>
+        <p:spPr/>
+        <p:txBody>
+          <a:bodyPr/>
+          <a:lstStyle/>
+          <a:p>
+            <a:fld id="{A427C1E4-2F91-4139-B3AA-2C1C5FF4DC8D}" type="slidenum">
+              <a:rPr lang="es-ES" smtClean="0"/>
+              <a:t>2</a:t>
+            </a:fld>
+            <a:endParaRPr lang="es-ES"/>
+          </a:p>
+        </p:txBody>
+      </p:sp>
+    </p:spTree>
+  </p:cSld>
+  <p:clrMapOvr>
+    <a:masterClrMapping/>
+  </p:clrMapOvr>
+</p:notes>
+</file>
+
 <file path=ppt/slideLayouts/slideLayout1.xml><?xml version="1.0" encoding="utf-8"?>
 <p:sldLayout xmlns:a="http://schemas.openxmlformats.org/drawingml/2006/main" xmlns:r="http://schemas.openxmlformats.org/officeDocument/2006/relationships" xmlns:p="http://schemas.openxmlformats.org/presentationml/2006/main" type="title" preserve="1">
   <p:cSld name="Diapositiva de título">
@@ -288,6 +721,7 @@
           <a:p>
             <a:fld id="{E3FFC6FC-B0CF-4CEA-9853-5C0793C182D3}" type="datetimeFigureOut">
               <a:rPr lang="es-ES" smtClean="0"/>
+              <a:pPr/>
               <a:t>25/11/2017</a:t>
             </a:fld>
             <a:endParaRPr lang="es-ES"/>
@@ -330,6 +764,7 @@
           <a:p>
             <a:fld id="{BE811892-7734-4E0A-9D84-F1435ABC1938}" type="slidenum">
               <a:rPr lang="es-ES" smtClean="0"/>
+              <a:pPr/>
               <a:t>‹Nº›</a:t>
             </a:fld>
             <a:endParaRPr lang="es-ES"/>
@@ -453,6 +888,7 @@
           <a:p>
             <a:fld id="{E3FFC6FC-B0CF-4CEA-9853-5C0793C182D3}" type="datetimeFigureOut">
               <a:rPr lang="es-ES" smtClean="0"/>
+              <a:pPr/>
               <a:t>25/11/2017</a:t>
             </a:fld>
             <a:endParaRPr lang="es-ES"/>
@@ -495,6 +931,7 @@
           <a:p>
             <a:fld id="{BE811892-7734-4E0A-9D84-F1435ABC1938}" type="slidenum">
               <a:rPr lang="es-ES" smtClean="0"/>
+              <a:pPr/>
               <a:t>‹Nº›</a:t>
             </a:fld>
             <a:endParaRPr lang="es-ES"/>
@@ -628,6 +1065,7 @@
           <a:p>
             <a:fld id="{E3FFC6FC-B0CF-4CEA-9853-5C0793C182D3}" type="datetimeFigureOut">
               <a:rPr lang="es-ES" smtClean="0"/>
+              <a:pPr/>
               <a:t>25/11/2017</a:t>
             </a:fld>
             <a:endParaRPr lang="es-ES"/>
@@ -670,6 +1108,7 @@
           <a:p>
             <a:fld id="{BE811892-7734-4E0A-9D84-F1435ABC1938}" type="slidenum">
               <a:rPr lang="es-ES" smtClean="0"/>
+              <a:pPr/>
               <a:t>‹Nº›</a:t>
             </a:fld>
             <a:endParaRPr lang="es-ES"/>
@@ -793,6 +1232,7 @@
           <a:p>
             <a:fld id="{E3FFC6FC-B0CF-4CEA-9853-5C0793C182D3}" type="datetimeFigureOut">
               <a:rPr lang="es-ES" smtClean="0"/>
+              <a:pPr/>
               <a:t>25/11/2017</a:t>
             </a:fld>
             <a:endParaRPr lang="es-ES"/>
@@ -835,6 +1275,7 @@
           <a:p>
             <a:fld id="{BE811892-7734-4E0A-9D84-F1435ABC1938}" type="slidenum">
               <a:rPr lang="es-ES" smtClean="0"/>
+              <a:pPr/>
               <a:t>‹Nº›</a:t>
             </a:fld>
             <a:endParaRPr lang="es-ES"/>
@@ -1034,6 +1475,7 @@
           <a:p>
             <a:fld id="{E3FFC6FC-B0CF-4CEA-9853-5C0793C182D3}" type="datetimeFigureOut">
               <a:rPr lang="es-ES" smtClean="0"/>
+              <a:pPr/>
               <a:t>25/11/2017</a:t>
             </a:fld>
             <a:endParaRPr lang="es-ES"/>
@@ -1076,6 +1518,7 @@
           <a:p>
             <a:fld id="{BE811892-7734-4E0A-9D84-F1435ABC1938}" type="slidenum">
               <a:rPr lang="es-ES" smtClean="0"/>
+              <a:pPr/>
               <a:t>‹Nº›</a:t>
             </a:fld>
             <a:endParaRPr lang="es-ES"/>
@@ -1317,6 +1760,7 @@
           <a:p>
             <a:fld id="{E3FFC6FC-B0CF-4CEA-9853-5C0793C182D3}" type="datetimeFigureOut">
               <a:rPr lang="es-ES" smtClean="0"/>
+              <a:pPr/>
               <a:t>25/11/2017</a:t>
             </a:fld>
             <a:endParaRPr lang="es-ES"/>
@@ -1359,6 +1803,7 @@
           <a:p>
             <a:fld id="{BE811892-7734-4E0A-9D84-F1435ABC1938}" type="slidenum">
               <a:rPr lang="es-ES" smtClean="0"/>
+              <a:pPr/>
               <a:t>‹Nº›</a:t>
             </a:fld>
             <a:endParaRPr lang="es-ES"/>
@@ -1734,6 +2179,7 @@
           <a:p>
             <a:fld id="{E3FFC6FC-B0CF-4CEA-9853-5C0793C182D3}" type="datetimeFigureOut">
               <a:rPr lang="es-ES" smtClean="0"/>
+              <a:pPr/>
               <a:t>25/11/2017</a:t>
             </a:fld>
             <a:endParaRPr lang="es-ES"/>
@@ -1776,6 +2222,7 @@
           <a:p>
             <a:fld id="{BE811892-7734-4E0A-9D84-F1435ABC1938}" type="slidenum">
               <a:rPr lang="es-ES" smtClean="0"/>
+              <a:pPr/>
               <a:t>‹Nº›</a:t>
             </a:fld>
             <a:endParaRPr lang="es-ES"/>
@@ -1847,6 +2294,7 @@
           <a:p>
             <a:fld id="{E3FFC6FC-B0CF-4CEA-9853-5C0793C182D3}" type="datetimeFigureOut">
               <a:rPr lang="es-ES" smtClean="0"/>
+              <a:pPr/>
               <a:t>25/11/2017</a:t>
             </a:fld>
             <a:endParaRPr lang="es-ES"/>
@@ -1889,6 +2337,7 @@
           <a:p>
             <a:fld id="{BE811892-7734-4E0A-9D84-F1435ABC1938}" type="slidenum">
               <a:rPr lang="es-ES" smtClean="0"/>
+              <a:pPr/>
               <a:t>‹Nº›</a:t>
             </a:fld>
             <a:endParaRPr lang="es-ES"/>
@@ -1937,6 +2386,7 @@
           <a:p>
             <a:fld id="{E3FFC6FC-B0CF-4CEA-9853-5C0793C182D3}" type="datetimeFigureOut">
               <a:rPr lang="es-ES" smtClean="0"/>
+              <a:pPr/>
               <a:t>25/11/2017</a:t>
             </a:fld>
             <a:endParaRPr lang="es-ES"/>
@@ -1979,6 +2429,7 @@
           <a:p>
             <a:fld id="{BE811892-7734-4E0A-9D84-F1435ABC1938}" type="slidenum">
               <a:rPr lang="es-ES" smtClean="0"/>
+              <a:pPr/>
               <a:t>‹Nº›</a:t>
             </a:fld>
             <a:endParaRPr lang="es-ES"/>
@@ -2209,6 +2660,7 @@
           <a:p>
             <a:fld id="{E3FFC6FC-B0CF-4CEA-9853-5C0793C182D3}" type="datetimeFigureOut">
               <a:rPr lang="es-ES" smtClean="0"/>
+              <a:pPr/>
               <a:t>25/11/2017</a:t>
             </a:fld>
             <a:endParaRPr lang="es-ES"/>
@@ -2251,6 +2703,7 @@
           <a:p>
             <a:fld id="{BE811892-7734-4E0A-9D84-F1435ABC1938}" type="slidenum">
               <a:rPr lang="es-ES" smtClean="0"/>
+              <a:pPr/>
               <a:t>‹Nº›</a:t>
             </a:fld>
             <a:endParaRPr lang="es-ES"/>
@@ -2457,6 +2910,7 @@
           <a:p>
             <a:fld id="{E3FFC6FC-B0CF-4CEA-9853-5C0793C182D3}" type="datetimeFigureOut">
               <a:rPr lang="es-ES" smtClean="0"/>
+              <a:pPr/>
               <a:t>25/11/2017</a:t>
             </a:fld>
             <a:endParaRPr lang="es-ES"/>
@@ -2499,6 +2953,7 @@
           <a:p>
             <a:fld id="{BE811892-7734-4E0A-9D84-F1435ABC1938}" type="slidenum">
               <a:rPr lang="es-ES" smtClean="0"/>
+              <a:pPr/>
               <a:t>‹Nº›</a:t>
             </a:fld>
             <a:endParaRPr lang="es-ES"/>
@@ -2665,6 +3120,7 @@
           <a:p>
             <a:fld id="{E3FFC6FC-B0CF-4CEA-9853-5C0793C182D3}" type="datetimeFigureOut">
               <a:rPr lang="es-ES" smtClean="0"/>
+              <a:pPr/>
               <a:t>25/11/2017</a:t>
             </a:fld>
             <a:endParaRPr lang="es-ES"/>
@@ -2743,6 +3199,7 @@
           <a:p>
             <a:fld id="{BE811892-7734-4E0A-9D84-F1435ABC1938}" type="slidenum">
               <a:rPr lang="es-ES" smtClean="0"/>
+              <a:pPr/>
               <a:t>‹Nº›</a:t>
             </a:fld>
             <a:endParaRPr lang="es-ES"/>
@@ -3616,7 +4073,7 @@
         </p:nvSpPr>
         <p:spPr>
           <a:xfrm>
-            <a:off x="291508" y="188640"/>
+            <a:off x="35496" y="44624"/>
             <a:ext cx="2696316" cy="769441"/>
           </a:xfrm>
           <a:prstGeom prst="rect">
@@ -3685,6 +4142,2618 @@
                 </a:effectLst>
               </a:rPr>
               <a:t>horaVálida</a:t>
+            </a:r>
+            <a:endParaRPr lang="es-ES" sz="4400" b="1" cap="none" spc="0" dirty="0">
+              <a:ln w="17780" cmpd="sng">
+                <a:solidFill>
+                  <a:srgbClr val="FFFFFF"/>
+                </a:solidFill>
+                <a:prstDash val="solid"/>
+                <a:miter lim="800000"/>
+              </a:ln>
+              <a:gradFill rotWithShape="1">
+                <a:gsLst>
+                  <a:gs pos="0">
+                    <a:srgbClr val="000000">
+                      <a:tint val="92000"/>
+                      <a:shade val="100000"/>
+                      <a:satMod val="150000"/>
+                    </a:srgbClr>
+                  </a:gs>
+                  <a:gs pos="49000">
+                    <a:srgbClr val="000000">
+                      <a:tint val="89000"/>
+                      <a:shade val="90000"/>
+                      <a:satMod val="150000"/>
+                    </a:srgbClr>
+                  </a:gs>
+                  <a:gs pos="50000">
+                    <a:srgbClr val="000000">
+                      <a:tint val="100000"/>
+                      <a:shade val="75000"/>
+                      <a:satMod val="150000"/>
+                    </a:srgbClr>
+                  </a:gs>
+                  <a:gs pos="95000">
+                    <a:srgbClr val="000000">
+                      <a:shade val="47000"/>
+                      <a:satMod val="150000"/>
+                    </a:srgbClr>
+                  </a:gs>
+                  <a:gs pos="100000">
+                    <a:srgbClr val="000000">
+                      <a:shade val="39000"/>
+                      <a:satMod val="150000"/>
+                    </a:srgbClr>
+                  </a:gs>
+                </a:gsLst>
+                <a:lin ang="5400000"/>
+              </a:gradFill>
+              <a:effectLst>
+                <a:outerShdw blurRad="50800" algn="tl" rotWithShape="0">
+                  <a:srgbClr val="000000"/>
+                </a:outerShdw>
+              </a:effectLst>
+            </a:endParaRPr>
+          </a:p>
+        </p:txBody>
+      </p:sp>
+    </p:spTree>
+  </p:cSld>
+  <p:clrMapOvr>
+    <a:masterClrMapping/>
+  </p:clrMapOvr>
+</p:sld>
+</file>
+
+<file path=ppt/slides/slide2.xml><?xml version="1.0" encoding="utf-8"?>
+<p:sld xmlns:a="http://schemas.openxmlformats.org/drawingml/2006/main" xmlns:r="http://schemas.openxmlformats.org/officeDocument/2006/relationships" xmlns:p="http://schemas.openxmlformats.org/presentationml/2006/main">
+  <p:cSld>
+    <p:spTree>
+      <p:nvGrpSpPr>
+        <p:cNvPr id="1" name=""/>
+        <p:cNvGrpSpPr/>
+        <p:nvPr/>
+      </p:nvGrpSpPr>
+      <p:grpSpPr>
+        <a:xfrm>
+          <a:off x="0" y="0"/>
+          <a:ext cx="0" cy="0"/>
+          <a:chOff x="0" y="0"/>
+          <a:chExt cx="0" cy="0"/>
+        </a:xfrm>
+      </p:grpSpPr>
+      <p:sp>
+        <p:nvSpPr>
+          <p:cNvPr id="4" name="3 Conector"/>
+          <p:cNvSpPr/>
+          <p:nvPr/>
+        </p:nvSpPr>
+        <p:spPr>
+          <a:xfrm>
+            <a:off x="5966647" y="116632"/>
+            <a:ext cx="504056" cy="504056"/>
+          </a:xfrm>
+          <a:prstGeom prst="flowChartConnector">
+            <a:avLst/>
+          </a:prstGeom>
+          <a:solidFill>
+            <a:srgbClr val="F9B67F"/>
+          </a:solidFill>
+          <a:ln>
+            <a:solidFill>
+              <a:schemeClr val="accent6">
+                <a:lumMod val="50000"/>
+              </a:schemeClr>
+            </a:solidFill>
+          </a:ln>
+        </p:spPr>
+        <p:style>
+          <a:lnRef idx="2">
+            <a:schemeClr val="accent1">
+              <a:shade val="50000"/>
+            </a:schemeClr>
+          </a:lnRef>
+          <a:fillRef idx="1">
+            <a:schemeClr val="accent1"/>
+          </a:fillRef>
+          <a:effectRef idx="0">
+            <a:schemeClr val="accent1"/>
+          </a:effectRef>
+          <a:fontRef idx="minor">
+            <a:schemeClr val="lt1"/>
+          </a:fontRef>
+        </p:style>
+        <p:txBody>
+          <a:bodyPr rtlCol="0" anchor="ctr"/>
+          <a:lstStyle/>
+          <a:p>
+            <a:pPr algn="ctr"/>
+            <a:endParaRPr lang="es-ES"/>
+          </a:p>
+        </p:txBody>
+      </p:sp>
+      <p:sp>
+        <p:nvSpPr>
+          <p:cNvPr id="5" name="4 Conector"/>
+          <p:cNvSpPr/>
+          <p:nvPr/>
+        </p:nvSpPr>
+        <p:spPr>
+          <a:xfrm>
+            <a:off x="5940152" y="6165304"/>
+            <a:ext cx="576064" cy="576064"/>
+          </a:xfrm>
+          <a:prstGeom prst="flowChartConnector">
+            <a:avLst/>
+          </a:prstGeom>
+          <a:solidFill>
+            <a:srgbClr val="F9B67F"/>
+          </a:solidFill>
+          <a:ln>
+            <a:solidFill>
+              <a:schemeClr val="accent6">
+                <a:lumMod val="50000"/>
+              </a:schemeClr>
+            </a:solidFill>
+          </a:ln>
+        </p:spPr>
+        <p:style>
+          <a:lnRef idx="2">
+            <a:schemeClr val="accent1">
+              <a:shade val="50000"/>
+            </a:schemeClr>
+          </a:lnRef>
+          <a:fillRef idx="1">
+            <a:schemeClr val="accent1"/>
+          </a:fillRef>
+          <a:effectRef idx="0">
+            <a:schemeClr val="accent1"/>
+          </a:effectRef>
+          <a:fontRef idx="minor">
+            <a:schemeClr val="lt1"/>
+          </a:fontRef>
+        </p:style>
+        <p:txBody>
+          <a:bodyPr rtlCol="0" anchor="ctr"/>
+          <a:lstStyle/>
+          <a:p>
+            <a:pPr algn="ctr"/>
+            <a:endParaRPr lang="es-ES"/>
+          </a:p>
+        </p:txBody>
+      </p:sp>
+      <p:sp>
+        <p:nvSpPr>
+          <p:cNvPr id="6" name="5 Proceso"/>
+          <p:cNvSpPr/>
+          <p:nvPr/>
+        </p:nvSpPr>
+        <p:spPr>
+          <a:xfrm>
+            <a:off x="5318575" y="764704"/>
+            <a:ext cx="1800200" cy="864096"/>
+          </a:xfrm>
+          <a:prstGeom prst="flowChartProcess">
+            <a:avLst/>
+          </a:prstGeom>
+          <a:solidFill>
+            <a:srgbClr val="7CA1CE"/>
+          </a:solidFill>
+        </p:spPr>
+        <p:style>
+          <a:lnRef idx="2">
+            <a:schemeClr val="accent1">
+              <a:shade val="50000"/>
+            </a:schemeClr>
+          </a:lnRef>
+          <a:fillRef idx="1">
+            <a:schemeClr val="accent1"/>
+          </a:fillRef>
+          <a:effectRef idx="0">
+            <a:schemeClr val="accent1"/>
+          </a:effectRef>
+          <a:fontRef idx="minor">
+            <a:schemeClr val="lt1"/>
+          </a:fontRef>
+        </p:style>
+        <p:txBody>
+          <a:bodyPr rtlCol="0" anchor="ctr"/>
+          <a:lstStyle/>
+          <a:p>
+            <a:pPr algn="ctr"/>
+            <a:r>
+              <a:rPr lang="es-ES" dirty="0" smtClean="0"/>
+              <a:t>Lee</a:t>
+            </a:r>
+            <a:r>
+              <a:rPr lang="es-ES" dirty="0" smtClean="0"/>
+              <a:t> “edad”</a:t>
+            </a:r>
+            <a:endParaRPr lang="es-ES" dirty="0"/>
+          </a:p>
+        </p:txBody>
+      </p:sp>
+      <p:cxnSp>
+        <p:nvCxnSpPr>
+          <p:cNvPr id="9" name="8 Conector recto"/>
+          <p:cNvCxnSpPr>
+            <a:stCxn id="6" idx="0"/>
+            <a:endCxn id="4" idx="4"/>
+          </p:cNvCxnSpPr>
+          <p:nvPr/>
+        </p:nvCxnSpPr>
+        <p:spPr>
+          <a:xfrm flipV="1">
+            <a:off x="6218675" y="620688"/>
+            <a:ext cx="0" cy="144016"/>
+          </a:xfrm>
+          <a:prstGeom prst="line">
+            <a:avLst/>
+          </a:prstGeom>
+        </p:spPr>
+        <p:style>
+          <a:lnRef idx="1">
+            <a:schemeClr val="accent1"/>
+          </a:lnRef>
+          <a:fillRef idx="0">
+            <a:schemeClr val="accent1"/>
+          </a:fillRef>
+          <a:effectRef idx="0">
+            <a:schemeClr val="accent1"/>
+          </a:effectRef>
+          <a:fontRef idx="minor">
+            <a:schemeClr val="tx1"/>
+          </a:fontRef>
+        </p:style>
+      </p:cxnSp>
+      <p:sp>
+        <p:nvSpPr>
+          <p:cNvPr id="20" name="19 CuadroTexto"/>
+          <p:cNvSpPr txBox="1"/>
+          <p:nvPr/>
+        </p:nvSpPr>
+        <p:spPr>
+          <a:xfrm>
+            <a:off x="4211960" y="1556792"/>
+            <a:ext cx="504056" cy="369332"/>
+          </a:xfrm>
+          <a:prstGeom prst="rect">
+            <a:avLst/>
+          </a:prstGeom>
+          <a:noFill/>
+        </p:spPr>
+        <p:txBody>
+          <a:bodyPr wrap="square" rtlCol="0">
+            <a:spAutoFit/>
+          </a:bodyPr>
+          <a:lstStyle/>
+          <a:p>
+            <a:r>
+              <a:rPr lang="es-ES" dirty="0" smtClean="0"/>
+              <a:t>No</a:t>
+            </a:r>
+            <a:endParaRPr lang="es-ES" dirty="0"/>
+          </a:p>
+        </p:txBody>
+      </p:sp>
+      <p:sp>
+        <p:nvSpPr>
+          <p:cNvPr id="24" name="23 Decisión"/>
+          <p:cNvSpPr/>
+          <p:nvPr/>
+        </p:nvSpPr>
+        <p:spPr>
+          <a:xfrm>
+            <a:off x="4932040" y="3212976"/>
+            <a:ext cx="2592288" cy="1224136"/>
+          </a:xfrm>
+          <a:prstGeom prst="flowChartDecision">
+            <a:avLst/>
+          </a:prstGeom>
+          <a:solidFill>
+            <a:srgbClr val="C96765"/>
+          </a:solidFill>
+          <a:ln>
+            <a:solidFill>
+              <a:srgbClr val="C00000"/>
+            </a:solidFill>
+          </a:ln>
+        </p:spPr>
+        <p:style>
+          <a:lnRef idx="2">
+            <a:schemeClr val="accent1">
+              <a:shade val="50000"/>
+            </a:schemeClr>
+          </a:lnRef>
+          <a:fillRef idx="1">
+            <a:schemeClr val="accent1"/>
+          </a:fillRef>
+          <a:effectRef idx="0">
+            <a:schemeClr val="accent1"/>
+          </a:effectRef>
+          <a:fontRef idx="minor">
+            <a:schemeClr val="lt1"/>
+          </a:fontRef>
+        </p:style>
+        <p:txBody>
+          <a:bodyPr rtlCol="0" anchor="ctr"/>
+          <a:lstStyle/>
+          <a:p>
+            <a:r>
+              <a:rPr lang="es-ES" dirty="0" smtClean="0"/>
+              <a:t>edad&lt;18 o edad&gt;65</a:t>
+            </a:r>
+            <a:endParaRPr lang="es-ES" dirty="0"/>
+          </a:p>
+        </p:txBody>
+      </p:sp>
+      <p:sp>
+        <p:nvSpPr>
+          <p:cNvPr id="30" name="29 Proceso"/>
+          <p:cNvSpPr/>
+          <p:nvPr/>
+        </p:nvSpPr>
+        <p:spPr>
+          <a:xfrm>
+            <a:off x="5292080" y="5085184"/>
+            <a:ext cx="1872208" cy="864096"/>
+          </a:xfrm>
+          <a:prstGeom prst="flowChartProcess">
+            <a:avLst/>
+          </a:prstGeom>
+          <a:solidFill>
+            <a:srgbClr val="7CA1CE"/>
+          </a:solidFill>
+        </p:spPr>
+        <p:style>
+          <a:lnRef idx="2">
+            <a:schemeClr val="accent1">
+              <a:shade val="50000"/>
+            </a:schemeClr>
+          </a:lnRef>
+          <a:fillRef idx="1">
+            <a:schemeClr val="accent1"/>
+          </a:fillRef>
+          <a:effectRef idx="0">
+            <a:schemeClr val="accent1"/>
+          </a:effectRef>
+          <a:fontRef idx="minor">
+            <a:schemeClr val="lt1"/>
+          </a:fontRef>
+        </p:style>
+        <p:txBody>
+          <a:bodyPr rtlCol="0" anchor="ctr"/>
+          <a:lstStyle/>
+          <a:p>
+            <a:pPr algn="ctr"/>
+            <a:r>
+              <a:rPr lang="es-ES" dirty="0" smtClean="0"/>
+              <a:t>Escribe “tienes descuento”</a:t>
+            </a:r>
+            <a:endParaRPr lang="es-ES" dirty="0"/>
+          </a:p>
+        </p:txBody>
+      </p:sp>
+      <p:sp>
+        <p:nvSpPr>
+          <p:cNvPr id="33" name="32 Preparación"/>
+          <p:cNvSpPr/>
+          <p:nvPr/>
+        </p:nvSpPr>
+        <p:spPr>
+          <a:xfrm>
+            <a:off x="2555776" y="3356992"/>
+            <a:ext cx="1979712" cy="936104"/>
+          </a:xfrm>
+          <a:prstGeom prst="flowChartPreparation">
+            <a:avLst/>
+          </a:prstGeom>
+          <a:solidFill>
+            <a:srgbClr val="B8CF8B"/>
+          </a:solidFill>
+          <a:ln>
+            <a:solidFill>
+              <a:schemeClr val="accent3">
+                <a:lumMod val="50000"/>
+              </a:schemeClr>
+            </a:solidFill>
+          </a:ln>
+        </p:spPr>
+        <p:style>
+          <a:lnRef idx="2">
+            <a:schemeClr val="accent1">
+              <a:shade val="50000"/>
+            </a:schemeClr>
+          </a:lnRef>
+          <a:fillRef idx="1">
+            <a:schemeClr val="accent1"/>
+          </a:fillRef>
+          <a:effectRef idx="0">
+            <a:schemeClr val="accent1"/>
+          </a:effectRef>
+          <a:fontRef idx="minor">
+            <a:schemeClr val="lt1"/>
+          </a:fontRef>
+        </p:style>
+        <p:txBody>
+          <a:bodyPr rtlCol="0" anchor="ctr"/>
+          <a:lstStyle/>
+          <a:p>
+            <a:pPr algn="ctr"/>
+            <a:r>
+              <a:rPr lang="es-ES" dirty="0" smtClean="0"/>
+              <a:t>Opción</a:t>
+            </a:r>
+          </a:p>
+          <a:p>
+            <a:pPr algn="ctr"/>
+            <a:r>
+              <a:rPr lang="es-ES" dirty="0" smtClean="0"/>
+              <a:t>Descuento</a:t>
+            </a:r>
+            <a:endParaRPr lang="es-ES" dirty="0"/>
+          </a:p>
+        </p:txBody>
+      </p:sp>
+      <p:cxnSp>
+        <p:nvCxnSpPr>
+          <p:cNvPr id="51" name="50 Conector recto de flecha"/>
+          <p:cNvCxnSpPr>
+            <a:stCxn id="24" idx="2"/>
+            <a:endCxn id="30" idx="0"/>
+          </p:cNvCxnSpPr>
+          <p:nvPr/>
+        </p:nvCxnSpPr>
+        <p:spPr>
+          <a:xfrm>
+            <a:off x="6228184" y="4437112"/>
+            <a:ext cx="0" cy="648072"/>
+          </a:xfrm>
+          <a:prstGeom prst="straightConnector1">
+            <a:avLst/>
+          </a:prstGeom>
+          <a:ln>
+            <a:tailEnd type="arrow"/>
+          </a:ln>
+        </p:spPr>
+        <p:style>
+          <a:lnRef idx="1">
+            <a:schemeClr val="accent1"/>
+          </a:lnRef>
+          <a:fillRef idx="0">
+            <a:schemeClr val="accent1"/>
+          </a:fillRef>
+          <a:effectRef idx="0">
+            <a:schemeClr val="accent1"/>
+          </a:effectRef>
+          <a:fontRef idx="minor">
+            <a:schemeClr val="tx1"/>
+          </a:fontRef>
+        </p:style>
+      </p:cxnSp>
+      <p:cxnSp>
+        <p:nvCxnSpPr>
+          <p:cNvPr id="54" name="53 Conector recto de flecha"/>
+          <p:cNvCxnSpPr>
+            <a:stCxn id="24" idx="1"/>
+            <a:endCxn id="33" idx="3"/>
+          </p:cNvCxnSpPr>
+          <p:nvPr/>
+        </p:nvCxnSpPr>
+        <p:spPr>
+          <a:xfrm flipH="1">
+            <a:off x="4535488" y="3825044"/>
+            <a:ext cx="396552" cy="0"/>
+          </a:xfrm>
+          <a:prstGeom prst="straightConnector1">
+            <a:avLst/>
+          </a:prstGeom>
+          <a:ln>
+            <a:tailEnd type="arrow"/>
+          </a:ln>
+        </p:spPr>
+        <p:style>
+          <a:lnRef idx="1">
+            <a:schemeClr val="accent1"/>
+          </a:lnRef>
+          <a:fillRef idx="0">
+            <a:schemeClr val="accent1"/>
+          </a:fillRef>
+          <a:effectRef idx="0">
+            <a:schemeClr val="accent1"/>
+          </a:effectRef>
+          <a:fontRef idx="minor">
+            <a:schemeClr val="tx1"/>
+          </a:fontRef>
+        </p:style>
+      </p:cxnSp>
+      <p:cxnSp>
+        <p:nvCxnSpPr>
+          <p:cNvPr id="77" name="76 Conector angular"/>
+          <p:cNvCxnSpPr>
+            <a:stCxn id="33" idx="2"/>
+            <a:endCxn id="30" idx="0"/>
+          </p:cNvCxnSpPr>
+          <p:nvPr/>
+        </p:nvCxnSpPr>
+        <p:spPr>
+          <a:xfrm rot="16200000" flipH="1">
+            <a:off x="4490864" y="3347864"/>
+            <a:ext cx="792088" cy="2682552"/>
+          </a:xfrm>
+          <a:prstGeom prst="bentConnector3">
+            <a:avLst>
+              <a:gd name="adj1" fmla="val 65248"/>
+            </a:avLst>
+          </a:prstGeom>
+          <a:ln>
+            <a:tailEnd type="arrow"/>
+          </a:ln>
+        </p:spPr>
+        <p:style>
+          <a:lnRef idx="1">
+            <a:schemeClr val="accent1"/>
+          </a:lnRef>
+          <a:fillRef idx="0">
+            <a:schemeClr val="accent1"/>
+          </a:fillRef>
+          <a:effectRef idx="0">
+            <a:schemeClr val="accent1"/>
+          </a:effectRef>
+          <a:fontRef idx="minor">
+            <a:schemeClr val="tx1"/>
+          </a:fontRef>
+        </p:style>
+      </p:cxnSp>
+      <p:cxnSp>
+        <p:nvCxnSpPr>
+          <p:cNvPr id="108" name="107 Conector angular"/>
+          <p:cNvCxnSpPr>
+            <a:stCxn id="33" idx="2"/>
+          </p:cNvCxnSpPr>
+          <p:nvPr/>
+        </p:nvCxnSpPr>
+        <p:spPr>
+          <a:xfrm rot="5400000">
+            <a:off x="2654660" y="4626260"/>
+            <a:ext cx="1224136" cy="557808"/>
+          </a:xfrm>
+          <a:prstGeom prst="bentConnector3">
+            <a:avLst>
+              <a:gd name="adj1" fmla="val 42249"/>
+            </a:avLst>
+          </a:prstGeom>
+        </p:spPr>
+        <p:style>
+          <a:lnRef idx="1">
+            <a:schemeClr val="accent1"/>
+          </a:lnRef>
+          <a:fillRef idx="0">
+            <a:schemeClr val="accent1"/>
+          </a:fillRef>
+          <a:effectRef idx="0">
+            <a:schemeClr val="accent1"/>
+          </a:effectRef>
+          <a:fontRef idx="minor">
+            <a:schemeClr val="tx1"/>
+          </a:fontRef>
+        </p:style>
+      </p:cxnSp>
+      <p:sp>
+        <p:nvSpPr>
+          <p:cNvPr id="116" name="115 Proceso"/>
+          <p:cNvSpPr/>
+          <p:nvPr/>
+        </p:nvSpPr>
+        <p:spPr>
+          <a:xfrm>
+            <a:off x="467544" y="5157192"/>
+            <a:ext cx="1944216" cy="864096"/>
+          </a:xfrm>
+          <a:prstGeom prst="flowChartProcess">
+            <a:avLst/>
+          </a:prstGeom>
+          <a:solidFill>
+            <a:srgbClr val="7CA1CE"/>
+          </a:solidFill>
+        </p:spPr>
+        <p:style>
+          <a:lnRef idx="2">
+            <a:schemeClr val="accent1">
+              <a:shade val="50000"/>
+            </a:schemeClr>
+          </a:lnRef>
+          <a:fillRef idx="1">
+            <a:schemeClr val="accent1"/>
+          </a:fillRef>
+          <a:effectRef idx="0">
+            <a:schemeClr val="accent1"/>
+          </a:effectRef>
+          <a:fontRef idx="minor">
+            <a:schemeClr val="lt1"/>
+          </a:fontRef>
+        </p:style>
+        <p:txBody>
+          <a:bodyPr rtlCol="0" anchor="ctr"/>
+          <a:lstStyle/>
+          <a:p>
+            <a:pPr algn="ctr"/>
+            <a:r>
+              <a:rPr lang="es-ES" dirty="0" smtClean="0"/>
+              <a:t>Escribe “no tienes descuento”</a:t>
+            </a:r>
+            <a:endParaRPr lang="es-ES" dirty="0"/>
+          </a:p>
+        </p:txBody>
+      </p:sp>
+      <p:cxnSp>
+        <p:nvCxnSpPr>
+          <p:cNvPr id="118" name="117 Conector angular"/>
+          <p:cNvCxnSpPr>
+            <a:stCxn id="33" idx="2"/>
+            <a:endCxn id="116" idx="0"/>
+          </p:cNvCxnSpPr>
+          <p:nvPr/>
+        </p:nvCxnSpPr>
+        <p:spPr>
+          <a:xfrm rot="5400000">
+            <a:off x="2060594" y="3672154"/>
+            <a:ext cx="864096" cy="2105980"/>
+          </a:xfrm>
+          <a:prstGeom prst="bentConnector3">
+            <a:avLst>
+              <a:gd name="adj1" fmla="val 59983"/>
+            </a:avLst>
+          </a:prstGeom>
+          <a:ln>
+            <a:tailEnd type="arrow"/>
+          </a:ln>
+        </p:spPr>
+        <p:style>
+          <a:lnRef idx="1">
+            <a:schemeClr val="accent1"/>
+          </a:lnRef>
+          <a:fillRef idx="0">
+            <a:schemeClr val="accent1"/>
+          </a:fillRef>
+          <a:effectRef idx="0">
+            <a:schemeClr val="accent1"/>
+          </a:effectRef>
+          <a:fontRef idx="minor">
+            <a:schemeClr val="tx1"/>
+          </a:fontRef>
+        </p:style>
+      </p:cxnSp>
+      <p:cxnSp>
+        <p:nvCxnSpPr>
+          <p:cNvPr id="123" name="122 Conector angular"/>
+          <p:cNvCxnSpPr>
+            <a:stCxn id="33" idx="2"/>
+          </p:cNvCxnSpPr>
+          <p:nvPr/>
+        </p:nvCxnSpPr>
+        <p:spPr>
+          <a:xfrm rot="16200000" flipH="1">
+            <a:off x="3374740" y="4463988"/>
+            <a:ext cx="1224136" cy="882352"/>
+          </a:xfrm>
+          <a:prstGeom prst="bentConnector3">
+            <a:avLst>
+              <a:gd name="adj1" fmla="val 42953"/>
+            </a:avLst>
+          </a:prstGeom>
+        </p:spPr>
+        <p:style>
+          <a:lnRef idx="1">
+            <a:schemeClr val="accent1"/>
+          </a:lnRef>
+          <a:fillRef idx="0">
+            <a:schemeClr val="accent1"/>
+          </a:fillRef>
+          <a:effectRef idx="0">
+            <a:schemeClr val="accent1"/>
+          </a:effectRef>
+          <a:fontRef idx="minor">
+            <a:schemeClr val="tx1"/>
+          </a:fontRef>
+        </p:style>
+      </p:cxnSp>
+      <p:cxnSp>
+        <p:nvCxnSpPr>
+          <p:cNvPr id="141" name="140 Conector recto"/>
+          <p:cNvCxnSpPr>
+            <a:stCxn id="30" idx="2"/>
+            <a:endCxn id="5" idx="0"/>
+          </p:cNvCxnSpPr>
+          <p:nvPr/>
+        </p:nvCxnSpPr>
+        <p:spPr>
+          <a:xfrm>
+            <a:off x="6228184" y="5949280"/>
+            <a:ext cx="0" cy="216024"/>
+          </a:xfrm>
+          <a:prstGeom prst="line">
+            <a:avLst/>
+          </a:prstGeom>
+        </p:spPr>
+        <p:style>
+          <a:lnRef idx="1">
+            <a:schemeClr val="accent1"/>
+          </a:lnRef>
+          <a:fillRef idx="0">
+            <a:schemeClr val="accent1"/>
+          </a:fillRef>
+          <a:effectRef idx="0">
+            <a:schemeClr val="accent1"/>
+          </a:effectRef>
+          <a:fontRef idx="minor">
+            <a:schemeClr val="tx1"/>
+          </a:fontRef>
+        </p:style>
+      </p:cxnSp>
+      <p:sp>
+        <p:nvSpPr>
+          <p:cNvPr id="144" name="143 CuadroTexto"/>
+          <p:cNvSpPr txBox="1"/>
+          <p:nvPr/>
+        </p:nvSpPr>
+        <p:spPr>
+          <a:xfrm>
+            <a:off x="6228184" y="4437112"/>
+            <a:ext cx="360040" cy="369332"/>
+          </a:xfrm>
+          <a:prstGeom prst="rect">
+            <a:avLst/>
+          </a:prstGeom>
+          <a:noFill/>
+        </p:spPr>
+        <p:txBody>
+          <a:bodyPr wrap="square" rtlCol="0">
+            <a:spAutoFit/>
+          </a:bodyPr>
+          <a:lstStyle/>
+          <a:p>
+            <a:r>
+              <a:rPr lang="es-ES" dirty="0" smtClean="0"/>
+              <a:t>Sí</a:t>
+            </a:r>
+            <a:endParaRPr lang="es-ES" dirty="0"/>
+          </a:p>
+        </p:txBody>
+      </p:sp>
+      <p:cxnSp>
+        <p:nvCxnSpPr>
+          <p:cNvPr id="169" name="168 Conector recto"/>
+          <p:cNvCxnSpPr>
+            <a:stCxn id="116" idx="2"/>
+            <a:endCxn id="5" idx="2"/>
+          </p:cNvCxnSpPr>
+          <p:nvPr/>
+        </p:nvCxnSpPr>
+        <p:spPr>
+          <a:xfrm rot="16200000" flipH="1">
+            <a:off x="3473878" y="3987062"/>
+            <a:ext cx="432048" cy="4500500"/>
+          </a:xfrm>
+          <a:prstGeom prst="bentConnector2">
+            <a:avLst/>
+          </a:prstGeom>
+        </p:spPr>
+        <p:style>
+          <a:lnRef idx="1">
+            <a:schemeClr val="accent1"/>
+          </a:lnRef>
+          <a:fillRef idx="0">
+            <a:schemeClr val="accent1"/>
+          </a:fillRef>
+          <a:effectRef idx="0">
+            <a:schemeClr val="accent1"/>
+          </a:effectRef>
+          <a:fontRef idx="minor">
+            <a:schemeClr val="tx1"/>
+          </a:fontRef>
+        </p:style>
+      </p:cxnSp>
+      <p:sp>
+        <p:nvSpPr>
+          <p:cNvPr id="171" name="170 CuadroTexto"/>
+          <p:cNvSpPr txBox="1"/>
+          <p:nvPr/>
+        </p:nvSpPr>
+        <p:spPr>
+          <a:xfrm>
+            <a:off x="3779912" y="4509120"/>
+            <a:ext cx="2088232" cy="276999"/>
+          </a:xfrm>
+          <a:prstGeom prst="rect">
+            <a:avLst/>
+          </a:prstGeom>
+          <a:noFill/>
+        </p:spPr>
+        <p:txBody>
+          <a:bodyPr wrap="square" rtlCol="0">
+            <a:spAutoFit/>
+          </a:bodyPr>
+          <a:lstStyle/>
+          <a:p>
+            <a:r>
+              <a:rPr lang="es-ES" sz="1200" dirty="0" smtClean="0"/>
+              <a:t>Caso 1: Familia numerosa</a:t>
+            </a:r>
+            <a:endParaRPr lang="es-ES" sz="1200" dirty="0"/>
+          </a:p>
+        </p:txBody>
+      </p:sp>
+      <p:sp>
+        <p:nvSpPr>
+          <p:cNvPr id="172" name="171 CuadroTexto"/>
+          <p:cNvSpPr txBox="1"/>
+          <p:nvPr/>
+        </p:nvSpPr>
+        <p:spPr>
+          <a:xfrm>
+            <a:off x="4427984" y="5055567"/>
+            <a:ext cx="648072" cy="461665"/>
+          </a:xfrm>
+          <a:prstGeom prst="rect">
+            <a:avLst/>
+          </a:prstGeom>
+          <a:noFill/>
+        </p:spPr>
+        <p:txBody>
+          <a:bodyPr wrap="square" rtlCol="0">
+            <a:spAutoFit/>
+          </a:bodyPr>
+          <a:lstStyle/>
+          <a:p>
+            <a:r>
+              <a:rPr lang="es-ES" sz="1200" dirty="0" smtClean="0"/>
+              <a:t>Caso 2: </a:t>
+            </a:r>
+          </a:p>
+          <a:p>
+            <a:r>
+              <a:rPr lang="es-ES" sz="1200" dirty="0" smtClean="0"/>
+              <a:t>Paro</a:t>
+            </a:r>
+            <a:endParaRPr lang="es-ES" sz="1200" dirty="0"/>
+          </a:p>
+        </p:txBody>
+      </p:sp>
+      <p:sp>
+        <p:nvSpPr>
+          <p:cNvPr id="175" name="174 CuadroTexto"/>
+          <p:cNvSpPr txBox="1"/>
+          <p:nvPr/>
+        </p:nvSpPr>
+        <p:spPr>
+          <a:xfrm>
+            <a:off x="2987824" y="4941168"/>
+            <a:ext cx="1008112" cy="646331"/>
+          </a:xfrm>
+          <a:prstGeom prst="rect">
+            <a:avLst/>
+          </a:prstGeom>
+          <a:noFill/>
+        </p:spPr>
+        <p:txBody>
+          <a:bodyPr wrap="square" rtlCol="0">
+            <a:spAutoFit/>
+          </a:bodyPr>
+          <a:lstStyle/>
+          <a:p>
+            <a:r>
+              <a:rPr lang="es-ES" sz="1200" dirty="0" smtClean="0"/>
+              <a:t>Caso 3: Cliente </a:t>
+            </a:r>
+            <a:r>
+              <a:rPr lang="es-ES" sz="1200" dirty="0" err="1" smtClean="0"/>
+              <a:t>premium</a:t>
+            </a:r>
+            <a:endParaRPr lang="es-ES" sz="1200" dirty="0"/>
+          </a:p>
+        </p:txBody>
+      </p:sp>
+      <p:sp>
+        <p:nvSpPr>
+          <p:cNvPr id="176" name="175 CuadroTexto"/>
+          <p:cNvSpPr txBox="1"/>
+          <p:nvPr/>
+        </p:nvSpPr>
+        <p:spPr>
+          <a:xfrm>
+            <a:off x="1115616" y="4509120"/>
+            <a:ext cx="2448272" cy="276999"/>
+          </a:xfrm>
+          <a:prstGeom prst="rect">
+            <a:avLst/>
+          </a:prstGeom>
+          <a:noFill/>
+        </p:spPr>
+        <p:txBody>
+          <a:bodyPr wrap="square" rtlCol="0">
+            <a:spAutoFit/>
+          </a:bodyPr>
+          <a:lstStyle/>
+          <a:p>
+            <a:r>
+              <a:rPr lang="es-ES" sz="1200" dirty="0" smtClean="0"/>
+              <a:t>Caso 4: Ninguna de las anteriores</a:t>
+            </a:r>
+            <a:endParaRPr lang="es-ES" sz="1200" dirty="0"/>
+          </a:p>
+        </p:txBody>
+      </p:sp>
+      <p:cxnSp>
+        <p:nvCxnSpPr>
+          <p:cNvPr id="183" name="182 Conector recto de flecha"/>
+          <p:cNvCxnSpPr/>
+          <p:nvPr/>
+        </p:nvCxnSpPr>
+        <p:spPr>
+          <a:xfrm>
+            <a:off x="2987824" y="5517232"/>
+            <a:ext cx="2304256" cy="0"/>
+          </a:xfrm>
+          <a:prstGeom prst="straightConnector1">
+            <a:avLst/>
+          </a:prstGeom>
+          <a:ln>
+            <a:tailEnd type="arrow"/>
+          </a:ln>
+        </p:spPr>
+        <p:style>
+          <a:lnRef idx="1">
+            <a:schemeClr val="accent1"/>
+          </a:lnRef>
+          <a:fillRef idx="0">
+            <a:schemeClr val="accent1"/>
+          </a:fillRef>
+          <a:effectRef idx="0">
+            <a:schemeClr val="accent1"/>
+          </a:effectRef>
+          <a:fontRef idx="minor">
+            <a:schemeClr val="tx1"/>
+          </a:fontRef>
+        </p:style>
+      </p:cxnSp>
+      <p:sp>
+        <p:nvSpPr>
+          <p:cNvPr id="190" name="189 Rectángulo"/>
+          <p:cNvSpPr/>
+          <p:nvPr/>
+        </p:nvSpPr>
+        <p:spPr>
+          <a:xfrm>
+            <a:off x="35496" y="67271"/>
+            <a:ext cx="2833276" cy="769441"/>
+          </a:xfrm>
+          <a:prstGeom prst="rect">
+            <a:avLst/>
+          </a:prstGeom>
+          <a:noFill/>
+        </p:spPr>
+        <p:txBody>
+          <a:bodyPr wrap="none" lIns="91440" tIns="45720" rIns="91440" bIns="45720">
+            <a:spAutoFit/>
+          </a:bodyPr>
+          <a:lstStyle/>
+          <a:p>
+            <a:pPr algn="ctr"/>
+            <a:r>
+              <a:rPr lang="es-ES" sz="4400" b="1" dirty="0" smtClean="0">
+                <a:ln w="17780" cmpd="sng">
+                  <a:solidFill>
+                    <a:srgbClr val="FFFFFF"/>
+                  </a:solidFill>
+                  <a:prstDash val="solid"/>
+                  <a:miter lim="800000"/>
+                </a:ln>
+                <a:gradFill rotWithShape="1">
+                  <a:gsLst>
+                    <a:gs pos="0">
+                      <a:srgbClr val="000000">
+                        <a:tint val="92000"/>
+                        <a:shade val="100000"/>
+                        <a:satMod val="150000"/>
+                      </a:srgbClr>
+                    </a:gs>
+                    <a:gs pos="49000">
+                      <a:srgbClr val="000000">
+                        <a:tint val="89000"/>
+                        <a:shade val="90000"/>
+                        <a:satMod val="150000"/>
+                      </a:srgbClr>
+                    </a:gs>
+                    <a:gs pos="50000">
+                      <a:srgbClr val="000000">
+                        <a:tint val="100000"/>
+                        <a:shade val="75000"/>
+                        <a:satMod val="150000"/>
+                      </a:srgbClr>
+                    </a:gs>
+                    <a:gs pos="95000">
+                      <a:srgbClr val="000000">
+                        <a:shade val="47000"/>
+                        <a:satMod val="150000"/>
+                      </a:srgbClr>
+                    </a:gs>
+                    <a:gs pos="100000">
+                      <a:srgbClr val="000000">
+                        <a:shade val="39000"/>
+                        <a:satMod val="150000"/>
+                      </a:srgbClr>
+                    </a:gs>
+                  </a:gsLst>
+                  <a:lin ang="5400000"/>
+                </a:gradFill>
+                <a:effectLst>
+                  <a:outerShdw blurRad="50800" algn="tl" rotWithShape="0">
+                    <a:srgbClr val="000000"/>
+                  </a:outerShdw>
+                </a:effectLst>
+              </a:rPr>
+              <a:t>d</a:t>
+            </a:r>
+            <a:r>
+              <a:rPr lang="es-ES" sz="4400" b="1" cap="none" spc="0" dirty="0" smtClean="0">
+                <a:ln w="17780" cmpd="sng">
+                  <a:solidFill>
+                    <a:srgbClr val="FFFFFF"/>
+                  </a:solidFill>
+                  <a:prstDash val="solid"/>
+                  <a:miter lim="800000"/>
+                </a:ln>
+                <a:gradFill rotWithShape="1">
+                  <a:gsLst>
+                    <a:gs pos="0">
+                      <a:srgbClr val="000000">
+                        <a:tint val="92000"/>
+                        <a:shade val="100000"/>
+                        <a:satMod val="150000"/>
+                      </a:srgbClr>
+                    </a:gs>
+                    <a:gs pos="49000">
+                      <a:srgbClr val="000000">
+                        <a:tint val="89000"/>
+                        <a:shade val="90000"/>
+                        <a:satMod val="150000"/>
+                      </a:srgbClr>
+                    </a:gs>
+                    <a:gs pos="50000">
+                      <a:srgbClr val="000000">
+                        <a:tint val="100000"/>
+                        <a:shade val="75000"/>
+                        <a:satMod val="150000"/>
+                      </a:srgbClr>
+                    </a:gs>
+                    <a:gs pos="95000">
+                      <a:srgbClr val="000000">
+                        <a:shade val="47000"/>
+                        <a:satMod val="150000"/>
+                      </a:srgbClr>
+                    </a:gs>
+                    <a:gs pos="100000">
+                      <a:srgbClr val="000000">
+                        <a:shade val="39000"/>
+                        <a:satMod val="150000"/>
+                      </a:srgbClr>
+                    </a:gs>
+                  </a:gsLst>
+                  <a:lin ang="5400000"/>
+                </a:gradFill>
+                <a:effectLst>
+                  <a:outerShdw blurRad="50800" algn="tl" rotWithShape="0">
+                    <a:srgbClr val="000000"/>
+                  </a:outerShdw>
+                </a:effectLst>
+              </a:rPr>
+              <a:t>escuentos</a:t>
+            </a:r>
+            <a:endParaRPr lang="es-ES" sz="4400" b="1" cap="none" spc="0" dirty="0">
+              <a:ln w="17780" cmpd="sng">
+                <a:solidFill>
+                  <a:srgbClr val="FFFFFF"/>
+                </a:solidFill>
+                <a:prstDash val="solid"/>
+                <a:miter lim="800000"/>
+              </a:ln>
+              <a:gradFill rotWithShape="1">
+                <a:gsLst>
+                  <a:gs pos="0">
+                    <a:srgbClr val="000000">
+                      <a:tint val="92000"/>
+                      <a:shade val="100000"/>
+                      <a:satMod val="150000"/>
+                    </a:srgbClr>
+                  </a:gs>
+                  <a:gs pos="49000">
+                    <a:srgbClr val="000000">
+                      <a:tint val="89000"/>
+                      <a:shade val="90000"/>
+                      <a:satMod val="150000"/>
+                    </a:srgbClr>
+                  </a:gs>
+                  <a:gs pos="50000">
+                    <a:srgbClr val="000000">
+                      <a:tint val="100000"/>
+                      <a:shade val="75000"/>
+                      <a:satMod val="150000"/>
+                    </a:srgbClr>
+                  </a:gs>
+                  <a:gs pos="95000">
+                    <a:srgbClr val="000000">
+                      <a:shade val="47000"/>
+                      <a:satMod val="150000"/>
+                    </a:srgbClr>
+                  </a:gs>
+                  <a:gs pos="100000">
+                    <a:srgbClr val="000000">
+                      <a:shade val="39000"/>
+                      <a:satMod val="150000"/>
+                    </a:srgbClr>
+                  </a:gs>
+                </a:gsLst>
+                <a:lin ang="5400000"/>
+              </a:gradFill>
+              <a:effectLst>
+                <a:outerShdw blurRad="50800" algn="tl" rotWithShape="0">
+                  <a:srgbClr val="000000"/>
+                </a:outerShdw>
+              </a:effectLst>
+            </a:endParaRPr>
+          </a:p>
+        </p:txBody>
+      </p:sp>
+      <p:sp>
+        <p:nvSpPr>
+          <p:cNvPr id="205" name="204 CuadroTexto"/>
+          <p:cNvSpPr txBox="1"/>
+          <p:nvPr/>
+        </p:nvSpPr>
+        <p:spPr>
+          <a:xfrm>
+            <a:off x="4572000" y="3491716"/>
+            <a:ext cx="504056" cy="369332"/>
+          </a:xfrm>
+          <a:prstGeom prst="rect">
+            <a:avLst/>
+          </a:prstGeom>
+          <a:noFill/>
+        </p:spPr>
+        <p:txBody>
+          <a:bodyPr wrap="square" rtlCol="0">
+            <a:spAutoFit/>
+          </a:bodyPr>
+          <a:lstStyle/>
+          <a:p>
+            <a:r>
+              <a:rPr lang="es-ES" dirty="0" smtClean="0"/>
+              <a:t>No</a:t>
+            </a:r>
+            <a:endParaRPr lang="es-ES" dirty="0"/>
+          </a:p>
+        </p:txBody>
+      </p:sp>
+      <p:sp>
+        <p:nvSpPr>
+          <p:cNvPr id="218" name="217 Datos"/>
+          <p:cNvSpPr/>
+          <p:nvPr/>
+        </p:nvSpPr>
+        <p:spPr>
+          <a:xfrm>
+            <a:off x="4860032" y="1988840"/>
+            <a:ext cx="2736304" cy="720080"/>
+          </a:xfrm>
+          <a:prstGeom prst="flowChartInputOutput">
+            <a:avLst/>
+          </a:prstGeom>
+          <a:solidFill>
+            <a:srgbClr val="9D87B7"/>
+          </a:solidFill>
+          <a:ln>
+            <a:solidFill>
+              <a:schemeClr val="accent4">
+                <a:lumMod val="50000"/>
+              </a:schemeClr>
+            </a:solidFill>
+          </a:ln>
+        </p:spPr>
+        <p:style>
+          <a:lnRef idx="2">
+            <a:schemeClr val="accent1">
+              <a:shade val="50000"/>
+            </a:schemeClr>
+          </a:lnRef>
+          <a:fillRef idx="1">
+            <a:schemeClr val="accent1"/>
+          </a:fillRef>
+          <a:effectRef idx="0">
+            <a:schemeClr val="accent1"/>
+          </a:effectRef>
+          <a:fontRef idx="minor">
+            <a:schemeClr val="lt1"/>
+          </a:fontRef>
+        </p:style>
+        <p:txBody>
+          <a:bodyPr rtlCol="0" anchor="ctr"/>
+          <a:lstStyle/>
+          <a:p>
+            <a:pPr algn="ctr"/>
+            <a:r>
+              <a:rPr lang="es-ES" dirty="0" smtClean="0"/>
+              <a:t> edad&gt;0</a:t>
+            </a:r>
+            <a:endParaRPr lang="es-ES" dirty="0"/>
+          </a:p>
+        </p:txBody>
+      </p:sp>
+      <p:cxnSp>
+        <p:nvCxnSpPr>
+          <p:cNvPr id="222" name="221 Conector angular"/>
+          <p:cNvCxnSpPr>
+            <a:stCxn id="218" idx="2"/>
+            <a:endCxn id="6" idx="1"/>
+          </p:cNvCxnSpPr>
+          <p:nvPr/>
+        </p:nvCxnSpPr>
+        <p:spPr>
+          <a:xfrm rot="10800000" flipH="1">
+            <a:off x="5133661" y="1196752"/>
+            <a:ext cx="184913" cy="1152128"/>
+          </a:xfrm>
+          <a:prstGeom prst="bentConnector3">
+            <a:avLst>
+              <a:gd name="adj1" fmla="val -271603"/>
+            </a:avLst>
+          </a:prstGeom>
+          <a:ln>
+            <a:tailEnd type="arrow"/>
+          </a:ln>
+        </p:spPr>
+        <p:style>
+          <a:lnRef idx="1">
+            <a:schemeClr val="accent1"/>
+          </a:lnRef>
+          <a:fillRef idx="0">
+            <a:schemeClr val="accent1"/>
+          </a:fillRef>
+          <a:effectRef idx="0">
+            <a:schemeClr val="accent1"/>
+          </a:effectRef>
+          <a:fontRef idx="minor">
+            <a:schemeClr val="tx1"/>
+          </a:fontRef>
+        </p:style>
+      </p:cxnSp>
+      <p:cxnSp>
+        <p:nvCxnSpPr>
+          <p:cNvPr id="224" name="223 Conector recto de flecha"/>
+          <p:cNvCxnSpPr>
+            <a:stCxn id="218" idx="4"/>
+            <a:endCxn id="24" idx="0"/>
+          </p:cNvCxnSpPr>
+          <p:nvPr/>
+        </p:nvCxnSpPr>
+        <p:spPr>
+          <a:xfrm>
+            <a:off x="6228184" y="2708920"/>
+            <a:ext cx="0" cy="504056"/>
+          </a:xfrm>
+          <a:prstGeom prst="straightConnector1">
+            <a:avLst/>
+          </a:prstGeom>
+          <a:ln>
+            <a:tailEnd type="arrow"/>
+          </a:ln>
+        </p:spPr>
+        <p:style>
+          <a:lnRef idx="1">
+            <a:schemeClr val="accent1"/>
+          </a:lnRef>
+          <a:fillRef idx="0">
+            <a:schemeClr val="accent1"/>
+          </a:fillRef>
+          <a:effectRef idx="0">
+            <a:schemeClr val="accent1"/>
+          </a:effectRef>
+          <a:fontRef idx="minor">
+            <a:schemeClr val="tx1"/>
+          </a:fontRef>
+        </p:style>
+      </p:cxnSp>
+      <p:cxnSp>
+        <p:nvCxnSpPr>
+          <p:cNvPr id="226" name="225 Conector recto"/>
+          <p:cNvCxnSpPr>
+            <a:stCxn id="6" idx="2"/>
+            <a:endCxn id="218" idx="1"/>
+          </p:cNvCxnSpPr>
+          <p:nvPr/>
+        </p:nvCxnSpPr>
+        <p:spPr>
+          <a:xfrm>
+            <a:off x="6218675" y="1628800"/>
+            <a:ext cx="9509" cy="360040"/>
+          </a:xfrm>
+          <a:prstGeom prst="line">
+            <a:avLst/>
+          </a:prstGeom>
+        </p:spPr>
+        <p:style>
+          <a:lnRef idx="1">
+            <a:schemeClr val="accent1"/>
+          </a:lnRef>
+          <a:fillRef idx="0">
+            <a:schemeClr val="accent1"/>
+          </a:fillRef>
+          <a:effectRef idx="0">
+            <a:schemeClr val="accent1"/>
+          </a:effectRef>
+          <a:fontRef idx="minor">
+            <a:schemeClr val="tx1"/>
+          </a:fontRef>
+        </p:style>
+      </p:cxnSp>
+      <p:sp>
+        <p:nvSpPr>
+          <p:cNvPr id="230" name="229 CuadroTexto"/>
+          <p:cNvSpPr txBox="1"/>
+          <p:nvPr/>
+        </p:nvSpPr>
+        <p:spPr>
+          <a:xfrm>
+            <a:off x="6228184" y="2771636"/>
+            <a:ext cx="360040" cy="369332"/>
+          </a:xfrm>
+          <a:prstGeom prst="rect">
+            <a:avLst/>
+          </a:prstGeom>
+          <a:noFill/>
+        </p:spPr>
+        <p:txBody>
+          <a:bodyPr wrap="square" rtlCol="0">
+            <a:spAutoFit/>
+          </a:bodyPr>
+          <a:lstStyle/>
+          <a:p>
+            <a:r>
+              <a:rPr lang="es-ES" dirty="0" smtClean="0"/>
+              <a:t>Sí</a:t>
+            </a:r>
+            <a:endParaRPr lang="es-ES" dirty="0"/>
+          </a:p>
+        </p:txBody>
+      </p:sp>
+    </p:spTree>
+  </p:cSld>
+  <p:clrMapOvr>
+    <a:masterClrMapping/>
+  </p:clrMapOvr>
+</p:sld>
+</file>
+
+<file path=ppt/slides/slide3.xml><?xml version="1.0" encoding="utf-8"?>
+<p:sld xmlns:a="http://schemas.openxmlformats.org/drawingml/2006/main" xmlns:r="http://schemas.openxmlformats.org/officeDocument/2006/relationships" xmlns:p="http://schemas.openxmlformats.org/presentationml/2006/main">
+  <p:cSld>
+    <p:spTree>
+      <p:nvGrpSpPr>
+        <p:cNvPr id="1" name=""/>
+        <p:cNvGrpSpPr/>
+        <p:nvPr/>
+      </p:nvGrpSpPr>
+      <p:grpSpPr>
+        <a:xfrm>
+          <a:off x="0" y="0"/>
+          <a:ext cx="0" cy="0"/>
+          <a:chOff x="0" y="0"/>
+          <a:chExt cx="0" cy="0"/>
+        </a:xfrm>
+      </p:grpSpPr>
+      <p:sp>
+        <p:nvSpPr>
+          <p:cNvPr id="4" name="3 Conector"/>
+          <p:cNvSpPr/>
+          <p:nvPr/>
+        </p:nvSpPr>
+        <p:spPr>
+          <a:xfrm>
+            <a:off x="4716016" y="44624"/>
+            <a:ext cx="432048" cy="432048"/>
+          </a:xfrm>
+          <a:prstGeom prst="flowChartConnector">
+            <a:avLst/>
+          </a:prstGeom>
+          <a:solidFill>
+            <a:srgbClr val="F9B67F"/>
+          </a:solidFill>
+          <a:ln>
+            <a:solidFill>
+              <a:schemeClr val="accent6">
+                <a:lumMod val="50000"/>
+              </a:schemeClr>
+            </a:solidFill>
+          </a:ln>
+        </p:spPr>
+        <p:style>
+          <a:lnRef idx="2">
+            <a:schemeClr val="accent1">
+              <a:shade val="50000"/>
+            </a:schemeClr>
+          </a:lnRef>
+          <a:fillRef idx="1">
+            <a:schemeClr val="accent1"/>
+          </a:fillRef>
+          <a:effectRef idx="0">
+            <a:schemeClr val="accent1"/>
+          </a:effectRef>
+          <a:fontRef idx="minor">
+            <a:schemeClr val="lt1"/>
+          </a:fontRef>
+        </p:style>
+        <p:txBody>
+          <a:bodyPr rtlCol="0" anchor="ctr"/>
+          <a:lstStyle/>
+          <a:p>
+            <a:pPr algn="ctr"/>
+            <a:endParaRPr lang="es-ES"/>
+          </a:p>
+        </p:txBody>
+      </p:sp>
+      <p:sp>
+        <p:nvSpPr>
+          <p:cNvPr id="8" name="7 Proceso"/>
+          <p:cNvSpPr/>
+          <p:nvPr/>
+        </p:nvSpPr>
+        <p:spPr>
+          <a:xfrm>
+            <a:off x="3995936" y="1052736"/>
+            <a:ext cx="1872208" cy="432048"/>
+          </a:xfrm>
+          <a:prstGeom prst="flowChartProcess">
+            <a:avLst/>
+          </a:prstGeom>
+          <a:solidFill>
+            <a:srgbClr val="7CA1CE"/>
+          </a:solidFill>
+        </p:spPr>
+        <p:style>
+          <a:lnRef idx="2">
+            <a:schemeClr val="accent1">
+              <a:shade val="50000"/>
+            </a:schemeClr>
+          </a:lnRef>
+          <a:fillRef idx="1">
+            <a:schemeClr val="accent1"/>
+          </a:fillRef>
+          <a:effectRef idx="0">
+            <a:schemeClr val="accent1"/>
+          </a:effectRef>
+          <a:fontRef idx="minor">
+            <a:schemeClr val="lt1"/>
+          </a:fontRef>
+        </p:style>
+        <p:txBody>
+          <a:bodyPr rtlCol="0" anchor="ctr"/>
+          <a:lstStyle/>
+          <a:p>
+            <a:pPr algn="ctr"/>
+            <a:r>
+              <a:rPr lang="es-ES" dirty="0" err="1" smtClean="0"/>
+              <a:t>verTabla</a:t>
+            </a:r>
+            <a:r>
+              <a:rPr lang="es-ES" dirty="0" smtClean="0"/>
+              <a:t>= “”</a:t>
+            </a:r>
+            <a:endParaRPr lang="es-ES" dirty="0"/>
+          </a:p>
+        </p:txBody>
+      </p:sp>
+      <p:sp>
+        <p:nvSpPr>
+          <p:cNvPr id="10" name="9 Proceso"/>
+          <p:cNvSpPr/>
+          <p:nvPr/>
+        </p:nvSpPr>
+        <p:spPr>
+          <a:xfrm>
+            <a:off x="3275856" y="2204864"/>
+            <a:ext cx="3312368" cy="504056"/>
+          </a:xfrm>
+          <a:prstGeom prst="flowChartProcess">
+            <a:avLst/>
+          </a:prstGeom>
+          <a:solidFill>
+            <a:srgbClr val="7CA1CE"/>
+          </a:solidFill>
+        </p:spPr>
+        <p:style>
+          <a:lnRef idx="2">
+            <a:schemeClr val="accent1">
+              <a:shade val="50000"/>
+            </a:schemeClr>
+          </a:lnRef>
+          <a:fillRef idx="1">
+            <a:schemeClr val="accent1"/>
+          </a:fillRef>
+          <a:effectRef idx="0">
+            <a:schemeClr val="accent1"/>
+          </a:effectRef>
+          <a:fontRef idx="minor">
+            <a:schemeClr val="lt1"/>
+          </a:fontRef>
+        </p:style>
+        <p:txBody>
+          <a:bodyPr rtlCol="0" anchor="ctr"/>
+          <a:lstStyle/>
+          <a:p>
+            <a:pPr algn="ctr"/>
+            <a:r>
+              <a:rPr lang="es-ES" dirty="0" err="1" smtClean="0"/>
+              <a:t>verTabla</a:t>
+            </a:r>
+            <a:r>
+              <a:rPr lang="es-ES" dirty="0" smtClean="0"/>
+              <a:t>+= " "+</a:t>
+            </a:r>
+            <a:r>
+              <a:rPr lang="es-ES" dirty="0" err="1" smtClean="0"/>
+              <a:t>libreria</a:t>
+            </a:r>
+            <a:r>
+              <a:rPr lang="es-ES" dirty="0" smtClean="0"/>
+              <a:t>[i][j</a:t>
+            </a:r>
+            <a:r>
+              <a:rPr lang="es-ES" dirty="0" smtClean="0"/>
+              <a:t>]</a:t>
+            </a:r>
+            <a:endParaRPr lang="es-ES" dirty="0"/>
+          </a:p>
+        </p:txBody>
+      </p:sp>
+      <p:sp>
+        <p:nvSpPr>
+          <p:cNvPr id="18" name="17 Proceso"/>
+          <p:cNvSpPr/>
+          <p:nvPr/>
+        </p:nvSpPr>
+        <p:spPr>
+          <a:xfrm>
+            <a:off x="4283968" y="2924944"/>
+            <a:ext cx="1287760" cy="351656"/>
+          </a:xfrm>
+          <a:prstGeom prst="flowChartProcess">
+            <a:avLst/>
+          </a:prstGeom>
+          <a:solidFill>
+            <a:srgbClr val="9D87B7"/>
+          </a:solidFill>
+          <a:ln>
+            <a:solidFill>
+              <a:schemeClr val="accent4">
+                <a:lumMod val="50000"/>
+              </a:schemeClr>
+            </a:solidFill>
+          </a:ln>
+        </p:spPr>
+        <p:style>
+          <a:lnRef idx="2">
+            <a:schemeClr val="accent1">
+              <a:shade val="50000"/>
+            </a:schemeClr>
+          </a:lnRef>
+          <a:fillRef idx="1">
+            <a:schemeClr val="accent1"/>
+          </a:fillRef>
+          <a:effectRef idx="0">
+            <a:schemeClr val="accent1"/>
+          </a:effectRef>
+          <a:fontRef idx="minor">
+            <a:schemeClr val="lt1"/>
+          </a:fontRef>
+        </p:style>
+        <p:txBody>
+          <a:bodyPr rtlCol="0" anchor="ctr"/>
+          <a:lstStyle/>
+          <a:p>
+            <a:pPr algn="ctr"/>
+            <a:r>
+              <a:rPr lang="es-ES" dirty="0" err="1" smtClean="0"/>
+              <a:t>j++</a:t>
+            </a:r>
+            <a:endParaRPr lang="es-ES" dirty="0"/>
+          </a:p>
+        </p:txBody>
+      </p:sp>
+      <p:sp>
+        <p:nvSpPr>
+          <p:cNvPr id="29" name="28 Datos"/>
+          <p:cNvSpPr/>
+          <p:nvPr/>
+        </p:nvSpPr>
+        <p:spPr>
+          <a:xfrm>
+            <a:off x="2771800" y="3429000"/>
+            <a:ext cx="4320480" cy="504056"/>
+          </a:xfrm>
+          <a:prstGeom prst="flowChartInputOutput">
+            <a:avLst/>
+          </a:prstGeom>
+          <a:solidFill>
+            <a:srgbClr val="9D87B7"/>
+          </a:solidFill>
+          <a:ln>
+            <a:solidFill>
+              <a:schemeClr val="accent4">
+                <a:lumMod val="50000"/>
+              </a:schemeClr>
+            </a:solidFill>
+          </a:ln>
+        </p:spPr>
+        <p:style>
+          <a:lnRef idx="2">
+            <a:schemeClr val="accent1">
+              <a:shade val="50000"/>
+            </a:schemeClr>
+          </a:lnRef>
+          <a:fillRef idx="1">
+            <a:schemeClr val="accent1"/>
+          </a:fillRef>
+          <a:effectRef idx="0">
+            <a:schemeClr val="accent1"/>
+          </a:effectRef>
+          <a:fontRef idx="minor">
+            <a:schemeClr val="lt1"/>
+          </a:fontRef>
+        </p:style>
+        <p:txBody>
+          <a:bodyPr rtlCol="0" anchor="ctr"/>
+          <a:lstStyle/>
+          <a:p>
+            <a:pPr algn="ctr"/>
+            <a:r>
+              <a:rPr lang="es-ES" dirty="0" smtClean="0"/>
+              <a:t> j&lt;columnas librería</a:t>
+            </a:r>
+            <a:endParaRPr lang="es-ES" dirty="0"/>
+          </a:p>
+        </p:txBody>
+      </p:sp>
+      <p:sp>
+        <p:nvSpPr>
+          <p:cNvPr id="30" name="29 Proceso"/>
+          <p:cNvSpPr/>
+          <p:nvPr/>
+        </p:nvSpPr>
+        <p:spPr>
+          <a:xfrm>
+            <a:off x="4139952" y="1700808"/>
+            <a:ext cx="1584176" cy="351656"/>
+          </a:xfrm>
+          <a:prstGeom prst="flowChartProcess">
+            <a:avLst/>
+          </a:prstGeom>
+          <a:solidFill>
+            <a:srgbClr val="9D87B7"/>
+          </a:solidFill>
+          <a:ln>
+            <a:solidFill>
+              <a:schemeClr val="accent4">
+                <a:lumMod val="50000"/>
+              </a:schemeClr>
+            </a:solidFill>
+          </a:ln>
+        </p:spPr>
+        <p:style>
+          <a:lnRef idx="2">
+            <a:schemeClr val="accent1">
+              <a:shade val="50000"/>
+            </a:schemeClr>
+          </a:lnRef>
+          <a:fillRef idx="1">
+            <a:schemeClr val="accent1"/>
+          </a:fillRef>
+          <a:effectRef idx="0">
+            <a:schemeClr val="accent1"/>
+          </a:effectRef>
+          <a:fontRef idx="minor">
+            <a:schemeClr val="lt1"/>
+          </a:fontRef>
+        </p:style>
+        <p:txBody>
+          <a:bodyPr rtlCol="0" anchor="ctr"/>
+          <a:lstStyle/>
+          <a:p>
+            <a:pPr algn="ctr"/>
+            <a:r>
+              <a:rPr lang="es-ES" dirty="0" smtClean="0"/>
+              <a:t>Inicializar j=0</a:t>
+            </a:r>
+            <a:endParaRPr lang="es-ES" dirty="0"/>
+          </a:p>
+        </p:txBody>
+      </p:sp>
+      <p:sp>
+        <p:nvSpPr>
+          <p:cNvPr id="31" name="30 Datos"/>
+          <p:cNvSpPr/>
+          <p:nvPr/>
+        </p:nvSpPr>
+        <p:spPr>
+          <a:xfrm>
+            <a:off x="2483768" y="5445224"/>
+            <a:ext cx="4896544" cy="504056"/>
+          </a:xfrm>
+          <a:prstGeom prst="flowChartInputOutput">
+            <a:avLst/>
+          </a:prstGeom>
+          <a:solidFill>
+            <a:srgbClr val="9D87B7"/>
+          </a:solidFill>
+          <a:ln>
+            <a:solidFill>
+              <a:schemeClr val="accent4">
+                <a:lumMod val="50000"/>
+              </a:schemeClr>
+            </a:solidFill>
+          </a:ln>
+        </p:spPr>
+        <p:style>
+          <a:lnRef idx="2">
+            <a:schemeClr val="accent1">
+              <a:shade val="50000"/>
+            </a:schemeClr>
+          </a:lnRef>
+          <a:fillRef idx="1">
+            <a:schemeClr val="accent1"/>
+          </a:fillRef>
+          <a:effectRef idx="0">
+            <a:schemeClr val="accent1"/>
+          </a:effectRef>
+          <a:fontRef idx="minor">
+            <a:schemeClr val="lt1"/>
+          </a:fontRef>
+        </p:style>
+        <p:txBody>
+          <a:bodyPr rtlCol="0" anchor="ctr"/>
+          <a:lstStyle/>
+          <a:p>
+            <a:pPr algn="ctr"/>
+            <a:r>
+              <a:rPr lang="es-ES" dirty="0" smtClean="0"/>
+              <a:t> i&lt;filas librería</a:t>
+            </a:r>
+            <a:endParaRPr lang="es-ES" dirty="0"/>
+          </a:p>
+        </p:txBody>
+      </p:sp>
+      <p:sp>
+        <p:nvSpPr>
+          <p:cNvPr id="32" name="31 Proceso"/>
+          <p:cNvSpPr/>
+          <p:nvPr/>
+        </p:nvSpPr>
+        <p:spPr>
+          <a:xfrm>
+            <a:off x="4211960" y="548680"/>
+            <a:ext cx="1440160" cy="360040"/>
+          </a:xfrm>
+          <a:prstGeom prst="flowChartProcess">
+            <a:avLst/>
+          </a:prstGeom>
+          <a:solidFill>
+            <a:srgbClr val="9D87B7"/>
+          </a:solidFill>
+          <a:ln>
+            <a:solidFill>
+              <a:schemeClr val="accent4">
+                <a:lumMod val="50000"/>
+              </a:schemeClr>
+            </a:solidFill>
+          </a:ln>
+        </p:spPr>
+        <p:style>
+          <a:lnRef idx="2">
+            <a:schemeClr val="accent1">
+              <a:shade val="50000"/>
+            </a:schemeClr>
+          </a:lnRef>
+          <a:fillRef idx="1">
+            <a:schemeClr val="accent1"/>
+          </a:fillRef>
+          <a:effectRef idx="0">
+            <a:schemeClr val="accent1"/>
+          </a:effectRef>
+          <a:fontRef idx="minor">
+            <a:schemeClr val="lt1"/>
+          </a:fontRef>
+        </p:style>
+        <p:txBody>
+          <a:bodyPr rtlCol="0" anchor="ctr"/>
+          <a:lstStyle/>
+          <a:p>
+            <a:pPr algn="ctr"/>
+            <a:r>
+              <a:rPr lang="es-ES" dirty="0" smtClean="0"/>
+              <a:t>Inicializar i=0</a:t>
+            </a:r>
+            <a:endParaRPr lang="es-ES" dirty="0"/>
+          </a:p>
+        </p:txBody>
+      </p:sp>
+      <p:sp>
+        <p:nvSpPr>
+          <p:cNvPr id="33" name="32 Proceso"/>
+          <p:cNvSpPr/>
+          <p:nvPr/>
+        </p:nvSpPr>
+        <p:spPr>
+          <a:xfrm>
+            <a:off x="3419872" y="4293096"/>
+            <a:ext cx="3024336" cy="504056"/>
+          </a:xfrm>
+          <a:prstGeom prst="flowChartProcess">
+            <a:avLst/>
+          </a:prstGeom>
+          <a:solidFill>
+            <a:srgbClr val="7CA1CE"/>
+          </a:solidFill>
+        </p:spPr>
+        <p:style>
+          <a:lnRef idx="2">
+            <a:schemeClr val="accent1">
+              <a:shade val="50000"/>
+            </a:schemeClr>
+          </a:lnRef>
+          <a:fillRef idx="1">
+            <a:schemeClr val="accent1"/>
+          </a:fillRef>
+          <a:effectRef idx="0">
+            <a:schemeClr val="accent1"/>
+          </a:effectRef>
+          <a:fontRef idx="minor">
+            <a:schemeClr val="lt1"/>
+          </a:fontRef>
+        </p:style>
+        <p:txBody>
+          <a:bodyPr rtlCol="0" anchor="ctr"/>
+          <a:lstStyle/>
+          <a:p>
+            <a:pPr algn="ctr"/>
+            <a:r>
+              <a:rPr lang="es-ES" dirty="0" smtClean="0"/>
+              <a:t>Escribir por pantalla </a:t>
+            </a:r>
+            <a:r>
+              <a:rPr lang="es-ES" dirty="0" err="1" smtClean="0"/>
+              <a:t>verTabla</a:t>
+            </a:r>
+            <a:endParaRPr lang="es-ES" dirty="0"/>
+          </a:p>
+        </p:txBody>
+      </p:sp>
+      <p:sp>
+        <p:nvSpPr>
+          <p:cNvPr id="34" name="33 Proceso"/>
+          <p:cNvSpPr/>
+          <p:nvPr/>
+        </p:nvSpPr>
+        <p:spPr>
+          <a:xfrm>
+            <a:off x="4283968" y="4941168"/>
+            <a:ext cx="1287760" cy="351656"/>
+          </a:xfrm>
+          <a:prstGeom prst="flowChartProcess">
+            <a:avLst/>
+          </a:prstGeom>
+          <a:solidFill>
+            <a:srgbClr val="9D87B7"/>
+          </a:solidFill>
+          <a:ln>
+            <a:solidFill>
+              <a:schemeClr val="accent4">
+                <a:lumMod val="50000"/>
+              </a:schemeClr>
+            </a:solidFill>
+          </a:ln>
+        </p:spPr>
+        <p:style>
+          <a:lnRef idx="2">
+            <a:schemeClr val="accent1">
+              <a:shade val="50000"/>
+            </a:schemeClr>
+          </a:lnRef>
+          <a:fillRef idx="1">
+            <a:schemeClr val="accent1"/>
+          </a:fillRef>
+          <a:effectRef idx="0">
+            <a:schemeClr val="accent1"/>
+          </a:effectRef>
+          <a:fontRef idx="minor">
+            <a:schemeClr val="lt1"/>
+          </a:fontRef>
+        </p:style>
+        <p:txBody>
+          <a:bodyPr rtlCol="0" anchor="ctr"/>
+          <a:lstStyle/>
+          <a:p>
+            <a:pPr algn="ctr"/>
+            <a:r>
+              <a:rPr lang="es-ES" dirty="0" smtClean="0"/>
+              <a:t>i</a:t>
+            </a:r>
+            <a:r>
+              <a:rPr lang="es-ES" dirty="0" smtClean="0"/>
+              <a:t>++</a:t>
+            </a:r>
+            <a:endParaRPr lang="es-ES" dirty="0"/>
+          </a:p>
+        </p:txBody>
+      </p:sp>
+      <p:cxnSp>
+        <p:nvCxnSpPr>
+          <p:cNvPr id="36" name="35 Conector recto"/>
+          <p:cNvCxnSpPr>
+            <a:stCxn id="4" idx="4"/>
+            <a:endCxn id="32" idx="0"/>
+          </p:cNvCxnSpPr>
+          <p:nvPr/>
+        </p:nvCxnSpPr>
+        <p:spPr>
+          <a:xfrm>
+            <a:off x="4932040" y="476672"/>
+            <a:ext cx="0" cy="72008"/>
+          </a:xfrm>
+          <a:prstGeom prst="line">
+            <a:avLst/>
+          </a:prstGeom>
+        </p:spPr>
+        <p:style>
+          <a:lnRef idx="1">
+            <a:schemeClr val="accent1"/>
+          </a:lnRef>
+          <a:fillRef idx="0">
+            <a:schemeClr val="accent1"/>
+          </a:fillRef>
+          <a:effectRef idx="0">
+            <a:schemeClr val="accent1"/>
+          </a:effectRef>
+          <a:fontRef idx="minor">
+            <a:schemeClr val="tx1"/>
+          </a:fontRef>
+        </p:style>
+      </p:cxnSp>
+      <p:cxnSp>
+        <p:nvCxnSpPr>
+          <p:cNvPr id="39" name="38 Conector recto"/>
+          <p:cNvCxnSpPr>
+            <a:stCxn id="32" idx="2"/>
+            <a:endCxn id="8" idx="0"/>
+          </p:cNvCxnSpPr>
+          <p:nvPr/>
+        </p:nvCxnSpPr>
+        <p:spPr>
+          <a:xfrm>
+            <a:off x="4932040" y="908720"/>
+            <a:ext cx="0" cy="144016"/>
+          </a:xfrm>
+          <a:prstGeom prst="line">
+            <a:avLst/>
+          </a:prstGeom>
+        </p:spPr>
+        <p:style>
+          <a:lnRef idx="1">
+            <a:schemeClr val="accent1"/>
+          </a:lnRef>
+          <a:fillRef idx="0">
+            <a:schemeClr val="accent1"/>
+          </a:fillRef>
+          <a:effectRef idx="0">
+            <a:schemeClr val="accent1"/>
+          </a:effectRef>
+          <a:fontRef idx="minor">
+            <a:schemeClr val="tx1"/>
+          </a:fontRef>
+        </p:style>
+      </p:cxnSp>
+      <p:cxnSp>
+        <p:nvCxnSpPr>
+          <p:cNvPr id="41" name="40 Conector recto"/>
+          <p:cNvCxnSpPr>
+            <a:stCxn id="8" idx="2"/>
+            <a:endCxn id="30" idx="0"/>
+          </p:cNvCxnSpPr>
+          <p:nvPr/>
+        </p:nvCxnSpPr>
+        <p:spPr>
+          <a:xfrm>
+            <a:off x="4932040" y="1484784"/>
+            <a:ext cx="0" cy="216024"/>
+          </a:xfrm>
+          <a:prstGeom prst="line">
+            <a:avLst/>
+          </a:prstGeom>
+        </p:spPr>
+        <p:style>
+          <a:lnRef idx="1">
+            <a:schemeClr val="accent1"/>
+          </a:lnRef>
+          <a:fillRef idx="0">
+            <a:schemeClr val="accent1"/>
+          </a:fillRef>
+          <a:effectRef idx="0">
+            <a:schemeClr val="accent1"/>
+          </a:effectRef>
+          <a:fontRef idx="minor">
+            <a:schemeClr val="tx1"/>
+          </a:fontRef>
+        </p:style>
+      </p:cxnSp>
+      <p:cxnSp>
+        <p:nvCxnSpPr>
+          <p:cNvPr id="43" name="42 Conector recto"/>
+          <p:cNvCxnSpPr>
+            <a:stCxn id="30" idx="2"/>
+            <a:endCxn id="10" idx="0"/>
+          </p:cNvCxnSpPr>
+          <p:nvPr/>
+        </p:nvCxnSpPr>
+        <p:spPr>
+          <a:xfrm>
+            <a:off x="4932040" y="2052464"/>
+            <a:ext cx="0" cy="152400"/>
+          </a:xfrm>
+          <a:prstGeom prst="line">
+            <a:avLst/>
+          </a:prstGeom>
+        </p:spPr>
+        <p:style>
+          <a:lnRef idx="1">
+            <a:schemeClr val="accent1"/>
+          </a:lnRef>
+          <a:fillRef idx="0">
+            <a:schemeClr val="accent1"/>
+          </a:fillRef>
+          <a:effectRef idx="0">
+            <a:schemeClr val="accent1"/>
+          </a:effectRef>
+          <a:fontRef idx="minor">
+            <a:schemeClr val="tx1"/>
+          </a:fontRef>
+        </p:style>
+      </p:cxnSp>
+      <p:cxnSp>
+        <p:nvCxnSpPr>
+          <p:cNvPr id="45" name="44 Conector recto"/>
+          <p:cNvCxnSpPr>
+            <a:stCxn id="10" idx="2"/>
+            <a:endCxn id="18" idx="0"/>
+          </p:cNvCxnSpPr>
+          <p:nvPr/>
+        </p:nvCxnSpPr>
+        <p:spPr>
+          <a:xfrm flipH="1">
+            <a:off x="4927848" y="2708920"/>
+            <a:ext cx="4192" cy="216024"/>
+          </a:xfrm>
+          <a:prstGeom prst="line">
+            <a:avLst/>
+          </a:prstGeom>
+        </p:spPr>
+        <p:style>
+          <a:lnRef idx="1">
+            <a:schemeClr val="accent1"/>
+          </a:lnRef>
+          <a:fillRef idx="0">
+            <a:schemeClr val="accent1"/>
+          </a:fillRef>
+          <a:effectRef idx="0">
+            <a:schemeClr val="accent1"/>
+          </a:effectRef>
+          <a:fontRef idx="minor">
+            <a:schemeClr val="tx1"/>
+          </a:fontRef>
+        </p:style>
+      </p:cxnSp>
+      <p:cxnSp>
+        <p:nvCxnSpPr>
+          <p:cNvPr id="47" name="46 Conector recto"/>
+          <p:cNvCxnSpPr>
+            <a:stCxn id="18" idx="2"/>
+            <a:endCxn id="29" idx="1"/>
+          </p:cNvCxnSpPr>
+          <p:nvPr/>
+        </p:nvCxnSpPr>
+        <p:spPr>
+          <a:xfrm>
+            <a:off x="4927848" y="3276600"/>
+            <a:ext cx="4192" cy="152400"/>
+          </a:xfrm>
+          <a:prstGeom prst="line">
+            <a:avLst/>
+          </a:prstGeom>
+        </p:spPr>
+        <p:style>
+          <a:lnRef idx="1">
+            <a:schemeClr val="accent1"/>
+          </a:lnRef>
+          <a:fillRef idx="0">
+            <a:schemeClr val="accent1"/>
+          </a:fillRef>
+          <a:effectRef idx="0">
+            <a:schemeClr val="accent1"/>
+          </a:effectRef>
+          <a:fontRef idx="minor">
+            <a:schemeClr val="tx1"/>
+          </a:fontRef>
+        </p:style>
+      </p:cxnSp>
+      <p:cxnSp>
+        <p:nvCxnSpPr>
+          <p:cNvPr id="51" name="50 Conector angular"/>
+          <p:cNvCxnSpPr>
+            <a:stCxn id="29" idx="2"/>
+            <a:endCxn id="30" idx="1"/>
+          </p:cNvCxnSpPr>
+          <p:nvPr/>
+        </p:nvCxnSpPr>
+        <p:spPr>
+          <a:xfrm rot="10800000" flipH="1">
+            <a:off x="3203848" y="1876636"/>
+            <a:ext cx="936104" cy="1804392"/>
+          </a:xfrm>
+          <a:prstGeom prst="bentConnector3">
+            <a:avLst>
+              <a:gd name="adj1" fmla="val -70574"/>
+            </a:avLst>
+          </a:prstGeom>
+          <a:ln>
+            <a:tailEnd type="arrow"/>
+          </a:ln>
+        </p:spPr>
+        <p:style>
+          <a:lnRef idx="1">
+            <a:schemeClr val="accent1"/>
+          </a:lnRef>
+          <a:fillRef idx="0">
+            <a:schemeClr val="accent1"/>
+          </a:fillRef>
+          <a:effectRef idx="0">
+            <a:schemeClr val="accent1"/>
+          </a:effectRef>
+          <a:fontRef idx="minor">
+            <a:schemeClr val="tx1"/>
+          </a:fontRef>
+        </p:style>
+      </p:cxnSp>
+      <p:cxnSp>
+        <p:nvCxnSpPr>
+          <p:cNvPr id="53" name="52 Conector recto de flecha"/>
+          <p:cNvCxnSpPr>
+            <a:stCxn id="29" idx="4"/>
+            <a:endCxn id="33" idx="0"/>
+          </p:cNvCxnSpPr>
+          <p:nvPr/>
+        </p:nvCxnSpPr>
+        <p:spPr>
+          <a:xfrm>
+            <a:off x="4932040" y="3933056"/>
+            <a:ext cx="0" cy="360040"/>
+          </a:xfrm>
+          <a:prstGeom prst="straightConnector1">
+            <a:avLst/>
+          </a:prstGeom>
+          <a:ln>
+            <a:tailEnd type="arrow"/>
+          </a:ln>
+        </p:spPr>
+        <p:style>
+          <a:lnRef idx="1">
+            <a:schemeClr val="accent1"/>
+          </a:lnRef>
+          <a:fillRef idx="0">
+            <a:schemeClr val="accent1"/>
+          </a:fillRef>
+          <a:effectRef idx="0">
+            <a:schemeClr val="accent1"/>
+          </a:effectRef>
+          <a:fontRef idx="minor">
+            <a:schemeClr val="tx1"/>
+          </a:fontRef>
+        </p:style>
+      </p:cxnSp>
+      <p:cxnSp>
+        <p:nvCxnSpPr>
+          <p:cNvPr id="56" name="55 Conector recto"/>
+          <p:cNvCxnSpPr>
+            <a:stCxn id="33" idx="2"/>
+            <a:endCxn id="34" idx="0"/>
+          </p:cNvCxnSpPr>
+          <p:nvPr/>
+        </p:nvCxnSpPr>
+        <p:spPr>
+          <a:xfrm flipH="1">
+            <a:off x="4927848" y="4797152"/>
+            <a:ext cx="4192" cy="144016"/>
+          </a:xfrm>
+          <a:prstGeom prst="line">
+            <a:avLst/>
+          </a:prstGeom>
+        </p:spPr>
+        <p:style>
+          <a:lnRef idx="1">
+            <a:schemeClr val="accent1"/>
+          </a:lnRef>
+          <a:fillRef idx="0">
+            <a:schemeClr val="accent1"/>
+          </a:fillRef>
+          <a:effectRef idx="0">
+            <a:schemeClr val="accent1"/>
+          </a:effectRef>
+          <a:fontRef idx="minor">
+            <a:schemeClr val="tx1"/>
+          </a:fontRef>
+        </p:style>
+      </p:cxnSp>
+      <p:cxnSp>
+        <p:nvCxnSpPr>
+          <p:cNvPr id="58" name="57 Conector recto"/>
+          <p:cNvCxnSpPr>
+            <a:stCxn id="34" idx="2"/>
+            <a:endCxn id="31" idx="1"/>
+          </p:cNvCxnSpPr>
+          <p:nvPr/>
+        </p:nvCxnSpPr>
+        <p:spPr>
+          <a:xfrm>
+            <a:off x="4927848" y="5292824"/>
+            <a:ext cx="4192" cy="152400"/>
+          </a:xfrm>
+          <a:prstGeom prst="line">
+            <a:avLst/>
+          </a:prstGeom>
+        </p:spPr>
+        <p:style>
+          <a:lnRef idx="1">
+            <a:schemeClr val="accent1"/>
+          </a:lnRef>
+          <a:fillRef idx="0">
+            <a:schemeClr val="accent1"/>
+          </a:fillRef>
+          <a:effectRef idx="0">
+            <a:schemeClr val="accent1"/>
+          </a:effectRef>
+          <a:fontRef idx="minor">
+            <a:schemeClr val="tx1"/>
+          </a:fontRef>
+        </p:style>
+      </p:cxnSp>
+      <p:cxnSp>
+        <p:nvCxnSpPr>
+          <p:cNvPr id="60" name="59 Conector angular"/>
+          <p:cNvCxnSpPr>
+            <a:stCxn id="31" idx="2"/>
+            <a:endCxn id="32" idx="1"/>
+          </p:cNvCxnSpPr>
+          <p:nvPr/>
+        </p:nvCxnSpPr>
+        <p:spPr>
+          <a:xfrm rot="10800000" flipH="1">
+            <a:off x="2973422" y="728700"/>
+            <a:ext cx="1238538" cy="4968552"/>
+          </a:xfrm>
+          <a:prstGeom prst="bentConnector3">
+            <a:avLst>
+              <a:gd name="adj1" fmla="val -57992"/>
+            </a:avLst>
+          </a:prstGeom>
+          <a:ln>
+            <a:tailEnd type="arrow"/>
+          </a:ln>
+        </p:spPr>
+        <p:style>
+          <a:lnRef idx="1">
+            <a:schemeClr val="accent1"/>
+          </a:lnRef>
+          <a:fillRef idx="0">
+            <a:schemeClr val="accent1"/>
+          </a:fillRef>
+          <a:effectRef idx="0">
+            <a:schemeClr val="accent1"/>
+          </a:effectRef>
+          <a:fontRef idx="minor">
+            <a:schemeClr val="tx1"/>
+          </a:fontRef>
+        </p:style>
+      </p:cxnSp>
+      <p:sp>
+        <p:nvSpPr>
+          <p:cNvPr id="87" name="86 Conector"/>
+          <p:cNvSpPr/>
+          <p:nvPr/>
+        </p:nvSpPr>
+        <p:spPr>
+          <a:xfrm>
+            <a:off x="4716016" y="6309320"/>
+            <a:ext cx="432048" cy="432048"/>
+          </a:xfrm>
+          <a:prstGeom prst="flowChartConnector">
+            <a:avLst/>
+          </a:prstGeom>
+          <a:solidFill>
+            <a:srgbClr val="F9B67F"/>
+          </a:solidFill>
+          <a:ln>
+            <a:solidFill>
+              <a:schemeClr val="accent6">
+                <a:lumMod val="50000"/>
+              </a:schemeClr>
+            </a:solidFill>
+          </a:ln>
+        </p:spPr>
+        <p:style>
+          <a:lnRef idx="2">
+            <a:schemeClr val="accent1">
+              <a:shade val="50000"/>
+            </a:schemeClr>
+          </a:lnRef>
+          <a:fillRef idx="1">
+            <a:schemeClr val="accent1"/>
+          </a:fillRef>
+          <a:effectRef idx="0">
+            <a:schemeClr val="accent1"/>
+          </a:effectRef>
+          <a:fontRef idx="minor">
+            <a:schemeClr val="lt1"/>
+          </a:fontRef>
+        </p:style>
+        <p:txBody>
+          <a:bodyPr rtlCol="0" anchor="ctr"/>
+          <a:lstStyle/>
+          <a:p>
+            <a:pPr algn="ctr"/>
+            <a:endParaRPr lang="es-ES"/>
+          </a:p>
+        </p:txBody>
+      </p:sp>
+      <p:cxnSp>
+        <p:nvCxnSpPr>
+          <p:cNvPr id="89" name="88 Conector recto de flecha"/>
+          <p:cNvCxnSpPr>
+            <a:stCxn id="31" idx="4"/>
+            <a:endCxn id="87" idx="0"/>
+          </p:cNvCxnSpPr>
+          <p:nvPr/>
+        </p:nvCxnSpPr>
+        <p:spPr>
+          <a:xfrm>
+            <a:off x="4932040" y="5949280"/>
+            <a:ext cx="0" cy="360040"/>
+          </a:xfrm>
+          <a:prstGeom prst="straightConnector1">
+            <a:avLst/>
+          </a:prstGeom>
+          <a:ln>
+            <a:tailEnd type="arrow"/>
+          </a:ln>
+        </p:spPr>
+        <p:style>
+          <a:lnRef idx="1">
+            <a:schemeClr val="accent1"/>
+          </a:lnRef>
+          <a:fillRef idx="0">
+            <a:schemeClr val="accent1"/>
+          </a:fillRef>
+          <a:effectRef idx="0">
+            <a:schemeClr val="accent1"/>
+          </a:effectRef>
+          <a:fontRef idx="minor">
+            <a:schemeClr val="tx1"/>
+          </a:fontRef>
+        </p:style>
+      </p:cxnSp>
+      <p:sp>
+        <p:nvSpPr>
+          <p:cNvPr id="90" name="89 CuadroTexto"/>
+          <p:cNvSpPr txBox="1"/>
+          <p:nvPr/>
+        </p:nvSpPr>
+        <p:spPr>
+          <a:xfrm>
+            <a:off x="2555776" y="3356992"/>
+            <a:ext cx="360040" cy="369332"/>
+          </a:xfrm>
+          <a:prstGeom prst="rect">
+            <a:avLst/>
+          </a:prstGeom>
+          <a:noFill/>
+        </p:spPr>
+        <p:txBody>
+          <a:bodyPr wrap="square" rtlCol="0">
+            <a:spAutoFit/>
+          </a:bodyPr>
+          <a:lstStyle/>
+          <a:p>
+            <a:r>
+              <a:rPr lang="es-ES" dirty="0" smtClean="0"/>
+              <a:t>Sí</a:t>
+            </a:r>
+            <a:endParaRPr lang="es-ES" dirty="0"/>
+          </a:p>
+        </p:txBody>
+      </p:sp>
+      <p:sp>
+        <p:nvSpPr>
+          <p:cNvPr id="91" name="90 CuadroTexto"/>
+          <p:cNvSpPr txBox="1"/>
+          <p:nvPr/>
+        </p:nvSpPr>
+        <p:spPr>
+          <a:xfrm>
+            <a:off x="2267744" y="5373216"/>
+            <a:ext cx="360040" cy="369332"/>
+          </a:xfrm>
+          <a:prstGeom prst="rect">
+            <a:avLst/>
+          </a:prstGeom>
+          <a:noFill/>
+        </p:spPr>
+        <p:txBody>
+          <a:bodyPr wrap="square" rtlCol="0">
+            <a:spAutoFit/>
+          </a:bodyPr>
+          <a:lstStyle/>
+          <a:p>
+            <a:r>
+              <a:rPr lang="es-ES" dirty="0" smtClean="0"/>
+              <a:t>Sí</a:t>
+            </a:r>
+            <a:endParaRPr lang="es-ES" dirty="0"/>
+          </a:p>
+        </p:txBody>
+      </p:sp>
+      <p:sp>
+        <p:nvSpPr>
+          <p:cNvPr id="92" name="91 CuadroTexto"/>
+          <p:cNvSpPr txBox="1"/>
+          <p:nvPr/>
+        </p:nvSpPr>
+        <p:spPr>
+          <a:xfrm>
+            <a:off x="4932040" y="3933056"/>
+            <a:ext cx="504056" cy="369332"/>
+          </a:xfrm>
+          <a:prstGeom prst="rect">
+            <a:avLst/>
+          </a:prstGeom>
+          <a:noFill/>
+        </p:spPr>
+        <p:txBody>
+          <a:bodyPr wrap="square" rtlCol="0">
+            <a:spAutoFit/>
+          </a:bodyPr>
+          <a:lstStyle/>
+          <a:p>
+            <a:r>
+              <a:rPr lang="es-ES" dirty="0" smtClean="0"/>
+              <a:t>No</a:t>
+            </a:r>
+            <a:endParaRPr lang="es-ES" dirty="0"/>
+          </a:p>
+        </p:txBody>
+      </p:sp>
+      <p:sp>
+        <p:nvSpPr>
+          <p:cNvPr id="93" name="92 CuadroTexto"/>
+          <p:cNvSpPr txBox="1"/>
+          <p:nvPr/>
+        </p:nvSpPr>
+        <p:spPr>
+          <a:xfrm>
+            <a:off x="4932040" y="5949280"/>
+            <a:ext cx="504056" cy="369332"/>
+          </a:xfrm>
+          <a:prstGeom prst="rect">
+            <a:avLst/>
+          </a:prstGeom>
+          <a:noFill/>
+        </p:spPr>
+        <p:txBody>
+          <a:bodyPr wrap="square" rtlCol="0">
+            <a:spAutoFit/>
+          </a:bodyPr>
+          <a:lstStyle/>
+          <a:p>
+            <a:r>
+              <a:rPr lang="es-ES" dirty="0" smtClean="0"/>
+              <a:t>No</a:t>
+            </a:r>
+            <a:endParaRPr lang="es-ES" dirty="0"/>
+          </a:p>
+        </p:txBody>
+      </p:sp>
+      <p:sp>
+        <p:nvSpPr>
+          <p:cNvPr id="94" name="93 Rectángulo"/>
+          <p:cNvSpPr/>
+          <p:nvPr/>
+        </p:nvSpPr>
+        <p:spPr>
+          <a:xfrm>
+            <a:off x="35496" y="67271"/>
+            <a:ext cx="2166106" cy="769441"/>
+          </a:xfrm>
+          <a:prstGeom prst="rect">
+            <a:avLst/>
+          </a:prstGeom>
+          <a:noFill/>
+        </p:spPr>
+        <p:txBody>
+          <a:bodyPr wrap="none" lIns="91440" tIns="45720" rIns="91440" bIns="45720">
+            <a:spAutoFit/>
+          </a:bodyPr>
+          <a:lstStyle/>
+          <a:p>
+            <a:pPr algn="ctr"/>
+            <a:r>
+              <a:rPr lang="es-ES" sz="4400" b="1" dirty="0" err="1" smtClean="0">
+                <a:ln w="17780" cmpd="sng">
+                  <a:solidFill>
+                    <a:srgbClr val="FFFFFF"/>
+                  </a:solidFill>
+                  <a:prstDash val="solid"/>
+                  <a:miter lim="800000"/>
+                </a:ln>
+                <a:gradFill rotWithShape="1">
+                  <a:gsLst>
+                    <a:gs pos="0">
+                      <a:srgbClr val="000000">
+                        <a:tint val="92000"/>
+                        <a:shade val="100000"/>
+                        <a:satMod val="150000"/>
+                      </a:srgbClr>
+                    </a:gs>
+                    <a:gs pos="49000">
+                      <a:srgbClr val="000000">
+                        <a:tint val="89000"/>
+                        <a:shade val="90000"/>
+                        <a:satMod val="150000"/>
+                      </a:srgbClr>
+                    </a:gs>
+                    <a:gs pos="50000">
+                      <a:srgbClr val="000000">
+                        <a:tint val="100000"/>
+                        <a:shade val="75000"/>
+                        <a:satMod val="150000"/>
+                      </a:srgbClr>
+                    </a:gs>
+                    <a:gs pos="95000">
+                      <a:srgbClr val="000000">
+                        <a:shade val="47000"/>
+                        <a:satMod val="150000"/>
+                      </a:srgbClr>
+                    </a:gs>
+                    <a:gs pos="100000">
+                      <a:srgbClr val="000000">
+                        <a:shade val="39000"/>
+                        <a:satMod val="150000"/>
+                      </a:srgbClr>
+                    </a:gs>
+                  </a:gsLst>
+                  <a:lin ang="5400000"/>
+                </a:gradFill>
+                <a:effectLst>
+                  <a:outerShdw blurRad="50800" algn="tl" rotWithShape="0">
+                    <a:srgbClr val="000000"/>
+                  </a:outerShdw>
+                </a:effectLst>
+              </a:rPr>
+              <a:t>verTabla</a:t>
             </a:r>
             <a:endParaRPr lang="es-ES" sz="4400" b="1" cap="none" spc="0" dirty="0">
               <a:ln w="17780" cmpd="sng">
@@ -4030,4 +7099,287 @@
   <a:objectDefaults/>
   <a:extraClrSchemeLst/>
 </a:theme>
+</file>
+
+<file path=ppt/theme/theme2.xml><?xml version="1.0" encoding="utf-8"?>
+<a:theme xmlns:a="http://schemas.openxmlformats.org/drawingml/2006/main" name="Tema de Office">
+  <a:themeElements>
+    <a:clrScheme name="Office">
+      <a:dk1>
+        <a:sysClr val="windowText" lastClr="000000"/>
+      </a:dk1>
+      <a:lt1>
+        <a:sysClr val="window" lastClr="FFFFFF"/>
+      </a:lt1>
+      <a:dk2>
+        <a:srgbClr val="1F497D"/>
+      </a:dk2>
+      <a:lt2>
+        <a:srgbClr val="EEECE1"/>
+      </a:lt2>
+      <a:accent1>
+        <a:srgbClr val="4F81BD"/>
+      </a:accent1>
+      <a:accent2>
+        <a:srgbClr val="C0504D"/>
+      </a:accent2>
+      <a:accent3>
+        <a:srgbClr val="9BBB59"/>
+      </a:accent3>
+      <a:accent4>
+        <a:srgbClr val="8064A2"/>
+      </a:accent4>
+      <a:accent5>
+        <a:srgbClr val="4BACC6"/>
+      </a:accent5>
+      <a:accent6>
+        <a:srgbClr val="F79646"/>
+      </a:accent6>
+      <a:hlink>
+        <a:srgbClr val="0000FF"/>
+      </a:hlink>
+      <a:folHlink>
+        <a:srgbClr val="800080"/>
+      </a:folHlink>
+    </a:clrScheme>
+    <a:fontScheme name="Office">
+      <a:majorFont>
+        <a:latin typeface="Calibri"/>
+        <a:ea typeface=""/>
+        <a:cs typeface=""/>
+        <a:font script="Jpan" typeface="ＭＳ Ｐゴシック"/>
+        <a:font script="Hang" typeface="맑은 고딕"/>
+        <a:font script="Hans" typeface="宋体"/>
+        <a:font script="Hant" typeface="新細明體"/>
+        <a:font script="Arab" typeface="Times New Roman"/>
+        <a:font script="Hebr" typeface="Times New Roman"/>
+        <a:font script="Thai" typeface="Angsana New"/>
+        <a:font script="Ethi" typeface="Nyala"/>
+        <a:font script="Beng" typeface="Vrinda"/>
+        <a:font script="Gujr" typeface="Shruti"/>
+        <a:font script="Khmr" typeface="MoolBoran"/>
+        <a:font script="Knda" typeface="Tunga"/>
+        <a:font script="Guru" typeface="Raavi"/>
+        <a:font script="Cans" typeface="Euphemia"/>
+        <a:font script="Cher" typeface="Plantagenet Cherokee"/>
+        <a:font script="Yiii" typeface="Microsoft Yi Baiti"/>
+        <a:font script="Tibt" typeface="Microsoft Himalaya"/>
+        <a:font script="Thaa" typeface="MV Boli"/>
+        <a:font script="Deva" typeface="Mangal"/>
+        <a:font script="Telu" typeface="Gautami"/>
+        <a:font script="Taml" typeface="Latha"/>
+        <a:font script="Syrc" typeface="Estrangelo Edessa"/>
+        <a:font script="Orya" typeface="Kalinga"/>
+        <a:font script="Mlym" typeface="Kartika"/>
+        <a:font script="Laoo" typeface="DokChampa"/>
+        <a:font script="Sinh" typeface="Iskoola Pota"/>
+        <a:font script="Mong" typeface="Mongolian Baiti"/>
+        <a:font script="Viet" typeface="Times New Roman"/>
+        <a:font script="Uigh" typeface="Microsoft Uighur"/>
+      </a:majorFont>
+      <a:minorFont>
+        <a:latin typeface="Calibri"/>
+        <a:ea typeface=""/>
+        <a:cs typeface=""/>
+        <a:font script="Jpan" typeface="ＭＳ Ｐゴシック"/>
+        <a:font script="Hang" typeface="맑은 고딕"/>
+        <a:font script="Hans" typeface="宋体"/>
+        <a:font script="Hant" typeface="新細明體"/>
+        <a:font script="Arab" typeface="Arial"/>
+        <a:font script="Hebr" typeface="Arial"/>
+        <a:font script="Thai" typeface="Cordia New"/>
+        <a:font script="Ethi" typeface="Nyala"/>
+        <a:font script="Beng" typeface="Vrinda"/>
+        <a:font script="Gujr" typeface="Shruti"/>
+        <a:font script="Khmr" typeface="DaunPenh"/>
+        <a:font script="Knda" typeface="Tunga"/>
+        <a:font script="Guru" typeface="Raavi"/>
+        <a:font script="Cans" typeface="Euphemia"/>
+        <a:font script="Cher" typeface="Plantagenet Cherokee"/>
+        <a:font script="Yiii" typeface="Microsoft Yi Baiti"/>
+        <a:font script="Tibt" typeface="Microsoft Himalaya"/>
+        <a:font script="Thaa" typeface="MV Boli"/>
+        <a:font script="Deva" typeface="Mangal"/>
+        <a:font script="Telu" typeface="Gautami"/>
+        <a:font script="Taml" typeface="Latha"/>
+        <a:font script="Syrc" typeface="Estrangelo Edessa"/>
+        <a:font script="Orya" typeface="Kalinga"/>
+        <a:font script="Mlym" typeface="Kartika"/>
+        <a:font script="Laoo" typeface="DokChampa"/>
+        <a:font script="Sinh" typeface="Iskoola Pota"/>
+        <a:font script="Mong" typeface="Mongolian Baiti"/>
+        <a:font script="Viet" typeface="Arial"/>
+        <a:font script="Uigh" typeface="Microsoft Uighur"/>
+      </a:minorFont>
+    </a:fontScheme>
+    <a:fmtScheme name="Office">
+      <a:fillStyleLst>
+        <a:solidFill>
+          <a:schemeClr val="phClr"/>
+        </a:solidFill>
+        <a:gradFill rotWithShape="1">
+          <a:gsLst>
+            <a:gs pos="0">
+              <a:schemeClr val="phClr">
+                <a:tint val="50000"/>
+                <a:satMod val="300000"/>
+              </a:schemeClr>
+            </a:gs>
+            <a:gs pos="35000">
+              <a:schemeClr val="phClr">
+                <a:tint val="37000"/>
+                <a:satMod val="300000"/>
+              </a:schemeClr>
+            </a:gs>
+            <a:gs pos="100000">
+              <a:schemeClr val="phClr">
+                <a:tint val="15000"/>
+                <a:satMod val="350000"/>
+              </a:schemeClr>
+            </a:gs>
+          </a:gsLst>
+          <a:lin ang="16200000" scaled="1"/>
+        </a:gradFill>
+        <a:gradFill rotWithShape="1">
+          <a:gsLst>
+            <a:gs pos="0">
+              <a:schemeClr val="phClr">
+                <a:shade val="51000"/>
+                <a:satMod val="130000"/>
+              </a:schemeClr>
+            </a:gs>
+            <a:gs pos="80000">
+              <a:schemeClr val="phClr">
+                <a:shade val="93000"/>
+                <a:satMod val="130000"/>
+              </a:schemeClr>
+            </a:gs>
+            <a:gs pos="100000">
+              <a:schemeClr val="phClr">
+                <a:shade val="94000"/>
+                <a:satMod val="135000"/>
+              </a:schemeClr>
+            </a:gs>
+          </a:gsLst>
+          <a:lin ang="16200000" scaled="0"/>
+        </a:gradFill>
+      </a:fillStyleLst>
+      <a:lnStyleLst>
+        <a:ln w="9525" cap="flat" cmpd="sng" algn="ctr">
+          <a:solidFill>
+            <a:schemeClr val="phClr">
+              <a:shade val="95000"/>
+              <a:satMod val="105000"/>
+            </a:schemeClr>
+          </a:solidFill>
+          <a:prstDash val="solid"/>
+        </a:ln>
+        <a:ln w="25400" cap="flat" cmpd="sng" algn="ctr">
+          <a:solidFill>
+            <a:schemeClr val="phClr"/>
+          </a:solidFill>
+          <a:prstDash val="solid"/>
+        </a:ln>
+        <a:ln w="38100" cap="flat" cmpd="sng" algn="ctr">
+          <a:solidFill>
+            <a:schemeClr val="phClr"/>
+          </a:solidFill>
+          <a:prstDash val="solid"/>
+        </a:ln>
+      </a:lnStyleLst>
+      <a:effectStyleLst>
+        <a:effectStyle>
+          <a:effectLst>
+            <a:outerShdw blurRad="40000" dist="20000" dir="5400000" rotWithShape="0">
+              <a:srgbClr val="000000">
+                <a:alpha val="38000"/>
+              </a:srgbClr>
+            </a:outerShdw>
+          </a:effectLst>
+        </a:effectStyle>
+        <a:effectStyle>
+          <a:effectLst>
+            <a:outerShdw blurRad="40000" dist="23000" dir="5400000" rotWithShape="0">
+              <a:srgbClr val="000000">
+                <a:alpha val="35000"/>
+              </a:srgbClr>
+            </a:outerShdw>
+          </a:effectLst>
+        </a:effectStyle>
+        <a:effectStyle>
+          <a:effectLst>
+            <a:outerShdw blurRad="40000" dist="23000" dir="5400000" rotWithShape="0">
+              <a:srgbClr val="000000">
+                <a:alpha val="35000"/>
+              </a:srgbClr>
+            </a:outerShdw>
+          </a:effectLst>
+          <a:scene3d>
+            <a:camera prst="orthographicFront">
+              <a:rot lat="0" lon="0" rev="0"/>
+            </a:camera>
+            <a:lightRig rig="threePt" dir="t">
+              <a:rot lat="0" lon="0" rev="1200000"/>
+            </a:lightRig>
+          </a:scene3d>
+          <a:sp3d>
+            <a:bevelT w="63500" h="25400"/>
+          </a:sp3d>
+        </a:effectStyle>
+      </a:effectStyleLst>
+      <a:bgFillStyleLst>
+        <a:solidFill>
+          <a:schemeClr val="phClr"/>
+        </a:solidFill>
+        <a:gradFill rotWithShape="1">
+          <a:gsLst>
+            <a:gs pos="0">
+              <a:schemeClr val="phClr">
+                <a:tint val="40000"/>
+                <a:satMod val="350000"/>
+              </a:schemeClr>
+            </a:gs>
+            <a:gs pos="40000">
+              <a:schemeClr val="phClr">
+                <a:tint val="45000"/>
+                <a:shade val="99000"/>
+                <a:satMod val="350000"/>
+              </a:schemeClr>
+            </a:gs>
+            <a:gs pos="100000">
+              <a:schemeClr val="phClr">
+                <a:shade val="20000"/>
+                <a:satMod val="255000"/>
+              </a:schemeClr>
+            </a:gs>
+          </a:gsLst>
+          <a:path path="circle">
+            <a:fillToRect l="50000" t="-80000" r="50000" b="180000"/>
+          </a:path>
+        </a:gradFill>
+        <a:gradFill rotWithShape="1">
+          <a:gsLst>
+            <a:gs pos="0">
+              <a:schemeClr val="phClr">
+                <a:tint val="80000"/>
+                <a:satMod val="300000"/>
+              </a:schemeClr>
+            </a:gs>
+            <a:gs pos="100000">
+              <a:schemeClr val="phClr">
+                <a:shade val="30000"/>
+                <a:satMod val="200000"/>
+              </a:schemeClr>
+            </a:gs>
+          </a:gsLst>
+          <a:path path="circle">
+            <a:fillToRect l="50000" t="50000" r="50000" b="50000"/>
+          </a:path>
+        </a:gradFill>
+      </a:bgFillStyleLst>
+    </a:fmtScheme>
+  </a:themeElements>
+  <a:objectDefaults/>
+  <a:extraClrSchemeLst/>
+</a:theme>
 </file>
--- a/Flujograma.pptx
+++ b/Flujograma.pptx
@@ -194,7 +194,8 @@
           <a:p>
             <a:fld id="{E6AC3E37-DC7D-4262-BE08-BB6CBEC07656}" type="datetimeFigureOut">
               <a:rPr lang="es-ES" smtClean="0"/>
-              <a:t>25/11/2017</a:t>
+              <a:pPr/>
+              <a:t>27/11/2017</a:t>
             </a:fld>
             <a:endParaRPr lang="es-ES"/>
           </a:p>
@@ -355,6 +356,7 @@
           <a:p>
             <a:fld id="{A427C1E4-2F91-4139-B3AA-2C1C5FF4DC8D}" type="slidenum">
               <a:rPr lang="es-ES" smtClean="0"/>
+              <a:pPr/>
               <a:t>‹Nº›</a:t>
             </a:fld>
             <a:endParaRPr lang="es-ES"/>
@@ -526,6 +528,7 @@
           <a:p>
             <a:fld id="{A427C1E4-2F91-4139-B3AA-2C1C5FF4DC8D}" type="slidenum">
               <a:rPr lang="es-ES" smtClean="0"/>
+              <a:pPr/>
               <a:t>2</a:t>
             </a:fld>
             <a:endParaRPr lang="es-ES"/>
@@ -722,7 +725,7 @@
             <a:fld id="{E3FFC6FC-B0CF-4CEA-9853-5C0793C182D3}" type="datetimeFigureOut">
               <a:rPr lang="es-ES" smtClean="0"/>
               <a:pPr/>
-              <a:t>25/11/2017</a:t>
+              <a:t>27/11/2017</a:t>
             </a:fld>
             <a:endParaRPr lang="es-ES"/>
           </a:p>
@@ -889,7 +892,7 @@
             <a:fld id="{E3FFC6FC-B0CF-4CEA-9853-5C0793C182D3}" type="datetimeFigureOut">
               <a:rPr lang="es-ES" smtClean="0"/>
               <a:pPr/>
-              <a:t>25/11/2017</a:t>
+              <a:t>27/11/2017</a:t>
             </a:fld>
             <a:endParaRPr lang="es-ES"/>
           </a:p>
@@ -1066,7 +1069,7 @@
             <a:fld id="{E3FFC6FC-B0CF-4CEA-9853-5C0793C182D3}" type="datetimeFigureOut">
               <a:rPr lang="es-ES" smtClean="0"/>
               <a:pPr/>
-              <a:t>25/11/2017</a:t>
+              <a:t>27/11/2017</a:t>
             </a:fld>
             <a:endParaRPr lang="es-ES"/>
           </a:p>
@@ -1233,7 +1236,7 @@
             <a:fld id="{E3FFC6FC-B0CF-4CEA-9853-5C0793C182D3}" type="datetimeFigureOut">
               <a:rPr lang="es-ES" smtClean="0"/>
               <a:pPr/>
-              <a:t>25/11/2017</a:t>
+              <a:t>27/11/2017</a:t>
             </a:fld>
             <a:endParaRPr lang="es-ES"/>
           </a:p>
@@ -1476,7 +1479,7 @@
             <a:fld id="{E3FFC6FC-B0CF-4CEA-9853-5C0793C182D3}" type="datetimeFigureOut">
               <a:rPr lang="es-ES" smtClean="0"/>
               <a:pPr/>
-              <a:t>25/11/2017</a:t>
+              <a:t>27/11/2017</a:t>
             </a:fld>
             <a:endParaRPr lang="es-ES"/>
           </a:p>
@@ -1761,7 +1764,7 @@
             <a:fld id="{E3FFC6FC-B0CF-4CEA-9853-5C0793C182D3}" type="datetimeFigureOut">
               <a:rPr lang="es-ES" smtClean="0"/>
               <a:pPr/>
-              <a:t>25/11/2017</a:t>
+              <a:t>27/11/2017</a:t>
             </a:fld>
             <a:endParaRPr lang="es-ES"/>
           </a:p>
@@ -2180,7 +2183,7 @@
             <a:fld id="{E3FFC6FC-B0CF-4CEA-9853-5C0793C182D3}" type="datetimeFigureOut">
               <a:rPr lang="es-ES" smtClean="0"/>
               <a:pPr/>
-              <a:t>25/11/2017</a:t>
+              <a:t>27/11/2017</a:t>
             </a:fld>
             <a:endParaRPr lang="es-ES"/>
           </a:p>
@@ -2295,7 +2298,7 @@
             <a:fld id="{E3FFC6FC-B0CF-4CEA-9853-5C0793C182D3}" type="datetimeFigureOut">
               <a:rPr lang="es-ES" smtClean="0"/>
               <a:pPr/>
-              <a:t>25/11/2017</a:t>
+              <a:t>27/11/2017</a:t>
             </a:fld>
             <a:endParaRPr lang="es-ES"/>
           </a:p>
@@ -2387,7 +2390,7 @@
             <a:fld id="{E3FFC6FC-B0CF-4CEA-9853-5C0793C182D3}" type="datetimeFigureOut">
               <a:rPr lang="es-ES" smtClean="0"/>
               <a:pPr/>
-              <a:t>25/11/2017</a:t>
+              <a:t>27/11/2017</a:t>
             </a:fld>
             <a:endParaRPr lang="es-ES"/>
           </a:p>
@@ -2661,7 +2664,7 @@
             <a:fld id="{E3FFC6FC-B0CF-4CEA-9853-5C0793C182D3}" type="datetimeFigureOut">
               <a:rPr lang="es-ES" smtClean="0"/>
               <a:pPr/>
-              <a:t>25/11/2017</a:t>
+              <a:t>27/11/2017</a:t>
             </a:fld>
             <a:endParaRPr lang="es-ES"/>
           </a:p>
@@ -2911,7 +2914,7 @@
             <a:fld id="{E3FFC6FC-B0CF-4CEA-9853-5C0793C182D3}" type="datetimeFigureOut">
               <a:rPr lang="es-ES" smtClean="0"/>
               <a:pPr/>
-              <a:t>25/11/2017</a:t>
+              <a:t>27/11/2017</a:t>
             </a:fld>
             <a:endParaRPr lang="es-ES"/>
           </a:p>
@@ -3121,7 +3124,7 @@
             <a:fld id="{E3FFC6FC-B0CF-4CEA-9853-5C0793C182D3}" type="datetimeFigureOut">
               <a:rPr lang="es-ES" smtClean="0"/>
               <a:pPr/>
-              <a:t>25/11/2017</a:t>
+              <a:t>27/11/2017</a:t>
             </a:fld>
             <a:endParaRPr lang="es-ES"/>
           </a:p>
@@ -4364,11 +4367,7 @@
             <a:pPr algn="ctr"/>
             <a:r>
               <a:rPr lang="es-ES" dirty="0" smtClean="0"/>
-              <a:t>Lee</a:t>
-            </a:r>
-            <a:r>
-              <a:rPr lang="es-ES" dirty="0" smtClean="0"/>
-              <a:t> “edad”</a:t>
+              <a:t>Lee “edad”</a:t>
             </a:r>
             <a:endParaRPr lang="es-ES" dirty="0"/>
           </a:p>
@@ -5336,65 +5335,10 @@
           </a:p>
         </p:txBody>
       </p:sp>
-      <p:sp>
-        <p:nvSpPr>
-          <p:cNvPr id="218" name="217 Datos"/>
-          <p:cNvSpPr/>
-          <p:nvPr/>
-        </p:nvSpPr>
-        <p:spPr>
-          <a:xfrm>
-            <a:off x="4860032" y="1988840"/>
-            <a:ext cx="2736304" cy="720080"/>
-          </a:xfrm>
-          <a:prstGeom prst="flowChartInputOutput">
-            <a:avLst/>
-          </a:prstGeom>
-          <a:solidFill>
-            <a:srgbClr val="9D87B7"/>
-          </a:solidFill>
-          <a:ln>
-            <a:solidFill>
-              <a:schemeClr val="accent4">
-                <a:lumMod val="50000"/>
-              </a:schemeClr>
-            </a:solidFill>
-          </a:ln>
-        </p:spPr>
-        <p:style>
-          <a:lnRef idx="2">
-            <a:schemeClr val="accent1">
-              <a:shade val="50000"/>
-            </a:schemeClr>
-          </a:lnRef>
-          <a:fillRef idx="1">
-            <a:schemeClr val="accent1"/>
-          </a:fillRef>
-          <a:effectRef idx="0">
-            <a:schemeClr val="accent1"/>
-          </a:effectRef>
-          <a:fontRef idx="minor">
-            <a:schemeClr val="lt1"/>
-          </a:fontRef>
-        </p:style>
-        <p:txBody>
-          <a:bodyPr rtlCol="0" anchor="ctr"/>
-          <a:lstStyle/>
-          <a:p>
-            <a:pPr algn="ctr"/>
-            <a:r>
-              <a:rPr lang="es-ES" dirty="0" smtClean="0"/>
-              <a:t> edad&gt;0</a:t>
-            </a:r>
-            <a:endParaRPr lang="es-ES" dirty="0"/>
-          </a:p>
-        </p:txBody>
-      </p:sp>
       <p:cxnSp>
         <p:nvCxnSpPr>
           <p:cNvPr id="222" name="221 Conector angular"/>
           <p:cNvCxnSpPr>
-            <a:stCxn id="218" idx="2"/>
             <a:endCxn id="6" idx="1"/>
           </p:cNvCxnSpPr>
           <p:nvPr/>
@@ -5432,7 +5376,6 @@
         <p:nvCxnSpPr>
           <p:cNvPr id="224" name="223 Conector recto de flecha"/>
           <p:cNvCxnSpPr>
-            <a:stCxn id="218" idx="4"/>
             <a:endCxn id="24" idx="0"/>
           </p:cNvCxnSpPr>
           <p:nvPr/>
@@ -5469,7 +5412,6 @@
           <p:cNvPr id="226" name="225 Conector recto"/>
           <p:cNvCxnSpPr>
             <a:stCxn id="6" idx="2"/>
-            <a:endCxn id="218" idx="1"/>
           </p:cNvCxnSpPr>
           <p:nvPr/>
         </p:nvCxnSpPr>
@@ -5505,7 +5447,7 @@
         </p:nvSpPr>
         <p:spPr>
           <a:xfrm>
-            <a:off x="6228184" y="2771636"/>
+            <a:off x="6228184" y="2843644"/>
             <a:ext cx="360040" cy="369332"/>
           </a:xfrm>
           <a:prstGeom prst="rect">
@@ -5522,6 +5464,57 @@
             <a:r>
               <a:rPr lang="es-ES" dirty="0" smtClean="0"/>
               <a:t>Sí</a:t>
+            </a:r>
+            <a:endParaRPr lang="es-ES" dirty="0"/>
+          </a:p>
+        </p:txBody>
+      </p:sp>
+      <p:sp>
+        <p:nvSpPr>
+          <p:cNvPr id="32" name="31 Decisión"/>
+          <p:cNvSpPr/>
+          <p:nvPr/>
+        </p:nvSpPr>
+        <p:spPr>
+          <a:xfrm>
+            <a:off x="5076056" y="1844824"/>
+            <a:ext cx="2304256" cy="1008112"/>
+          </a:xfrm>
+          <a:prstGeom prst="flowChartDecision">
+            <a:avLst/>
+          </a:prstGeom>
+          <a:solidFill>
+            <a:srgbClr val="C96765"/>
+          </a:solidFill>
+          <a:ln>
+            <a:solidFill>
+              <a:srgbClr val="C00000"/>
+            </a:solidFill>
+          </a:ln>
+        </p:spPr>
+        <p:style>
+          <a:lnRef idx="2">
+            <a:schemeClr val="accent1">
+              <a:shade val="50000"/>
+            </a:schemeClr>
+          </a:lnRef>
+          <a:fillRef idx="1">
+            <a:schemeClr val="accent1"/>
+          </a:fillRef>
+          <a:effectRef idx="0">
+            <a:schemeClr val="accent1"/>
+          </a:effectRef>
+          <a:fontRef idx="minor">
+            <a:schemeClr val="lt1"/>
+          </a:fontRef>
+        </p:style>
+        <p:txBody>
+          <a:bodyPr rtlCol="0" anchor="ctr"/>
+          <a:lstStyle/>
+          <a:p>
+            <a:r>
+              <a:rPr lang="es-ES" dirty="0" smtClean="0"/>
+              <a:t>  edad&gt;0</a:t>
             </a:r>
             <a:endParaRPr lang="es-ES" dirty="0"/>
           </a:p>
@@ -5560,7 +5553,7 @@
         </p:nvSpPr>
         <p:spPr>
           <a:xfrm>
-            <a:off x="4716016" y="44624"/>
+            <a:off x="4572000" y="260648"/>
             <a:ext cx="432048" cy="432048"/>
           </a:xfrm>
           <a:prstGeom prst="flowChartConnector">
@@ -5610,7 +5603,7 @@
         </p:nvSpPr>
         <p:spPr>
           <a:xfrm>
-            <a:off x="3995936" y="1052736"/>
+            <a:off x="3851920" y="2060848"/>
             <a:ext cx="1872208" cy="432048"/>
           </a:xfrm>
           <a:prstGeom prst="flowChartProcess">
@@ -5661,7 +5654,7 @@
         </p:nvSpPr>
         <p:spPr>
           <a:xfrm>
-            <a:off x="3275856" y="2204864"/>
+            <a:off x="3131840" y="4005064"/>
             <a:ext cx="3312368" cy="504056"/>
           </a:xfrm>
           <a:prstGeom prst="flowChartProcess">
@@ -5706,11 +5699,7 @@
             </a:r>
             <a:r>
               <a:rPr lang="es-ES" dirty="0" smtClean="0"/>
-              <a:t>[i][j</a:t>
-            </a:r>
-            <a:r>
-              <a:rPr lang="es-ES" dirty="0" smtClean="0"/>
-              <a:t>]</a:t>
+              <a:t>[i][j]</a:t>
             </a:r>
             <a:endParaRPr lang="es-ES" dirty="0"/>
           </a:p>
@@ -5718,28 +5707,21 @@
       </p:sp>
       <p:sp>
         <p:nvSpPr>
-          <p:cNvPr id="18" name="17 Proceso"/>
+          <p:cNvPr id="33" name="32 Proceso"/>
           <p:cNvSpPr/>
           <p:nvPr/>
         </p:nvSpPr>
         <p:spPr>
           <a:xfrm>
-            <a:off x="4283968" y="2924944"/>
-            <a:ext cx="1287760" cy="351656"/>
+            <a:off x="3131840" y="5013176"/>
+            <a:ext cx="3312368" cy="504056"/>
           </a:xfrm>
           <a:prstGeom prst="flowChartProcess">
             <a:avLst/>
           </a:prstGeom>
           <a:solidFill>
-            <a:srgbClr val="9D87B7"/>
+            <a:srgbClr val="7CA1CE"/>
           </a:solidFill>
-          <a:ln>
-            <a:solidFill>
-              <a:schemeClr val="accent4">
-                <a:lumMod val="50000"/>
-              </a:schemeClr>
-            </a:solidFill>
-          </a:ln>
         </p:spPr>
         <p:style>
           <a:lnRef idx="2">
@@ -5763,269 +5745,6 @@
           <a:p>
             <a:pPr algn="ctr"/>
             <a:r>
-              <a:rPr lang="es-ES" dirty="0" err="1" smtClean="0"/>
-              <a:t>j++</a:t>
-            </a:r>
-            <a:endParaRPr lang="es-ES" dirty="0"/>
-          </a:p>
-        </p:txBody>
-      </p:sp>
-      <p:sp>
-        <p:nvSpPr>
-          <p:cNvPr id="29" name="28 Datos"/>
-          <p:cNvSpPr/>
-          <p:nvPr/>
-        </p:nvSpPr>
-        <p:spPr>
-          <a:xfrm>
-            <a:off x="2771800" y="3429000"/>
-            <a:ext cx="4320480" cy="504056"/>
-          </a:xfrm>
-          <a:prstGeom prst="flowChartInputOutput">
-            <a:avLst/>
-          </a:prstGeom>
-          <a:solidFill>
-            <a:srgbClr val="9D87B7"/>
-          </a:solidFill>
-          <a:ln>
-            <a:solidFill>
-              <a:schemeClr val="accent4">
-                <a:lumMod val="50000"/>
-              </a:schemeClr>
-            </a:solidFill>
-          </a:ln>
-        </p:spPr>
-        <p:style>
-          <a:lnRef idx="2">
-            <a:schemeClr val="accent1">
-              <a:shade val="50000"/>
-            </a:schemeClr>
-          </a:lnRef>
-          <a:fillRef idx="1">
-            <a:schemeClr val="accent1"/>
-          </a:fillRef>
-          <a:effectRef idx="0">
-            <a:schemeClr val="accent1"/>
-          </a:effectRef>
-          <a:fontRef idx="minor">
-            <a:schemeClr val="lt1"/>
-          </a:fontRef>
-        </p:style>
-        <p:txBody>
-          <a:bodyPr rtlCol="0" anchor="ctr"/>
-          <a:lstStyle/>
-          <a:p>
-            <a:pPr algn="ctr"/>
-            <a:r>
-              <a:rPr lang="es-ES" dirty="0" smtClean="0"/>
-              <a:t> j&lt;columnas librería</a:t>
-            </a:r>
-            <a:endParaRPr lang="es-ES" dirty="0"/>
-          </a:p>
-        </p:txBody>
-      </p:sp>
-      <p:sp>
-        <p:nvSpPr>
-          <p:cNvPr id="30" name="29 Proceso"/>
-          <p:cNvSpPr/>
-          <p:nvPr/>
-        </p:nvSpPr>
-        <p:spPr>
-          <a:xfrm>
-            <a:off x="4139952" y="1700808"/>
-            <a:ext cx="1584176" cy="351656"/>
-          </a:xfrm>
-          <a:prstGeom prst="flowChartProcess">
-            <a:avLst/>
-          </a:prstGeom>
-          <a:solidFill>
-            <a:srgbClr val="9D87B7"/>
-          </a:solidFill>
-          <a:ln>
-            <a:solidFill>
-              <a:schemeClr val="accent4">
-                <a:lumMod val="50000"/>
-              </a:schemeClr>
-            </a:solidFill>
-          </a:ln>
-        </p:spPr>
-        <p:style>
-          <a:lnRef idx="2">
-            <a:schemeClr val="accent1">
-              <a:shade val="50000"/>
-            </a:schemeClr>
-          </a:lnRef>
-          <a:fillRef idx="1">
-            <a:schemeClr val="accent1"/>
-          </a:fillRef>
-          <a:effectRef idx="0">
-            <a:schemeClr val="accent1"/>
-          </a:effectRef>
-          <a:fontRef idx="minor">
-            <a:schemeClr val="lt1"/>
-          </a:fontRef>
-        </p:style>
-        <p:txBody>
-          <a:bodyPr rtlCol="0" anchor="ctr"/>
-          <a:lstStyle/>
-          <a:p>
-            <a:pPr algn="ctr"/>
-            <a:r>
-              <a:rPr lang="es-ES" dirty="0" smtClean="0"/>
-              <a:t>Inicializar j=0</a:t>
-            </a:r>
-            <a:endParaRPr lang="es-ES" dirty="0"/>
-          </a:p>
-        </p:txBody>
-      </p:sp>
-      <p:sp>
-        <p:nvSpPr>
-          <p:cNvPr id="31" name="30 Datos"/>
-          <p:cNvSpPr/>
-          <p:nvPr/>
-        </p:nvSpPr>
-        <p:spPr>
-          <a:xfrm>
-            <a:off x="2483768" y="5445224"/>
-            <a:ext cx="4896544" cy="504056"/>
-          </a:xfrm>
-          <a:prstGeom prst="flowChartInputOutput">
-            <a:avLst/>
-          </a:prstGeom>
-          <a:solidFill>
-            <a:srgbClr val="9D87B7"/>
-          </a:solidFill>
-          <a:ln>
-            <a:solidFill>
-              <a:schemeClr val="accent4">
-                <a:lumMod val="50000"/>
-              </a:schemeClr>
-            </a:solidFill>
-          </a:ln>
-        </p:spPr>
-        <p:style>
-          <a:lnRef idx="2">
-            <a:schemeClr val="accent1">
-              <a:shade val="50000"/>
-            </a:schemeClr>
-          </a:lnRef>
-          <a:fillRef idx="1">
-            <a:schemeClr val="accent1"/>
-          </a:fillRef>
-          <a:effectRef idx="0">
-            <a:schemeClr val="accent1"/>
-          </a:effectRef>
-          <a:fontRef idx="minor">
-            <a:schemeClr val="lt1"/>
-          </a:fontRef>
-        </p:style>
-        <p:txBody>
-          <a:bodyPr rtlCol="0" anchor="ctr"/>
-          <a:lstStyle/>
-          <a:p>
-            <a:pPr algn="ctr"/>
-            <a:r>
-              <a:rPr lang="es-ES" dirty="0" smtClean="0"/>
-              <a:t> i&lt;filas librería</a:t>
-            </a:r>
-            <a:endParaRPr lang="es-ES" dirty="0"/>
-          </a:p>
-        </p:txBody>
-      </p:sp>
-      <p:sp>
-        <p:nvSpPr>
-          <p:cNvPr id="32" name="31 Proceso"/>
-          <p:cNvSpPr/>
-          <p:nvPr/>
-        </p:nvSpPr>
-        <p:spPr>
-          <a:xfrm>
-            <a:off x="4211960" y="548680"/>
-            <a:ext cx="1440160" cy="360040"/>
-          </a:xfrm>
-          <a:prstGeom prst="flowChartProcess">
-            <a:avLst/>
-          </a:prstGeom>
-          <a:solidFill>
-            <a:srgbClr val="9D87B7"/>
-          </a:solidFill>
-          <a:ln>
-            <a:solidFill>
-              <a:schemeClr val="accent4">
-                <a:lumMod val="50000"/>
-              </a:schemeClr>
-            </a:solidFill>
-          </a:ln>
-        </p:spPr>
-        <p:style>
-          <a:lnRef idx="2">
-            <a:schemeClr val="accent1">
-              <a:shade val="50000"/>
-            </a:schemeClr>
-          </a:lnRef>
-          <a:fillRef idx="1">
-            <a:schemeClr val="accent1"/>
-          </a:fillRef>
-          <a:effectRef idx="0">
-            <a:schemeClr val="accent1"/>
-          </a:effectRef>
-          <a:fontRef idx="minor">
-            <a:schemeClr val="lt1"/>
-          </a:fontRef>
-        </p:style>
-        <p:txBody>
-          <a:bodyPr rtlCol="0" anchor="ctr"/>
-          <a:lstStyle/>
-          <a:p>
-            <a:pPr algn="ctr"/>
-            <a:r>
-              <a:rPr lang="es-ES" dirty="0" smtClean="0"/>
-              <a:t>Inicializar i=0</a:t>
-            </a:r>
-            <a:endParaRPr lang="es-ES" dirty="0"/>
-          </a:p>
-        </p:txBody>
-      </p:sp>
-      <p:sp>
-        <p:nvSpPr>
-          <p:cNvPr id="33" name="32 Proceso"/>
-          <p:cNvSpPr/>
-          <p:nvPr/>
-        </p:nvSpPr>
-        <p:spPr>
-          <a:xfrm>
-            <a:off x="3419872" y="4293096"/>
-            <a:ext cx="3024336" cy="504056"/>
-          </a:xfrm>
-          <a:prstGeom prst="flowChartProcess">
-            <a:avLst/>
-          </a:prstGeom>
-          <a:solidFill>
-            <a:srgbClr val="7CA1CE"/>
-          </a:solidFill>
-        </p:spPr>
-        <p:style>
-          <a:lnRef idx="2">
-            <a:schemeClr val="accent1">
-              <a:shade val="50000"/>
-            </a:schemeClr>
-          </a:lnRef>
-          <a:fillRef idx="1">
-            <a:schemeClr val="accent1"/>
-          </a:fillRef>
-          <a:effectRef idx="0">
-            <a:schemeClr val="accent1"/>
-          </a:effectRef>
-          <a:fontRef idx="minor">
-            <a:schemeClr val="lt1"/>
-          </a:fontRef>
-        </p:style>
-        <p:txBody>
-          <a:bodyPr rtlCol="0" anchor="ctr"/>
-          <a:lstStyle/>
-          <a:p>
-            <a:pPr algn="ctr"/>
-            <a:r>
               <a:rPr lang="es-ES" dirty="0" smtClean="0"/>
               <a:t>Escribir por pantalla </a:t>
             </a:r>
@@ -6037,440 +5756,6 @@
           </a:p>
         </p:txBody>
       </p:sp>
-      <p:sp>
-        <p:nvSpPr>
-          <p:cNvPr id="34" name="33 Proceso"/>
-          <p:cNvSpPr/>
-          <p:nvPr/>
-        </p:nvSpPr>
-        <p:spPr>
-          <a:xfrm>
-            <a:off x="4283968" y="4941168"/>
-            <a:ext cx="1287760" cy="351656"/>
-          </a:xfrm>
-          <a:prstGeom prst="flowChartProcess">
-            <a:avLst/>
-          </a:prstGeom>
-          <a:solidFill>
-            <a:srgbClr val="9D87B7"/>
-          </a:solidFill>
-          <a:ln>
-            <a:solidFill>
-              <a:schemeClr val="accent4">
-                <a:lumMod val="50000"/>
-              </a:schemeClr>
-            </a:solidFill>
-          </a:ln>
-        </p:spPr>
-        <p:style>
-          <a:lnRef idx="2">
-            <a:schemeClr val="accent1">
-              <a:shade val="50000"/>
-            </a:schemeClr>
-          </a:lnRef>
-          <a:fillRef idx="1">
-            <a:schemeClr val="accent1"/>
-          </a:fillRef>
-          <a:effectRef idx="0">
-            <a:schemeClr val="accent1"/>
-          </a:effectRef>
-          <a:fontRef idx="minor">
-            <a:schemeClr val="lt1"/>
-          </a:fontRef>
-        </p:style>
-        <p:txBody>
-          <a:bodyPr rtlCol="0" anchor="ctr"/>
-          <a:lstStyle/>
-          <a:p>
-            <a:pPr algn="ctr"/>
-            <a:r>
-              <a:rPr lang="es-ES" dirty="0" smtClean="0"/>
-              <a:t>i</a:t>
-            </a:r>
-            <a:r>
-              <a:rPr lang="es-ES" dirty="0" smtClean="0"/>
-              <a:t>++</a:t>
-            </a:r>
-            <a:endParaRPr lang="es-ES" dirty="0"/>
-          </a:p>
-        </p:txBody>
-      </p:sp>
-      <p:cxnSp>
-        <p:nvCxnSpPr>
-          <p:cNvPr id="36" name="35 Conector recto"/>
-          <p:cNvCxnSpPr>
-            <a:stCxn id="4" idx="4"/>
-            <a:endCxn id="32" idx="0"/>
-          </p:cNvCxnSpPr>
-          <p:nvPr/>
-        </p:nvCxnSpPr>
-        <p:spPr>
-          <a:xfrm>
-            <a:off x="4932040" y="476672"/>
-            <a:ext cx="0" cy="72008"/>
-          </a:xfrm>
-          <a:prstGeom prst="line">
-            <a:avLst/>
-          </a:prstGeom>
-        </p:spPr>
-        <p:style>
-          <a:lnRef idx="1">
-            <a:schemeClr val="accent1"/>
-          </a:lnRef>
-          <a:fillRef idx="0">
-            <a:schemeClr val="accent1"/>
-          </a:fillRef>
-          <a:effectRef idx="0">
-            <a:schemeClr val="accent1"/>
-          </a:effectRef>
-          <a:fontRef idx="minor">
-            <a:schemeClr val="tx1"/>
-          </a:fontRef>
-        </p:style>
-      </p:cxnSp>
-      <p:cxnSp>
-        <p:nvCxnSpPr>
-          <p:cNvPr id="39" name="38 Conector recto"/>
-          <p:cNvCxnSpPr>
-            <a:stCxn id="32" idx="2"/>
-            <a:endCxn id="8" idx="0"/>
-          </p:cNvCxnSpPr>
-          <p:nvPr/>
-        </p:nvCxnSpPr>
-        <p:spPr>
-          <a:xfrm>
-            <a:off x="4932040" y="908720"/>
-            <a:ext cx="0" cy="144016"/>
-          </a:xfrm>
-          <a:prstGeom prst="line">
-            <a:avLst/>
-          </a:prstGeom>
-        </p:spPr>
-        <p:style>
-          <a:lnRef idx="1">
-            <a:schemeClr val="accent1"/>
-          </a:lnRef>
-          <a:fillRef idx="0">
-            <a:schemeClr val="accent1"/>
-          </a:fillRef>
-          <a:effectRef idx="0">
-            <a:schemeClr val="accent1"/>
-          </a:effectRef>
-          <a:fontRef idx="minor">
-            <a:schemeClr val="tx1"/>
-          </a:fontRef>
-        </p:style>
-      </p:cxnSp>
-      <p:cxnSp>
-        <p:nvCxnSpPr>
-          <p:cNvPr id="41" name="40 Conector recto"/>
-          <p:cNvCxnSpPr>
-            <a:stCxn id="8" idx="2"/>
-            <a:endCxn id="30" idx="0"/>
-          </p:cNvCxnSpPr>
-          <p:nvPr/>
-        </p:nvCxnSpPr>
-        <p:spPr>
-          <a:xfrm>
-            <a:off x="4932040" y="1484784"/>
-            <a:ext cx="0" cy="216024"/>
-          </a:xfrm>
-          <a:prstGeom prst="line">
-            <a:avLst/>
-          </a:prstGeom>
-        </p:spPr>
-        <p:style>
-          <a:lnRef idx="1">
-            <a:schemeClr val="accent1"/>
-          </a:lnRef>
-          <a:fillRef idx="0">
-            <a:schemeClr val="accent1"/>
-          </a:fillRef>
-          <a:effectRef idx="0">
-            <a:schemeClr val="accent1"/>
-          </a:effectRef>
-          <a:fontRef idx="minor">
-            <a:schemeClr val="tx1"/>
-          </a:fontRef>
-        </p:style>
-      </p:cxnSp>
-      <p:cxnSp>
-        <p:nvCxnSpPr>
-          <p:cNvPr id="43" name="42 Conector recto"/>
-          <p:cNvCxnSpPr>
-            <a:stCxn id="30" idx="2"/>
-            <a:endCxn id="10" idx="0"/>
-          </p:cNvCxnSpPr>
-          <p:nvPr/>
-        </p:nvCxnSpPr>
-        <p:spPr>
-          <a:xfrm>
-            <a:off x="4932040" y="2052464"/>
-            <a:ext cx="0" cy="152400"/>
-          </a:xfrm>
-          <a:prstGeom prst="line">
-            <a:avLst/>
-          </a:prstGeom>
-        </p:spPr>
-        <p:style>
-          <a:lnRef idx="1">
-            <a:schemeClr val="accent1"/>
-          </a:lnRef>
-          <a:fillRef idx="0">
-            <a:schemeClr val="accent1"/>
-          </a:fillRef>
-          <a:effectRef idx="0">
-            <a:schemeClr val="accent1"/>
-          </a:effectRef>
-          <a:fontRef idx="minor">
-            <a:schemeClr val="tx1"/>
-          </a:fontRef>
-        </p:style>
-      </p:cxnSp>
-      <p:cxnSp>
-        <p:nvCxnSpPr>
-          <p:cNvPr id="45" name="44 Conector recto"/>
-          <p:cNvCxnSpPr>
-            <a:stCxn id="10" idx="2"/>
-            <a:endCxn id="18" idx="0"/>
-          </p:cNvCxnSpPr>
-          <p:nvPr/>
-        </p:nvCxnSpPr>
-        <p:spPr>
-          <a:xfrm flipH="1">
-            <a:off x="4927848" y="2708920"/>
-            <a:ext cx="4192" cy="216024"/>
-          </a:xfrm>
-          <a:prstGeom prst="line">
-            <a:avLst/>
-          </a:prstGeom>
-        </p:spPr>
-        <p:style>
-          <a:lnRef idx="1">
-            <a:schemeClr val="accent1"/>
-          </a:lnRef>
-          <a:fillRef idx="0">
-            <a:schemeClr val="accent1"/>
-          </a:fillRef>
-          <a:effectRef idx="0">
-            <a:schemeClr val="accent1"/>
-          </a:effectRef>
-          <a:fontRef idx="minor">
-            <a:schemeClr val="tx1"/>
-          </a:fontRef>
-        </p:style>
-      </p:cxnSp>
-      <p:cxnSp>
-        <p:nvCxnSpPr>
-          <p:cNvPr id="47" name="46 Conector recto"/>
-          <p:cNvCxnSpPr>
-            <a:stCxn id="18" idx="2"/>
-            <a:endCxn id="29" idx="1"/>
-          </p:cNvCxnSpPr>
-          <p:nvPr/>
-        </p:nvCxnSpPr>
-        <p:spPr>
-          <a:xfrm>
-            <a:off x="4927848" y="3276600"/>
-            <a:ext cx="4192" cy="152400"/>
-          </a:xfrm>
-          <a:prstGeom prst="line">
-            <a:avLst/>
-          </a:prstGeom>
-        </p:spPr>
-        <p:style>
-          <a:lnRef idx="1">
-            <a:schemeClr val="accent1"/>
-          </a:lnRef>
-          <a:fillRef idx="0">
-            <a:schemeClr val="accent1"/>
-          </a:fillRef>
-          <a:effectRef idx="0">
-            <a:schemeClr val="accent1"/>
-          </a:effectRef>
-          <a:fontRef idx="minor">
-            <a:schemeClr val="tx1"/>
-          </a:fontRef>
-        </p:style>
-      </p:cxnSp>
-      <p:cxnSp>
-        <p:nvCxnSpPr>
-          <p:cNvPr id="51" name="50 Conector angular"/>
-          <p:cNvCxnSpPr>
-            <a:stCxn id="29" idx="2"/>
-            <a:endCxn id="30" idx="1"/>
-          </p:cNvCxnSpPr>
-          <p:nvPr/>
-        </p:nvCxnSpPr>
-        <p:spPr>
-          <a:xfrm rot="10800000" flipH="1">
-            <a:off x="3203848" y="1876636"/>
-            <a:ext cx="936104" cy="1804392"/>
-          </a:xfrm>
-          <a:prstGeom prst="bentConnector3">
-            <a:avLst>
-              <a:gd name="adj1" fmla="val -70574"/>
-            </a:avLst>
-          </a:prstGeom>
-          <a:ln>
-            <a:tailEnd type="arrow"/>
-          </a:ln>
-        </p:spPr>
-        <p:style>
-          <a:lnRef idx="1">
-            <a:schemeClr val="accent1"/>
-          </a:lnRef>
-          <a:fillRef idx="0">
-            <a:schemeClr val="accent1"/>
-          </a:fillRef>
-          <a:effectRef idx="0">
-            <a:schemeClr val="accent1"/>
-          </a:effectRef>
-          <a:fontRef idx="minor">
-            <a:schemeClr val="tx1"/>
-          </a:fontRef>
-        </p:style>
-      </p:cxnSp>
-      <p:cxnSp>
-        <p:nvCxnSpPr>
-          <p:cNvPr id="53" name="52 Conector recto de flecha"/>
-          <p:cNvCxnSpPr>
-            <a:stCxn id="29" idx="4"/>
-            <a:endCxn id="33" idx="0"/>
-          </p:cNvCxnSpPr>
-          <p:nvPr/>
-        </p:nvCxnSpPr>
-        <p:spPr>
-          <a:xfrm>
-            <a:off x="4932040" y="3933056"/>
-            <a:ext cx="0" cy="360040"/>
-          </a:xfrm>
-          <a:prstGeom prst="straightConnector1">
-            <a:avLst/>
-          </a:prstGeom>
-          <a:ln>
-            <a:tailEnd type="arrow"/>
-          </a:ln>
-        </p:spPr>
-        <p:style>
-          <a:lnRef idx="1">
-            <a:schemeClr val="accent1"/>
-          </a:lnRef>
-          <a:fillRef idx="0">
-            <a:schemeClr val="accent1"/>
-          </a:fillRef>
-          <a:effectRef idx="0">
-            <a:schemeClr val="accent1"/>
-          </a:effectRef>
-          <a:fontRef idx="minor">
-            <a:schemeClr val="tx1"/>
-          </a:fontRef>
-        </p:style>
-      </p:cxnSp>
-      <p:cxnSp>
-        <p:nvCxnSpPr>
-          <p:cNvPr id="56" name="55 Conector recto"/>
-          <p:cNvCxnSpPr>
-            <a:stCxn id="33" idx="2"/>
-            <a:endCxn id="34" idx="0"/>
-          </p:cNvCxnSpPr>
-          <p:nvPr/>
-        </p:nvCxnSpPr>
-        <p:spPr>
-          <a:xfrm flipH="1">
-            <a:off x="4927848" y="4797152"/>
-            <a:ext cx="4192" cy="144016"/>
-          </a:xfrm>
-          <a:prstGeom prst="line">
-            <a:avLst/>
-          </a:prstGeom>
-        </p:spPr>
-        <p:style>
-          <a:lnRef idx="1">
-            <a:schemeClr val="accent1"/>
-          </a:lnRef>
-          <a:fillRef idx="0">
-            <a:schemeClr val="accent1"/>
-          </a:fillRef>
-          <a:effectRef idx="0">
-            <a:schemeClr val="accent1"/>
-          </a:effectRef>
-          <a:fontRef idx="minor">
-            <a:schemeClr val="tx1"/>
-          </a:fontRef>
-        </p:style>
-      </p:cxnSp>
-      <p:cxnSp>
-        <p:nvCxnSpPr>
-          <p:cNvPr id="58" name="57 Conector recto"/>
-          <p:cNvCxnSpPr>
-            <a:stCxn id="34" idx="2"/>
-            <a:endCxn id="31" idx="1"/>
-          </p:cNvCxnSpPr>
-          <p:nvPr/>
-        </p:nvCxnSpPr>
-        <p:spPr>
-          <a:xfrm>
-            <a:off x="4927848" y="5292824"/>
-            <a:ext cx="4192" cy="152400"/>
-          </a:xfrm>
-          <a:prstGeom prst="line">
-            <a:avLst/>
-          </a:prstGeom>
-        </p:spPr>
-        <p:style>
-          <a:lnRef idx="1">
-            <a:schemeClr val="accent1"/>
-          </a:lnRef>
-          <a:fillRef idx="0">
-            <a:schemeClr val="accent1"/>
-          </a:fillRef>
-          <a:effectRef idx="0">
-            <a:schemeClr val="accent1"/>
-          </a:effectRef>
-          <a:fontRef idx="minor">
-            <a:schemeClr val="tx1"/>
-          </a:fontRef>
-        </p:style>
-      </p:cxnSp>
-      <p:cxnSp>
-        <p:nvCxnSpPr>
-          <p:cNvPr id="60" name="59 Conector angular"/>
-          <p:cNvCxnSpPr>
-            <a:stCxn id="31" idx="2"/>
-            <a:endCxn id="32" idx="1"/>
-          </p:cNvCxnSpPr>
-          <p:nvPr/>
-        </p:nvCxnSpPr>
-        <p:spPr>
-          <a:xfrm rot="10800000" flipH="1">
-            <a:off x="2973422" y="728700"/>
-            <a:ext cx="1238538" cy="4968552"/>
-          </a:xfrm>
-          <a:prstGeom prst="bentConnector3">
-            <a:avLst>
-              <a:gd name="adj1" fmla="val -57992"/>
-            </a:avLst>
-          </a:prstGeom>
-          <a:ln>
-            <a:tailEnd type="arrow"/>
-          </a:ln>
-        </p:spPr>
-        <p:style>
-          <a:lnRef idx="1">
-            <a:schemeClr val="accent1"/>
-          </a:lnRef>
-          <a:fillRef idx="0">
-            <a:schemeClr val="accent1"/>
-          </a:fillRef>
-          <a:effectRef idx="0">
-            <a:schemeClr val="accent1"/>
-          </a:effectRef>
-          <a:fontRef idx="minor">
-            <a:schemeClr val="tx1"/>
-          </a:fontRef>
-        </p:style>
-      </p:cxnSp>
       <p:sp>
         <p:nvSpPr>
           <p:cNvPr id="87" name="86 Conector"/>
@@ -6479,7 +5764,7 @@
         </p:nvSpPr>
         <p:spPr>
           <a:xfrm>
-            <a:off x="4716016" y="6309320"/>
+            <a:off x="4572000" y="6165304"/>
             <a:ext cx="432048" cy="432048"/>
           </a:xfrm>
           <a:prstGeom prst="flowChartConnector">
@@ -6521,42 +5806,6 @@
           </a:p>
         </p:txBody>
       </p:sp>
-      <p:cxnSp>
-        <p:nvCxnSpPr>
-          <p:cNvPr id="89" name="88 Conector recto de flecha"/>
-          <p:cNvCxnSpPr>
-            <a:stCxn id="31" idx="4"/>
-            <a:endCxn id="87" idx="0"/>
-          </p:cNvCxnSpPr>
-          <p:nvPr/>
-        </p:nvCxnSpPr>
-        <p:spPr>
-          <a:xfrm>
-            <a:off x="4932040" y="5949280"/>
-            <a:ext cx="0" cy="360040"/>
-          </a:xfrm>
-          <a:prstGeom prst="straightConnector1">
-            <a:avLst/>
-          </a:prstGeom>
-          <a:ln>
-            <a:tailEnd type="arrow"/>
-          </a:ln>
-        </p:spPr>
-        <p:style>
-          <a:lnRef idx="1">
-            <a:schemeClr val="accent1"/>
-          </a:lnRef>
-          <a:fillRef idx="0">
-            <a:schemeClr val="accent1"/>
-          </a:fillRef>
-          <a:effectRef idx="0">
-            <a:schemeClr val="accent1"/>
-          </a:effectRef>
-          <a:fontRef idx="minor">
-            <a:schemeClr val="tx1"/>
-          </a:fontRef>
-        </p:style>
-      </p:cxnSp>
       <p:sp>
         <p:nvSpPr>
           <p:cNvPr id="90" name="89 CuadroTexto"/>
@@ -6565,7 +5814,7 @@
         </p:nvSpPr>
         <p:spPr>
           <a:xfrm>
-            <a:off x="2555776" y="3356992"/>
+            <a:off x="2843808" y="3635732"/>
             <a:ext cx="360040" cy="369332"/>
           </a:xfrm>
           <a:prstGeom prst="rect">
@@ -6595,7 +5844,7 @@
         </p:nvSpPr>
         <p:spPr>
           <a:xfrm>
-            <a:off x="2267744" y="5373216"/>
+            <a:off x="2771800" y="4941168"/>
             <a:ext cx="360040" cy="369332"/>
           </a:xfrm>
           <a:prstGeom prst="rect">
@@ -6625,7 +5874,7 @@
         </p:nvSpPr>
         <p:spPr>
           <a:xfrm>
-            <a:off x="4932040" y="3933056"/>
+            <a:off x="4788024" y="4581128"/>
             <a:ext cx="504056" cy="369332"/>
           </a:xfrm>
           <a:prstGeom prst="rect">
@@ -6655,7 +5904,7 @@
         </p:nvSpPr>
         <p:spPr>
           <a:xfrm>
-            <a:off x="4932040" y="5949280"/>
+            <a:off x="4788024" y="5661248"/>
             <a:ext cx="504056" cy="369332"/>
           </a:xfrm>
           <a:prstGeom prst="rect">
@@ -6810,6 +6059,422 @@
           </a:p>
         </p:txBody>
       </p:sp>
+      <p:sp>
+        <p:nvSpPr>
+          <p:cNvPr id="67" name="66 Pentágono"/>
+          <p:cNvSpPr/>
+          <p:nvPr/>
+        </p:nvSpPr>
+        <p:spPr>
+          <a:xfrm>
+            <a:off x="2987824" y="1052736"/>
+            <a:ext cx="3960440" cy="720080"/>
+          </a:xfrm>
+          <a:prstGeom prst="homePlate">
+            <a:avLst/>
+          </a:prstGeom>
+          <a:solidFill>
+            <a:srgbClr val="9D87B7"/>
+          </a:solidFill>
+          <a:ln>
+            <a:solidFill>
+              <a:schemeClr val="accent4">
+                <a:lumMod val="50000"/>
+              </a:schemeClr>
+            </a:solidFill>
+          </a:ln>
+        </p:spPr>
+        <p:style>
+          <a:lnRef idx="2">
+            <a:schemeClr val="accent1">
+              <a:shade val="50000"/>
+            </a:schemeClr>
+          </a:lnRef>
+          <a:fillRef idx="1">
+            <a:schemeClr val="accent1"/>
+          </a:fillRef>
+          <a:effectRef idx="0">
+            <a:schemeClr val="accent1"/>
+          </a:effectRef>
+          <a:fontRef idx="minor">
+            <a:schemeClr val="lt1"/>
+          </a:fontRef>
+        </p:style>
+        <p:txBody>
+          <a:bodyPr rtlCol="0" anchor="ctr"/>
+          <a:lstStyle/>
+          <a:p>
+            <a:pPr algn="ctr"/>
+            <a:r>
+              <a:rPr lang="es-ES" dirty="0" err="1" smtClean="0"/>
+              <a:t>int</a:t>
+            </a:r>
+            <a:r>
+              <a:rPr lang="es-ES" dirty="0" smtClean="0"/>
+              <a:t> i=0; i&lt;filas </a:t>
+            </a:r>
+            <a:r>
+              <a:rPr lang="es-ES" dirty="0" err="1" smtClean="0"/>
+              <a:t>array</a:t>
+            </a:r>
+            <a:r>
+              <a:rPr lang="es-ES" dirty="0" smtClean="0"/>
+              <a:t>; i++</a:t>
+            </a:r>
+            <a:endParaRPr lang="es-ES" dirty="0"/>
+          </a:p>
+        </p:txBody>
+      </p:sp>
+      <p:sp>
+        <p:nvSpPr>
+          <p:cNvPr id="68" name="67 Pentágono"/>
+          <p:cNvSpPr/>
+          <p:nvPr/>
+        </p:nvSpPr>
+        <p:spPr>
+          <a:xfrm>
+            <a:off x="3131840" y="2852936"/>
+            <a:ext cx="3672408" cy="720080"/>
+          </a:xfrm>
+          <a:prstGeom prst="homePlate">
+            <a:avLst/>
+          </a:prstGeom>
+          <a:solidFill>
+            <a:srgbClr val="9D87B7"/>
+          </a:solidFill>
+          <a:ln>
+            <a:solidFill>
+              <a:schemeClr val="accent4">
+                <a:lumMod val="50000"/>
+              </a:schemeClr>
+            </a:solidFill>
+          </a:ln>
+        </p:spPr>
+        <p:style>
+          <a:lnRef idx="2">
+            <a:schemeClr val="accent1">
+              <a:shade val="50000"/>
+            </a:schemeClr>
+          </a:lnRef>
+          <a:fillRef idx="1">
+            <a:schemeClr val="accent1"/>
+          </a:fillRef>
+          <a:effectRef idx="0">
+            <a:schemeClr val="accent1"/>
+          </a:effectRef>
+          <a:fontRef idx="minor">
+            <a:schemeClr val="lt1"/>
+          </a:fontRef>
+        </p:style>
+        <p:txBody>
+          <a:bodyPr rtlCol="0" anchor="ctr"/>
+          <a:lstStyle/>
+          <a:p>
+            <a:pPr algn="ctr"/>
+            <a:r>
+              <a:rPr lang="es-ES" dirty="0" err="1" smtClean="0"/>
+              <a:t>int</a:t>
+            </a:r>
+            <a:r>
+              <a:rPr lang="es-ES" dirty="0" smtClean="0"/>
+              <a:t> j=0; j&lt;columnas </a:t>
+            </a:r>
+            <a:r>
+              <a:rPr lang="es-ES" dirty="0" err="1" smtClean="0"/>
+              <a:t>array</a:t>
+            </a:r>
+            <a:r>
+              <a:rPr lang="es-ES" dirty="0" smtClean="0"/>
+              <a:t>; </a:t>
+            </a:r>
+            <a:r>
+              <a:rPr lang="es-ES" dirty="0" err="1" smtClean="0"/>
+              <a:t>j++</a:t>
+            </a:r>
+            <a:endParaRPr lang="es-ES" dirty="0"/>
+          </a:p>
+        </p:txBody>
+      </p:sp>
+      <p:cxnSp>
+        <p:nvCxnSpPr>
+          <p:cNvPr id="70" name="69 Conector recto"/>
+          <p:cNvCxnSpPr>
+            <a:stCxn id="4" idx="4"/>
+            <a:endCxn id="67" idx="0"/>
+          </p:cNvCxnSpPr>
+          <p:nvPr/>
+        </p:nvCxnSpPr>
+        <p:spPr>
+          <a:xfrm>
+            <a:off x="4788024" y="692696"/>
+            <a:ext cx="0" cy="360040"/>
+          </a:xfrm>
+          <a:prstGeom prst="line">
+            <a:avLst/>
+          </a:prstGeom>
+        </p:spPr>
+        <p:style>
+          <a:lnRef idx="1">
+            <a:schemeClr val="accent1"/>
+          </a:lnRef>
+          <a:fillRef idx="0">
+            <a:schemeClr val="accent1"/>
+          </a:fillRef>
+          <a:effectRef idx="0">
+            <a:schemeClr val="accent1"/>
+          </a:effectRef>
+          <a:fontRef idx="minor">
+            <a:schemeClr val="tx1"/>
+          </a:fontRef>
+        </p:style>
+      </p:cxnSp>
+      <p:cxnSp>
+        <p:nvCxnSpPr>
+          <p:cNvPr id="72" name="71 Conector recto"/>
+          <p:cNvCxnSpPr>
+            <a:stCxn id="67" idx="2"/>
+            <a:endCxn id="8" idx="0"/>
+          </p:cNvCxnSpPr>
+          <p:nvPr/>
+        </p:nvCxnSpPr>
+        <p:spPr>
+          <a:xfrm>
+            <a:off x="4788024" y="1772816"/>
+            <a:ext cx="0" cy="288032"/>
+          </a:xfrm>
+          <a:prstGeom prst="line">
+            <a:avLst/>
+          </a:prstGeom>
+        </p:spPr>
+        <p:style>
+          <a:lnRef idx="1">
+            <a:schemeClr val="accent1"/>
+          </a:lnRef>
+          <a:fillRef idx="0">
+            <a:schemeClr val="accent1"/>
+          </a:fillRef>
+          <a:effectRef idx="0">
+            <a:schemeClr val="accent1"/>
+          </a:effectRef>
+          <a:fontRef idx="minor">
+            <a:schemeClr val="tx1"/>
+          </a:fontRef>
+        </p:style>
+      </p:cxnSp>
+      <p:cxnSp>
+        <p:nvCxnSpPr>
+          <p:cNvPr id="74" name="73 Conector recto"/>
+          <p:cNvCxnSpPr>
+            <a:stCxn id="8" idx="2"/>
+            <a:endCxn id="68" idx="0"/>
+          </p:cNvCxnSpPr>
+          <p:nvPr/>
+        </p:nvCxnSpPr>
+        <p:spPr>
+          <a:xfrm>
+            <a:off x="4788024" y="2492896"/>
+            <a:ext cx="0" cy="360040"/>
+          </a:xfrm>
+          <a:prstGeom prst="line">
+            <a:avLst/>
+          </a:prstGeom>
+        </p:spPr>
+        <p:style>
+          <a:lnRef idx="1">
+            <a:schemeClr val="accent1"/>
+          </a:lnRef>
+          <a:fillRef idx="0">
+            <a:schemeClr val="accent1"/>
+          </a:fillRef>
+          <a:effectRef idx="0">
+            <a:schemeClr val="accent1"/>
+          </a:effectRef>
+          <a:fontRef idx="minor">
+            <a:schemeClr val="tx1"/>
+          </a:fontRef>
+        </p:style>
+      </p:cxnSp>
+      <p:cxnSp>
+        <p:nvCxnSpPr>
+          <p:cNvPr id="76" name="75 Conector recto"/>
+          <p:cNvCxnSpPr>
+            <a:stCxn id="68" idx="2"/>
+            <a:endCxn id="10" idx="0"/>
+          </p:cNvCxnSpPr>
+          <p:nvPr/>
+        </p:nvCxnSpPr>
+        <p:spPr>
+          <a:xfrm>
+            <a:off x="4788024" y="3573016"/>
+            <a:ext cx="0" cy="432048"/>
+          </a:xfrm>
+          <a:prstGeom prst="line">
+            <a:avLst/>
+          </a:prstGeom>
+        </p:spPr>
+        <p:style>
+          <a:lnRef idx="1">
+            <a:schemeClr val="accent1"/>
+          </a:lnRef>
+          <a:fillRef idx="0">
+            <a:schemeClr val="accent1"/>
+          </a:fillRef>
+          <a:effectRef idx="0">
+            <a:schemeClr val="accent1"/>
+          </a:effectRef>
+          <a:fontRef idx="minor">
+            <a:schemeClr val="tx1"/>
+          </a:fontRef>
+        </p:style>
+      </p:cxnSp>
+      <p:cxnSp>
+        <p:nvCxnSpPr>
+          <p:cNvPr id="80" name="79 Conector angular"/>
+          <p:cNvCxnSpPr>
+            <a:stCxn id="10" idx="1"/>
+            <a:endCxn id="68" idx="1"/>
+          </p:cNvCxnSpPr>
+          <p:nvPr/>
+        </p:nvCxnSpPr>
+        <p:spPr>
+          <a:xfrm rot="10800000">
+            <a:off x="3131840" y="3212976"/>
+            <a:ext cx="12700" cy="1044116"/>
+          </a:xfrm>
+          <a:prstGeom prst="bentConnector3">
+            <a:avLst>
+              <a:gd name="adj1" fmla="val 1800000"/>
+            </a:avLst>
+          </a:prstGeom>
+          <a:ln>
+            <a:tailEnd type="arrow"/>
+          </a:ln>
+        </p:spPr>
+        <p:style>
+          <a:lnRef idx="1">
+            <a:schemeClr val="accent1"/>
+          </a:lnRef>
+          <a:fillRef idx="0">
+            <a:schemeClr val="accent1"/>
+          </a:fillRef>
+          <a:effectRef idx="0">
+            <a:schemeClr val="accent1"/>
+          </a:effectRef>
+          <a:fontRef idx="minor">
+            <a:schemeClr val="tx1"/>
+          </a:fontRef>
+        </p:style>
+      </p:cxnSp>
+      <p:cxnSp>
+        <p:nvCxnSpPr>
+          <p:cNvPr id="82" name="81 Conector recto de flecha"/>
+          <p:cNvCxnSpPr>
+            <a:stCxn id="10" idx="2"/>
+            <a:endCxn id="33" idx="0"/>
+          </p:cNvCxnSpPr>
+          <p:nvPr/>
+        </p:nvCxnSpPr>
+        <p:spPr>
+          <a:xfrm>
+            <a:off x="4788024" y="4509120"/>
+            <a:ext cx="0" cy="504056"/>
+          </a:xfrm>
+          <a:prstGeom prst="straightConnector1">
+            <a:avLst/>
+          </a:prstGeom>
+          <a:ln>
+            <a:tailEnd type="arrow"/>
+          </a:ln>
+        </p:spPr>
+        <p:style>
+          <a:lnRef idx="1">
+            <a:schemeClr val="accent1"/>
+          </a:lnRef>
+          <a:fillRef idx="0">
+            <a:schemeClr val="accent1"/>
+          </a:fillRef>
+          <a:effectRef idx="0">
+            <a:schemeClr val="accent1"/>
+          </a:effectRef>
+          <a:fontRef idx="minor">
+            <a:schemeClr val="tx1"/>
+          </a:fontRef>
+        </p:style>
+      </p:cxnSp>
+      <p:cxnSp>
+        <p:nvCxnSpPr>
+          <p:cNvPr id="84" name="83 Conector angular"/>
+          <p:cNvCxnSpPr>
+            <a:stCxn id="33" idx="1"/>
+            <a:endCxn id="67" idx="1"/>
+          </p:cNvCxnSpPr>
+          <p:nvPr/>
+        </p:nvCxnSpPr>
+        <p:spPr>
+          <a:xfrm rot="10800000">
+            <a:off x="2987824" y="1412776"/>
+            <a:ext cx="144016" cy="3852428"/>
+          </a:xfrm>
+          <a:prstGeom prst="bentConnector3">
+            <a:avLst>
+              <a:gd name="adj1" fmla="val 258732"/>
+            </a:avLst>
+          </a:prstGeom>
+          <a:ln>
+            <a:tailEnd type="arrow"/>
+          </a:ln>
+        </p:spPr>
+        <p:style>
+          <a:lnRef idx="1">
+            <a:schemeClr val="accent1"/>
+          </a:lnRef>
+          <a:fillRef idx="0">
+            <a:schemeClr val="accent1"/>
+          </a:fillRef>
+          <a:effectRef idx="0">
+            <a:schemeClr val="accent1"/>
+          </a:effectRef>
+          <a:fontRef idx="minor">
+            <a:schemeClr val="tx1"/>
+          </a:fontRef>
+        </p:style>
+      </p:cxnSp>
+      <p:cxnSp>
+        <p:nvCxnSpPr>
+          <p:cNvPr id="128" name="127 Conector recto de flecha"/>
+          <p:cNvCxnSpPr>
+            <a:stCxn id="33" idx="2"/>
+            <a:endCxn id="87" idx="0"/>
+          </p:cNvCxnSpPr>
+          <p:nvPr/>
+        </p:nvCxnSpPr>
+        <p:spPr>
+          <a:xfrm>
+            <a:off x="4788024" y="5517232"/>
+            <a:ext cx="0" cy="648072"/>
+          </a:xfrm>
+          <a:prstGeom prst="straightConnector1">
+            <a:avLst/>
+          </a:prstGeom>
+          <a:ln>
+            <a:tailEnd type="arrow"/>
+          </a:ln>
+        </p:spPr>
+        <p:style>
+          <a:lnRef idx="1">
+            <a:schemeClr val="accent1"/>
+          </a:lnRef>
+          <a:fillRef idx="0">
+            <a:schemeClr val="accent1"/>
+          </a:fillRef>
+          <a:effectRef idx="0">
+            <a:schemeClr val="accent1"/>
+          </a:effectRef>
+          <a:fontRef idx="minor">
+            <a:schemeClr val="tx1"/>
+          </a:fontRef>
+        </p:style>
+      </p:cxnSp>
     </p:spTree>
   </p:cSld>
   <p:clrMapOvr>

--- a/Flujograma.pptx
+++ b/Flujograma.pptx
@@ -5,12 +5,15 @@
     <p:sldMasterId id="2147483648" r:id="rId1"/>
   </p:sldMasterIdLst>
   <p:notesMasterIdLst>
-    <p:notesMasterId r:id="rId5"/>
+    <p:notesMasterId r:id="rId8"/>
   </p:notesMasterIdLst>
   <p:sldIdLst>
-    <p:sldId id="257" r:id="rId2"/>
-    <p:sldId id="258" r:id="rId3"/>
-    <p:sldId id="259" r:id="rId4"/>
+    <p:sldId id="260" r:id="rId2"/>
+    <p:sldId id="261" r:id="rId3"/>
+    <p:sldId id="257" r:id="rId4"/>
+    <p:sldId id="262" r:id="rId5"/>
+    <p:sldId id="258" r:id="rId6"/>
+    <p:sldId id="259" r:id="rId7"/>
   </p:sldIdLst>
   <p:sldSz cx="9144000" cy="6858000" type="screen4x3"/>
   <p:notesSz cx="6858000" cy="9144000"/>
@@ -109,7 +112,27 @@
       </a:defRPr>
     </a:lvl9pPr>
   </p:defaultTextStyle>
+  <p:extLst>
+    <p:ext uri="{EFAFB233-063F-42B5-8137-9DF3F51BA10A}">
+      <p15:sldGuideLst xmlns:p15="http://schemas.microsoft.com/office/powerpoint/2012/main">
+        <p15:guide id="1" orient="horz" pos="2160">
+          <p15:clr>
+            <a:srgbClr val="A4A3A4"/>
+          </p15:clr>
+        </p15:guide>
+        <p15:guide id="2" pos="2880">
+          <p15:clr>
+            <a:srgbClr val="A4A3A4"/>
+          </p15:clr>
+        </p15:guide>
+      </p15:sldGuideLst>
+    </p:ext>
+  </p:extLst>
 </p:presentation>
+</file>
+
+<file path=ppt/revisionInfo.xml><?xml version="1.0" encoding="utf-8"?>
+<p1510:revInfo xmlns:a="http://schemas.openxmlformats.org/drawingml/2006/main" xmlns:r="http://schemas.openxmlformats.org/officeDocument/2006/relationships" xmlns:p1510="http://schemas.microsoft.com/office/powerpoint/2015/10/main"/>
 </file>
 
 <file path=ppt/notesMasters/notesMaster1.xml><?xml version="1.0" encoding="utf-8"?>
@@ -261,38 +284,37 @@
           <a:p>
             <a:pPr lvl="0"/>
             <a:r>
-              <a:rPr lang="es-ES" smtClean="0"/>
+              <a:rPr lang="es-ES"/>
               <a:t>Haga clic para modificar el estilo de texto del patrón</a:t>
             </a:r>
           </a:p>
           <a:p>
             <a:pPr lvl="1"/>
             <a:r>
-              <a:rPr lang="es-ES" smtClean="0"/>
+              <a:rPr lang="es-ES"/>
               <a:t>Segundo nivel</a:t>
             </a:r>
           </a:p>
           <a:p>
             <a:pPr lvl="2"/>
             <a:r>
-              <a:rPr lang="es-ES" smtClean="0"/>
+              <a:rPr lang="es-ES"/>
               <a:t>Tercer nivel</a:t>
             </a:r>
           </a:p>
           <a:p>
             <a:pPr lvl="3"/>
             <a:r>
-              <a:rPr lang="es-ES" smtClean="0"/>
+              <a:rPr lang="es-ES"/>
               <a:t>Cuarto nivel</a:t>
             </a:r>
           </a:p>
           <a:p>
             <a:pPr lvl="4"/>
             <a:r>
-              <a:rPr lang="es-ES" smtClean="0"/>
+              <a:rPr lang="es-ES"/>
               <a:t>Quinto nivel</a:t>
             </a:r>
-            <a:endParaRPr lang="es-ES"/>
           </a:p>
         </p:txBody>
       </p:sp>
@@ -529,7 +551,7 @@
             <a:fld id="{A427C1E4-2F91-4139-B3AA-2C1C5FF4DC8D}" type="slidenum">
               <a:rPr lang="es-ES" smtClean="0"/>
               <a:pPr/>
-              <a:t>2</a:t>
+              <a:t>5</a:t>
             </a:fld>
             <a:endParaRPr lang="es-ES"/>
           </a:p>
@@ -581,10 +603,9 @@
           <a:lstStyle/>
           <a:p>
             <a:r>
-              <a:rPr lang="es-ES" smtClean="0"/>
+              <a:rPr lang="es-ES"/>
               <a:t>Haga clic para modificar el estilo de título del patrón</a:t>
             </a:r>
-            <a:endParaRPr lang="es-ES"/>
           </a:p>
         </p:txBody>
       </p:sp>
@@ -700,10 +721,9 @@
           </a:lstStyle>
           <a:p>
             <a:r>
-              <a:rPr lang="es-ES" smtClean="0"/>
+              <a:rPr lang="es-ES"/>
               <a:t>Haga clic para modificar el estilo de subtítulo del patrón</a:t>
             </a:r>
-            <a:endParaRPr lang="es-ES"/>
           </a:p>
         </p:txBody>
       </p:sp>
@@ -815,10 +835,9 @@
           <a:lstStyle/>
           <a:p>
             <a:r>
-              <a:rPr lang="es-ES" smtClean="0"/>
+              <a:rPr lang="es-ES"/>
               <a:t>Haga clic para modificar el estilo de título del patrón</a:t>
             </a:r>
-            <a:endParaRPr lang="es-ES"/>
           </a:p>
         </p:txBody>
       </p:sp>
@@ -839,38 +858,37 @@
           <a:p>
             <a:pPr lvl="0"/>
             <a:r>
-              <a:rPr lang="es-ES" smtClean="0"/>
+              <a:rPr lang="es-ES"/>
               <a:t>Haga clic para modificar el estilo de texto del patrón</a:t>
             </a:r>
           </a:p>
           <a:p>
             <a:pPr lvl="1"/>
             <a:r>
-              <a:rPr lang="es-ES" smtClean="0"/>
+              <a:rPr lang="es-ES"/>
               <a:t>Segundo nivel</a:t>
             </a:r>
           </a:p>
           <a:p>
             <a:pPr lvl="2"/>
             <a:r>
-              <a:rPr lang="es-ES" smtClean="0"/>
+              <a:rPr lang="es-ES"/>
               <a:t>Tercer nivel</a:t>
             </a:r>
           </a:p>
           <a:p>
             <a:pPr lvl="3"/>
             <a:r>
-              <a:rPr lang="es-ES" smtClean="0"/>
+              <a:rPr lang="es-ES"/>
               <a:t>Cuarto nivel</a:t>
             </a:r>
           </a:p>
           <a:p>
             <a:pPr lvl="4"/>
             <a:r>
-              <a:rPr lang="es-ES" smtClean="0"/>
+              <a:rPr lang="es-ES"/>
               <a:t>Quinto nivel</a:t>
             </a:r>
-            <a:endParaRPr lang="es-ES"/>
           </a:p>
         </p:txBody>
       </p:sp>
@@ -987,10 +1005,9 @@
           <a:lstStyle/>
           <a:p>
             <a:r>
-              <a:rPr lang="es-ES" smtClean="0"/>
+              <a:rPr lang="es-ES"/>
               <a:t>Haga clic para modificar el estilo de título del patrón</a:t>
             </a:r>
-            <a:endParaRPr lang="es-ES"/>
           </a:p>
         </p:txBody>
       </p:sp>
@@ -1016,38 +1033,37 @@
           <a:p>
             <a:pPr lvl="0"/>
             <a:r>
-              <a:rPr lang="es-ES" smtClean="0"/>
+              <a:rPr lang="es-ES"/>
               <a:t>Haga clic para modificar el estilo de texto del patrón</a:t>
             </a:r>
           </a:p>
           <a:p>
             <a:pPr lvl="1"/>
             <a:r>
-              <a:rPr lang="es-ES" smtClean="0"/>
+              <a:rPr lang="es-ES"/>
               <a:t>Segundo nivel</a:t>
             </a:r>
           </a:p>
           <a:p>
             <a:pPr lvl="2"/>
             <a:r>
-              <a:rPr lang="es-ES" smtClean="0"/>
+              <a:rPr lang="es-ES"/>
               <a:t>Tercer nivel</a:t>
             </a:r>
           </a:p>
           <a:p>
             <a:pPr lvl="3"/>
             <a:r>
-              <a:rPr lang="es-ES" smtClean="0"/>
+              <a:rPr lang="es-ES"/>
               <a:t>Cuarto nivel</a:t>
             </a:r>
           </a:p>
           <a:p>
             <a:pPr lvl="4"/>
             <a:r>
-              <a:rPr lang="es-ES" smtClean="0"/>
+              <a:rPr lang="es-ES"/>
               <a:t>Quinto nivel</a:t>
             </a:r>
-            <a:endParaRPr lang="es-ES"/>
           </a:p>
         </p:txBody>
       </p:sp>
@@ -1159,10 +1175,9 @@
           <a:lstStyle/>
           <a:p>
             <a:r>
-              <a:rPr lang="es-ES" smtClean="0"/>
+              <a:rPr lang="es-ES"/>
               <a:t>Haga clic para modificar el estilo de título del patrón</a:t>
             </a:r>
-            <a:endParaRPr lang="es-ES"/>
           </a:p>
         </p:txBody>
       </p:sp>
@@ -1183,38 +1198,37 @@
           <a:p>
             <a:pPr lvl="0"/>
             <a:r>
-              <a:rPr lang="es-ES" smtClean="0"/>
+              <a:rPr lang="es-ES"/>
               <a:t>Haga clic para modificar el estilo de texto del patrón</a:t>
             </a:r>
           </a:p>
           <a:p>
             <a:pPr lvl="1"/>
             <a:r>
-              <a:rPr lang="es-ES" smtClean="0"/>
+              <a:rPr lang="es-ES"/>
               <a:t>Segundo nivel</a:t>
             </a:r>
           </a:p>
           <a:p>
             <a:pPr lvl="2"/>
             <a:r>
-              <a:rPr lang="es-ES" smtClean="0"/>
+              <a:rPr lang="es-ES"/>
               <a:t>Tercer nivel</a:t>
             </a:r>
           </a:p>
           <a:p>
             <a:pPr lvl="3"/>
             <a:r>
-              <a:rPr lang="es-ES" smtClean="0"/>
+              <a:rPr lang="es-ES"/>
               <a:t>Cuarto nivel</a:t>
             </a:r>
           </a:p>
           <a:p>
             <a:pPr lvl="4"/>
             <a:r>
-              <a:rPr lang="es-ES" smtClean="0"/>
+              <a:rPr lang="es-ES"/>
               <a:t>Quinto nivel</a:t>
             </a:r>
-            <a:endParaRPr lang="es-ES"/>
           </a:p>
         </p:txBody>
       </p:sp>
@@ -1335,10 +1349,9 @@
           </a:lstStyle>
           <a:p>
             <a:r>
-              <a:rPr lang="es-ES" smtClean="0"/>
+              <a:rPr lang="es-ES"/>
               <a:t>Haga clic para modificar el estilo de título del patrón</a:t>
             </a:r>
-            <a:endParaRPr lang="es-ES"/>
           </a:p>
         </p:txBody>
       </p:sp>
@@ -1455,7 +1468,7 @@
           <a:p>
             <a:pPr lvl="0"/>
             <a:r>
-              <a:rPr lang="es-ES" smtClean="0"/>
+              <a:rPr lang="es-ES"/>
               <a:t>Haga clic para modificar el estilo de texto del patrón</a:t>
             </a:r>
           </a:p>
@@ -1569,10 +1582,9 @@
           <a:lstStyle/>
           <a:p>
             <a:r>
-              <a:rPr lang="es-ES" smtClean="0"/>
+              <a:rPr lang="es-ES"/>
               <a:t>Haga clic para modificar el estilo de título del patrón</a:t>
             </a:r>
-            <a:endParaRPr lang="es-ES"/>
           </a:p>
         </p:txBody>
       </p:sp>
@@ -1626,38 +1638,37 @@
           <a:p>
             <a:pPr lvl="0"/>
             <a:r>
-              <a:rPr lang="es-ES" smtClean="0"/>
+              <a:rPr lang="es-ES"/>
               <a:t>Haga clic para modificar el estilo de texto del patrón</a:t>
             </a:r>
           </a:p>
           <a:p>
             <a:pPr lvl="1"/>
             <a:r>
-              <a:rPr lang="es-ES" smtClean="0"/>
+              <a:rPr lang="es-ES"/>
               <a:t>Segundo nivel</a:t>
             </a:r>
           </a:p>
           <a:p>
             <a:pPr lvl="2"/>
             <a:r>
-              <a:rPr lang="es-ES" smtClean="0"/>
+              <a:rPr lang="es-ES"/>
               <a:t>Tercer nivel</a:t>
             </a:r>
           </a:p>
           <a:p>
             <a:pPr lvl="3"/>
             <a:r>
-              <a:rPr lang="es-ES" smtClean="0"/>
+              <a:rPr lang="es-ES"/>
               <a:t>Cuarto nivel</a:t>
             </a:r>
           </a:p>
           <a:p>
             <a:pPr lvl="4"/>
             <a:r>
-              <a:rPr lang="es-ES" smtClean="0"/>
+              <a:rPr lang="es-ES"/>
               <a:t>Quinto nivel</a:t>
             </a:r>
-            <a:endParaRPr lang="es-ES"/>
           </a:p>
         </p:txBody>
       </p:sp>
@@ -1711,38 +1722,37 @@
           <a:p>
             <a:pPr lvl="0"/>
             <a:r>
-              <a:rPr lang="es-ES" smtClean="0"/>
+              <a:rPr lang="es-ES"/>
               <a:t>Haga clic para modificar el estilo de texto del patrón</a:t>
             </a:r>
           </a:p>
           <a:p>
             <a:pPr lvl="1"/>
             <a:r>
-              <a:rPr lang="es-ES" smtClean="0"/>
+              <a:rPr lang="es-ES"/>
               <a:t>Segundo nivel</a:t>
             </a:r>
           </a:p>
           <a:p>
             <a:pPr lvl="2"/>
             <a:r>
-              <a:rPr lang="es-ES" smtClean="0"/>
+              <a:rPr lang="es-ES"/>
               <a:t>Tercer nivel</a:t>
             </a:r>
           </a:p>
           <a:p>
             <a:pPr lvl="3"/>
             <a:r>
-              <a:rPr lang="es-ES" smtClean="0"/>
+              <a:rPr lang="es-ES"/>
               <a:t>Cuarto nivel</a:t>
             </a:r>
           </a:p>
           <a:p>
             <a:pPr lvl="4"/>
             <a:r>
-              <a:rPr lang="es-ES" smtClean="0"/>
+              <a:rPr lang="es-ES"/>
               <a:t>Quinto nivel</a:t>
             </a:r>
-            <a:endParaRPr lang="es-ES"/>
           </a:p>
         </p:txBody>
       </p:sp>
@@ -1858,10 +1868,9 @@
           </a:lstStyle>
           <a:p>
             <a:r>
-              <a:rPr lang="es-ES" smtClean="0"/>
+              <a:rPr lang="es-ES"/>
               <a:t>Haga clic para modificar el estilo de título del patrón</a:t>
             </a:r>
-            <a:endParaRPr lang="es-ES"/>
           </a:p>
         </p:txBody>
       </p:sp>
@@ -1924,7 +1933,7 @@
           <a:p>
             <a:pPr lvl="0"/>
             <a:r>
-              <a:rPr lang="es-ES" smtClean="0"/>
+              <a:rPr lang="es-ES"/>
               <a:t>Haga clic para modificar el estilo de texto del patrón</a:t>
             </a:r>
           </a:p>
@@ -1980,38 +1989,37 @@
           <a:p>
             <a:pPr lvl="0"/>
             <a:r>
-              <a:rPr lang="es-ES" smtClean="0"/>
+              <a:rPr lang="es-ES"/>
               <a:t>Haga clic para modificar el estilo de texto del patrón</a:t>
             </a:r>
           </a:p>
           <a:p>
             <a:pPr lvl="1"/>
             <a:r>
-              <a:rPr lang="es-ES" smtClean="0"/>
+              <a:rPr lang="es-ES"/>
               <a:t>Segundo nivel</a:t>
             </a:r>
           </a:p>
           <a:p>
             <a:pPr lvl="2"/>
             <a:r>
-              <a:rPr lang="es-ES" smtClean="0"/>
+              <a:rPr lang="es-ES"/>
               <a:t>Tercer nivel</a:t>
             </a:r>
           </a:p>
           <a:p>
             <a:pPr lvl="3"/>
             <a:r>
-              <a:rPr lang="es-ES" smtClean="0"/>
+              <a:rPr lang="es-ES"/>
               <a:t>Cuarto nivel</a:t>
             </a:r>
           </a:p>
           <a:p>
             <a:pPr lvl="4"/>
             <a:r>
-              <a:rPr lang="es-ES" smtClean="0"/>
+              <a:rPr lang="es-ES"/>
               <a:t>Quinto nivel</a:t>
             </a:r>
-            <a:endParaRPr lang="es-ES"/>
           </a:p>
         </p:txBody>
       </p:sp>
@@ -2074,7 +2082,7 @@
           <a:p>
             <a:pPr lvl="0"/>
             <a:r>
-              <a:rPr lang="es-ES" smtClean="0"/>
+              <a:rPr lang="es-ES"/>
               <a:t>Haga clic para modificar el estilo de texto del patrón</a:t>
             </a:r>
           </a:p>
@@ -2130,38 +2138,37 @@
           <a:p>
             <a:pPr lvl="0"/>
             <a:r>
-              <a:rPr lang="es-ES" smtClean="0"/>
+              <a:rPr lang="es-ES"/>
               <a:t>Haga clic para modificar el estilo de texto del patrón</a:t>
             </a:r>
           </a:p>
           <a:p>
             <a:pPr lvl="1"/>
             <a:r>
-              <a:rPr lang="es-ES" smtClean="0"/>
+              <a:rPr lang="es-ES"/>
               <a:t>Segundo nivel</a:t>
             </a:r>
           </a:p>
           <a:p>
             <a:pPr lvl="2"/>
             <a:r>
-              <a:rPr lang="es-ES" smtClean="0"/>
+              <a:rPr lang="es-ES"/>
               <a:t>Tercer nivel</a:t>
             </a:r>
           </a:p>
           <a:p>
             <a:pPr lvl="3"/>
             <a:r>
-              <a:rPr lang="es-ES" smtClean="0"/>
+              <a:rPr lang="es-ES"/>
               <a:t>Cuarto nivel</a:t>
             </a:r>
           </a:p>
           <a:p>
             <a:pPr lvl="4"/>
             <a:r>
-              <a:rPr lang="es-ES" smtClean="0"/>
+              <a:rPr lang="es-ES"/>
               <a:t>Quinto nivel</a:t>
             </a:r>
-            <a:endParaRPr lang="es-ES"/>
           </a:p>
         </p:txBody>
       </p:sp>
@@ -2273,10 +2280,9 @@
           <a:lstStyle/>
           <a:p>
             <a:r>
-              <a:rPr lang="es-ES" smtClean="0"/>
+              <a:rPr lang="es-ES"/>
               <a:t>Haga clic para modificar el estilo de título del patrón</a:t>
             </a:r>
-            <a:endParaRPr lang="es-ES"/>
           </a:p>
         </p:txBody>
       </p:sp>
@@ -2489,10 +2495,9 @@
           </a:lstStyle>
           <a:p>
             <a:r>
-              <a:rPr lang="es-ES" smtClean="0"/>
+              <a:rPr lang="es-ES"/>
               <a:t>Haga clic para modificar el estilo de título del patrón</a:t>
             </a:r>
-            <a:endParaRPr lang="es-ES"/>
           </a:p>
         </p:txBody>
       </p:sp>
@@ -2546,38 +2551,37 @@
           <a:p>
             <a:pPr lvl="0"/>
             <a:r>
-              <a:rPr lang="es-ES" smtClean="0"/>
+              <a:rPr lang="es-ES"/>
               <a:t>Haga clic para modificar el estilo de texto del patrón</a:t>
             </a:r>
           </a:p>
           <a:p>
             <a:pPr lvl="1"/>
             <a:r>
-              <a:rPr lang="es-ES" smtClean="0"/>
+              <a:rPr lang="es-ES"/>
               <a:t>Segundo nivel</a:t>
             </a:r>
           </a:p>
           <a:p>
             <a:pPr lvl="2"/>
             <a:r>
-              <a:rPr lang="es-ES" smtClean="0"/>
+              <a:rPr lang="es-ES"/>
               <a:t>Tercer nivel</a:t>
             </a:r>
           </a:p>
           <a:p>
             <a:pPr lvl="3"/>
             <a:r>
-              <a:rPr lang="es-ES" smtClean="0"/>
+              <a:rPr lang="es-ES"/>
               <a:t>Cuarto nivel</a:t>
             </a:r>
           </a:p>
           <a:p>
             <a:pPr lvl="4"/>
             <a:r>
-              <a:rPr lang="es-ES" smtClean="0"/>
+              <a:rPr lang="es-ES"/>
               <a:t>Quinto nivel</a:t>
             </a:r>
-            <a:endParaRPr lang="es-ES"/>
           </a:p>
         </p:txBody>
       </p:sp>
@@ -2640,7 +2644,7 @@
           <a:p>
             <a:pPr lvl="0"/>
             <a:r>
-              <a:rPr lang="es-ES" smtClean="0"/>
+              <a:rPr lang="es-ES"/>
               <a:t>Haga clic para modificar el estilo de texto del patrón</a:t>
             </a:r>
           </a:p>
@@ -2763,10 +2767,9 @@
           </a:lstStyle>
           <a:p>
             <a:r>
-              <a:rPr lang="es-ES" smtClean="0"/>
+              <a:rPr lang="es-ES"/>
               <a:t>Haga clic para modificar el estilo de título del patrón</a:t>
             </a:r>
-            <a:endParaRPr lang="es-ES"/>
           </a:p>
         </p:txBody>
       </p:sp>
@@ -2890,7 +2893,7 @@
           <a:p>
             <a:pPr lvl="0"/>
             <a:r>
-              <a:rPr lang="es-ES" smtClean="0"/>
+              <a:rPr lang="es-ES"/>
               <a:t>Haga clic para modificar el estilo de texto del patrón</a:t>
             </a:r>
           </a:p>
@@ -3019,10 +3022,9 @@
           <a:lstStyle/>
           <a:p>
             <a:r>
-              <a:rPr lang="es-ES" smtClean="0"/>
+              <a:rPr lang="es-ES"/>
               <a:t>Haga clic para modificar el estilo de título del patrón</a:t>
             </a:r>
-            <a:endParaRPr lang="es-ES"/>
           </a:p>
         </p:txBody>
       </p:sp>
@@ -3053,38 +3055,37 @@
           <a:p>
             <a:pPr lvl="0"/>
             <a:r>
-              <a:rPr lang="es-ES" smtClean="0"/>
+              <a:rPr lang="es-ES"/>
               <a:t>Haga clic para modificar el estilo de texto del patrón</a:t>
             </a:r>
           </a:p>
           <a:p>
             <a:pPr lvl="1"/>
             <a:r>
-              <a:rPr lang="es-ES" smtClean="0"/>
+              <a:rPr lang="es-ES"/>
               <a:t>Segundo nivel</a:t>
             </a:r>
           </a:p>
           <a:p>
             <a:pPr lvl="2"/>
             <a:r>
-              <a:rPr lang="es-ES" smtClean="0"/>
+              <a:rPr lang="es-ES"/>
               <a:t>Tercer nivel</a:t>
             </a:r>
           </a:p>
           <a:p>
             <a:pPr lvl="3"/>
             <a:r>
-              <a:rPr lang="es-ES" smtClean="0"/>
+              <a:rPr lang="es-ES"/>
               <a:t>Cuarto nivel</a:t>
             </a:r>
           </a:p>
           <a:p>
             <a:pPr lvl="4"/>
             <a:r>
-              <a:rPr lang="es-ES" smtClean="0"/>
+              <a:rPr lang="es-ES"/>
               <a:t>Quinto nivel</a:t>
             </a:r>
-            <a:endParaRPr lang="es-ES"/>
           </a:p>
         </p:txBody>
       </p:sp>
@@ -3481,6 +3482,3491 @@
 <file path=ppt/slides/slide1.xml><?xml version="1.0" encoding="utf-8"?>
 <p:sld xmlns:a="http://schemas.openxmlformats.org/drawingml/2006/main" xmlns:r="http://schemas.openxmlformats.org/officeDocument/2006/relationships" xmlns:p="http://schemas.openxmlformats.org/presentationml/2006/main">
   <p:cSld>
+    <p:spTree>
+      <p:nvGrpSpPr>
+        <p:cNvPr id="1" name=""/>
+        <p:cNvGrpSpPr/>
+        <p:nvPr/>
+      </p:nvGrpSpPr>
+      <p:grpSpPr>
+        <a:xfrm>
+          <a:off x="0" y="0"/>
+          <a:ext cx="0" cy="0"/>
+          <a:chOff x="0" y="0"/>
+          <a:chExt cx="0" cy="0"/>
+        </a:xfrm>
+      </p:grpSpPr>
+      <p:cxnSp>
+        <p:nvCxnSpPr>
+          <p:cNvPr id="205" name="Conector: angular 204">
+            <a:extLst>
+              <a:ext uri="{FF2B5EF4-FFF2-40B4-BE49-F238E27FC236}">
+                <a16:creationId xmlns:a16="http://schemas.microsoft.com/office/drawing/2014/main" id="{B59F39F5-9225-4D7F-A220-DAD9684BB731}"/>
+              </a:ext>
+            </a:extLst>
+          </p:cNvPr>
+          <p:cNvCxnSpPr>
+            <a:cxnSpLocks/>
+            <a:endCxn id="201" idx="1"/>
+          </p:cNvCxnSpPr>
+          <p:nvPr/>
+        </p:nvCxnSpPr>
+        <p:spPr>
+          <a:xfrm>
+            <a:off x="376000" y="4508061"/>
+            <a:ext cx="3494825" cy="1814994"/>
+          </a:xfrm>
+          <a:prstGeom prst="bentConnector3">
+            <a:avLst>
+              <a:gd name="adj1" fmla="val -297"/>
+            </a:avLst>
+          </a:prstGeom>
+          <a:ln w="28575">
+            <a:solidFill>
+              <a:schemeClr val="accent2">
+                <a:lumMod val="60000"/>
+                <a:lumOff val="40000"/>
+              </a:schemeClr>
+            </a:solidFill>
+            <a:headEnd type="none" w="med" len="med"/>
+            <a:tailEnd type="none" w="med" len="med"/>
+          </a:ln>
+        </p:spPr>
+        <p:style>
+          <a:lnRef idx="2">
+            <a:schemeClr val="accent2"/>
+          </a:lnRef>
+          <a:fillRef idx="0">
+            <a:schemeClr val="accent2"/>
+          </a:fillRef>
+          <a:effectRef idx="1">
+            <a:schemeClr val="accent2"/>
+          </a:effectRef>
+          <a:fontRef idx="minor">
+            <a:schemeClr val="tx1"/>
+          </a:fontRef>
+        </p:style>
+      </p:cxnSp>
+      <p:sp>
+        <p:nvSpPr>
+          <p:cNvPr id="4" name="3 Conector"/>
+          <p:cNvSpPr/>
+          <p:nvPr/>
+        </p:nvSpPr>
+        <p:spPr>
+          <a:xfrm>
+            <a:off x="4155178" y="69094"/>
+            <a:ext cx="432048" cy="432048"/>
+          </a:xfrm>
+          <a:prstGeom prst="flowChartConnector">
+            <a:avLst/>
+          </a:prstGeom>
+          <a:solidFill>
+            <a:srgbClr val="F9B67F"/>
+          </a:solidFill>
+          <a:ln>
+            <a:solidFill>
+              <a:schemeClr val="accent6">
+                <a:lumMod val="50000"/>
+              </a:schemeClr>
+            </a:solidFill>
+          </a:ln>
+        </p:spPr>
+        <p:style>
+          <a:lnRef idx="2">
+            <a:schemeClr val="accent1">
+              <a:shade val="50000"/>
+            </a:schemeClr>
+          </a:lnRef>
+          <a:fillRef idx="1">
+            <a:schemeClr val="accent1"/>
+          </a:fillRef>
+          <a:effectRef idx="0">
+            <a:schemeClr val="accent1"/>
+          </a:effectRef>
+          <a:fontRef idx="minor">
+            <a:schemeClr val="lt1"/>
+          </a:fontRef>
+        </p:style>
+        <p:txBody>
+          <a:bodyPr rtlCol="0" anchor="ctr"/>
+          <a:lstStyle/>
+          <a:p>
+            <a:pPr algn="ctr"/>
+            <a:endParaRPr lang="es-ES"/>
+          </a:p>
+        </p:txBody>
+      </p:sp>
+      <p:sp>
+        <p:nvSpPr>
+          <p:cNvPr id="8" name="7 Proceso"/>
+          <p:cNvSpPr/>
+          <p:nvPr/>
+        </p:nvSpPr>
+        <p:spPr>
+          <a:xfrm>
+            <a:off x="3435098" y="652022"/>
+            <a:ext cx="1872208" cy="432048"/>
+          </a:xfrm>
+          <a:prstGeom prst="flowChartProcess">
+            <a:avLst/>
+          </a:prstGeom>
+          <a:solidFill>
+            <a:srgbClr val="7CA1CE"/>
+          </a:solidFill>
+        </p:spPr>
+        <p:style>
+          <a:lnRef idx="2">
+            <a:schemeClr val="accent1">
+              <a:shade val="50000"/>
+            </a:schemeClr>
+          </a:lnRef>
+          <a:fillRef idx="1">
+            <a:schemeClr val="accent1"/>
+          </a:fillRef>
+          <a:effectRef idx="0">
+            <a:schemeClr val="accent1"/>
+          </a:effectRef>
+          <a:fontRef idx="minor">
+            <a:schemeClr val="lt1"/>
+          </a:fontRef>
+        </p:style>
+        <p:txBody>
+          <a:bodyPr rtlCol="0" anchor="ctr"/>
+          <a:lstStyle/>
+          <a:p>
+            <a:pPr algn="ctr"/>
+            <a:r>
+              <a:rPr lang="es-ES" sz="1400" dirty="0"/>
+              <a:t>Pregunta por la opción a elegir</a:t>
+            </a:r>
+          </a:p>
+        </p:txBody>
+      </p:sp>
+      <p:cxnSp>
+        <p:nvCxnSpPr>
+          <p:cNvPr id="72" name="71 Conector recto"/>
+          <p:cNvCxnSpPr>
+            <a:cxnSpLocks/>
+            <a:stCxn id="4" idx="4"/>
+            <a:endCxn id="8" idx="0"/>
+          </p:cNvCxnSpPr>
+          <p:nvPr/>
+        </p:nvCxnSpPr>
+        <p:spPr>
+          <a:xfrm>
+            <a:off x="4371202" y="501142"/>
+            <a:ext cx="0" cy="150880"/>
+          </a:xfrm>
+          <a:prstGeom prst="line">
+            <a:avLst/>
+          </a:prstGeom>
+        </p:spPr>
+        <p:style>
+          <a:lnRef idx="1">
+            <a:schemeClr val="accent1"/>
+          </a:lnRef>
+          <a:fillRef idx="0">
+            <a:schemeClr val="accent1"/>
+          </a:fillRef>
+          <a:effectRef idx="0">
+            <a:schemeClr val="accent1"/>
+          </a:effectRef>
+          <a:fontRef idx="minor">
+            <a:schemeClr val="tx1"/>
+          </a:fontRef>
+        </p:style>
+      </p:cxnSp>
+      <p:cxnSp>
+        <p:nvCxnSpPr>
+          <p:cNvPr id="74" name="73 Conector recto"/>
+          <p:cNvCxnSpPr>
+            <a:cxnSpLocks/>
+            <a:stCxn id="51" idx="2"/>
+          </p:cNvCxnSpPr>
+          <p:nvPr/>
+        </p:nvCxnSpPr>
+        <p:spPr>
+          <a:xfrm>
+            <a:off x="4371202" y="2308206"/>
+            <a:ext cx="0" cy="864096"/>
+          </a:xfrm>
+          <a:prstGeom prst="line">
+            <a:avLst/>
+          </a:prstGeom>
+        </p:spPr>
+        <p:style>
+          <a:lnRef idx="1">
+            <a:schemeClr val="accent1"/>
+          </a:lnRef>
+          <a:fillRef idx="0">
+            <a:schemeClr val="accent1"/>
+          </a:fillRef>
+          <a:effectRef idx="0">
+            <a:schemeClr val="accent1"/>
+          </a:effectRef>
+          <a:fontRef idx="minor">
+            <a:schemeClr val="tx1"/>
+          </a:fontRef>
+        </p:style>
+      </p:cxnSp>
+      <p:sp>
+        <p:nvSpPr>
+          <p:cNvPr id="32" name="7 Proceso">
+            <a:extLst>
+              <a:ext uri="{FF2B5EF4-FFF2-40B4-BE49-F238E27FC236}">
+                <a16:creationId xmlns:a16="http://schemas.microsoft.com/office/drawing/2014/main" id="{D5095488-B6E4-42D1-8BDB-A6F77EDB308A}"/>
+              </a:ext>
+            </a:extLst>
+          </p:cNvPr>
+          <p:cNvSpPr/>
+          <p:nvPr/>
+        </p:nvSpPr>
+        <p:spPr>
+          <a:xfrm>
+            <a:off x="3147066" y="1254960"/>
+            <a:ext cx="2448272" cy="549190"/>
+          </a:xfrm>
+          <a:prstGeom prst="flowChartProcess">
+            <a:avLst/>
+          </a:prstGeom>
+          <a:solidFill>
+            <a:srgbClr val="7CA1CE"/>
+          </a:solidFill>
+        </p:spPr>
+        <p:style>
+          <a:lnRef idx="2">
+            <a:schemeClr val="accent1">
+              <a:shade val="50000"/>
+            </a:schemeClr>
+          </a:lnRef>
+          <a:fillRef idx="1">
+            <a:schemeClr val="accent1"/>
+          </a:fillRef>
+          <a:effectRef idx="0">
+            <a:schemeClr val="accent1"/>
+          </a:effectRef>
+          <a:fontRef idx="minor">
+            <a:schemeClr val="lt1"/>
+          </a:fontRef>
+        </p:style>
+        <p:txBody>
+          <a:bodyPr rtlCol="0" anchor="ctr"/>
+          <a:lstStyle/>
+          <a:p>
+            <a:pPr algn="ctr"/>
+            <a:r>
+              <a:rPr lang="es-ES" sz="1400" dirty="0"/>
+              <a:t>Muestra las opciones ( n. si quieres hacer “”)</a:t>
+            </a:r>
+          </a:p>
+        </p:txBody>
+      </p:sp>
+      <p:cxnSp>
+        <p:nvCxnSpPr>
+          <p:cNvPr id="18" name="Conector recto 17">
+            <a:extLst>
+              <a:ext uri="{FF2B5EF4-FFF2-40B4-BE49-F238E27FC236}">
+                <a16:creationId xmlns:a16="http://schemas.microsoft.com/office/drawing/2014/main" id="{9A8B42E2-795D-4CA2-9C17-4A5B76794D0D}"/>
+              </a:ext>
+            </a:extLst>
+          </p:cNvPr>
+          <p:cNvCxnSpPr>
+            <a:cxnSpLocks/>
+            <a:stCxn id="8" idx="2"/>
+            <a:endCxn id="32" idx="0"/>
+          </p:cNvCxnSpPr>
+          <p:nvPr/>
+        </p:nvCxnSpPr>
+        <p:spPr>
+          <a:xfrm>
+            <a:off x="4371202" y="1084070"/>
+            <a:ext cx="0" cy="170890"/>
+          </a:xfrm>
+          <a:prstGeom prst="line">
+            <a:avLst/>
+          </a:prstGeom>
+        </p:spPr>
+        <p:style>
+          <a:lnRef idx="1">
+            <a:schemeClr val="accent1"/>
+          </a:lnRef>
+          <a:fillRef idx="0">
+            <a:schemeClr val="accent1"/>
+          </a:fillRef>
+          <a:effectRef idx="0">
+            <a:schemeClr val="accent1"/>
+          </a:effectRef>
+          <a:fontRef idx="minor">
+            <a:schemeClr val="tx1"/>
+          </a:fontRef>
+        </p:style>
+      </p:cxnSp>
+      <p:sp>
+        <p:nvSpPr>
+          <p:cNvPr id="51" name="7 Proceso">
+            <a:extLst>
+              <a:ext uri="{FF2B5EF4-FFF2-40B4-BE49-F238E27FC236}">
+                <a16:creationId xmlns:a16="http://schemas.microsoft.com/office/drawing/2014/main" id="{B972719C-F61D-4153-9A55-1D4A080A2453}"/>
+              </a:ext>
+            </a:extLst>
+          </p:cNvPr>
+          <p:cNvSpPr/>
+          <p:nvPr/>
+        </p:nvSpPr>
+        <p:spPr>
+          <a:xfrm>
+            <a:off x="3147066" y="1983831"/>
+            <a:ext cx="2448272" cy="324375"/>
+          </a:xfrm>
+          <a:prstGeom prst="flowChartProcess">
+            <a:avLst/>
+          </a:prstGeom>
+          <a:solidFill>
+            <a:srgbClr val="7CA1CE"/>
+          </a:solidFill>
+        </p:spPr>
+        <p:style>
+          <a:lnRef idx="2">
+            <a:schemeClr val="accent1">
+              <a:shade val="50000"/>
+            </a:schemeClr>
+          </a:lnRef>
+          <a:fillRef idx="1">
+            <a:schemeClr val="accent1"/>
+          </a:fillRef>
+          <a:effectRef idx="0">
+            <a:schemeClr val="accent1"/>
+          </a:effectRef>
+          <a:fontRef idx="minor">
+            <a:schemeClr val="lt1"/>
+          </a:fontRef>
+        </p:style>
+        <p:txBody>
+          <a:bodyPr rtlCol="0" anchor="ctr"/>
+          <a:lstStyle/>
+          <a:p>
+            <a:pPr algn="ctr"/>
+            <a:r>
+              <a:rPr lang="es-ES" sz="1400" dirty="0"/>
+              <a:t>Declaro boolean estado= false</a:t>
+            </a:r>
+          </a:p>
+        </p:txBody>
+      </p:sp>
+      <p:cxnSp>
+        <p:nvCxnSpPr>
+          <p:cNvPr id="40" name="Conector recto 39">
+            <a:extLst>
+              <a:ext uri="{FF2B5EF4-FFF2-40B4-BE49-F238E27FC236}">
+                <a16:creationId xmlns:a16="http://schemas.microsoft.com/office/drawing/2014/main" id="{97C7A2B9-258F-4C33-95B5-4A3DA0E5A470}"/>
+              </a:ext>
+            </a:extLst>
+          </p:cNvPr>
+          <p:cNvCxnSpPr>
+            <a:cxnSpLocks/>
+            <a:stCxn id="32" idx="2"/>
+            <a:endCxn id="51" idx="0"/>
+          </p:cNvCxnSpPr>
+          <p:nvPr/>
+        </p:nvCxnSpPr>
+        <p:spPr>
+          <a:xfrm>
+            <a:off x="4371202" y="1804150"/>
+            <a:ext cx="0" cy="179681"/>
+          </a:xfrm>
+          <a:prstGeom prst="line">
+            <a:avLst/>
+          </a:prstGeom>
+        </p:spPr>
+        <p:style>
+          <a:lnRef idx="1">
+            <a:schemeClr val="accent1"/>
+          </a:lnRef>
+          <a:fillRef idx="0">
+            <a:schemeClr val="accent1"/>
+          </a:fillRef>
+          <a:effectRef idx="0">
+            <a:schemeClr val="accent1"/>
+          </a:effectRef>
+          <a:fontRef idx="minor">
+            <a:schemeClr val="tx1"/>
+          </a:fontRef>
+        </p:style>
+      </p:cxnSp>
+      <p:sp>
+        <p:nvSpPr>
+          <p:cNvPr id="62" name="32 Preparación">
+            <a:extLst>
+              <a:ext uri="{FF2B5EF4-FFF2-40B4-BE49-F238E27FC236}">
+                <a16:creationId xmlns:a16="http://schemas.microsoft.com/office/drawing/2014/main" id="{C3113788-5262-445A-A98C-F51FDFC00FE7}"/>
+              </a:ext>
+            </a:extLst>
+          </p:cNvPr>
+          <p:cNvSpPr/>
+          <p:nvPr/>
+        </p:nvSpPr>
+        <p:spPr>
+          <a:xfrm>
+            <a:off x="3498232" y="2494053"/>
+            <a:ext cx="1745940" cy="678249"/>
+          </a:xfrm>
+          <a:prstGeom prst="flowChartPreparation">
+            <a:avLst/>
+          </a:prstGeom>
+          <a:solidFill>
+            <a:srgbClr val="B8CF8B"/>
+          </a:solidFill>
+          <a:ln>
+            <a:solidFill>
+              <a:schemeClr val="accent3">
+                <a:lumMod val="50000"/>
+              </a:schemeClr>
+            </a:solidFill>
+          </a:ln>
+        </p:spPr>
+        <p:style>
+          <a:lnRef idx="2">
+            <a:schemeClr val="accent1">
+              <a:shade val="50000"/>
+            </a:schemeClr>
+          </a:lnRef>
+          <a:fillRef idx="1">
+            <a:schemeClr val="accent1"/>
+          </a:fillRef>
+          <a:effectRef idx="0">
+            <a:schemeClr val="accent1"/>
+          </a:effectRef>
+          <a:fontRef idx="minor">
+            <a:schemeClr val="lt1"/>
+          </a:fontRef>
+        </p:style>
+        <p:txBody>
+          <a:bodyPr rtlCol="0" anchor="ctr"/>
+          <a:lstStyle/>
+          <a:p>
+            <a:pPr algn="ctr"/>
+            <a:r>
+              <a:rPr lang="es-ES" sz="1500" dirty="0"/>
+              <a:t>Entero  del Scanner</a:t>
+            </a:r>
+          </a:p>
+        </p:txBody>
+      </p:sp>
+      <p:sp>
+        <p:nvSpPr>
+          <p:cNvPr id="71" name="7 Proceso">
+            <a:extLst>
+              <a:ext uri="{FF2B5EF4-FFF2-40B4-BE49-F238E27FC236}">
+                <a16:creationId xmlns:a16="http://schemas.microsoft.com/office/drawing/2014/main" id="{47E6F42A-D4D7-4BD1-8580-B585A0E86286}"/>
+              </a:ext>
+            </a:extLst>
+          </p:cNvPr>
+          <p:cNvSpPr/>
+          <p:nvPr/>
+        </p:nvSpPr>
+        <p:spPr>
+          <a:xfrm>
+            <a:off x="450816" y="3639686"/>
+            <a:ext cx="1224136" cy="324375"/>
+          </a:xfrm>
+          <a:prstGeom prst="flowChartProcess">
+            <a:avLst/>
+          </a:prstGeom>
+          <a:solidFill>
+            <a:srgbClr val="7CA1CE"/>
+          </a:solidFill>
+        </p:spPr>
+        <p:style>
+          <a:lnRef idx="2">
+            <a:schemeClr val="accent1">
+              <a:shade val="50000"/>
+            </a:schemeClr>
+          </a:lnRef>
+          <a:fillRef idx="1">
+            <a:schemeClr val="accent1"/>
+          </a:fillRef>
+          <a:effectRef idx="0">
+            <a:schemeClr val="accent1"/>
+          </a:effectRef>
+          <a:fontRef idx="minor">
+            <a:schemeClr val="lt1"/>
+          </a:fontRef>
+        </p:style>
+        <p:txBody>
+          <a:bodyPr rtlCol="0" anchor="ctr"/>
+          <a:lstStyle/>
+          <a:p>
+            <a:pPr algn="ctr"/>
+            <a:r>
+              <a:rPr lang="es-ES" sz="1400" dirty="0"/>
+              <a:t>estado= false</a:t>
+            </a:r>
+          </a:p>
+        </p:txBody>
+      </p:sp>
+      <p:cxnSp>
+        <p:nvCxnSpPr>
+          <p:cNvPr id="54" name="Conector recto 53">
+            <a:extLst>
+              <a:ext uri="{FF2B5EF4-FFF2-40B4-BE49-F238E27FC236}">
+                <a16:creationId xmlns:a16="http://schemas.microsoft.com/office/drawing/2014/main" id="{5E93D98C-5854-461F-94F0-ABCA9C4BB813}"/>
+              </a:ext>
+            </a:extLst>
+          </p:cNvPr>
+          <p:cNvCxnSpPr>
+            <a:cxnSpLocks/>
+            <a:stCxn id="71" idx="2"/>
+            <a:endCxn id="73" idx="0"/>
+          </p:cNvCxnSpPr>
+          <p:nvPr/>
+        </p:nvCxnSpPr>
+        <p:spPr>
+          <a:xfrm>
+            <a:off x="1062884" y="3964061"/>
+            <a:ext cx="0" cy="122186"/>
+          </a:xfrm>
+          <a:prstGeom prst="line">
+            <a:avLst/>
+          </a:prstGeom>
+        </p:spPr>
+        <p:style>
+          <a:lnRef idx="1">
+            <a:schemeClr val="accent1"/>
+          </a:lnRef>
+          <a:fillRef idx="0">
+            <a:schemeClr val="accent1"/>
+          </a:fillRef>
+          <a:effectRef idx="0">
+            <a:schemeClr val="accent1"/>
+          </a:effectRef>
+          <a:fontRef idx="minor">
+            <a:schemeClr val="tx1"/>
+          </a:fontRef>
+        </p:style>
+      </p:cxnSp>
+      <p:sp>
+        <p:nvSpPr>
+          <p:cNvPr id="73" name="7 Proceso">
+            <a:extLst>
+              <a:ext uri="{FF2B5EF4-FFF2-40B4-BE49-F238E27FC236}">
+                <a16:creationId xmlns:a16="http://schemas.microsoft.com/office/drawing/2014/main" id="{8EF54440-4430-40AB-A469-A30BD6CE50DB}"/>
+              </a:ext>
+            </a:extLst>
+          </p:cNvPr>
+          <p:cNvSpPr/>
+          <p:nvPr/>
+        </p:nvSpPr>
+        <p:spPr>
+          <a:xfrm>
+            <a:off x="180994" y="4086247"/>
+            <a:ext cx="1763780" cy="432048"/>
+          </a:xfrm>
+          <a:prstGeom prst="flowChartProcess">
+            <a:avLst/>
+          </a:prstGeom>
+        </p:spPr>
+        <p:style>
+          <a:lnRef idx="2">
+            <a:schemeClr val="accent6">
+              <a:shade val="50000"/>
+            </a:schemeClr>
+          </a:lnRef>
+          <a:fillRef idx="1">
+            <a:schemeClr val="accent6"/>
+          </a:fillRef>
+          <a:effectRef idx="0">
+            <a:schemeClr val="accent6"/>
+          </a:effectRef>
+          <a:fontRef idx="minor">
+            <a:schemeClr val="lt1"/>
+          </a:fontRef>
+        </p:style>
+        <p:txBody>
+          <a:bodyPr rtlCol="0" anchor="ctr"/>
+          <a:lstStyle/>
+          <a:p>
+            <a:pPr algn="ctr"/>
+            <a:r>
+              <a:rPr lang="es-ES" sz="1400" dirty="0"/>
+              <a:t>Llama a la función (</a:t>
+            </a:r>
+            <a:r>
+              <a:rPr lang="es-ES" sz="1400" i="1" dirty="0" err="1"/>
+              <a:t>añadirLibro</a:t>
+            </a:r>
+            <a:r>
+              <a:rPr lang="es-ES" sz="1400" dirty="0"/>
+              <a:t>)</a:t>
+            </a:r>
+          </a:p>
+        </p:txBody>
+      </p:sp>
+      <p:cxnSp>
+        <p:nvCxnSpPr>
+          <p:cNvPr id="61" name="Conector: angular 60">
+            <a:extLst>
+              <a:ext uri="{FF2B5EF4-FFF2-40B4-BE49-F238E27FC236}">
+                <a16:creationId xmlns:a16="http://schemas.microsoft.com/office/drawing/2014/main" id="{16D80F8C-7AA7-446E-BCE0-DD61D1A33AD2}"/>
+              </a:ext>
+            </a:extLst>
+          </p:cNvPr>
+          <p:cNvCxnSpPr>
+            <a:stCxn id="62" idx="2"/>
+            <a:endCxn id="71" idx="0"/>
+          </p:cNvCxnSpPr>
+          <p:nvPr/>
+        </p:nvCxnSpPr>
+        <p:spPr>
+          <a:xfrm rot="5400000">
+            <a:off x="2483351" y="1751835"/>
+            <a:ext cx="467384" cy="3308318"/>
+          </a:xfrm>
+          <a:prstGeom prst="bentConnector3">
+            <a:avLst>
+              <a:gd name="adj1" fmla="val 32905"/>
+            </a:avLst>
+          </a:prstGeom>
+          <a:ln>
+            <a:tailEnd type="triangle"/>
+          </a:ln>
+        </p:spPr>
+        <p:style>
+          <a:lnRef idx="1">
+            <a:schemeClr val="accent1"/>
+          </a:lnRef>
+          <a:fillRef idx="0">
+            <a:schemeClr val="accent1"/>
+          </a:fillRef>
+          <a:effectRef idx="0">
+            <a:schemeClr val="accent1"/>
+          </a:effectRef>
+          <a:fontRef idx="minor">
+            <a:schemeClr val="tx1"/>
+          </a:fontRef>
+        </p:style>
+      </p:cxnSp>
+      <p:sp>
+        <p:nvSpPr>
+          <p:cNvPr id="81" name="7 Proceso">
+            <a:extLst>
+              <a:ext uri="{FF2B5EF4-FFF2-40B4-BE49-F238E27FC236}">
+                <a16:creationId xmlns:a16="http://schemas.microsoft.com/office/drawing/2014/main" id="{19E20FE5-BC2C-4556-9FAB-D07D04A88C5F}"/>
+              </a:ext>
+            </a:extLst>
+          </p:cNvPr>
+          <p:cNvSpPr/>
+          <p:nvPr/>
+        </p:nvSpPr>
+        <p:spPr>
+          <a:xfrm>
+            <a:off x="2516249" y="3626785"/>
+            <a:ext cx="1224136" cy="324375"/>
+          </a:xfrm>
+          <a:prstGeom prst="flowChartProcess">
+            <a:avLst/>
+          </a:prstGeom>
+          <a:solidFill>
+            <a:srgbClr val="7CA1CE"/>
+          </a:solidFill>
+        </p:spPr>
+        <p:style>
+          <a:lnRef idx="2">
+            <a:schemeClr val="accent1">
+              <a:shade val="50000"/>
+            </a:schemeClr>
+          </a:lnRef>
+          <a:fillRef idx="1">
+            <a:schemeClr val="accent1"/>
+          </a:fillRef>
+          <a:effectRef idx="0">
+            <a:schemeClr val="accent1"/>
+          </a:effectRef>
+          <a:fontRef idx="minor">
+            <a:schemeClr val="lt1"/>
+          </a:fontRef>
+        </p:style>
+        <p:txBody>
+          <a:bodyPr rtlCol="0" anchor="ctr"/>
+          <a:lstStyle/>
+          <a:p>
+            <a:pPr algn="ctr"/>
+            <a:r>
+              <a:rPr lang="es-ES" sz="1400" dirty="0"/>
+              <a:t>estado= false</a:t>
+            </a:r>
+          </a:p>
+        </p:txBody>
+      </p:sp>
+      <p:cxnSp>
+        <p:nvCxnSpPr>
+          <p:cNvPr id="83" name="Conector recto 82">
+            <a:extLst>
+              <a:ext uri="{FF2B5EF4-FFF2-40B4-BE49-F238E27FC236}">
+                <a16:creationId xmlns:a16="http://schemas.microsoft.com/office/drawing/2014/main" id="{C576AC8D-4690-4132-9C1D-3E419DF3AB6F}"/>
+              </a:ext>
+            </a:extLst>
+          </p:cNvPr>
+          <p:cNvCxnSpPr>
+            <a:cxnSpLocks/>
+            <a:stCxn id="81" idx="2"/>
+            <a:endCxn id="85" idx="0"/>
+          </p:cNvCxnSpPr>
+          <p:nvPr/>
+        </p:nvCxnSpPr>
+        <p:spPr>
+          <a:xfrm>
+            <a:off x="3128317" y="3951160"/>
+            <a:ext cx="0" cy="99994"/>
+          </a:xfrm>
+          <a:prstGeom prst="line">
+            <a:avLst/>
+          </a:prstGeom>
+        </p:spPr>
+        <p:style>
+          <a:lnRef idx="1">
+            <a:schemeClr val="accent1"/>
+          </a:lnRef>
+          <a:fillRef idx="0">
+            <a:schemeClr val="accent1"/>
+          </a:fillRef>
+          <a:effectRef idx="0">
+            <a:schemeClr val="accent1"/>
+          </a:effectRef>
+          <a:fontRef idx="minor">
+            <a:schemeClr val="tx1"/>
+          </a:fontRef>
+        </p:style>
+      </p:cxnSp>
+      <p:sp>
+        <p:nvSpPr>
+          <p:cNvPr id="86" name="7 Proceso">
+            <a:extLst>
+              <a:ext uri="{FF2B5EF4-FFF2-40B4-BE49-F238E27FC236}">
+                <a16:creationId xmlns:a16="http://schemas.microsoft.com/office/drawing/2014/main" id="{F16CF793-D820-4EB4-A7E4-A708453B839A}"/>
+              </a:ext>
+            </a:extLst>
+          </p:cNvPr>
+          <p:cNvSpPr/>
+          <p:nvPr/>
+        </p:nvSpPr>
+        <p:spPr>
+          <a:xfrm>
+            <a:off x="4983270" y="3612039"/>
+            <a:ext cx="1224136" cy="324375"/>
+          </a:xfrm>
+          <a:prstGeom prst="flowChartProcess">
+            <a:avLst/>
+          </a:prstGeom>
+          <a:solidFill>
+            <a:srgbClr val="7CA1CE"/>
+          </a:solidFill>
+        </p:spPr>
+        <p:style>
+          <a:lnRef idx="2">
+            <a:schemeClr val="accent1">
+              <a:shade val="50000"/>
+            </a:schemeClr>
+          </a:lnRef>
+          <a:fillRef idx="1">
+            <a:schemeClr val="accent1"/>
+          </a:fillRef>
+          <a:effectRef idx="0">
+            <a:schemeClr val="accent1"/>
+          </a:effectRef>
+          <a:fontRef idx="minor">
+            <a:schemeClr val="lt1"/>
+          </a:fontRef>
+        </p:style>
+        <p:txBody>
+          <a:bodyPr rtlCol="0" anchor="ctr"/>
+          <a:lstStyle/>
+          <a:p>
+            <a:pPr algn="ctr"/>
+            <a:r>
+              <a:rPr lang="es-ES" sz="1400" dirty="0"/>
+              <a:t>estado= false</a:t>
+            </a:r>
+          </a:p>
+        </p:txBody>
+      </p:sp>
+      <p:cxnSp>
+        <p:nvCxnSpPr>
+          <p:cNvPr id="88" name="Conector recto 87">
+            <a:extLst>
+              <a:ext uri="{FF2B5EF4-FFF2-40B4-BE49-F238E27FC236}">
+                <a16:creationId xmlns:a16="http://schemas.microsoft.com/office/drawing/2014/main" id="{166BFE9F-9416-41B7-B031-B17FA4948139}"/>
+              </a:ext>
+            </a:extLst>
+          </p:cNvPr>
+          <p:cNvCxnSpPr>
+            <a:cxnSpLocks/>
+            <a:stCxn id="86" idx="2"/>
+            <a:endCxn id="89" idx="0"/>
+          </p:cNvCxnSpPr>
+          <p:nvPr/>
+        </p:nvCxnSpPr>
+        <p:spPr>
+          <a:xfrm flipH="1">
+            <a:off x="5590718" y="3936414"/>
+            <a:ext cx="4620" cy="114740"/>
+          </a:xfrm>
+          <a:prstGeom prst="line">
+            <a:avLst/>
+          </a:prstGeom>
+        </p:spPr>
+        <p:style>
+          <a:lnRef idx="1">
+            <a:schemeClr val="accent1"/>
+          </a:lnRef>
+          <a:fillRef idx="0">
+            <a:schemeClr val="accent1"/>
+          </a:fillRef>
+          <a:effectRef idx="0">
+            <a:schemeClr val="accent1"/>
+          </a:effectRef>
+          <a:fontRef idx="minor">
+            <a:schemeClr val="tx1"/>
+          </a:fontRef>
+        </p:style>
+      </p:cxnSp>
+      <p:sp>
+        <p:nvSpPr>
+          <p:cNvPr id="95" name="7 Proceso">
+            <a:extLst>
+              <a:ext uri="{FF2B5EF4-FFF2-40B4-BE49-F238E27FC236}">
+                <a16:creationId xmlns:a16="http://schemas.microsoft.com/office/drawing/2014/main" id="{BBA3A8DF-BA4D-4515-AE99-277FAABC5451}"/>
+              </a:ext>
+            </a:extLst>
+          </p:cNvPr>
+          <p:cNvSpPr/>
+          <p:nvPr/>
+        </p:nvSpPr>
+        <p:spPr>
+          <a:xfrm>
+            <a:off x="7059311" y="3626785"/>
+            <a:ext cx="1224136" cy="324375"/>
+          </a:xfrm>
+          <a:prstGeom prst="flowChartProcess">
+            <a:avLst/>
+          </a:prstGeom>
+          <a:solidFill>
+            <a:srgbClr val="7CA1CE"/>
+          </a:solidFill>
+        </p:spPr>
+        <p:style>
+          <a:lnRef idx="2">
+            <a:schemeClr val="accent1">
+              <a:shade val="50000"/>
+            </a:schemeClr>
+          </a:lnRef>
+          <a:fillRef idx="1">
+            <a:schemeClr val="accent1"/>
+          </a:fillRef>
+          <a:effectRef idx="0">
+            <a:schemeClr val="accent1"/>
+          </a:effectRef>
+          <a:fontRef idx="minor">
+            <a:schemeClr val="lt1"/>
+          </a:fontRef>
+        </p:style>
+        <p:txBody>
+          <a:bodyPr rtlCol="0" anchor="ctr"/>
+          <a:lstStyle/>
+          <a:p>
+            <a:pPr algn="ctr"/>
+            <a:r>
+              <a:rPr lang="es-ES" sz="1400" dirty="0"/>
+              <a:t>estado= false</a:t>
+            </a:r>
+          </a:p>
+        </p:txBody>
+      </p:sp>
+      <p:cxnSp>
+        <p:nvCxnSpPr>
+          <p:cNvPr id="96" name="Conector recto 95">
+            <a:extLst>
+              <a:ext uri="{FF2B5EF4-FFF2-40B4-BE49-F238E27FC236}">
+                <a16:creationId xmlns:a16="http://schemas.microsoft.com/office/drawing/2014/main" id="{944497A4-D5DA-4BD1-923D-9F18A6CC1374}"/>
+              </a:ext>
+            </a:extLst>
+          </p:cNvPr>
+          <p:cNvCxnSpPr>
+            <a:cxnSpLocks/>
+            <a:stCxn id="95" idx="2"/>
+            <a:endCxn id="97" idx="0"/>
+          </p:cNvCxnSpPr>
+          <p:nvPr/>
+        </p:nvCxnSpPr>
+        <p:spPr>
+          <a:xfrm>
+            <a:off x="7671379" y="3951160"/>
+            <a:ext cx="0" cy="95052"/>
+          </a:xfrm>
+          <a:prstGeom prst="line">
+            <a:avLst/>
+          </a:prstGeom>
+        </p:spPr>
+        <p:style>
+          <a:lnRef idx="1">
+            <a:schemeClr val="accent1"/>
+          </a:lnRef>
+          <a:fillRef idx="0">
+            <a:schemeClr val="accent1"/>
+          </a:fillRef>
+          <a:effectRef idx="0">
+            <a:schemeClr val="accent1"/>
+          </a:effectRef>
+          <a:fontRef idx="minor">
+            <a:schemeClr val="tx1"/>
+          </a:fontRef>
+        </p:style>
+      </p:cxnSp>
+      <p:sp>
+        <p:nvSpPr>
+          <p:cNvPr id="98" name="7 Proceso">
+            <a:extLst>
+              <a:ext uri="{FF2B5EF4-FFF2-40B4-BE49-F238E27FC236}">
+                <a16:creationId xmlns:a16="http://schemas.microsoft.com/office/drawing/2014/main" id="{7C7F24A2-90E7-4975-80B6-8720FE4D6AE6}"/>
+              </a:ext>
+            </a:extLst>
+          </p:cNvPr>
+          <p:cNvSpPr/>
+          <p:nvPr/>
+        </p:nvSpPr>
+        <p:spPr>
+          <a:xfrm>
+            <a:off x="7143604" y="4806641"/>
+            <a:ext cx="1668951" cy="403685"/>
+          </a:xfrm>
+          <a:prstGeom prst="flowChartProcess">
+            <a:avLst/>
+          </a:prstGeom>
+          <a:solidFill>
+            <a:srgbClr val="7CA1CE"/>
+          </a:solidFill>
+        </p:spPr>
+        <p:style>
+          <a:lnRef idx="2">
+            <a:schemeClr val="accent1">
+              <a:shade val="50000"/>
+            </a:schemeClr>
+          </a:lnRef>
+          <a:fillRef idx="1">
+            <a:schemeClr val="accent1"/>
+          </a:fillRef>
+          <a:effectRef idx="0">
+            <a:schemeClr val="accent1"/>
+          </a:effectRef>
+          <a:fontRef idx="minor">
+            <a:schemeClr val="lt1"/>
+          </a:fontRef>
+        </p:style>
+        <p:txBody>
+          <a:bodyPr rtlCol="0" anchor="ctr"/>
+          <a:lstStyle/>
+          <a:p>
+            <a:pPr algn="ctr"/>
+            <a:r>
+              <a:rPr lang="es-ES" sz="1400" dirty="0"/>
+              <a:t>Mostrar error de opción incorrecta</a:t>
+            </a:r>
+          </a:p>
+        </p:txBody>
+      </p:sp>
+      <p:cxnSp>
+        <p:nvCxnSpPr>
+          <p:cNvPr id="99" name="Conector recto 98">
+            <a:extLst>
+              <a:ext uri="{FF2B5EF4-FFF2-40B4-BE49-F238E27FC236}">
+                <a16:creationId xmlns:a16="http://schemas.microsoft.com/office/drawing/2014/main" id="{C7A23614-BBC3-49F9-A945-815870F73A7A}"/>
+              </a:ext>
+            </a:extLst>
+          </p:cNvPr>
+          <p:cNvCxnSpPr>
+            <a:cxnSpLocks/>
+            <a:stCxn id="98" idx="2"/>
+            <a:endCxn id="180" idx="0"/>
+          </p:cNvCxnSpPr>
+          <p:nvPr/>
+        </p:nvCxnSpPr>
+        <p:spPr>
+          <a:xfrm>
+            <a:off x="7978080" y="5210326"/>
+            <a:ext cx="3567" cy="152899"/>
+          </a:xfrm>
+          <a:prstGeom prst="line">
+            <a:avLst/>
+          </a:prstGeom>
+        </p:spPr>
+        <p:style>
+          <a:lnRef idx="1">
+            <a:schemeClr val="accent1"/>
+          </a:lnRef>
+          <a:fillRef idx="0">
+            <a:schemeClr val="accent1"/>
+          </a:fillRef>
+          <a:effectRef idx="0">
+            <a:schemeClr val="accent1"/>
+          </a:effectRef>
+          <a:fontRef idx="minor">
+            <a:schemeClr val="tx1"/>
+          </a:fontRef>
+        </p:style>
+      </p:cxnSp>
+      <p:sp>
+        <p:nvSpPr>
+          <p:cNvPr id="101" name="7 Proceso">
+            <a:extLst>
+              <a:ext uri="{FF2B5EF4-FFF2-40B4-BE49-F238E27FC236}">
+                <a16:creationId xmlns:a16="http://schemas.microsoft.com/office/drawing/2014/main" id="{60BA32C1-CE9E-46A0-9853-2B7285372D02}"/>
+              </a:ext>
+            </a:extLst>
+          </p:cNvPr>
+          <p:cNvSpPr/>
+          <p:nvPr/>
+        </p:nvSpPr>
+        <p:spPr>
+          <a:xfrm>
+            <a:off x="797694" y="4775297"/>
+            <a:ext cx="1224136" cy="324375"/>
+          </a:xfrm>
+          <a:prstGeom prst="flowChartProcess">
+            <a:avLst/>
+          </a:prstGeom>
+          <a:solidFill>
+            <a:srgbClr val="7CA1CE"/>
+          </a:solidFill>
+        </p:spPr>
+        <p:style>
+          <a:lnRef idx="2">
+            <a:schemeClr val="accent1">
+              <a:shade val="50000"/>
+            </a:schemeClr>
+          </a:lnRef>
+          <a:fillRef idx="1">
+            <a:schemeClr val="accent1"/>
+          </a:fillRef>
+          <a:effectRef idx="0">
+            <a:schemeClr val="accent1"/>
+          </a:effectRef>
+          <a:fontRef idx="minor">
+            <a:schemeClr val="lt1"/>
+          </a:fontRef>
+        </p:style>
+        <p:txBody>
+          <a:bodyPr rtlCol="0" anchor="ctr"/>
+          <a:lstStyle/>
+          <a:p>
+            <a:pPr algn="ctr"/>
+            <a:r>
+              <a:rPr lang="es-ES" sz="1400" dirty="0"/>
+              <a:t>estado= false</a:t>
+            </a:r>
+          </a:p>
+        </p:txBody>
+      </p:sp>
+      <p:cxnSp>
+        <p:nvCxnSpPr>
+          <p:cNvPr id="102" name="Conector recto 101">
+            <a:extLst>
+              <a:ext uri="{FF2B5EF4-FFF2-40B4-BE49-F238E27FC236}">
+                <a16:creationId xmlns:a16="http://schemas.microsoft.com/office/drawing/2014/main" id="{B0E0F316-8C0E-400F-9505-496D0411D907}"/>
+              </a:ext>
+            </a:extLst>
+          </p:cNvPr>
+          <p:cNvCxnSpPr>
+            <a:cxnSpLocks/>
+            <a:stCxn id="101" idx="2"/>
+          </p:cNvCxnSpPr>
+          <p:nvPr/>
+        </p:nvCxnSpPr>
+        <p:spPr>
+          <a:xfrm>
+            <a:off x="1409762" y="5099672"/>
+            <a:ext cx="0" cy="142517"/>
+          </a:xfrm>
+          <a:prstGeom prst="line">
+            <a:avLst/>
+          </a:prstGeom>
+        </p:spPr>
+        <p:style>
+          <a:lnRef idx="1">
+            <a:schemeClr val="accent1"/>
+          </a:lnRef>
+          <a:fillRef idx="0">
+            <a:schemeClr val="accent1"/>
+          </a:fillRef>
+          <a:effectRef idx="0">
+            <a:schemeClr val="accent1"/>
+          </a:effectRef>
+          <a:fontRef idx="minor">
+            <a:schemeClr val="tx1"/>
+          </a:fontRef>
+        </p:style>
+      </p:cxnSp>
+      <p:sp>
+        <p:nvSpPr>
+          <p:cNvPr id="104" name="7 Proceso">
+            <a:extLst>
+              <a:ext uri="{FF2B5EF4-FFF2-40B4-BE49-F238E27FC236}">
+                <a16:creationId xmlns:a16="http://schemas.microsoft.com/office/drawing/2014/main" id="{0A54572F-9574-40A3-B7B2-6C60815FE544}"/>
+              </a:ext>
+            </a:extLst>
+          </p:cNvPr>
+          <p:cNvSpPr/>
+          <p:nvPr/>
+        </p:nvSpPr>
+        <p:spPr>
+          <a:xfrm>
+            <a:off x="2853190" y="4785017"/>
+            <a:ext cx="1224136" cy="324375"/>
+          </a:xfrm>
+          <a:prstGeom prst="flowChartProcess">
+            <a:avLst/>
+          </a:prstGeom>
+          <a:solidFill>
+            <a:srgbClr val="7CA1CE"/>
+          </a:solidFill>
+        </p:spPr>
+        <p:style>
+          <a:lnRef idx="2">
+            <a:schemeClr val="accent1">
+              <a:shade val="50000"/>
+            </a:schemeClr>
+          </a:lnRef>
+          <a:fillRef idx="1">
+            <a:schemeClr val="accent1"/>
+          </a:fillRef>
+          <a:effectRef idx="0">
+            <a:schemeClr val="accent1"/>
+          </a:effectRef>
+          <a:fontRef idx="minor">
+            <a:schemeClr val="lt1"/>
+          </a:fontRef>
+        </p:style>
+        <p:txBody>
+          <a:bodyPr rtlCol="0" anchor="ctr"/>
+          <a:lstStyle/>
+          <a:p>
+            <a:pPr algn="ctr"/>
+            <a:r>
+              <a:rPr lang="es-ES" sz="1400" dirty="0"/>
+              <a:t>estado= false</a:t>
+            </a:r>
+          </a:p>
+        </p:txBody>
+      </p:sp>
+      <p:cxnSp>
+        <p:nvCxnSpPr>
+          <p:cNvPr id="105" name="Conector recto 104">
+            <a:extLst>
+              <a:ext uri="{FF2B5EF4-FFF2-40B4-BE49-F238E27FC236}">
+                <a16:creationId xmlns:a16="http://schemas.microsoft.com/office/drawing/2014/main" id="{746C5B51-5553-4B9B-A53A-CE3AAA1A78B8}"/>
+              </a:ext>
+            </a:extLst>
+          </p:cNvPr>
+          <p:cNvCxnSpPr>
+            <a:cxnSpLocks/>
+            <a:stCxn id="104" idx="2"/>
+            <a:endCxn id="106" idx="0"/>
+          </p:cNvCxnSpPr>
+          <p:nvPr/>
+        </p:nvCxnSpPr>
+        <p:spPr>
+          <a:xfrm flipH="1">
+            <a:off x="3461716" y="5109392"/>
+            <a:ext cx="3542" cy="103094"/>
+          </a:xfrm>
+          <a:prstGeom prst="line">
+            <a:avLst/>
+          </a:prstGeom>
+        </p:spPr>
+        <p:style>
+          <a:lnRef idx="1">
+            <a:schemeClr val="accent1"/>
+          </a:lnRef>
+          <a:fillRef idx="0">
+            <a:schemeClr val="accent1"/>
+          </a:fillRef>
+          <a:effectRef idx="0">
+            <a:schemeClr val="accent1"/>
+          </a:effectRef>
+          <a:fontRef idx="minor">
+            <a:schemeClr val="tx1"/>
+          </a:fontRef>
+        </p:style>
+      </p:cxnSp>
+      <p:sp>
+        <p:nvSpPr>
+          <p:cNvPr id="110" name="7 Proceso">
+            <a:extLst>
+              <a:ext uri="{FF2B5EF4-FFF2-40B4-BE49-F238E27FC236}">
+                <a16:creationId xmlns:a16="http://schemas.microsoft.com/office/drawing/2014/main" id="{921D195D-433F-4D80-93EC-499B11D7DDDE}"/>
+              </a:ext>
+            </a:extLst>
+          </p:cNvPr>
+          <p:cNvSpPr/>
+          <p:nvPr/>
+        </p:nvSpPr>
+        <p:spPr>
+          <a:xfrm>
+            <a:off x="5307400" y="4797248"/>
+            <a:ext cx="1224136" cy="324375"/>
+          </a:xfrm>
+          <a:prstGeom prst="flowChartProcess">
+            <a:avLst/>
+          </a:prstGeom>
+          <a:solidFill>
+            <a:srgbClr val="7CA1CE"/>
+          </a:solidFill>
+        </p:spPr>
+        <p:style>
+          <a:lnRef idx="2">
+            <a:schemeClr val="accent1">
+              <a:shade val="50000"/>
+            </a:schemeClr>
+          </a:lnRef>
+          <a:fillRef idx="1">
+            <a:schemeClr val="accent1"/>
+          </a:fillRef>
+          <a:effectRef idx="0">
+            <a:schemeClr val="accent1"/>
+          </a:effectRef>
+          <a:fontRef idx="minor">
+            <a:schemeClr val="lt1"/>
+          </a:fontRef>
+        </p:style>
+        <p:txBody>
+          <a:bodyPr rtlCol="0" anchor="ctr"/>
+          <a:lstStyle/>
+          <a:p>
+            <a:pPr algn="ctr"/>
+            <a:r>
+              <a:rPr lang="es-ES" sz="1400" dirty="0"/>
+              <a:t>estado= false</a:t>
+            </a:r>
+          </a:p>
+        </p:txBody>
+      </p:sp>
+      <p:cxnSp>
+        <p:nvCxnSpPr>
+          <p:cNvPr id="111" name="Conector recto 110">
+            <a:extLst>
+              <a:ext uri="{FF2B5EF4-FFF2-40B4-BE49-F238E27FC236}">
+                <a16:creationId xmlns:a16="http://schemas.microsoft.com/office/drawing/2014/main" id="{CC923BA5-AFC8-4EF8-97DA-2C6FE7B0C87E}"/>
+              </a:ext>
+            </a:extLst>
+          </p:cNvPr>
+          <p:cNvCxnSpPr>
+            <a:cxnSpLocks/>
+            <a:stCxn id="110" idx="2"/>
+            <a:endCxn id="112" idx="0"/>
+          </p:cNvCxnSpPr>
+          <p:nvPr/>
+        </p:nvCxnSpPr>
+        <p:spPr>
+          <a:xfrm>
+            <a:off x="5919468" y="5121623"/>
+            <a:ext cx="0" cy="85722"/>
+          </a:xfrm>
+          <a:prstGeom prst="line">
+            <a:avLst/>
+          </a:prstGeom>
+        </p:spPr>
+        <p:style>
+          <a:lnRef idx="1">
+            <a:schemeClr val="accent1"/>
+          </a:lnRef>
+          <a:fillRef idx="0">
+            <a:schemeClr val="accent1"/>
+          </a:fillRef>
+          <a:effectRef idx="0">
+            <a:schemeClr val="accent1"/>
+          </a:effectRef>
+          <a:fontRef idx="minor">
+            <a:schemeClr val="tx1"/>
+          </a:fontRef>
+        </p:style>
+      </p:cxnSp>
+      <p:sp>
+        <p:nvSpPr>
+          <p:cNvPr id="118" name="175 CuadroTexto">
+            <a:extLst>
+              <a:ext uri="{FF2B5EF4-FFF2-40B4-BE49-F238E27FC236}">
+                <a16:creationId xmlns:a16="http://schemas.microsoft.com/office/drawing/2014/main" id="{CB075141-875B-4CC9-9728-80AC4FA1DD27}"/>
+              </a:ext>
+            </a:extLst>
+          </p:cNvPr>
+          <p:cNvSpPr txBox="1"/>
+          <p:nvPr/>
+        </p:nvSpPr>
+        <p:spPr>
+          <a:xfrm>
+            <a:off x="557711" y="3299344"/>
+            <a:ext cx="560838" cy="276999"/>
+          </a:xfrm>
+          <a:prstGeom prst="rect">
+            <a:avLst/>
+          </a:prstGeom>
+          <a:noFill/>
+        </p:spPr>
+        <p:txBody>
+          <a:bodyPr wrap="square" rtlCol="0">
+            <a:spAutoFit/>
+          </a:bodyPr>
+          <a:lstStyle/>
+          <a:p>
+            <a:r>
+              <a:rPr lang="es-ES" sz="1200" dirty="0"/>
+              <a:t>Caso1</a:t>
+            </a:r>
+          </a:p>
+        </p:txBody>
+      </p:sp>
+      <p:cxnSp>
+        <p:nvCxnSpPr>
+          <p:cNvPr id="122" name="Conector: angular 121">
+            <a:extLst>
+              <a:ext uri="{FF2B5EF4-FFF2-40B4-BE49-F238E27FC236}">
+                <a16:creationId xmlns:a16="http://schemas.microsoft.com/office/drawing/2014/main" id="{A1CEE9AD-E408-4D38-B5CC-B4707678293F}"/>
+              </a:ext>
+            </a:extLst>
+          </p:cNvPr>
+          <p:cNvCxnSpPr>
+            <a:stCxn id="62" idx="2"/>
+            <a:endCxn id="81" idx="0"/>
+          </p:cNvCxnSpPr>
+          <p:nvPr/>
+        </p:nvCxnSpPr>
+        <p:spPr>
+          <a:xfrm rot="5400000">
+            <a:off x="3522519" y="2778101"/>
+            <a:ext cx="454483" cy="1242885"/>
+          </a:xfrm>
+          <a:prstGeom prst="bentConnector3">
+            <a:avLst>
+              <a:gd name="adj1" fmla="val 32420"/>
+            </a:avLst>
+          </a:prstGeom>
+          <a:ln>
+            <a:tailEnd type="triangle"/>
+          </a:ln>
+        </p:spPr>
+        <p:style>
+          <a:lnRef idx="1">
+            <a:schemeClr val="accent1"/>
+          </a:lnRef>
+          <a:fillRef idx="0">
+            <a:schemeClr val="accent1"/>
+          </a:fillRef>
+          <a:effectRef idx="0">
+            <a:schemeClr val="accent1"/>
+          </a:effectRef>
+          <a:fontRef idx="minor">
+            <a:schemeClr val="tx1"/>
+          </a:fontRef>
+        </p:style>
+      </p:cxnSp>
+      <p:sp>
+        <p:nvSpPr>
+          <p:cNvPr id="130" name="175 CuadroTexto">
+            <a:extLst>
+              <a:ext uri="{FF2B5EF4-FFF2-40B4-BE49-F238E27FC236}">
+                <a16:creationId xmlns:a16="http://schemas.microsoft.com/office/drawing/2014/main" id="{AB690B61-7C20-467F-845A-B1B37F98CC5A}"/>
+              </a:ext>
+            </a:extLst>
+          </p:cNvPr>
+          <p:cNvSpPr txBox="1"/>
+          <p:nvPr/>
+        </p:nvSpPr>
+        <p:spPr>
+          <a:xfrm>
+            <a:off x="2586228" y="3340612"/>
+            <a:ext cx="560838" cy="276999"/>
+          </a:xfrm>
+          <a:prstGeom prst="rect">
+            <a:avLst/>
+          </a:prstGeom>
+          <a:noFill/>
+        </p:spPr>
+        <p:txBody>
+          <a:bodyPr wrap="square" rtlCol="0">
+            <a:spAutoFit/>
+          </a:bodyPr>
+          <a:lstStyle/>
+          <a:p>
+            <a:r>
+              <a:rPr lang="es-ES" sz="1200" dirty="0"/>
+              <a:t>Caso2</a:t>
+            </a:r>
+          </a:p>
+        </p:txBody>
+      </p:sp>
+      <p:cxnSp>
+        <p:nvCxnSpPr>
+          <p:cNvPr id="134" name="Conector: angular 133">
+            <a:extLst>
+              <a:ext uri="{FF2B5EF4-FFF2-40B4-BE49-F238E27FC236}">
+                <a16:creationId xmlns:a16="http://schemas.microsoft.com/office/drawing/2014/main" id="{EC64A691-6582-4A26-934D-FC7AA66E697D}"/>
+              </a:ext>
+            </a:extLst>
+          </p:cNvPr>
+          <p:cNvCxnSpPr>
+            <a:stCxn id="62" idx="2"/>
+            <a:endCxn id="86" idx="0"/>
+          </p:cNvCxnSpPr>
+          <p:nvPr/>
+        </p:nvCxnSpPr>
+        <p:spPr>
+          <a:xfrm rot="16200000" flipH="1">
+            <a:off x="4763402" y="2780102"/>
+            <a:ext cx="439737" cy="1224136"/>
+          </a:xfrm>
+          <a:prstGeom prst="bentConnector3">
+            <a:avLst>
+              <a:gd name="adj1" fmla="val 35868"/>
+            </a:avLst>
+          </a:prstGeom>
+          <a:ln>
+            <a:tailEnd type="triangle"/>
+          </a:ln>
+        </p:spPr>
+        <p:style>
+          <a:lnRef idx="1">
+            <a:schemeClr val="accent1"/>
+          </a:lnRef>
+          <a:fillRef idx="0">
+            <a:schemeClr val="accent1"/>
+          </a:fillRef>
+          <a:effectRef idx="0">
+            <a:schemeClr val="accent1"/>
+          </a:effectRef>
+          <a:fontRef idx="minor">
+            <a:schemeClr val="tx1"/>
+          </a:fontRef>
+        </p:style>
+      </p:cxnSp>
+      <p:cxnSp>
+        <p:nvCxnSpPr>
+          <p:cNvPr id="137" name="Conector: angular 136">
+            <a:extLst>
+              <a:ext uri="{FF2B5EF4-FFF2-40B4-BE49-F238E27FC236}">
+                <a16:creationId xmlns:a16="http://schemas.microsoft.com/office/drawing/2014/main" id="{ED8CA726-DFBE-4B85-98B7-8229576AD6C2}"/>
+              </a:ext>
+            </a:extLst>
+          </p:cNvPr>
+          <p:cNvCxnSpPr>
+            <a:cxnSpLocks/>
+            <a:stCxn id="62" idx="2"/>
+            <a:endCxn id="95" idx="0"/>
+          </p:cNvCxnSpPr>
+          <p:nvPr/>
+        </p:nvCxnSpPr>
+        <p:spPr>
+          <a:xfrm rot="16200000" flipH="1">
+            <a:off x="5794049" y="1749454"/>
+            <a:ext cx="454483" cy="3300177"/>
+          </a:xfrm>
+          <a:prstGeom prst="bentConnector3">
+            <a:avLst>
+              <a:gd name="adj1" fmla="val 32420"/>
+            </a:avLst>
+          </a:prstGeom>
+          <a:ln>
+            <a:tailEnd type="triangle"/>
+          </a:ln>
+        </p:spPr>
+        <p:style>
+          <a:lnRef idx="1">
+            <a:schemeClr val="accent1"/>
+          </a:lnRef>
+          <a:fillRef idx="0">
+            <a:schemeClr val="accent1"/>
+          </a:fillRef>
+          <a:effectRef idx="0">
+            <a:schemeClr val="accent1"/>
+          </a:effectRef>
+          <a:fontRef idx="minor">
+            <a:schemeClr val="tx1"/>
+          </a:fontRef>
+        </p:style>
+      </p:cxnSp>
+      <p:sp>
+        <p:nvSpPr>
+          <p:cNvPr id="144" name="175 CuadroTexto">
+            <a:extLst>
+              <a:ext uri="{FF2B5EF4-FFF2-40B4-BE49-F238E27FC236}">
+                <a16:creationId xmlns:a16="http://schemas.microsoft.com/office/drawing/2014/main" id="{31822DB5-8191-48AA-8429-9CE3DF2CDAD2}"/>
+              </a:ext>
+            </a:extLst>
+          </p:cNvPr>
+          <p:cNvSpPr txBox="1"/>
+          <p:nvPr/>
+        </p:nvSpPr>
+        <p:spPr>
+          <a:xfrm>
+            <a:off x="5558462" y="3299344"/>
+            <a:ext cx="560838" cy="276999"/>
+          </a:xfrm>
+          <a:prstGeom prst="rect">
+            <a:avLst/>
+          </a:prstGeom>
+          <a:noFill/>
+        </p:spPr>
+        <p:txBody>
+          <a:bodyPr wrap="square" rtlCol="0">
+            <a:spAutoFit/>
+          </a:bodyPr>
+          <a:lstStyle/>
+          <a:p>
+            <a:r>
+              <a:rPr lang="es-ES" sz="1200" dirty="0"/>
+              <a:t>Caso3</a:t>
+            </a:r>
+          </a:p>
+        </p:txBody>
+      </p:sp>
+      <p:sp>
+        <p:nvSpPr>
+          <p:cNvPr id="145" name="175 CuadroTexto">
+            <a:extLst>
+              <a:ext uri="{FF2B5EF4-FFF2-40B4-BE49-F238E27FC236}">
+                <a16:creationId xmlns:a16="http://schemas.microsoft.com/office/drawing/2014/main" id="{90A4D8B2-B06A-4247-B9AA-4F33655EF8E4}"/>
+              </a:ext>
+            </a:extLst>
+          </p:cNvPr>
+          <p:cNvSpPr txBox="1"/>
+          <p:nvPr/>
+        </p:nvSpPr>
+        <p:spPr>
+          <a:xfrm>
+            <a:off x="7671379" y="3284984"/>
+            <a:ext cx="560838" cy="276999"/>
+          </a:xfrm>
+          <a:prstGeom prst="rect">
+            <a:avLst/>
+          </a:prstGeom>
+          <a:noFill/>
+        </p:spPr>
+        <p:txBody>
+          <a:bodyPr wrap="square" rtlCol="0">
+            <a:spAutoFit/>
+          </a:bodyPr>
+          <a:lstStyle/>
+          <a:p>
+            <a:r>
+              <a:rPr lang="es-ES" sz="1200" dirty="0"/>
+              <a:t>Caso4</a:t>
+            </a:r>
+          </a:p>
+        </p:txBody>
+      </p:sp>
+      <p:cxnSp>
+        <p:nvCxnSpPr>
+          <p:cNvPr id="153" name="Conector recto 152">
+            <a:extLst>
+              <a:ext uri="{FF2B5EF4-FFF2-40B4-BE49-F238E27FC236}">
+                <a16:creationId xmlns:a16="http://schemas.microsoft.com/office/drawing/2014/main" id="{BEDEA13A-E2FC-4348-A26E-B9C601C5FCE1}"/>
+              </a:ext>
+            </a:extLst>
+          </p:cNvPr>
+          <p:cNvCxnSpPr>
+            <a:cxnSpLocks/>
+          </p:cNvCxnSpPr>
+          <p:nvPr/>
+        </p:nvCxnSpPr>
+        <p:spPr>
+          <a:xfrm>
+            <a:off x="6660232" y="3315989"/>
+            <a:ext cx="0" cy="1261906"/>
+          </a:xfrm>
+          <a:prstGeom prst="line">
+            <a:avLst/>
+          </a:prstGeom>
+        </p:spPr>
+        <p:style>
+          <a:lnRef idx="1">
+            <a:schemeClr val="accent1"/>
+          </a:lnRef>
+          <a:fillRef idx="0">
+            <a:schemeClr val="accent1"/>
+          </a:fillRef>
+          <a:effectRef idx="0">
+            <a:schemeClr val="accent1"/>
+          </a:effectRef>
+          <a:fontRef idx="minor">
+            <a:schemeClr val="tx1"/>
+          </a:fontRef>
+        </p:style>
+      </p:cxnSp>
+      <p:cxnSp>
+        <p:nvCxnSpPr>
+          <p:cNvPr id="159" name="Conector recto 158">
+            <a:extLst>
+              <a:ext uri="{FF2B5EF4-FFF2-40B4-BE49-F238E27FC236}">
+                <a16:creationId xmlns:a16="http://schemas.microsoft.com/office/drawing/2014/main" id="{969FFE8B-B4FB-428C-9EC6-12578292CC9F}"/>
+              </a:ext>
+            </a:extLst>
+          </p:cNvPr>
+          <p:cNvCxnSpPr>
+            <a:cxnSpLocks/>
+            <a:stCxn id="62" idx="2"/>
+          </p:cNvCxnSpPr>
+          <p:nvPr/>
+        </p:nvCxnSpPr>
+        <p:spPr>
+          <a:xfrm>
+            <a:off x="4371202" y="3172302"/>
+            <a:ext cx="0" cy="1449732"/>
+          </a:xfrm>
+          <a:prstGeom prst="line">
+            <a:avLst/>
+          </a:prstGeom>
+        </p:spPr>
+        <p:style>
+          <a:lnRef idx="1">
+            <a:schemeClr val="accent1"/>
+          </a:lnRef>
+          <a:fillRef idx="0">
+            <a:schemeClr val="accent1"/>
+          </a:fillRef>
+          <a:effectRef idx="0">
+            <a:schemeClr val="accent1"/>
+          </a:effectRef>
+          <a:fontRef idx="minor">
+            <a:schemeClr val="tx1"/>
+          </a:fontRef>
+        </p:style>
+      </p:cxnSp>
+      <p:cxnSp>
+        <p:nvCxnSpPr>
+          <p:cNvPr id="161" name="Conector: angular 160">
+            <a:extLst>
+              <a:ext uri="{FF2B5EF4-FFF2-40B4-BE49-F238E27FC236}">
+                <a16:creationId xmlns:a16="http://schemas.microsoft.com/office/drawing/2014/main" id="{DD4801D1-047F-4091-8A78-89EC28289D75}"/>
+              </a:ext>
+            </a:extLst>
+          </p:cNvPr>
+          <p:cNvCxnSpPr>
+            <a:cxnSpLocks/>
+          </p:cNvCxnSpPr>
+          <p:nvPr/>
+        </p:nvCxnSpPr>
+        <p:spPr>
+          <a:xfrm rot="10800000" flipV="1">
+            <a:off x="3465258" y="4622034"/>
+            <a:ext cx="905942" cy="154383"/>
+          </a:xfrm>
+          <a:prstGeom prst="bentConnector2">
+            <a:avLst/>
+          </a:prstGeom>
+          <a:ln>
+            <a:tailEnd type="triangle"/>
+          </a:ln>
+        </p:spPr>
+        <p:style>
+          <a:lnRef idx="1">
+            <a:schemeClr val="accent1"/>
+          </a:lnRef>
+          <a:fillRef idx="0">
+            <a:schemeClr val="accent1"/>
+          </a:fillRef>
+          <a:effectRef idx="0">
+            <a:schemeClr val="accent1"/>
+          </a:effectRef>
+          <a:fontRef idx="minor">
+            <a:schemeClr val="tx1"/>
+          </a:fontRef>
+        </p:style>
+      </p:cxnSp>
+      <p:cxnSp>
+        <p:nvCxnSpPr>
+          <p:cNvPr id="163" name="Conector: angular 162">
+            <a:extLst>
+              <a:ext uri="{FF2B5EF4-FFF2-40B4-BE49-F238E27FC236}">
+                <a16:creationId xmlns:a16="http://schemas.microsoft.com/office/drawing/2014/main" id="{0367ABA7-F358-42A9-9E91-9B4D78E25D5C}"/>
+              </a:ext>
+            </a:extLst>
+          </p:cNvPr>
+          <p:cNvCxnSpPr>
+            <a:cxnSpLocks/>
+            <a:endCxn id="110" idx="0"/>
+          </p:cNvCxnSpPr>
+          <p:nvPr/>
+        </p:nvCxnSpPr>
+        <p:spPr>
+          <a:xfrm>
+            <a:off x="4371201" y="4622500"/>
+            <a:ext cx="1548267" cy="174748"/>
+          </a:xfrm>
+          <a:prstGeom prst="bentConnector2">
+            <a:avLst/>
+          </a:prstGeom>
+          <a:ln>
+            <a:tailEnd type="triangle"/>
+          </a:ln>
+        </p:spPr>
+        <p:style>
+          <a:lnRef idx="1">
+            <a:schemeClr val="accent1"/>
+          </a:lnRef>
+          <a:fillRef idx="0">
+            <a:schemeClr val="accent1"/>
+          </a:fillRef>
+          <a:effectRef idx="0">
+            <a:schemeClr val="accent1"/>
+          </a:effectRef>
+          <a:fontRef idx="minor">
+            <a:schemeClr val="tx1"/>
+          </a:fontRef>
+        </p:style>
+      </p:cxnSp>
+      <p:cxnSp>
+        <p:nvCxnSpPr>
+          <p:cNvPr id="165" name="Conector: angular 164">
+            <a:extLst>
+              <a:ext uri="{FF2B5EF4-FFF2-40B4-BE49-F238E27FC236}">
+                <a16:creationId xmlns:a16="http://schemas.microsoft.com/office/drawing/2014/main" id="{B0C85432-13E5-4A77-A9DA-0880B48968CB}"/>
+              </a:ext>
+            </a:extLst>
+          </p:cNvPr>
+          <p:cNvCxnSpPr>
+            <a:cxnSpLocks/>
+          </p:cNvCxnSpPr>
+          <p:nvPr/>
+        </p:nvCxnSpPr>
+        <p:spPr>
+          <a:xfrm>
+            <a:off x="6660228" y="4577895"/>
+            <a:ext cx="1317851" cy="167275"/>
+          </a:xfrm>
+          <a:prstGeom prst="bentConnector2">
+            <a:avLst/>
+          </a:prstGeom>
+          <a:ln>
+            <a:tailEnd type="triangle"/>
+          </a:ln>
+        </p:spPr>
+        <p:style>
+          <a:lnRef idx="1">
+            <a:schemeClr val="accent1"/>
+          </a:lnRef>
+          <a:fillRef idx="0">
+            <a:schemeClr val="accent1"/>
+          </a:fillRef>
+          <a:effectRef idx="0">
+            <a:schemeClr val="accent1"/>
+          </a:effectRef>
+          <a:fontRef idx="minor">
+            <a:schemeClr val="tx1"/>
+          </a:fontRef>
+        </p:style>
+      </p:cxnSp>
+      <p:cxnSp>
+        <p:nvCxnSpPr>
+          <p:cNvPr id="174" name="Conector recto 173">
+            <a:extLst>
+              <a:ext uri="{FF2B5EF4-FFF2-40B4-BE49-F238E27FC236}">
+                <a16:creationId xmlns:a16="http://schemas.microsoft.com/office/drawing/2014/main" id="{929F73AF-486F-45E2-90CA-D013C574FBF3}"/>
+              </a:ext>
+            </a:extLst>
+          </p:cNvPr>
+          <p:cNvCxnSpPr>
+            <a:cxnSpLocks/>
+          </p:cNvCxnSpPr>
+          <p:nvPr/>
+        </p:nvCxnSpPr>
+        <p:spPr>
+          <a:xfrm>
+            <a:off x="2123728" y="3340612"/>
+            <a:ext cx="0" cy="1281888"/>
+          </a:xfrm>
+          <a:prstGeom prst="line">
+            <a:avLst/>
+          </a:prstGeom>
+        </p:spPr>
+        <p:style>
+          <a:lnRef idx="1">
+            <a:schemeClr val="accent1"/>
+          </a:lnRef>
+          <a:fillRef idx="0">
+            <a:schemeClr val="accent1"/>
+          </a:fillRef>
+          <a:effectRef idx="0">
+            <a:schemeClr val="accent1"/>
+          </a:effectRef>
+          <a:fontRef idx="minor">
+            <a:schemeClr val="tx1"/>
+          </a:fontRef>
+        </p:style>
+      </p:cxnSp>
+      <p:cxnSp>
+        <p:nvCxnSpPr>
+          <p:cNvPr id="177" name="Conector: angular 176">
+            <a:extLst>
+              <a:ext uri="{FF2B5EF4-FFF2-40B4-BE49-F238E27FC236}">
+                <a16:creationId xmlns:a16="http://schemas.microsoft.com/office/drawing/2014/main" id="{E5923340-1A82-4F17-81E5-AFEF9D6C686D}"/>
+              </a:ext>
+            </a:extLst>
+          </p:cNvPr>
+          <p:cNvCxnSpPr>
+            <a:endCxn id="101" idx="0"/>
+          </p:cNvCxnSpPr>
+          <p:nvPr/>
+        </p:nvCxnSpPr>
+        <p:spPr>
+          <a:xfrm rot="10800000" flipV="1">
+            <a:off x="1409762" y="4638135"/>
+            <a:ext cx="713966" cy="137162"/>
+          </a:xfrm>
+          <a:prstGeom prst="bentConnector2">
+            <a:avLst/>
+          </a:prstGeom>
+          <a:ln>
+            <a:tailEnd type="triangle"/>
+          </a:ln>
+        </p:spPr>
+        <p:style>
+          <a:lnRef idx="1">
+            <a:schemeClr val="accent1"/>
+          </a:lnRef>
+          <a:fillRef idx="0">
+            <a:schemeClr val="accent1"/>
+          </a:fillRef>
+          <a:effectRef idx="0">
+            <a:schemeClr val="accent1"/>
+          </a:effectRef>
+          <a:fontRef idx="minor">
+            <a:schemeClr val="tx1"/>
+          </a:fontRef>
+        </p:style>
+      </p:cxnSp>
+      <p:sp>
+        <p:nvSpPr>
+          <p:cNvPr id="194" name="175 CuadroTexto">
+            <a:extLst>
+              <a:ext uri="{FF2B5EF4-FFF2-40B4-BE49-F238E27FC236}">
+                <a16:creationId xmlns:a16="http://schemas.microsoft.com/office/drawing/2014/main" id="{7EC97272-B27C-41F9-91FE-493062A9291E}"/>
+              </a:ext>
+            </a:extLst>
+          </p:cNvPr>
+          <p:cNvSpPr txBox="1"/>
+          <p:nvPr/>
+        </p:nvSpPr>
+        <p:spPr>
+          <a:xfrm>
+            <a:off x="7958173" y="4514636"/>
+            <a:ext cx="862388" cy="276999"/>
+          </a:xfrm>
+          <a:prstGeom prst="rect">
+            <a:avLst/>
+          </a:prstGeom>
+          <a:noFill/>
+        </p:spPr>
+        <p:txBody>
+          <a:bodyPr wrap="square" rtlCol="0">
+            <a:spAutoFit/>
+          </a:bodyPr>
+          <a:lstStyle/>
+          <a:p>
+            <a:r>
+              <a:rPr lang="es-ES" sz="1200" dirty="0"/>
+              <a:t>Default</a:t>
+            </a:r>
+          </a:p>
+        </p:txBody>
+      </p:sp>
+      <p:sp>
+        <p:nvSpPr>
+          <p:cNvPr id="195" name="175 CuadroTexto">
+            <a:extLst>
+              <a:ext uri="{FF2B5EF4-FFF2-40B4-BE49-F238E27FC236}">
+                <a16:creationId xmlns:a16="http://schemas.microsoft.com/office/drawing/2014/main" id="{9213B773-9210-437D-B2A2-1B37A954D31F}"/>
+              </a:ext>
+            </a:extLst>
+          </p:cNvPr>
+          <p:cNvSpPr txBox="1"/>
+          <p:nvPr/>
+        </p:nvSpPr>
+        <p:spPr>
+          <a:xfrm>
+            <a:off x="5899562" y="4529642"/>
+            <a:ext cx="560838" cy="276999"/>
+          </a:xfrm>
+          <a:prstGeom prst="rect">
+            <a:avLst/>
+          </a:prstGeom>
+          <a:noFill/>
+        </p:spPr>
+        <p:txBody>
+          <a:bodyPr wrap="square" rtlCol="0">
+            <a:spAutoFit/>
+          </a:bodyPr>
+          <a:lstStyle/>
+          <a:p>
+            <a:r>
+              <a:rPr lang="es-ES" sz="1200" dirty="0"/>
+              <a:t>Caso7</a:t>
+            </a:r>
+          </a:p>
+        </p:txBody>
+      </p:sp>
+      <p:sp>
+        <p:nvSpPr>
+          <p:cNvPr id="196" name="175 CuadroTexto">
+            <a:extLst>
+              <a:ext uri="{FF2B5EF4-FFF2-40B4-BE49-F238E27FC236}">
+                <a16:creationId xmlns:a16="http://schemas.microsoft.com/office/drawing/2014/main" id="{E2BEB07C-4BCA-4F78-BB09-53757AA3B13C}"/>
+              </a:ext>
+            </a:extLst>
+          </p:cNvPr>
+          <p:cNvSpPr txBox="1"/>
+          <p:nvPr/>
+        </p:nvSpPr>
+        <p:spPr>
+          <a:xfrm>
+            <a:off x="2942660" y="4540454"/>
+            <a:ext cx="560838" cy="276999"/>
+          </a:xfrm>
+          <a:prstGeom prst="rect">
+            <a:avLst/>
+          </a:prstGeom>
+          <a:noFill/>
+        </p:spPr>
+        <p:txBody>
+          <a:bodyPr wrap="square" rtlCol="0">
+            <a:spAutoFit/>
+          </a:bodyPr>
+          <a:lstStyle/>
+          <a:p>
+            <a:r>
+              <a:rPr lang="es-ES" sz="1200" dirty="0"/>
+              <a:t>Caso6</a:t>
+            </a:r>
+          </a:p>
+        </p:txBody>
+      </p:sp>
+      <p:sp>
+        <p:nvSpPr>
+          <p:cNvPr id="197" name="175 CuadroTexto">
+            <a:extLst>
+              <a:ext uri="{FF2B5EF4-FFF2-40B4-BE49-F238E27FC236}">
+                <a16:creationId xmlns:a16="http://schemas.microsoft.com/office/drawing/2014/main" id="{C44F39B8-5149-42AF-82B3-7611B04BFF40}"/>
+              </a:ext>
+            </a:extLst>
+          </p:cNvPr>
+          <p:cNvSpPr txBox="1"/>
+          <p:nvPr/>
+        </p:nvSpPr>
+        <p:spPr>
+          <a:xfrm>
+            <a:off x="873005" y="4529641"/>
+            <a:ext cx="560838" cy="276999"/>
+          </a:xfrm>
+          <a:prstGeom prst="rect">
+            <a:avLst/>
+          </a:prstGeom>
+          <a:noFill/>
+        </p:spPr>
+        <p:txBody>
+          <a:bodyPr wrap="square" rtlCol="0">
+            <a:spAutoFit/>
+          </a:bodyPr>
+          <a:lstStyle/>
+          <a:p>
+            <a:r>
+              <a:rPr lang="es-ES" sz="1200" dirty="0"/>
+              <a:t>Caso5</a:t>
+            </a:r>
+          </a:p>
+        </p:txBody>
+      </p:sp>
+      <p:sp>
+        <p:nvSpPr>
+          <p:cNvPr id="201" name="31 Decisión">
+            <a:extLst>
+              <a:ext uri="{FF2B5EF4-FFF2-40B4-BE49-F238E27FC236}">
+                <a16:creationId xmlns:a16="http://schemas.microsoft.com/office/drawing/2014/main" id="{60ABF8F6-8F62-41B1-BC0D-48D486AF3059}"/>
+              </a:ext>
+            </a:extLst>
+          </p:cNvPr>
+          <p:cNvSpPr/>
+          <p:nvPr/>
+        </p:nvSpPr>
+        <p:spPr>
+          <a:xfrm>
+            <a:off x="3870825" y="5997155"/>
+            <a:ext cx="1257182" cy="651799"/>
+          </a:xfrm>
+          <a:prstGeom prst="flowChartDecision">
+            <a:avLst/>
+          </a:prstGeom>
+          <a:solidFill>
+            <a:srgbClr val="C96765"/>
+          </a:solidFill>
+          <a:ln>
+            <a:solidFill>
+              <a:srgbClr val="C00000"/>
+            </a:solidFill>
+          </a:ln>
+        </p:spPr>
+        <p:style>
+          <a:lnRef idx="2">
+            <a:schemeClr val="accent1">
+              <a:shade val="50000"/>
+            </a:schemeClr>
+          </a:lnRef>
+          <a:fillRef idx="1">
+            <a:schemeClr val="accent1"/>
+          </a:fillRef>
+          <a:effectRef idx="0">
+            <a:schemeClr val="accent1"/>
+          </a:effectRef>
+          <a:fontRef idx="minor">
+            <a:schemeClr val="lt1"/>
+          </a:fontRef>
+        </p:style>
+        <p:txBody>
+          <a:bodyPr rtlCol="0" anchor="ctr"/>
+          <a:lstStyle/>
+          <a:p>
+            <a:r>
+              <a:rPr lang="es-ES" sz="1250" dirty="0"/>
+              <a:t>estado</a:t>
+            </a:r>
+          </a:p>
+        </p:txBody>
+      </p:sp>
+      <p:cxnSp>
+        <p:nvCxnSpPr>
+          <p:cNvPr id="208" name="Conector: angular 207">
+            <a:extLst>
+              <a:ext uri="{FF2B5EF4-FFF2-40B4-BE49-F238E27FC236}">
+                <a16:creationId xmlns:a16="http://schemas.microsoft.com/office/drawing/2014/main" id="{3CCED7F7-0BE2-4735-823D-366C51321C0D}"/>
+              </a:ext>
+            </a:extLst>
+          </p:cNvPr>
+          <p:cNvCxnSpPr>
+            <a:cxnSpLocks/>
+            <a:stCxn id="103" idx="2"/>
+            <a:endCxn id="201" idx="1"/>
+          </p:cNvCxnSpPr>
+          <p:nvPr/>
+        </p:nvCxnSpPr>
+        <p:spPr>
+          <a:xfrm rot="16200000" flipH="1">
+            <a:off x="2298351" y="4750581"/>
+            <a:ext cx="683662" cy="2461286"/>
+          </a:xfrm>
+          <a:prstGeom prst="bentConnector2">
+            <a:avLst/>
+          </a:prstGeom>
+          <a:ln w="28575">
+            <a:solidFill>
+              <a:schemeClr val="accent2">
+                <a:lumMod val="60000"/>
+                <a:lumOff val="40000"/>
+              </a:schemeClr>
+            </a:solidFill>
+            <a:headEnd type="none" w="med" len="med"/>
+            <a:tailEnd type="none" w="med" len="med"/>
+          </a:ln>
+        </p:spPr>
+        <p:style>
+          <a:lnRef idx="2">
+            <a:schemeClr val="accent2"/>
+          </a:lnRef>
+          <a:fillRef idx="0">
+            <a:schemeClr val="accent2"/>
+          </a:fillRef>
+          <a:effectRef idx="1">
+            <a:schemeClr val="accent2"/>
+          </a:effectRef>
+          <a:fontRef idx="minor">
+            <a:schemeClr val="tx1"/>
+          </a:fontRef>
+        </p:style>
+      </p:cxnSp>
+      <p:cxnSp>
+        <p:nvCxnSpPr>
+          <p:cNvPr id="213" name="Conector: angular 212">
+            <a:extLst>
+              <a:ext uri="{FF2B5EF4-FFF2-40B4-BE49-F238E27FC236}">
+                <a16:creationId xmlns:a16="http://schemas.microsoft.com/office/drawing/2014/main" id="{3A1EEC49-9729-440D-AC8E-DC779DF16D36}"/>
+              </a:ext>
+            </a:extLst>
+          </p:cNvPr>
+          <p:cNvCxnSpPr>
+            <a:cxnSpLocks/>
+            <a:endCxn id="201" idx="1"/>
+          </p:cNvCxnSpPr>
+          <p:nvPr/>
+        </p:nvCxnSpPr>
+        <p:spPr>
+          <a:xfrm rot="16200000" flipH="1">
+            <a:off x="2230077" y="4682307"/>
+            <a:ext cx="1833350" cy="1448146"/>
+          </a:xfrm>
+          <a:prstGeom prst="bentConnector2">
+            <a:avLst/>
+          </a:prstGeom>
+          <a:ln w="28575">
+            <a:solidFill>
+              <a:schemeClr val="accent2">
+                <a:lumMod val="60000"/>
+                <a:lumOff val="40000"/>
+              </a:schemeClr>
+            </a:solidFill>
+            <a:headEnd type="none" w="med" len="med"/>
+            <a:tailEnd type="none" w="med" len="med"/>
+          </a:ln>
+        </p:spPr>
+        <p:style>
+          <a:lnRef idx="2">
+            <a:schemeClr val="accent2"/>
+          </a:lnRef>
+          <a:fillRef idx="0">
+            <a:schemeClr val="accent2"/>
+          </a:fillRef>
+          <a:effectRef idx="1">
+            <a:schemeClr val="accent2"/>
+          </a:effectRef>
+          <a:fontRef idx="minor">
+            <a:schemeClr val="tx1"/>
+          </a:fontRef>
+        </p:style>
+      </p:cxnSp>
+      <p:cxnSp>
+        <p:nvCxnSpPr>
+          <p:cNvPr id="217" name="Conector: angular 216">
+            <a:extLst>
+              <a:ext uri="{FF2B5EF4-FFF2-40B4-BE49-F238E27FC236}">
+                <a16:creationId xmlns:a16="http://schemas.microsoft.com/office/drawing/2014/main" id="{EE913D21-F63D-4BFD-8E0C-38C76A1778C5}"/>
+              </a:ext>
+            </a:extLst>
+          </p:cNvPr>
+          <p:cNvCxnSpPr>
+            <a:cxnSpLocks/>
+            <a:stCxn id="106" idx="2"/>
+            <a:endCxn id="201" idx="1"/>
+          </p:cNvCxnSpPr>
+          <p:nvPr/>
+        </p:nvCxnSpPr>
+        <p:spPr>
+          <a:xfrm rot="16200000" flipH="1">
+            <a:off x="3327010" y="5779239"/>
+            <a:ext cx="678521" cy="409109"/>
+          </a:xfrm>
+          <a:prstGeom prst="bentConnector2">
+            <a:avLst/>
+          </a:prstGeom>
+          <a:ln w="28575">
+            <a:solidFill>
+              <a:schemeClr val="accent2">
+                <a:lumMod val="60000"/>
+                <a:lumOff val="40000"/>
+              </a:schemeClr>
+            </a:solidFill>
+            <a:headEnd type="none" w="med" len="med"/>
+            <a:tailEnd type="none" w="med" len="med"/>
+          </a:ln>
+        </p:spPr>
+        <p:style>
+          <a:lnRef idx="2">
+            <a:schemeClr val="accent2"/>
+          </a:lnRef>
+          <a:fillRef idx="0">
+            <a:schemeClr val="accent2"/>
+          </a:fillRef>
+          <a:effectRef idx="1">
+            <a:schemeClr val="accent2"/>
+          </a:effectRef>
+          <a:fontRef idx="minor">
+            <a:schemeClr val="tx1"/>
+          </a:fontRef>
+        </p:style>
+      </p:cxnSp>
+      <p:cxnSp>
+        <p:nvCxnSpPr>
+          <p:cNvPr id="225" name="Conector: angular 224">
+            <a:extLst>
+              <a:ext uri="{FF2B5EF4-FFF2-40B4-BE49-F238E27FC236}">
+                <a16:creationId xmlns:a16="http://schemas.microsoft.com/office/drawing/2014/main" id="{26C94E2A-B364-4C3D-9FAB-423A671A6B52}"/>
+              </a:ext>
+            </a:extLst>
+          </p:cNvPr>
+          <p:cNvCxnSpPr>
+            <a:cxnSpLocks/>
+            <a:endCxn id="201" idx="3"/>
+          </p:cNvCxnSpPr>
+          <p:nvPr/>
+        </p:nvCxnSpPr>
+        <p:spPr>
+          <a:xfrm rot="10800000" flipV="1">
+            <a:off x="5128007" y="4471349"/>
+            <a:ext cx="1931306" cy="1851706"/>
+          </a:xfrm>
+          <a:prstGeom prst="bentConnector3">
+            <a:avLst>
+              <a:gd name="adj1" fmla="val 815"/>
+            </a:avLst>
+          </a:prstGeom>
+          <a:ln w="28575">
+            <a:solidFill>
+              <a:schemeClr val="accent2">
+                <a:lumMod val="60000"/>
+                <a:lumOff val="40000"/>
+              </a:schemeClr>
+            </a:solidFill>
+            <a:headEnd type="none" w="med" len="med"/>
+            <a:tailEnd type="none" w="med" len="med"/>
+          </a:ln>
+        </p:spPr>
+        <p:style>
+          <a:lnRef idx="2">
+            <a:schemeClr val="accent2"/>
+          </a:lnRef>
+          <a:fillRef idx="0">
+            <a:schemeClr val="accent2"/>
+          </a:fillRef>
+          <a:effectRef idx="1">
+            <a:schemeClr val="accent2"/>
+          </a:effectRef>
+          <a:fontRef idx="minor">
+            <a:schemeClr val="tx1"/>
+          </a:fontRef>
+        </p:style>
+      </p:cxnSp>
+      <p:cxnSp>
+        <p:nvCxnSpPr>
+          <p:cNvPr id="221" name="Conector: angular 220">
+            <a:extLst>
+              <a:ext uri="{FF2B5EF4-FFF2-40B4-BE49-F238E27FC236}">
+                <a16:creationId xmlns:a16="http://schemas.microsoft.com/office/drawing/2014/main" id="{2FDBD4DE-ADD6-4204-AD92-352107B849C3}"/>
+              </a:ext>
+            </a:extLst>
+          </p:cNvPr>
+          <p:cNvCxnSpPr>
+            <a:cxnSpLocks/>
+            <a:stCxn id="180" idx="2"/>
+            <a:endCxn id="201" idx="3"/>
+          </p:cNvCxnSpPr>
+          <p:nvPr/>
+        </p:nvCxnSpPr>
+        <p:spPr>
+          <a:xfrm rot="5400000">
+            <a:off x="6237100" y="4578507"/>
+            <a:ext cx="635455" cy="2853640"/>
+          </a:xfrm>
+          <a:prstGeom prst="bentConnector2">
+            <a:avLst/>
+          </a:prstGeom>
+          <a:ln w="28575">
+            <a:solidFill>
+              <a:schemeClr val="accent2">
+                <a:lumMod val="60000"/>
+                <a:lumOff val="40000"/>
+              </a:schemeClr>
+            </a:solidFill>
+            <a:headEnd type="none" w="med" len="med"/>
+            <a:tailEnd type="none" w="med" len="med"/>
+          </a:ln>
+        </p:spPr>
+        <p:style>
+          <a:lnRef idx="2">
+            <a:schemeClr val="accent2"/>
+          </a:lnRef>
+          <a:fillRef idx="0">
+            <a:schemeClr val="accent2"/>
+          </a:fillRef>
+          <a:effectRef idx="1">
+            <a:schemeClr val="accent2"/>
+          </a:effectRef>
+          <a:fontRef idx="minor">
+            <a:schemeClr val="tx1"/>
+          </a:fontRef>
+        </p:style>
+      </p:cxnSp>
+      <p:cxnSp>
+        <p:nvCxnSpPr>
+          <p:cNvPr id="230" name="Conector: angular 229">
+            <a:extLst>
+              <a:ext uri="{FF2B5EF4-FFF2-40B4-BE49-F238E27FC236}">
+                <a16:creationId xmlns:a16="http://schemas.microsoft.com/office/drawing/2014/main" id="{834A7EF9-B883-4BB3-9439-22DE9070DF06}"/>
+              </a:ext>
+            </a:extLst>
+          </p:cNvPr>
+          <p:cNvCxnSpPr>
+            <a:cxnSpLocks/>
+            <a:stCxn id="112" idx="2"/>
+            <a:endCxn id="201" idx="3"/>
+          </p:cNvCxnSpPr>
+          <p:nvPr/>
+        </p:nvCxnSpPr>
+        <p:spPr>
+          <a:xfrm rot="5400000">
+            <a:off x="5181907" y="5585494"/>
+            <a:ext cx="683662" cy="791461"/>
+          </a:xfrm>
+          <a:prstGeom prst="bentConnector2">
+            <a:avLst/>
+          </a:prstGeom>
+          <a:ln w="28575">
+            <a:solidFill>
+              <a:schemeClr val="accent2">
+                <a:lumMod val="60000"/>
+                <a:lumOff val="40000"/>
+              </a:schemeClr>
+            </a:solidFill>
+            <a:headEnd type="none" w="med" len="med"/>
+            <a:tailEnd type="none" w="med" len="med"/>
+          </a:ln>
+        </p:spPr>
+        <p:style>
+          <a:lnRef idx="2">
+            <a:schemeClr val="accent2"/>
+          </a:lnRef>
+          <a:fillRef idx="0">
+            <a:schemeClr val="accent2"/>
+          </a:fillRef>
+          <a:effectRef idx="1">
+            <a:schemeClr val="accent2"/>
+          </a:effectRef>
+          <a:fontRef idx="minor">
+            <a:schemeClr val="tx1"/>
+          </a:fontRef>
+        </p:style>
+      </p:cxnSp>
+      <p:cxnSp>
+        <p:nvCxnSpPr>
+          <p:cNvPr id="233" name="Conector: angular 232">
+            <a:extLst>
+              <a:ext uri="{FF2B5EF4-FFF2-40B4-BE49-F238E27FC236}">
+                <a16:creationId xmlns:a16="http://schemas.microsoft.com/office/drawing/2014/main" id="{CCEC9E3F-AF1C-45A1-89DA-96FDC46493EC}"/>
+              </a:ext>
+            </a:extLst>
+          </p:cNvPr>
+          <p:cNvCxnSpPr>
+            <a:cxnSpLocks/>
+            <a:endCxn id="201" idx="0"/>
+          </p:cNvCxnSpPr>
+          <p:nvPr/>
+        </p:nvCxnSpPr>
+        <p:spPr>
+          <a:xfrm rot="5400000">
+            <a:off x="3932120" y="5038646"/>
+            <a:ext cx="1525806" cy="391213"/>
+          </a:xfrm>
+          <a:prstGeom prst="bentConnector3">
+            <a:avLst>
+              <a:gd name="adj1" fmla="val 50000"/>
+            </a:avLst>
+          </a:prstGeom>
+          <a:ln w="28575">
+            <a:solidFill>
+              <a:schemeClr val="accent2">
+                <a:lumMod val="60000"/>
+                <a:lumOff val="40000"/>
+              </a:schemeClr>
+            </a:solidFill>
+            <a:headEnd type="none" w="med" len="med"/>
+            <a:tailEnd type="none" w="med" len="med"/>
+          </a:ln>
+        </p:spPr>
+        <p:style>
+          <a:lnRef idx="2">
+            <a:schemeClr val="accent2"/>
+          </a:lnRef>
+          <a:fillRef idx="0">
+            <a:schemeClr val="accent2"/>
+          </a:fillRef>
+          <a:effectRef idx="1">
+            <a:schemeClr val="accent2"/>
+          </a:effectRef>
+          <a:fontRef idx="minor">
+            <a:schemeClr val="tx1"/>
+          </a:fontRef>
+        </p:style>
+      </p:cxnSp>
+      <p:sp>
+        <p:nvSpPr>
+          <p:cNvPr id="97" name="7 Proceso">
+            <a:extLst>
+              <a:ext uri="{FF2B5EF4-FFF2-40B4-BE49-F238E27FC236}">
+                <a16:creationId xmlns:a16="http://schemas.microsoft.com/office/drawing/2014/main" id="{D9C2C512-290D-4D78-9155-BA2AC87C0AEE}"/>
+              </a:ext>
+            </a:extLst>
+          </p:cNvPr>
+          <p:cNvSpPr/>
+          <p:nvPr/>
+        </p:nvSpPr>
+        <p:spPr>
+          <a:xfrm>
+            <a:off x="6789489" y="4046212"/>
+            <a:ext cx="1763780" cy="432048"/>
+          </a:xfrm>
+          <a:prstGeom prst="flowChartProcess">
+            <a:avLst/>
+          </a:prstGeom>
+        </p:spPr>
+        <p:style>
+          <a:lnRef idx="2">
+            <a:schemeClr val="accent6">
+              <a:shade val="50000"/>
+            </a:schemeClr>
+          </a:lnRef>
+          <a:fillRef idx="1">
+            <a:schemeClr val="accent6"/>
+          </a:fillRef>
+          <a:effectRef idx="0">
+            <a:schemeClr val="accent6"/>
+          </a:effectRef>
+          <a:fontRef idx="minor">
+            <a:schemeClr val="lt1"/>
+          </a:fontRef>
+        </p:style>
+        <p:txBody>
+          <a:bodyPr rtlCol="0" anchor="ctr"/>
+          <a:lstStyle/>
+          <a:p>
+            <a:pPr algn="ctr"/>
+            <a:r>
+              <a:rPr lang="es-ES" sz="1400" dirty="0"/>
+              <a:t>Llama a la función (</a:t>
+            </a:r>
+            <a:r>
+              <a:rPr lang="es-ES" sz="1400" i="1" dirty="0" err="1"/>
+              <a:t>contadorGeneros</a:t>
+            </a:r>
+            <a:r>
+              <a:rPr lang="es-ES" sz="1400" dirty="0"/>
+              <a:t>)</a:t>
+            </a:r>
+          </a:p>
+        </p:txBody>
+      </p:sp>
+      <p:sp>
+        <p:nvSpPr>
+          <p:cNvPr id="89" name="7 Proceso">
+            <a:extLst>
+              <a:ext uri="{FF2B5EF4-FFF2-40B4-BE49-F238E27FC236}">
+                <a16:creationId xmlns:a16="http://schemas.microsoft.com/office/drawing/2014/main" id="{6141AEA9-5D4F-4044-BDE3-AC85958E0B8F}"/>
+              </a:ext>
+            </a:extLst>
+          </p:cNvPr>
+          <p:cNvSpPr/>
+          <p:nvPr/>
+        </p:nvSpPr>
+        <p:spPr>
+          <a:xfrm>
+            <a:off x="4708828" y="4051154"/>
+            <a:ext cx="1763780" cy="432048"/>
+          </a:xfrm>
+          <a:prstGeom prst="flowChartProcess">
+            <a:avLst/>
+          </a:prstGeom>
+        </p:spPr>
+        <p:style>
+          <a:lnRef idx="2">
+            <a:schemeClr val="accent6">
+              <a:shade val="50000"/>
+            </a:schemeClr>
+          </a:lnRef>
+          <a:fillRef idx="1">
+            <a:schemeClr val="accent6"/>
+          </a:fillRef>
+          <a:effectRef idx="0">
+            <a:schemeClr val="accent6"/>
+          </a:effectRef>
+          <a:fontRef idx="minor">
+            <a:schemeClr val="lt1"/>
+          </a:fontRef>
+        </p:style>
+        <p:txBody>
+          <a:bodyPr rtlCol="0" anchor="ctr"/>
+          <a:lstStyle/>
+          <a:p>
+            <a:pPr algn="ctr"/>
+            <a:r>
+              <a:rPr lang="es-ES" sz="1400" dirty="0"/>
+              <a:t>Llama a la función (</a:t>
+            </a:r>
+            <a:r>
+              <a:rPr lang="es-ES" sz="1400" i="1" dirty="0" err="1"/>
+              <a:t>valorarLibro</a:t>
+            </a:r>
+            <a:r>
+              <a:rPr lang="es-ES" sz="1400" dirty="0"/>
+              <a:t>)</a:t>
+            </a:r>
+          </a:p>
+        </p:txBody>
+      </p:sp>
+      <p:sp>
+        <p:nvSpPr>
+          <p:cNvPr id="85" name="7 Proceso">
+            <a:extLst>
+              <a:ext uri="{FF2B5EF4-FFF2-40B4-BE49-F238E27FC236}">
+                <a16:creationId xmlns:a16="http://schemas.microsoft.com/office/drawing/2014/main" id="{165D7C7B-01EC-4985-885D-131C8A170832}"/>
+              </a:ext>
+            </a:extLst>
+          </p:cNvPr>
+          <p:cNvSpPr/>
+          <p:nvPr/>
+        </p:nvSpPr>
+        <p:spPr>
+          <a:xfrm>
+            <a:off x="2246427" y="4051154"/>
+            <a:ext cx="1763780" cy="432048"/>
+          </a:xfrm>
+          <a:prstGeom prst="flowChartProcess">
+            <a:avLst/>
+          </a:prstGeom>
+        </p:spPr>
+        <p:style>
+          <a:lnRef idx="2">
+            <a:schemeClr val="accent6">
+              <a:shade val="50000"/>
+            </a:schemeClr>
+          </a:lnRef>
+          <a:fillRef idx="1">
+            <a:schemeClr val="accent6"/>
+          </a:fillRef>
+          <a:effectRef idx="0">
+            <a:schemeClr val="accent6"/>
+          </a:effectRef>
+          <a:fontRef idx="minor">
+            <a:schemeClr val="lt1"/>
+          </a:fontRef>
+        </p:style>
+        <p:txBody>
+          <a:bodyPr rtlCol="0" anchor="ctr"/>
+          <a:lstStyle/>
+          <a:p>
+            <a:pPr algn="ctr"/>
+            <a:r>
+              <a:rPr lang="es-ES" sz="1400" dirty="0"/>
+              <a:t>Llama a la función (</a:t>
+            </a:r>
+            <a:r>
+              <a:rPr lang="es-ES" sz="1400" i="1" dirty="0" err="1"/>
+              <a:t>verLibreria</a:t>
+            </a:r>
+            <a:r>
+              <a:rPr lang="es-ES" sz="1400" dirty="0"/>
+              <a:t>)</a:t>
+            </a:r>
+          </a:p>
+        </p:txBody>
+      </p:sp>
+      <p:sp>
+        <p:nvSpPr>
+          <p:cNvPr id="112" name="7 Proceso">
+            <a:extLst>
+              <a:ext uri="{FF2B5EF4-FFF2-40B4-BE49-F238E27FC236}">
+                <a16:creationId xmlns:a16="http://schemas.microsoft.com/office/drawing/2014/main" id="{0419C9B3-2D9A-424E-B857-49DAEF5AE7A4}"/>
+              </a:ext>
+            </a:extLst>
+          </p:cNvPr>
+          <p:cNvSpPr/>
+          <p:nvPr/>
+        </p:nvSpPr>
+        <p:spPr>
+          <a:xfrm>
+            <a:off x="5037578" y="5207345"/>
+            <a:ext cx="1763780" cy="432048"/>
+          </a:xfrm>
+          <a:prstGeom prst="flowChartProcess">
+            <a:avLst/>
+          </a:prstGeom>
+        </p:spPr>
+        <p:style>
+          <a:lnRef idx="2">
+            <a:schemeClr val="accent6">
+              <a:shade val="50000"/>
+            </a:schemeClr>
+          </a:lnRef>
+          <a:fillRef idx="1">
+            <a:schemeClr val="accent6"/>
+          </a:fillRef>
+          <a:effectRef idx="0">
+            <a:schemeClr val="accent6"/>
+          </a:effectRef>
+          <a:fontRef idx="minor">
+            <a:schemeClr val="lt1"/>
+          </a:fontRef>
+        </p:style>
+        <p:txBody>
+          <a:bodyPr rtlCol="0" anchor="ctr"/>
+          <a:lstStyle/>
+          <a:p>
+            <a:pPr algn="ctr"/>
+            <a:r>
+              <a:rPr lang="es-ES" sz="1400" dirty="0"/>
+              <a:t>Llama a la función (</a:t>
+            </a:r>
+            <a:r>
+              <a:rPr lang="es-ES" sz="1400" i="1" dirty="0"/>
+              <a:t>ordenar</a:t>
+            </a:r>
+            <a:r>
+              <a:rPr lang="es-ES" sz="1400" dirty="0"/>
+              <a:t>)</a:t>
+            </a:r>
+          </a:p>
+        </p:txBody>
+      </p:sp>
+      <p:sp>
+        <p:nvSpPr>
+          <p:cNvPr id="180" name="7 Proceso">
+            <a:extLst>
+              <a:ext uri="{FF2B5EF4-FFF2-40B4-BE49-F238E27FC236}">
+                <a16:creationId xmlns:a16="http://schemas.microsoft.com/office/drawing/2014/main" id="{531BEAA3-3C3E-4BF5-9113-6A39E592295B}"/>
+              </a:ext>
+            </a:extLst>
+          </p:cNvPr>
+          <p:cNvSpPr/>
+          <p:nvPr/>
+        </p:nvSpPr>
+        <p:spPr>
+          <a:xfrm>
+            <a:off x="7369579" y="5363225"/>
+            <a:ext cx="1224136" cy="324375"/>
+          </a:xfrm>
+          <a:prstGeom prst="flowChartProcess">
+            <a:avLst/>
+          </a:prstGeom>
+          <a:solidFill>
+            <a:srgbClr val="7CA1CE"/>
+          </a:solidFill>
+        </p:spPr>
+        <p:style>
+          <a:lnRef idx="2">
+            <a:schemeClr val="accent1">
+              <a:shade val="50000"/>
+            </a:schemeClr>
+          </a:lnRef>
+          <a:fillRef idx="1">
+            <a:schemeClr val="accent1"/>
+          </a:fillRef>
+          <a:effectRef idx="0">
+            <a:schemeClr val="accent1"/>
+          </a:effectRef>
+          <a:fontRef idx="minor">
+            <a:schemeClr val="lt1"/>
+          </a:fontRef>
+        </p:style>
+        <p:txBody>
+          <a:bodyPr rtlCol="0" anchor="ctr"/>
+          <a:lstStyle/>
+          <a:p>
+            <a:pPr algn="ctr"/>
+            <a:r>
+              <a:rPr lang="es-ES" sz="1400" dirty="0"/>
+              <a:t>estado= true</a:t>
+            </a:r>
+          </a:p>
+        </p:txBody>
+      </p:sp>
+      <p:sp>
+        <p:nvSpPr>
+          <p:cNvPr id="106" name="7 Proceso">
+            <a:extLst>
+              <a:ext uri="{FF2B5EF4-FFF2-40B4-BE49-F238E27FC236}">
+                <a16:creationId xmlns:a16="http://schemas.microsoft.com/office/drawing/2014/main" id="{41EB4011-33F4-452E-ABA0-6590081029DD}"/>
+              </a:ext>
+            </a:extLst>
+          </p:cNvPr>
+          <p:cNvSpPr/>
+          <p:nvPr/>
+        </p:nvSpPr>
+        <p:spPr>
+          <a:xfrm>
+            <a:off x="2579826" y="5212486"/>
+            <a:ext cx="1763780" cy="432048"/>
+          </a:xfrm>
+          <a:prstGeom prst="flowChartProcess">
+            <a:avLst/>
+          </a:prstGeom>
+        </p:spPr>
+        <p:style>
+          <a:lnRef idx="2">
+            <a:schemeClr val="accent6">
+              <a:shade val="50000"/>
+            </a:schemeClr>
+          </a:lnRef>
+          <a:fillRef idx="1">
+            <a:schemeClr val="accent6"/>
+          </a:fillRef>
+          <a:effectRef idx="0">
+            <a:schemeClr val="accent6"/>
+          </a:effectRef>
+          <a:fontRef idx="minor">
+            <a:schemeClr val="lt1"/>
+          </a:fontRef>
+        </p:style>
+        <p:txBody>
+          <a:bodyPr rtlCol="0" anchor="ctr"/>
+          <a:lstStyle/>
+          <a:p>
+            <a:pPr algn="ctr"/>
+            <a:r>
+              <a:rPr lang="es-ES" sz="1400" dirty="0"/>
+              <a:t>Llama a la función (</a:t>
+            </a:r>
+            <a:r>
+              <a:rPr lang="es-ES" sz="1400" i="1" dirty="0"/>
+              <a:t>descuento</a:t>
+            </a:r>
+            <a:r>
+              <a:rPr lang="es-ES" sz="1400" dirty="0"/>
+              <a:t>)</a:t>
+            </a:r>
+          </a:p>
+        </p:txBody>
+      </p:sp>
+      <p:sp>
+        <p:nvSpPr>
+          <p:cNvPr id="103" name="7 Proceso">
+            <a:extLst>
+              <a:ext uri="{FF2B5EF4-FFF2-40B4-BE49-F238E27FC236}">
+                <a16:creationId xmlns:a16="http://schemas.microsoft.com/office/drawing/2014/main" id="{94ED0AD6-104B-4116-9C12-FC84F9F8117B}"/>
+              </a:ext>
+            </a:extLst>
+          </p:cNvPr>
+          <p:cNvSpPr/>
+          <p:nvPr/>
+        </p:nvSpPr>
+        <p:spPr>
+          <a:xfrm>
+            <a:off x="527649" y="5207345"/>
+            <a:ext cx="1763780" cy="432048"/>
+          </a:xfrm>
+          <a:prstGeom prst="flowChartProcess">
+            <a:avLst/>
+          </a:prstGeom>
+        </p:spPr>
+        <p:style>
+          <a:lnRef idx="2">
+            <a:schemeClr val="accent6">
+              <a:shade val="50000"/>
+            </a:schemeClr>
+          </a:lnRef>
+          <a:fillRef idx="1">
+            <a:schemeClr val="accent6"/>
+          </a:fillRef>
+          <a:effectRef idx="0">
+            <a:schemeClr val="accent6"/>
+          </a:effectRef>
+          <a:fontRef idx="minor">
+            <a:schemeClr val="lt1"/>
+          </a:fontRef>
+        </p:style>
+        <p:txBody>
+          <a:bodyPr rtlCol="0" anchor="ctr"/>
+          <a:lstStyle/>
+          <a:p>
+            <a:pPr algn="ctr"/>
+            <a:r>
+              <a:rPr lang="es-ES" sz="1400" dirty="0"/>
+              <a:t>Llama a la función (</a:t>
+            </a:r>
+            <a:r>
+              <a:rPr lang="es-ES" sz="1400" i="1" dirty="0"/>
+              <a:t>horario</a:t>
+            </a:r>
+            <a:r>
+              <a:rPr lang="es-ES" sz="1400" dirty="0"/>
+              <a:t>)</a:t>
+            </a:r>
+          </a:p>
+        </p:txBody>
+      </p:sp>
+      <p:sp>
+        <p:nvSpPr>
+          <p:cNvPr id="238" name="62 Rectángulo">
+            <a:extLst>
+              <a:ext uri="{FF2B5EF4-FFF2-40B4-BE49-F238E27FC236}">
+                <a16:creationId xmlns:a16="http://schemas.microsoft.com/office/drawing/2014/main" id="{006F7448-7AD3-43FE-9042-62D8C150B769}"/>
+              </a:ext>
+            </a:extLst>
+          </p:cNvPr>
+          <p:cNvSpPr/>
+          <p:nvPr/>
+        </p:nvSpPr>
+        <p:spPr>
+          <a:xfrm>
+            <a:off x="459362" y="44624"/>
+            <a:ext cx="1848584" cy="769441"/>
+          </a:xfrm>
+          <a:prstGeom prst="rect">
+            <a:avLst/>
+          </a:prstGeom>
+          <a:noFill/>
+        </p:spPr>
+        <p:txBody>
+          <a:bodyPr wrap="none" lIns="91440" tIns="45720" rIns="91440" bIns="45720">
+            <a:spAutoFit/>
+          </a:bodyPr>
+          <a:lstStyle/>
+          <a:p>
+            <a:pPr algn="ctr"/>
+            <a:r>
+              <a:rPr lang="es-ES" sz="4400" b="1" cap="none" spc="0" dirty="0" err="1">
+                <a:ln w="17780" cmpd="sng">
+                  <a:solidFill>
+                    <a:srgbClr val="FFFFFF"/>
+                  </a:solidFill>
+                  <a:prstDash val="solid"/>
+                  <a:miter lim="800000"/>
+                </a:ln>
+                <a:gradFill rotWithShape="1">
+                  <a:gsLst>
+                    <a:gs pos="0">
+                      <a:srgbClr val="000000">
+                        <a:tint val="92000"/>
+                        <a:shade val="100000"/>
+                        <a:satMod val="150000"/>
+                      </a:srgbClr>
+                    </a:gs>
+                    <a:gs pos="49000">
+                      <a:srgbClr val="000000">
+                        <a:tint val="89000"/>
+                        <a:shade val="90000"/>
+                        <a:satMod val="150000"/>
+                      </a:srgbClr>
+                    </a:gs>
+                    <a:gs pos="50000">
+                      <a:srgbClr val="000000">
+                        <a:tint val="100000"/>
+                        <a:shade val="75000"/>
+                        <a:satMod val="150000"/>
+                      </a:srgbClr>
+                    </a:gs>
+                    <a:gs pos="95000">
+                      <a:srgbClr val="000000">
+                        <a:shade val="47000"/>
+                        <a:satMod val="150000"/>
+                      </a:srgbClr>
+                    </a:gs>
+                    <a:gs pos="100000">
+                      <a:srgbClr val="000000">
+                        <a:shade val="39000"/>
+                        <a:satMod val="150000"/>
+                      </a:srgbClr>
+                    </a:gs>
+                  </a:gsLst>
+                  <a:lin ang="5400000"/>
+                </a:gradFill>
+                <a:effectLst>
+                  <a:outerShdw blurRad="50800" algn="tl" rotWithShape="0">
+                    <a:srgbClr val="000000"/>
+                  </a:outerShdw>
+                </a:effectLst>
+              </a:rPr>
+              <a:t>Menu</a:t>
+            </a:r>
+            <a:r>
+              <a:rPr lang="es-ES" sz="4400" b="1" cap="none" spc="0" dirty="0">
+                <a:ln w="17780" cmpd="sng">
+                  <a:solidFill>
+                    <a:srgbClr val="FFFFFF"/>
+                  </a:solidFill>
+                  <a:prstDash val="solid"/>
+                  <a:miter lim="800000"/>
+                </a:ln>
+                <a:gradFill rotWithShape="1">
+                  <a:gsLst>
+                    <a:gs pos="0">
+                      <a:srgbClr val="000000">
+                        <a:tint val="92000"/>
+                        <a:shade val="100000"/>
+                        <a:satMod val="150000"/>
+                      </a:srgbClr>
+                    </a:gs>
+                    <a:gs pos="49000">
+                      <a:srgbClr val="000000">
+                        <a:tint val="89000"/>
+                        <a:shade val="90000"/>
+                        <a:satMod val="150000"/>
+                      </a:srgbClr>
+                    </a:gs>
+                    <a:gs pos="50000">
+                      <a:srgbClr val="000000">
+                        <a:tint val="100000"/>
+                        <a:shade val="75000"/>
+                        <a:satMod val="150000"/>
+                      </a:srgbClr>
+                    </a:gs>
+                    <a:gs pos="95000">
+                      <a:srgbClr val="000000">
+                        <a:shade val="47000"/>
+                        <a:satMod val="150000"/>
+                      </a:srgbClr>
+                    </a:gs>
+                    <a:gs pos="100000">
+                      <a:srgbClr val="000000">
+                        <a:shade val="39000"/>
+                        <a:satMod val="150000"/>
+                      </a:srgbClr>
+                    </a:gs>
+                  </a:gsLst>
+                  <a:lin ang="5400000"/>
+                </a:gradFill>
+                <a:effectLst>
+                  <a:outerShdw blurRad="50800" algn="tl" rotWithShape="0">
+                    <a:srgbClr val="000000"/>
+                  </a:outerShdw>
+                </a:effectLst>
+              </a:rPr>
+              <a:t>*</a:t>
+            </a:r>
+          </a:p>
+        </p:txBody>
+      </p:sp>
+    </p:spTree>
+    <p:extLst>
+      <p:ext uri="{BB962C8B-B14F-4D97-AF65-F5344CB8AC3E}">
+        <p14:creationId xmlns:p14="http://schemas.microsoft.com/office/powerpoint/2010/main" val="2834901707"/>
+      </p:ext>
+    </p:extLst>
+  </p:cSld>
+  <p:clrMapOvr>
+    <a:masterClrMapping/>
+  </p:clrMapOvr>
+</p:sld>
+</file>
+
+<file path=ppt/slides/slide2.xml><?xml version="1.0" encoding="utf-8"?>
+<p:sld xmlns:a="http://schemas.openxmlformats.org/drawingml/2006/main" xmlns:r="http://schemas.openxmlformats.org/officeDocument/2006/relationships" xmlns:p="http://schemas.openxmlformats.org/presentationml/2006/main">
+  <p:cSld>
+    <p:spTree>
+      <p:nvGrpSpPr>
+        <p:cNvPr id="1" name=""/>
+        <p:cNvGrpSpPr/>
+        <p:nvPr/>
+      </p:nvGrpSpPr>
+      <p:grpSpPr>
+        <a:xfrm>
+          <a:off x="0" y="0"/>
+          <a:ext cx="0" cy="0"/>
+          <a:chOff x="0" y="0"/>
+          <a:chExt cx="0" cy="0"/>
+        </a:xfrm>
+      </p:grpSpPr>
+      <p:sp>
+        <p:nvSpPr>
+          <p:cNvPr id="6" name="31 Decisión">
+            <a:extLst>
+              <a:ext uri="{FF2B5EF4-FFF2-40B4-BE49-F238E27FC236}">
+                <a16:creationId xmlns:a16="http://schemas.microsoft.com/office/drawing/2014/main" id="{B39432B3-D822-436D-995B-328980DA7E8E}"/>
+              </a:ext>
+            </a:extLst>
+          </p:cNvPr>
+          <p:cNvSpPr/>
+          <p:nvPr/>
+        </p:nvSpPr>
+        <p:spPr>
+          <a:xfrm>
+            <a:off x="4067944" y="5229200"/>
+            <a:ext cx="1008112" cy="576065"/>
+          </a:xfrm>
+          <a:prstGeom prst="flowChartDecision">
+            <a:avLst/>
+          </a:prstGeom>
+          <a:solidFill>
+            <a:srgbClr val="C96765"/>
+          </a:solidFill>
+          <a:ln>
+            <a:solidFill>
+              <a:srgbClr val="C00000"/>
+            </a:solidFill>
+          </a:ln>
+        </p:spPr>
+        <p:style>
+          <a:lnRef idx="2">
+            <a:schemeClr val="accent1">
+              <a:shade val="50000"/>
+            </a:schemeClr>
+          </a:lnRef>
+          <a:fillRef idx="1">
+            <a:schemeClr val="accent1"/>
+          </a:fillRef>
+          <a:effectRef idx="0">
+            <a:schemeClr val="accent1"/>
+          </a:effectRef>
+          <a:fontRef idx="minor">
+            <a:schemeClr val="lt1"/>
+          </a:fontRef>
+        </p:style>
+        <p:txBody>
+          <a:bodyPr rtlCol="0" anchor="ctr"/>
+          <a:lstStyle/>
+          <a:p>
+            <a:r>
+              <a:rPr lang="es-ES" sz="1250" dirty="0"/>
+              <a:t>estado</a:t>
+            </a:r>
+          </a:p>
+        </p:txBody>
+      </p:sp>
+      <p:sp>
+        <p:nvSpPr>
+          <p:cNvPr id="7" name="32 Preparación">
+            <a:extLst>
+              <a:ext uri="{FF2B5EF4-FFF2-40B4-BE49-F238E27FC236}">
+                <a16:creationId xmlns:a16="http://schemas.microsoft.com/office/drawing/2014/main" id="{F7165433-8FE5-4949-8C59-F6CC5B9E1D7F}"/>
+              </a:ext>
+            </a:extLst>
+          </p:cNvPr>
+          <p:cNvSpPr/>
+          <p:nvPr/>
+        </p:nvSpPr>
+        <p:spPr>
+          <a:xfrm>
+            <a:off x="3707904" y="2276872"/>
+            <a:ext cx="1512168" cy="576064"/>
+          </a:xfrm>
+          <a:prstGeom prst="flowChartPreparation">
+            <a:avLst/>
+          </a:prstGeom>
+          <a:solidFill>
+            <a:srgbClr val="B8CF8B"/>
+          </a:solidFill>
+          <a:ln>
+            <a:solidFill>
+              <a:schemeClr val="accent3">
+                <a:lumMod val="50000"/>
+              </a:schemeClr>
+            </a:solidFill>
+          </a:ln>
+        </p:spPr>
+        <p:style>
+          <a:lnRef idx="2">
+            <a:schemeClr val="accent1">
+              <a:shade val="50000"/>
+            </a:schemeClr>
+          </a:lnRef>
+          <a:fillRef idx="1">
+            <a:schemeClr val="accent1"/>
+          </a:fillRef>
+          <a:effectRef idx="0">
+            <a:schemeClr val="accent1"/>
+          </a:effectRef>
+          <a:fontRef idx="minor">
+            <a:schemeClr val="lt1"/>
+          </a:fontRef>
+        </p:style>
+        <p:txBody>
+          <a:bodyPr rtlCol="0" anchor="ctr"/>
+          <a:lstStyle/>
+          <a:p>
+            <a:pPr algn="ctr"/>
+            <a:r>
+              <a:rPr lang="es-ES" sz="1500" dirty="0"/>
+              <a:t>Entero  del Scanner</a:t>
+            </a:r>
+          </a:p>
+        </p:txBody>
+      </p:sp>
+      <p:pic>
+        <p:nvPicPr>
+          <p:cNvPr id="5" name="Imagen 4">
+            <a:extLst>
+              <a:ext uri="{FF2B5EF4-FFF2-40B4-BE49-F238E27FC236}">
+                <a16:creationId xmlns:a16="http://schemas.microsoft.com/office/drawing/2014/main" id="{C3061DD9-6080-4CAF-B4D2-C967C450D583}"/>
+              </a:ext>
+            </a:extLst>
+          </p:cNvPr>
+          <p:cNvPicPr>
+            <a:picLocks noChangeAspect="1"/>
+          </p:cNvPicPr>
+          <p:nvPr/>
+        </p:nvPicPr>
+        <p:blipFill rotWithShape="1">
+          <a:blip r:embed="rId2"/>
+          <a:srcRect t="1252"/>
+          <a:stretch/>
+        </p:blipFill>
+        <p:spPr>
+          <a:xfrm>
+            <a:off x="827584" y="260648"/>
+            <a:ext cx="7485148" cy="5681780"/>
+          </a:xfrm>
+          <a:prstGeom prst="rect">
+            <a:avLst/>
+          </a:prstGeom>
+        </p:spPr>
+      </p:pic>
+      <p:sp>
+        <p:nvSpPr>
+          <p:cNvPr id="12" name="3 Conector">
+            <a:extLst>
+              <a:ext uri="{FF2B5EF4-FFF2-40B4-BE49-F238E27FC236}">
+                <a16:creationId xmlns:a16="http://schemas.microsoft.com/office/drawing/2014/main" id="{80525C14-D4CA-42E5-8A39-D43F2D5CC5BB}"/>
+              </a:ext>
+            </a:extLst>
+          </p:cNvPr>
+          <p:cNvSpPr/>
+          <p:nvPr/>
+        </p:nvSpPr>
+        <p:spPr>
+          <a:xfrm>
+            <a:off x="4390138" y="6381328"/>
+            <a:ext cx="360040" cy="360040"/>
+          </a:xfrm>
+          <a:prstGeom prst="flowChartConnector">
+            <a:avLst/>
+          </a:prstGeom>
+          <a:solidFill>
+            <a:srgbClr val="F9B67F"/>
+          </a:solidFill>
+          <a:ln>
+            <a:solidFill>
+              <a:schemeClr val="accent6">
+                <a:lumMod val="50000"/>
+              </a:schemeClr>
+            </a:solidFill>
+          </a:ln>
+        </p:spPr>
+        <p:style>
+          <a:lnRef idx="2">
+            <a:schemeClr val="accent1">
+              <a:shade val="50000"/>
+            </a:schemeClr>
+          </a:lnRef>
+          <a:fillRef idx="1">
+            <a:schemeClr val="accent1"/>
+          </a:fillRef>
+          <a:effectRef idx="0">
+            <a:schemeClr val="accent1"/>
+          </a:effectRef>
+          <a:fontRef idx="minor">
+            <a:schemeClr val="lt1"/>
+          </a:fontRef>
+        </p:style>
+        <p:txBody>
+          <a:bodyPr rtlCol="0" anchor="ctr"/>
+          <a:lstStyle/>
+          <a:p>
+            <a:pPr algn="ctr"/>
+            <a:endParaRPr lang="es-ES"/>
+          </a:p>
+        </p:txBody>
+      </p:sp>
+      <p:cxnSp>
+        <p:nvCxnSpPr>
+          <p:cNvPr id="14" name="Conector recto de flecha 13">
+            <a:extLst>
+              <a:ext uri="{FF2B5EF4-FFF2-40B4-BE49-F238E27FC236}">
+                <a16:creationId xmlns:a16="http://schemas.microsoft.com/office/drawing/2014/main" id="{77F74748-C203-473A-96C6-A7FD9533BCB5}"/>
+              </a:ext>
+            </a:extLst>
+          </p:cNvPr>
+          <p:cNvCxnSpPr>
+            <a:stCxn id="6" idx="2"/>
+            <a:endCxn id="12" idx="0"/>
+          </p:cNvCxnSpPr>
+          <p:nvPr/>
+        </p:nvCxnSpPr>
+        <p:spPr>
+          <a:xfrm flipH="1">
+            <a:off x="4570158" y="5805265"/>
+            <a:ext cx="1842" cy="576063"/>
+          </a:xfrm>
+          <a:prstGeom prst="straightConnector1">
+            <a:avLst/>
+          </a:prstGeom>
+          <a:ln>
+            <a:tailEnd type="triangle"/>
+          </a:ln>
+        </p:spPr>
+        <p:style>
+          <a:lnRef idx="1">
+            <a:schemeClr val="accent1"/>
+          </a:lnRef>
+          <a:fillRef idx="0">
+            <a:schemeClr val="accent1"/>
+          </a:fillRef>
+          <a:effectRef idx="0">
+            <a:schemeClr val="accent1"/>
+          </a:effectRef>
+          <a:fontRef idx="minor">
+            <a:schemeClr val="tx1"/>
+          </a:fontRef>
+        </p:style>
+      </p:cxnSp>
+      <p:cxnSp>
+        <p:nvCxnSpPr>
+          <p:cNvPr id="9" name="Conector: angular 8">
+            <a:extLst>
+              <a:ext uri="{FF2B5EF4-FFF2-40B4-BE49-F238E27FC236}">
+                <a16:creationId xmlns:a16="http://schemas.microsoft.com/office/drawing/2014/main" id="{4CCBB884-A80C-45DD-9A38-BCA3CE440D95}"/>
+              </a:ext>
+            </a:extLst>
+          </p:cNvPr>
+          <p:cNvCxnSpPr>
+            <a:stCxn id="6" idx="2"/>
+            <a:endCxn id="7" idx="1"/>
+          </p:cNvCxnSpPr>
+          <p:nvPr/>
+        </p:nvCxnSpPr>
+        <p:spPr>
+          <a:xfrm rot="5400000" flipH="1">
+            <a:off x="2519771" y="3753037"/>
+            <a:ext cx="3240361" cy="864096"/>
+          </a:xfrm>
+          <a:prstGeom prst="bentConnector4">
+            <a:avLst>
+              <a:gd name="adj1" fmla="val -7055"/>
+              <a:gd name="adj2" fmla="val 443920"/>
+            </a:avLst>
+          </a:prstGeom>
+          <a:ln>
+            <a:tailEnd type="triangle"/>
+          </a:ln>
+        </p:spPr>
+        <p:style>
+          <a:lnRef idx="2">
+            <a:schemeClr val="dk1"/>
+          </a:lnRef>
+          <a:fillRef idx="0">
+            <a:schemeClr val="dk1"/>
+          </a:fillRef>
+          <a:effectRef idx="1">
+            <a:schemeClr val="dk1"/>
+          </a:effectRef>
+          <a:fontRef idx="minor">
+            <a:schemeClr val="tx1"/>
+          </a:fontRef>
+        </p:style>
+      </p:cxnSp>
+      <p:sp>
+        <p:nvSpPr>
+          <p:cNvPr id="17" name="175 CuadroTexto">
+            <a:extLst>
+              <a:ext uri="{FF2B5EF4-FFF2-40B4-BE49-F238E27FC236}">
+                <a16:creationId xmlns:a16="http://schemas.microsoft.com/office/drawing/2014/main" id="{EC925446-0228-46C8-8604-E0A11BF06C78}"/>
+              </a:ext>
+            </a:extLst>
+          </p:cNvPr>
+          <p:cNvSpPr txBox="1"/>
+          <p:nvPr/>
+        </p:nvSpPr>
+        <p:spPr>
+          <a:xfrm rot="16200000">
+            <a:off x="231222" y="4046585"/>
+            <a:ext cx="560838" cy="276999"/>
+          </a:xfrm>
+          <a:prstGeom prst="rect">
+            <a:avLst/>
+          </a:prstGeom>
+          <a:noFill/>
+        </p:spPr>
+        <p:txBody>
+          <a:bodyPr wrap="square" rtlCol="0">
+            <a:spAutoFit/>
+          </a:bodyPr>
+          <a:lstStyle/>
+          <a:p>
+            <a:r>
+              <a:rPr lang="es-ES" sz="1200" b="1" dirty="0"/>
+              <a:t>TRUE</a:t>
+            </a:r>
+          </a:p>
+        </p:txBody>
+      </p:sp>
+      <p:sp>
+        <p:nvSpPr>
+          <p:cNvPr id="18" name="175 CuadroTexto">
+            <a:extLst>
+              <a:ext uri="{FF2B5EF4-FFF2-40B4-BE49-F238E27FC236}">
+                <a16:creationId xmlns:a16="http://schemas.microsoft.com/office/drawing/2014/main" id="{EECBDCF9-9EEE-44F4-8939-B4AFBFD7C1BF}"/>
+              </a:ext>
+            </a:extLst>
+          </p:cNvPr>
+          <p:cNvSpPr txBox="1"/>
+          <p:nvPr/>
+        </p:nvSpPr>
+        <p:spPr>
+          <a:xfrm>
+            <a:off x="4515218" y="6033867"/>
+            <a:ext cx="560838" cy="276999"/>
+          </a:xfrm>
+          <a:prstGeom prst="rect">
+            <a:avLst/>
+          </a:prstGeom>
+          <a:noFill/>
+        </p:spPr>
+        <p:txBody>
+          <a:bodyPr wrap="square" rtlCol="0">
+            <a:spAutoFit/>
+          </a:bodyPr>
+          <a:lstStyle/>
+          <a:p>
+            <a:r>
+              <a:rPr lang="es-ES" sz="1200" dirty="0"/>
+              <a:t>FALSE</a:t>
+            </a:r>
+          </a:p>
+        </p:txBody>
+      </p:sp>
+      <p:sp>
+        <p:nvSpPr>
+          <p:cNvPr id="19" name="62 Rectángulo">
+            <a:extLst>
+              <a:ext uri="{FF2B5EF4-FFF2-40B4-BE49-F238E27FC236}">
+                <a16:creationId xmlns:a16="http://schemas.microsoft.com/office/drawing/2014/main" id="{7020EBE3-4327-40D5-B243-D11F97E3F170}"/>
+              </a:ext>
+            </a:extLst>
+          </p:cNvPr>
+          <p:cNvSpPr/>
+          <p:nvPr/>
+        </p:nvSpPr>
+        <p:spPr>
+          <a:xfrm>
+            <a:off x="511641" y="260648"/>
+            <a:ext cx="1532792" cy="769441"/>
+          </a:xfrm>
+          <a:prstGeom prst="rect">
+            <a:avLst/>
+          </a:prstGeom>
+          <a:noFill/>
+        </p:spPr>
+        <p:txBody>
+          <a:bodyPr wrap="none" lIns="91440" tIns="45720" rIns="91440" bIns="45720">
+            <a:spAutoFit/>
+          </a:bodyPr>
+          <a:lstStyle/>
+          <a:p>
+            <a:pPr algn="ctr"/>
+            <a:r>
+              <a:rPr lang="es-ES" sz="4400" b="1" cap="none" spc="0" dirty="0" err="1">
+                <a:ln w="17780" cmpd="sng">
+                  <a:solidFill>
+                    <a:srgbClr val="FFFFFF"/>
+                  </a:solidFill>
+                  <a:prstDash val="solid"/>
+                  <a:miter lim="800000"/>
+                </a:ln>
+                <a:gradFill rotWithShape="1">
+                  <a:gsLst>
+                    <a:gs pos="0">
+                      <a:srgbClr val="000000">
+                        <a:tint val="92000"/>
+                        <a:shade val="100000"/>
+                        <a:satMod val="150000"/>
+                      </a:srgbClr>
+                    </a:gs>
+                    <a:gs pos="49000">
+                      <a:srgbClr val="000000">
+                        <a:tint val="89000"/>
+                        <a:shade val="90000"/>
+                        <a:satMod val="150000"/>
+                      </a:srgbClr>
+                    </a:gs>
+                    <a:gs pos="50000">
+                      <a:srgbClr val="000000">
+                        <a:tint val="100000"/>
+                        <a:shade val="75000"/>
+                        <a:satMod val="150000"/>
+                      </a:srgbClr>
+                    </a:gs>
+                    <a:gs pos="95000">
+                      <a:srgbClr val="000000">
+                        <a:shade val="47000"/>
+                        <a:satMod val="150000"/>
+                      </a:srgbClr>
+                    </a:gs>
+                    <a:gs pos="100000">
+                      <a:srgbClr val="000000">
+                        <a:shade val="39000"/>
+                        <a:satMod val="150000"/>
+                      </a:srgbClr>
+                    </a:gs>
+                  </a:gsLst>
+                  <a:lin ang="5400000"/>
+                </a:gradFill>
+                <a:effectLst>
+                  <a:outerShdw blurRad="50800" algn="tl" rotWithShape="0">
+                    <a:srgbClr val="000000"/>
+                  </a:outerShdw>
+                </a:effectLst>
+              </a:rPr>
+              <a:t>menu</a:t>
+            </a:r>
+            <a:endParaRPr lang="es-ES" sz="4400" b="1" cap="none" spc="0" dirty="0">
+              <a:ln w="17780" cmpd="sng">
+                <a:solidFill>
+                  <a:srgbClr val="FFFFFF"/>
+                </a:solidFill>
+                <a:prstDash val="solid"/>
+                <a:miter lim="800000"/>
+              </a:ln>
+              <a:gradFill rotWithShape="1">
+                <a:gsLst>
+                  <a:gs pos="0">
+                    <a:srgbClr val="000000">
+                      <a:tint val="92000"/>
+                      <a:shade val="100000"/>
+                      <a:satMod val="150000"/>
+                    </a:srgbClr>
+                  </a:gs>
+                  <a:gs pos="49000">
+                    <a:srgbClr val="000000">
+                      <a:tint val="89000"/>
+                      <a:shade val="90000"/>
+                      <a:satMod val="150000"/>
+                    </a:srgbClr>
+                  </a:gs>
+                  <a:gs pos="50000">
+                    <a:srgbClr val="000000">
+                      <a:tint val="100000"/>
+                      <a:shade val="75000"/>
+                      <a:satMod val="150000"/>
+                    </a:srgbClr>
+                  </a:gs>
+                  <a:gs pos="95000">
+                    <a:srgbClr val="000000">
+                      <a:shade val="47000"/>
+                      <a:satMod val="150000"/>
+                    </a:srgbClr>
+                  </a:gs>
+                  <a:gs pos="100000">
+                    <a:srgbClr val="000000">
+                      <a:shade val="39000"/>
+                      <a:satMod val="150000"/>
+                    </a:srgbClr>
+                  </a:gs>
+                </a:gsLst>
+                <a:lin ang="5400000"/>
+              </a:gradFill>
+              <a:effectLst>
+                <a:outerShdw blurRad="50800" algn="tl" rotWithShape="0">
+                  <a:srgbClr val="000000"/>
+                </a:outerShdw>
+              </a:effectLst>
+            </a:endParaRPr>
+          </a:p>
+        </p:txBody>
+      </p:sp>
+    </p:spTree>
+    <p:extLst>
+      <p:ext uri="{BB962C8B-B14F-4D97-AF65-F5344CB8AC3E}">
+        <p14:creationId xmlns:p14="http://schemas.microsoft.com/office/powerpoint/2010/main" val="4062949135"/>
+      </p:ext>
+    </p:extLst>
+  </p:cSld>
+  <p:clrMapOvr>
+    <a:masterClrMapping/>
+  </p:clrMapOvr>
+</p:sld>
+</file>
+
+<file path=ppt/slides/slide3.xml><?xml version="1.0" encoding="utf-8"?>
+<p:sld xmlns:a="http://schemas.openxmlformats.org/drawingml/2006/main" xmlns:r="http://schemas.openxmlformats.org/officeDocument/2006/relationships" xmlns:p="http://schemas.openxmlformats.org/presentationml/2006/main">
+  <p:cSld>
     <p:bg>
       <p:bgPr>
         <a:solidFill>
@@ -3549,23 +7035,7 @@
             <a:pPr algn="ctr"/>
             <a:r>
               <a:rPr lang="es-ES" dirty="0"/>
-              <a:t>hora&gt;=0 y</a:t>
-            </a:r>
-            <a:r>
-              <a:rPr lang="es-ES" dirty="0" smtClean="0"/>
-              <a:t> hora&lt;24 y </a:t>
-            </a:r>
-            <a:r>
-              <a:rPr lang="es-ES" dirty="0"/>
-              <a:t>minutos&gt;=0 y</a:t>
-            </a:r>
-            <a:r>
-              <a:rPr lang="es-ES" dirty="0" smtClean="0"/>
-              <a:t> </a:t>
-            </a:r>
-            <a:r>
-              <a:rPr lang="es-ES" dirty="0"/>
-              <a:t>minutos&lt;60</a:t>
+              <a:t>hora&gt;=0 y hora&lt;24 y minutos&gt;=0 y minutos&lt;60</a:t>
             </a:r>
           </a:p>
         </p:txBody>
@@ -3690,10 +7160,9 @@
           <a:p>
             <a:pPr algn="ctr"/>
             <a:r>
-              <a:rPr lang="es-ES" dirty="0" smtClean="0"/>
+              <a:rPr lang="es-ES" dirty="0"/>
               <a:t>Devuelve “false”</a:t>
             </a:r>
-            <a:endParaRPr lang="es-ES" dirty="0"/>
           </a:p>
         </p:txBody>
       </p:sp>
@@ -3772,10 +7241,9 @@
           <a:p>
             <a:pPr algn="ctr"/>
             <a:r>
-              <a:rPr lang="es-ES" dirty="0" smtClean="0"/>
+              <a:rPr lang="es-ES" dirty="0"/>
               <a:t>Devuelve “true”</a:t>
             </a:r>
-            <a:endParaRPr lang="es-ES" dirty="0"/>
           </a:p>
         </p:txBody>
       </p:sp>
@@ -3819,10 +7287,9 @@
           <a:p>
             <a:pPr algn="ctr"/>
             <a:r>
-              <a:rPr lang="es-ES" dirty="0" smtClean="0"/>
+              <a:rPr lang="es-ES" dirty="0"/>
               <a:t>Escribe por pantalla “Error”</a:t>
             </a:r>
-            <a:endParaRPr lang="es-ES" dirty="0"/>
           </a:p>
         </p:txBody>
       </p:sp>
@@ -3999,10 +7466,9 @@
           <a:lstStyle/>
           <a:p>
             <a:r>
-              <a:rPr lang="es-ES" dirty="0" smtClean="0"/>
+              <a:rPr lang="es-ES" dirty="0"/>
               <a:t>Sí</a:t>
             </a:r>
-            <a:endParaRPr lang="es-ES" dirty="0"/>
           </a:p>
         </p:txBody>
       </p:sp>
@@ -4029,10 +7495,9 @@
           <a:lstStyle/>
           <a:p>
             <a:r>
-              <a:rPr lang="es-ES" dirty="0" smtClean="0"/>
+              <a:rPr lang="es-ES" dirty="0"/>
               <a:t>No</a:t>
             </a:r>
-            <a:endParaRPr lang="es-ES" dirty="0"/>
           </a:p>
         </p:txBody>
       </p:sp>
@@ -4092,7 +7557,7 @@
           <a:p>
             <a:pPr algn="ctr"/>
             <a:r>
-              <a:rPr lang="es-ES" sz="4400" b="1" cap="none" spc="0" dirty="0" err="1" smtClean="0">
+              <a:rPr lang="es-ES" sz="4400" b="1" cap="none" spc="0" dirty="0" err="1">
                 <a:ln w="17780" cmpd="sng">
                   <a:solidFill>
                     <a:srgbClr val="FFFFFF"/>
@@ -4209,7 +7674,7 @@
 </p:sld>
 </file>
 
-<file path=ppt/slides/slide2.xml><?xml version="1.0" encoding="utf-8"?>
+<file path=ppt/slides/slide4.xml><?xml version="1.0" encoding="utf-8"?>
 <p:sld xmlns:a="http://schemas.openxmlformats.org/drawingml/2006/main" xmlns:r="http://schemas.openxmlformats.org/officeDocument/2006/relationships" xmlns:p="http://schemas.openxmlformats.org/presentationml/2006/main">
   <p:cSld>
     <p:spTree>
@@ -4228,13 +7693,19 @@
       </p:grpSpPr>
       <p:sp>
         <p:nvSpPr>
-          <p:cNvPr id="4" name="3 Conector"/>
+          <p:cNvPr id="4" name="3 Conector">
+            <a:extLst>
+              <a:ext uri="{FF2B5EF4-FFF2-40B4-BE49-F238E27FC236}">
+                <a16:creationId xmlns:a16="http://schemas.microsoft.com/office/drawing/2014/main" id="{8049DCD1-86D9-4082-89C4-92ADC3B6F010}"/>
+              </a:ext>
+            </a:extLst>
+          </p:cNvPr>
           <p:cNvSpPr/>
           <p:nvPr/>
         </p:nvSpPr>
         <p:spPr>
           <a:xfrm>
-            <a:off x="5966647" y="116632"/>
+            <a:off x="4067944" y="116632"/>
             <a:ext cx="504056" cy="504056"/>
           </a:xfrm>
           <a:prstGeom prst="flowChartConnector">
@@ -4278,14 +7749,1115 @@
       </p:sp>
       <p:sp>
         <p:nvSpPr>
-          <p:cNvPr id="5" name="4 Conector"/>
+          <p:cNvPr id="5" name="5 Proceso">
+            <a:extLst>
+              <a:ext uri="{FF2B5EF4-FFF2-40B4-BE49-F238E27FC236}">
+                <a16:creationId xmlns:a16="http://schemas.microsoft.com/office/drawing/2014/main" id="{2BBD12E4-18CC-40ED-B8D8-689468FB42C2}"/>
+              </a:ext>
+            </a:extLst>
+          </p:cNvPr>
           <p:cNvSpPr/>
           <p:nvPr/>
         </p:nvSpPr>
         <p:spPr>
           <a:xfrm>
-            <a:off x="5940152" y="6165304"/>
-            <a:ext cx="576064" cy="576064"/>
+            <a:off x="3275856" y="764704"/>
+            <a:ext cx="2088232" cy="648072"/>
+          </a:xfrm>
+          <a:prstGeom prst="flowChartProcess">
+            <a:avLst/>
+          </a:prstGeom>
+          <a:solidFill>
+            <a:srgbClr val="7CA1CE"/>
+          </a:solidFill>
+        </p:spPr>
+        <p:style>
+          <a:lnRef idx="2">
+            <a:schemeClr val="accent1">
+              <a:shade val="50000"/>
+            </a:schemeClr>
+          </a:lnRef>
+          <a:fillRef idx="1">
+            <a:schemeClr val="accent1"/>
+          </a:fillRef>
+          <a:effectRef idx="0">
+            <a:schemeClr val="accent1"/>
+          </a:effectRef>
+          <a:fontRef idx="minor">
+            <a:schemeClr val="lt1"/>
+          </a:fontRef>
+        </p:style>
+        <p:txBody>
+          <a:bodyPr rtlCol="0" anchor="ctr"/>
+          <a:lstStyle/>
+          <a:p>
+            <a:pPr algn="ctr"/>
+            <a:r>
+              <a:rPr lang="es-ES" sz="1400" dirty="0"/>
+              <a:t>Declaro las variables “</a:t>
+            </a:r>
+            <a:r>
+              <a:rPr lang="es-ES" sz="1400" b="1" i="1" dirty="0"/>
+              <a:t>hora</a:t>
+            </a:r>
+            <a:r>
+              <a:rPr lang="es-ES" sz="1400" i="1" dirty="0"/>
+              <a:t>”  </a:t>
+            </a:r>
+            <a:r>
+              <a:rPr lang="es-ES" sz="1400" dirty="0"/>
+              <a:t>y “</a:t>
+            </a:r>
+            <a:r>
+              <a:rPr lang="es-ES" sz="1400" b="1" i="1" dirty="0"/>
+              <a:t>minutos</a:t>
+            </a:r>
+            <a:r>
+              <a:rPr lang="es-ES" sz="1400" i="1" dirty="0"/>
+              <a:t>” </a:t>
+            </a:r>
+            <a:r>
+              <a:rPr lang="es-ES" sz="1400" dirty="0"/>
+              <a:t>de tipo entero</a:t>
+            </a:r>
+          </a:p>
+        </p:txBody>
+      </p:sp>
+      <p:cxnSp>
+        <p:nvCxnSpPr>
+          <p:cNvPr id="6" name="8 Conector recto">
+            <a:extLst>
+              <a:ext uri="{FF2B5EF4-FFF2-40B4-BE49-F238E27FC236}">
+                <a16:creationId xmlns:a16="http://schemas.microsoft.com/office/drawing/2014/main" id="{727C0365-1DB0-4CF1-9D5F-F77116958828}"/>
+              </a:ext>
+            </a:extLst>
+          </p:cNvPr>
+          <p:cNvCxnSpPr>
+            <a:cxnSpLocks/>
+            <a:stCxn id="5" idx="0"/>
+            <a:endCxn id="4" idx="4"/>
+          </p:cNvCxnSpPr>
+          <p:nvPr/>
+        </p:nvCxnSpPr>
+        <p:spPr>
+          <a:xfrm flipV="1">
+            <a:off x="4319972" y="620688"/>
+            <a:ext cx="0" cy="144016"/>
+          </a:xfrm>
+          <a:prstGeom prst="line">
+            <a:avLst/>
+          </a:prstGeom>
+        </p:spPr>
+        <p:style>
+          <a:lnRef idx="1">
+            <a:schemeClr val="accent1"/>
+          </a:lnRef>
+          <a:fillRef idx="0">
+            <a:schemeClr val="accent1"/>
+          </a:fillRef>
+          <a:effectRef idx="0">
+            <a:schemeClr val="accent1"/>
+          </a:effectRef>
+          <a:fontRef idx="minor">
+            <a:schemeClr val="tx1"/>
+          </a:fontRef>
+        </p:style>
+      </p:cxnSp>
+      <p:sp>
+        <p:nvSpPr>
+          <p:cNvPr id="13" name="18 Proceso">
+            <a:extLst>
+              <a:ext uri="{FF2B5EF4-FFF2-40B4-BE49-F238E27FC236}">
+                <a16:creationId xmlns:a16="http://schemas.microsoft.com/office/drawing/2014/main" id="{0D9AFC99-BD23-40FB-BC07-88C2F939EBD9}"/>
+              </a:ext>
+            </a:extLst>
+          </p:cNvPr>
+          <p:cNvSpPr/>
+          <p:nvPr/>
+        </p:nvSpPr>
+        <p:spPr>
+          <a:xfrm>
+            <a:off x="3023828" y="2202641"/>
+            <a:ext cx="2592288" cy="200725"/>
+          </a:xfrm>
+          <a:prstGeom prst="flowChartProcess">
+            <a:avLst/>
+          </a:prstGeom>
+          <a:solidFill>
+            <a:srgbClr val="7CA1CE"/>
+          </a:solidFill>
+        </p:spPr>
+        <p:style>
+          <a:lnRef idx="2">
+            <a:schemeClr val="accent1">
+              <a:shade val="50000"/>
+            </a:schemeClr>
+          </a:lnRef>
+          <a:fillRef idx="1">
+            <a:schemeClr val="accent1"/>
+          </a:fillRef>
+          <a:effectRef idx="0">
+            <a:schemeClr val="accent1"/>
+          </a:effectRef>
+          <a:fontRef idx="minor">
+            <a:schemeClr val="lt1"/>
+          </a:fontRef>
+        </p:style>
+        <p:txBody>
+          <a:bodyPr rtlCol="0" anchor="ctr"/>
+          <a:lstStyle/>
+          <a:p>
+            <a:pPr algn="ctr"/>
+            <a:r>
+              <a:rPr lang="es-ES" sz="1400" b="1" i="1" dirty="0"/>
+              <a:t>hora</a:t>
+            </a:r>
+            <a:r>
+              <a:rPr lang="es-ES" sz="1400" dirty="0"/>
+              <a:t> se inicializa con un Scanner </a:t>
+            </a:r>
+          </a:p>
+        </p:txBody>
+      </p:sp>
+      <p:sp>
+        <p:nvSpPr>
+          <p:cNvPr id="15" name="18 Proceso">
+            <a:extLst>
+              <a:ext uri="{FF2B5EF4-FFF2-40B4-BE49-F238E27FC236}">
+                <a16:creationId xmlns:a16="http://schemas.microsoft.com/office/drawing/2014/main" id="{FC30BD99-85E6-4AB8-8921-21737CCAC8F2}"/>
+              </a:ext>
+            </a:extLst>
+          </p:cNvPr>
+          <p:cNvSpPr/>
+          <p:nvPr/>
+        </p:nvSpPr>
+        <p:spPr>
+          <a:xfrm>
+            <a:off x="3185846" y="1855176"/>
+            <a:ext cx="2268252" cy="231322"/>
+          </a:xfrm>
+          <a:prstGeom prst="flowChartProcess">
+            <a:avLst/>
+          </a:prstGeom>
+          <a:solidFill>
+            <a:srgbClr val="7CA1CE"/>
+          </a:solidFill>
+        </p:spPr>
+        <p:style>
+          <a:lnRef idx="2">
+            <a:schemeClr val="accent1">
+              <a:shade val="50000"/>
+            </a:schemeClr>
+          </a:lnRef>
+          <a:fillRef idx="1">
+            <a:schemeClr val="accent1"/>
+          </a:fillRef>
+          <a:effectRef idx="0">
+            <a:schemeClr val="accent1"/>
+          </a:effectRef>
+          <a:fontRef idx="minor">
+            <a:schemeClr val="lt1"/>
+          </a:fontRef>
+        </p:style>
+        <p:txBody>
+          <a:bodyPr rtlCol="0" anchor="ctr"/>
+          <a:lstStyle/>
+          <a:p>
+            <a:pPr algn="ctr"/>
+            <a:r>
+              <a:rPr lang="es-ES" sz="1400" dirty="0"/>
+              <a:t>Pide que introduzcan la hora</a:t>
+            </a:r>
+          </a:p>
+        </p:txBody>
+      </p:sp>
+      <p:cxnSp>
+        <p:nvCxnSpPr>
+          <p:cNvPr id="17" name="Conector recto de flecha 16">
+            <a:extLst>
+              <a:ext uri="{FF2B5EF4-FFF2-40B4-BE49-F238E27FC236}">
+                <a16:creationId xmlns:a16="http://schemas.microsoft.com/office/drawing/2014/main" id="{869B742F-E233-4CF7-9427-ACD67B2C9625}"/>
+              </a:ext>
+            </a:extLst>
+          </p:cNvPr>
+          <p:cNvCxnSpPr>
+            <a:cxnSpLocks/>
+            <a:stCxn id="5" idx="2"/>
+            <a:endCxn id="15" idx="0"/>
+          </p:cNvCxnSpPr>
+          <p:nvPr/>
+        </p:nvCxnSpPr>
+        <p:spPr>
+          <a:xfrm>
+            <a:off x="4319972" y="1412776"/>
+            <a:ext cx="0" cy="442400"/>
+          </a:xfrm>
+          <a:prstGeom prst="straightConnector1">
+            <a:avLst/>
+          </a:prstGeom>
+          <a:ln>
+            <a:tailEnd type="triangle"/>
+          </a:ln>
+        </p:spPr>
+        <p:style>
+          <a:lnRef idx="1">
+            <a:schemeClr val="accent1"/>
+          </a:lnRef>
+          <a:fillRef idx="0">
+            <a:schemeClr val="accent1"/>
+          </a:fillRef>
+          <a:effectRef idx="0">
+            <a:schemeClr val="accent1"/>
+          </a:effectRef>
+          <a:fontRef idx="minor">
+            <a:schemeClr val="tx1"/>
+          </a:fontRef>
+        </p:style>
+      </p:cxnSp>
+      <p:sp>
+        <p:nvSpPr>
+          <p:cNvPr id="21" name="18 Proceso">
+            <a:extLst>
+              <a:ext uri="{FF2B5EF4-FFF2-40B4-BE49-F238E27FC236}">
+                <a16:creationId xmlns:a16="http://schemas.microsoft.com/office/drawing/2014/main" id="{1D7EA22B-DF71-43C4-8CBB-B146BCAD8F5D}"/>
+              </a:ext>
+            </a:extLst>
+          </p:cNvPr>
+          <p:cNvSpPr/>
+          <p:nvPr/>
+        </p:nvSpPr>
+        <p:spPr>
+          <a:xfrm>
+            <a:off x="2885607" y="2864045"/>
+            <a:ext cx="2868729" cy="202692"/>
+          </a:xfrm>
+          <a:prstGeom prst="flowChartProcess">
+            <a:avLst/>
+          </a:prstGeom>
+          <a:solidFill>
+            <a:srgbClr val="7CA1CE"/>
+          </a:solidFill>
+        </p:spPr>
+        <p:style>
+          <a:lnRef idx="2">
+            <a:schemeClr val="accent1">
+              <a:shade val="50000"/>
+            </a:schemeClr>
+          </a:lnRef>
+          <a:fillRef idx="1">
+            <a:schemeClr val="accent1"/>
+          </a:fillRef>
+          <a:effectRef idx="0">
+            <a:schemeClr val="accent1"/>
+          </a:effectRef>
+          <a:fontRef idx="minor">
+            <a:schemeClr val="lt1"/>
+          </a:fontRef>
+        </p:style>
+        <p:txBody>
+          <a:bodyPr rtlCol="0" anchor="ctr"/>
+          <a:lstStyle/>
+          <a:p>
+            <a:pPr algn="ctr"/>
+            <a:r>
+              <a:rPr lang="es-ES" sz="1400" b="1" i="1" dirty="0"/>
+              <a:t>minutos</a:t>
+            </a:r>
+            <a:r>
+              <a:rPr lang="es-ES" sz="1400" dirty="0"/>
+              <a:t> se inicializa con un Scanner </a:t>
+            </a:r>
+          </a:p>
+        </p:txBody>
+      </p:sp>
+      <p:sp>
+        <p:nvSpPr>
+          <p:cNvPr id="22" name="18 Proceso">
+            <a:extLst>
+              <a:ext uri="{FF2B5EF4-FFF2-40B4-BE49-F238E27FC236}">
+                <a16:creationId xmlns:a16="http://schemas.microsoft.com/office/drawing/2014/main" id="{95C7C69D-CCC4-45A9-93FD-5B50DB27A23D}"/>
+              </a:ext>
+            </a:extLst>
+          </p:cNvPr>
+          <p:cNvSpPr/>
+          <p:nvPr/>
+        </p:nvSpPr>
+        <p:spPr>
+          <a:xfrm>
+            <a:off x="3005826" y="2522223"/>
+            <a:ext cx="2628292" cy="224929"/>
+          </a:xfrm>
+          <a:prstGeom prst="flowChartProcess">
+            <a:avLst/>
+          </a:prstGeom>
+          <a:solidFill>
+            <a:srgbClr val="7CA1CE"/>
+          </a:solidFill>
+        </p:spPr>
+        <p:style>
+          <a:lnRef idx="2">
+            <a:schemeClr val="accent1">
+              <a:shade val="50000"/>
+            </a:schemeClr>
+          </a:lnRef>
+          <a:fillRef idx="1">
+            <a:schemeClr val="accent1"/>
+          </a:fillRef>
+          <a:effectRef idx="0">
+            <a:schemeClr val="accent1"/>
+          </a:effectRef>
+          <a:fontRef idx="minor">
+            <a:schemeClr val="lt1"/>
+          </a:fontRef>
+        </p:style>
+        <p:txBody>
+          <a:bodyPr rtlCol="0" anchor="ctr"/>
+          <a:lstStyle/>
+          <a:p>
+            <a:pPr algn="ctr"/>
+            <a:r>
+              <a:rPr lang="es-ES" sz="1400" dirty="0"/>
+              <a:t>Pide que introduzcan los minutos</a:t>
+            </a:r>
+          </a:p>
+        </p:txBody>
+      </p:sp>
+      <p:cxnSp>
+        <p:nvCxnSpPr>
+          <p:cNvPr id="24" name="Conector recto 23">
+            <a:extLst>
+              <a:ext uri="{FF2B5EF4-FFF2-40B4-BE49-F238E27FC236}">
+                <a16:creationId xmlns:a16="http://schemas.microsoft.com/office/drawing/2014/main" id="{DFE5421C-5370-449A-ABD6-76DEF3ED39E2}"/>
+              </a:ext>
+            </a:extLst>
+          </p:cNvPr>
+          <p:cNvCxnSpPr>
+            <a:cxnSpLocks/>
+            <a:stCxn id="15" idx="2"/>
+            <a:endCxn id="13" idx="0"/>
+          </p:cNvCxnSpPr>
+          <p:nvPr/>
+        </p:nvCxnSpPr>
+        <p:spPr>
+          <a:xfrm>
+            <a:off x="4319972" y="2086498"/>
+            <a:ext cx="0" cy="116143"/>
+          </a:xfrm>
+          <a:prstGeom prst="line">
+            <a:avLst/>
+          </a:prstGeom>
+        </p:spPr>
+        <p:style>
+          <a:lnRef idx="1">
+            <a:schemeClr val="accent1"/>
+          </a:lnRef>
+          <a:fillRef idx="0">
+            <a:schemeClr val="accent1"/>
+          </a:fillRef>
+          <a:effectRef idx="0">
+            <a:schemeClr val="accent1"/>
+          </a:effectRef>
+          <a:fontRef idx="minor">
+            <a:schemeClr val="tx1"/>
+          </a:fontRef>
+        </p:style>
+      </p:cxnSp>
+      <p:cxnSp>
+        <p:nvCxnSpPr>
+          <p:cNvPr id="26" name="Conector recto 25">
+            <a:extLst>
+              <a:ext uri="{FF2B5EF4-FFF2-40B4-BE49-F238E27FC236}">
+                <a16:creationId xmlns:a16="http://schemas.microsoft.com/office/drawing/2014/main" id="{E259EBD5-9196-473B-AABA-23DA0D7E187F}"/>
+              </a:ext>
+            </a:extLst>
+          </p:cNvPr>
+          <p:cNvCxnSpPr>
+            <a:cxnSpLocks/>
+            <a:stCxn id="13" idx="2"/>
+            <a:endCxn id="22" idx="0"/>
+          </p:cNvCxnSpPr>
+          <p:nvPr/>
+        </p:nvCxnSpPr>
+        <p:spPr>
+          <a:xfrm>
+            <a:off x="4319972" y="2403366"/>
+            <a:ext cx="0" cy="118857"/>
+          </a:xfrm>
+          <a:prstGeom prst="line">
+            <a:avLst/>
+          </a:prstGeom>
+        </p:spPr>
+        <p:style>
+          <a:lnRef idx="1">
+            <a:schemeClr val="accent1"/>
+          </a:lnRef>
+          <a:fillRef idx="0">
+            <a:schemeClr val="accent1"/>
+          </a:fillRef>
+          <a:effectRef idx="0">
+            <a:schemeClr val="accent1"/>
+          </a:effectRef>
+          <a:fontRef idx="minor">
+            <a:schemeClr val="tx1"/>
+          </a:fontRef>
+        </p:style>
+      </p:cxnSp>
+      <p:cxnSp>
+        <p:nvCxnSpPr>
+          <p:cNvPr id="28" name="Conector recto 27">
+            <a:extLst>
+              <a:ext uri="{FF2B5EF4-FFF2-40B4-BE49-F238E27FC236}">
+                <a16:creationId xmlns:a16="http://schemas.microsoft.com/office/drawing/2014/main" id="{16AB5AC7-1B9C-4295-83F9-8DE8C24A5518}"/>
+              </a:ext>
+            </a:extLst>
+          </p:cNvPr>
+          <p:cNvCxnSpPr>
+            <a:cxnSpLocks/>
+            <a:stCxn id="22" idx="2"/>
+            <a:endCxn id="21" idx="0"/>
+          </p:cNvCxnSpPr>
+          <p:nvPr/>
+        </p:nvCxnSpPr>
+        <p:spPr>
+          <a:xfrm>
+            <a:off x="4319972" y="2747152"/>
+            <a:ext cx="0" cy="116893"/>
+          </a:xfrm>
+          <a:prstGeom prst="line">
+            <a:avLst/>
+          </a:prstGeom>
+        </p:spPr>
+        <p:style>
+          <a:lnRef idx="1">
+            <a:schemeClr val="accent1"/>
+          </a:lnRef>
+          <a:fillRef idx="0">
+            <a:schemeClr val="accent1"/>
+          </a:fillRef>
+          <a:effectRef idx="0">
+            <a:schemeClr val="accent1"/>
+          </a:effectRef>
+          <a:fontRef idx="minor">
+            <a:schemeClr val="tx1"/>
+          </a:fontRef>
+        </p:style>
+      </p:cxnSp>
+      <p:sp>
+        <p:nvSpPr>
+          <p:cNvPr id="47" name="31 Decisión">
+            <a:extLst>
+              <a:ext uri="{FF2B5EF4-FFF2-40B4-BE49-F238E27FC236}">
+                <a16:creationId xmlns:a16="http://schemas.microsoft.com/office/drawing/2014/main" id="{84D209CB-B32E-4707-B4A4-2FA9782EA58F}"/>
+              </a:ext>
+            </a:extLst>
+          </p:cNvPr>
+          <p:cNvSpPr/>
+          <p:nvPr/>
+        </p:nvSpPr>
+        <p:spPr>
+          <a:xfrm>
+            <a:off x="3059832" y="3278596"/>
+            <a:ext cx="2520280" cy="864096"/>
+          </a:xfrm>
+          <a:prstGeom prst="flowChartDecision">
+            <a:avLst/>
+          </a:prstGeom>
+          <a:solidFill>
+            <a:srgbClr val="C96765"/>
+          </a:solidFill>
+          <a:ln>
+            <a:solidFill>
+              <a:srgbClr val="C00000"/>
+            </a:solidFill>
+          </a:ln>
+        </p:spPr>
+        <p:style>
+          <a:lnRef idx="2">
+            <a:schemeClr val="accent1">
+              <a:shade val="50000"/>
+            </a:schemeClr>
+          </a:lnRef>
+          <a:fillRef idx="1">
+            <a:schemeClr val="accent1"/>
+          </a:fillRef>
+          <a:effectRef idx="0">
+            <a:schemeClr val="accent1"/>
+          </a:effectRef>
+          <a:fontRef idx="minor">
+            <a:schemeClr val="lt1"/>
+          </a:fontRef>
+        </p:style>
+        <p:txBody>
+          <a:bodyPr rtlCol="0" anchor="ctr"/>
+          <a:lstStyle/>
+          <a:p>
+            <a:r>
+              <a:rPr lang="es-ES" sz="1200" b="1" i="1" dirty="0" err="1">
+                <a:solidFill>
+                  <a:schemeClr val="accent6"/>
+                </a:solidFill>
+              </a:rPr>
+              <a:t>horaValida</a:t>
+            </a:r>
+            <a:r>
+              <a:rPr lang="es-ES" sz="1200" dirty="0"/>
+              <a:t>(</a:t>
+            </a:r>
+            <a:r>
+              <a:rPr lang="es-ES" sz="1200" dirty="0" err="1"/>
+              <a:t>hora,minutos</a:t>
+            </a:r>
+            <a:r>
+              <a:rPr lang="es-ES" sz="1200" dirty="0"/>
+              <a:t>)</a:t>
+            </a:r>
+          </a:p>
+        </p:txBody>
+      </p:sp>
+      <p:cxnSp>
+        <p:nvCxnSpPr>
+          <p:cNvPr id="49" name="Conector recto 48">
+            <a:extLst>
+              <a:ext uri="{FF2B5EF4-FFF2-40B4-BE49-F238E27FC236}">
+                <a16:creationId xmlns:a16="http://schemas.microsoft.com/office/drawing/2014/main" id="{3BCF3CC7-E684-4E99-9D1E-525AF1AFAAAC}"/>
+              </a:ext>
+            </a:extLst>
+          </p:cNvPr>
+          <p:cNvCxnSpPr>
+            <a:cxnSpLocks/>
+            <a:stCxn id="21" idx="2"/>
+            <a:endCxn id="47" idx="0"/>
+          </p:cNvCxnSpPr>
+          <p:nvPr/>
+        </p:nvCxnSpPr>
+        <p:spPr>
+          <a:xfrm>
+            <a:off x="4319972" y="3066737"/>
+            <a:ext cx="0" cy="211859"/>
+          </a:xfrm>
+          <a:prstGeom prst="line">
+            <a:avLst/>
+          </a:prstGeom>
+        </p:spPr>
+        <p:style>
+          <a:lnRef idx="1">
+            <a:schemeClr val="accent1"/>
+          </a:lnRef>
+          <a:fillRef idx="0">
+            <a:schemeClr val="accent1"/>
+          </a:fillRef>
+          <a:effectRef idx="0">
+            <a:schemeClr val="accent1"/>
+          </a:effectRef>
+          <a:fontRef idx="minor">
+            <a:schemeClr val="tx1"/>
+          </a:fontRef>
+        </p:style>
+      </p:cxnSp>
+      <p:cxnSp>
+        <p:nvCxnSpPr>
+          <p:cNvPr id="51" name="Conector: angular 50">
+            <a:extLst>
+              <a:ext uri="{FF2B5EF4-FFF2-40B4-BE49-F238E27FC236}">
+                <a16:creationId xmlns:a16="http://schemas.microsoft.com/office/drawing/2014/main" id="{FDEB2ED1-6A43-4AC5-85BF-95478641B8FA}"/>
+              </a:ext>
+            </a:extLst>
+          </p:cNvPr>
+          <p:cNvCxnSpPr>
+            <a:cxnSpLocks/>
+            <a:stCxn id="47" idx="1"/>
+          </p:cNvCxnSpPr>
+          <p:nvPr/>
+        </p:nvCxnSpPr>
+        <p:spPr>
+          <a:xfrm rot="10800000" flipH="1">
+            <a:off x="3059831" y="1624636"/>
+            <a:ext cx="1260139" cy="2086009"/>
+          </a:xfrm>
+          <a:prstGeom prst="bentConnector4">
+            <a:avLst>
+              <a:gd name="adj1" fmla="val -27300"/>
+              <a:gd name="adj2" fmla="val 99935"/>
+            </a:avLst>
+          </a:prstGeom>
+          <a:ln>
+            <a:tailEnd type="triangle"/>
+          </a:ln>
+        </p:spPr>
+        <p:style>
+          <a:lnRef idx="1">
+            <a:schemeClr val="accent1"/>
+          </a:lnRef>
+          <a:fillRef idx="0">
+            <a:schemeClr val="accent1"/>
+          </a:fillRef>
+          <a:effectRef idx="0">
+            <a:schemeClr val="accent1"/>
+          </a:effectRef>
+          <a:fontRef idx="minor">
+            <a:schemeClr val="tx1"/>
+          </a:fontRef>
+        </p:style>
+      </p:cxnSp>
+      <p:sp>
+        <p:nvSpPr>
+          <p:cNvPr id="59" name="175 CuadroTexto">
+            <a:extLst>
+              <a:ext uri="{FF2B5EF4-FFF2-40B4-BE49-F238E27FC236}">
+                <a16:creationId xmlns:a16="http://schemas.microsoft.com/office/drawing/2014/main" id="{BC2594B3-3F59-49AD-AFD2-E62B011BD1A6}"/>
+              </a:ext>
+            </a:extLst>
+          </p:cNvPr>
+          <p:cNvSpPr txBox="1"/>
+          <p:nvPr/>
+        </p:nvSpPr>
+        <p:spPr>
+          <a:xfrm rot="16200000">
+            <a:off x="2321031" y="2529141"/>
+            <a:ext cx="560838" cy="276999"/>
+          </a:xfrm>
+          <a:prstGeom prst="rect">
+            <a:avLst/>
+          </a:prstGeom>
+          <a:noFill/>
+        </p:spPr>
+        <p:txBody>
+          <a:bodyPr wrap="square" rtlCol="0">
+            <a:spAutoFit/>
+          </a:bodyPr>
+          <a:lstStyle/>
+          <a:p>
+            <a:r>
+              <a:rPr lang="es-ES" sz="1200" dirty="0"/>
+              <a:t>TRUE</a:t>
+            </a:r>
+          </a:p>
+        </p:txBody>
+      </p:sp>
+      <p:sp>
+        <p:nvSpPr>
+          <p:cNvPr id="60" name="3 Decisión">
+            <a:extLst>
+              <a:ext uri="{FF2B5EF4-FFF2-40B4-BE49-F238E27FC236}">
+                <a16:creationId xmlns:a16="http://schemas.microsoft.com/office/drawing/2014/main" id="{0D6AE52A-7768-4E3E-BF3C-8EAE68926978}"/>
+              </a:ext>
+            </a:extLst>
+          </p:cNvPr>
+          <p:cNvSpPr/>
+          <p:nvPr/>
+        </p:nvSpPr>
+        <p:spPr>
+          <a:xfrm>
+            <a:off x="3092754" y="4464546"/>
+            <a:ext cx="2454436" cy="1089507"/>
+          </a:xfrm>
+          <a:prstGeom prst="flowChartDecision">
+            <a:avLst/>
+          </a:prstGeom>
+          <a:solidFill>
+            <a:srgbClr val="C96765"/>
+          </a:solidFill>
+          <a:ln>
+            <a:solidFill>
+              <a:srgbClr val="C00000"/>
+            </a:solidFill>
+          </a:ln>
+        </p:spPr>
+        <p:style>
+          <a:lnRef idx="2">
+            <a:schemeClr val="accent1">
+              <a:shade val="50000"/>
+            </a:schemeClr>
+          </a:lnRef>
+          <a:fillRef idx="1">
+            <a:schemeClr val="accent1"/>
+          </a:fillRef>
+          <a:effectRef idx="0">
+            <a:schemeClr val="accent1"/>
+          </a:effectRef>
+          <a:fontRef idx="minor">
+            <a:schemeClr val="lt1"/>
+          </a:fontRef>
+        </p:style>
+        <p:txBody>
+          <a:bodyPr rtlCol="0" anchor="ctr"/>
+          <a:lstStyle/>
+          <a:p>
+            <a:pPr algn="ctr"/>
+            <a:r>
+              <a:rPr lang="es-ES" sz="1200" b="1" i="1" dirty="0" err="1">
+                <a:solidFill>
+                  <a:schemeClr val="accent6"/>
+                </a:solidFill>
+              </a:rPr>
+              <a:t>horarioApertura</a:t>
+            </a:r>
+            <a:r>
+              <a:rPr lang="es-ES" sz="1200" dirty="0"/>
+              <a:t>(</a:t>
+            </a:r>
+            <a:r>
+              <a:rPr lang="es-ES" sz="1200" dirty="0" err="1"/>
+              <a:t>hora,minutos</a:t>
+            </a:r>
+            <a:r>
+              <a:rPr lang="es-ES" sz="1200" dirty="0"/>
+              <a:t>)</a:t>
+            </a:r>
+          </a:p>
+        </p:txBody>
+      </p:sp>
+      <p:cxnSp>
+        <p:nvCxnSpPr>
+          <p:cNvPr id="62" name="Conector recto de flecha 61">
+            <a:extLst>
+              <a:ext uri="{FF2B5EF4-FFF2-40B4-BE49-F238E27FC236}">
+                <a16:creationId xmlns:a16="http://schemas.microsoft.com/office/drawing/2014/main" id="{9247AC1A-8D28-42F0-8743-B9D6438D4548}"/>
+              </a:ext>
+            </a:extLst>
+          </p:cNvPr>
+          <p:cNvCxnSpPr>
+            <a:stCxn id="47" idx="2"/>
+            <a:endCxn id="60" idx="0"/>
+          </p:cNvCxnSpPr>
+          <p:nvPr/>
+        </p:nvCxnSpPr>
+        <p:spPr>
+          <a:xfrm>
+            <a:off x="4319972" y="4142692"/>
+            <a:ext cx="0" cy="321854"/>
+          </a:xfrm>
+          <a:prstGeom prst="straightConnector1">
+            <a:avLst/>
+          </a:prstGeom>
+          <a:ln>
+            <a:tailEnd type="triangle"/>
+          </a:ln>
+        </p:spPr>
+        <p:style>
+          <a:lnRef idx="1">
+            <a:schemeClr val="accent1"/>
+          </a:lnRef>
+          <a:fillRef idx="0">
+            <a:schemeClr val="accent1"/>
+          </a:fillRef>
+          <a:effectRef idx="0">
+            <a:schemeClr val="accent1"/>
+          </a:effectRef>
+          <a:fontRef idx="minor">
+            <a:schemeClr val="tx1"/>
+          </a:fontRef>
+        </p:style>
+      </p:cxnSp>
+      <p:sp>
+        <p:nvSpPr>
+          <p:cNvPr id="93" name="18 Proceso">
+            <a:extLst>
+              <a:ext uri="{FF2B5EF4-FFF2-40B4-BE49-F238E27FC236}">
+                <a16:creationId xmlns:a16="http://schemas.microsoft.com/office/drawing/2014/main" id="{3BE4695E-1724-46F9-9FD1-29252B02A361}"/>
+              </a:ext>
+            </a:extLst>
+          </p:cNvPr>
+          <p:cNvSpPr/>
+          <p:nvPr/>
+        </p:nvSpPr>
+        <p:spPr>
+          <a:xfrm>
+            <a:off x="6084168" y="4893638"/>
+            <a:ext cx="2268252" cy="231322"/>
+          </a:xfrm>
+          <a:prstGeom prst="flowChartProcess">
+            <a:avLst/>
+          </a:prstGeom>
+          <a:solidFill>
+            <a:srgbClr val="7CA1CE"/>
+          </a:solidFill>
+        </p:spPr>
+        <p:style>
+          <a:lnRef idx="2">
+            <a:schemeClr val="accent1">
+              <a:shade val="50000"/>
+            </a:schemeClr>
+          </a:lnRef>
+          <a:fillRef idx="1">
+            <a:schemeClr val="accent1"/>
+          </a:fillRef>
+          <a:effectRef idx="0">
+            <a:schemeClr val="accent1"/>
+          </a:effectRef>
+          <a:fontRef idx="minor">
+            <a:schemeClr val="lt1"/>
+          </a:fontRef>
+        </p:style>
+        <p:txBody>
+          <a:bodyPr rtlCol="0" anchor="ctr"/>
+          <a:lstStyle/>
+          <a:p>
+            <a:pPr algn="ctr"/>
+            <a:r>
+              <a:rPr lang="es-ES" sz="1400" dirty="0"/>
+              <a:t>Le dice que está abierta</a:t>
+            </a:r>
+          </a:p>
+        </p:txBody>
+      </p:sp>
+      <p:sp>
+        <p:nvSpPr>
+          <p:cNvPr id="94" name="18 Proceso">
+            <a:extLst>
+              <a:ext uri="{FF2B5EF4-FFF2-40B4-BE49-F238E27FC236}">
+                <a16:creationId xmlns:a16="http://schemas.microsoft.com/office/drawing/2014/main" id="{39AAB048-B9D7-4BA2-BAF4-F66EFD655665}"/>
+              </a:ext>
+            </a:extLst>
+          </p:cNvPr>
+          <p:cNvSpPr/>
+          <p:nvPr/>
+        </p:nvSpPr>
+        <p:spPr>
+          <a:xfrm>
+            <a:off x="3185844" y="5949280"/>
+            <a:ext cx="2268252" cy="231322"/>
+          </a:xfrm>
+          <a:prstGeom prst="flowChartProcess">
+            <a:avLst/>
+          </a:prstGeom>
+          <a:solidFill>
+            <a:srgbClr val="7CA1CE"/>
+          </a:solidFill>
+        </p:spPr>
+        <p:style>
+          <a:lnRef idx="2">
+            <a:schemeClr val="accent1">
+              <a:shade val="50000"/>
+            </a:schemeClr>
+          </a:lnRef>
+          <a:fillRef idx="1">
+            <a:schemeClr val="accent1"/>
+          </a:fillRef>
+          <a:effectRef idx="0">
+            <a:schemeClr val="accent1"/>
+          </a:effectRef>
+          <a:fontRef idx="minor">
+            <a:schemeClr val="lt1"/>
+          </a:fontRef>
+        </p:style>
+        <p:txBody>
+          <a:bodyPr rtlCol="0" anchor="ctr"/>
+          <a:lstStyle/>
+          <a:p>
+            <a:pPr algn="ctr"/>
+            <a:r>
+              <a:rPr lang="es-ES" sz="1400" dirty="0"/>
+              <a:t>Le dice que está cerrada</a:t>
+            </a:r>
+          </a:p>
+        </p:txBody>
+      </p:sp>
+      <p:cxnSp>
+        <p:nvCxnSpPr>
+          <p:cNvPr id="96" name="Conector recto de flecha 95">
+            <a:extLst>
+              <a:ext uri="{FF2B5EF4-FFF2-40B4-BE49-F238E27FC236}">
+                <a16:creationId xmlns:a16="http://schemas.microsoft.com/office/drawing/2014/main" id="{FEE1C5C9-7A95-46E6-8F97-F21E09C03793}"/>
+              </a:ext>
+            </a:extLst>
+          </p:cNvPr>
+          <p:cNvCxnSpPr>
+            <a:stCxn id="60" idx="3"/>
+            <a:endCxn id="93" idx="1"/>
+          </p:cNvCxnSpPr>
+          <p:nvPr/>
+        </p:nvCxnSpPr>
+        <p:spPr>
+          <a:xfrm flipV="1">
+            <a:off x="5547190" y="5009299"/>
+            <a:ext cx="536978" cy="1"/>
+          </a:xfrm>
+          <a:prstGeom prst="straightConnector1">
+            <a:avLst/>
+          </a:prstGeom>
+          <a:ln>
+            <a:tailEnd type="triangle"/>
+          </a:ln>
+        </p:spPr>
+        <p:style>
+          <a:lnRef idx="1">
+            <a:schemeClr val="accent1"/>
+          </a:lnRef>
+          <a:fillRef idx="0">
+            <a:schemeClr val="accent1"/>
+          </a:fillRef>
+          <a:effectRef idx="0">
+            <a:schemeClr val="accent1"/>
+          </a:effectRef>
+          <a:fontRef idx="minor">
+            <a:schemeClr val="tx1"/>
+          </a:fontRef>
+        </p:style>
+      </p:cxnSp>
+      <p:cxnSp>
+        <p:nvCxnSpPr>
+          <p:cNvPr id="98" name="Conector recto de flecha 97">
+            <a:extLst>
+              <a:ext uri="{FF2B5EF4-FFF2-40B4-BE49-F238E27FC236}">
+                <a16:creationId xmlns:a16="http://schemas.microsoft.com/office/drawing/2014/main" id="{3B3DC348-EFAA-4B36-8D9A-570457A408D5}"/>
+              </a:ext>
+            </a:extLst>
+          </p:cNvPr>
+          <p:cNvCxnSpPr>
+            <a:stCxn id="60" idx="2"/>
+            <a:endCxn id="94" idx="0"/>
+          </p:cNvCxnSpPr>
+          <p:nvPr/>
+        </p:nvCxnSpPr>
+        <p:spPr>
+          <a:xfrm flipH="1">
+            <a:off x="4319970" y="5554053"/>
+            <a:ext cx="2" cy="395227"/>
+          </a:xfrm>
+          <a:prstGeom prst="straightConnector1">
+            <a:avLst/>
+          </a:prstGeom>
+          <a:ln>
+            <a:tailEnd type="triangle"/>
+          </a:ln>
+        </p:spPr>
+        <p:style>
+          <a:lnRef idx="1">
+            <a:schemeClr val="accent1"/>
+          </a:lnRef>
+          <a:fillRef idx="0">
+            <a:schemeClr val="accent1"/>
+          </a:fillRef>
+          <a:effectRef idx="0">
+            <a:schemeClr val="accent1"/>
+          </a:effectRef>
+          <a:fontRef idx="minor">
+            <a:schemeClr val="tx1"/>
+          </a:fontRef>
+        </p:style>
+      </p:cxnSp>
+      <p:sp>
+        <p:nvSpPr>
+          <p:cNvPr id="106" name="175 CuadroTexto">
+            <a:extLst>
+              <a:ext uri="{FF2B5EF4-FFF2-40B4-BE49-F238E27FC236}">
+                <a16:creationId xmlns:a16="http://schemas.microsoft.com/office/drawing/2014/main" id="{ACB66E92-82E6-442A-A085-15095B8FA640}"/>
+              </a:ext>
+            </a:extLst>
+          </p:cNvPr>
+          <p:cNvSpPr txBox="1"/>
+          <p:nvPr/>
+        </p:nvSpPr>
+        <p:spPr>
+          <a:xfrm>
+            <a:off x="3787525" y="4153046"/>
+            <a:ext cx="560838" cy="276999"/>
+          </a:xfrm>
+          <a:prstGeom prst="rect">
+            <a:avLst/>
+          </a:prstGeom>
+          <a:noFill/>
+        </p:spPr>
+        <p:txBody>
+          <a:bodyPr wrap="square" rtlCol="0">
+            <a:spAutoFit/>
+          </a:bodyPr>
+          <a:lstStyle/>
+          <a:p>
+            <a:r>
+              <a:rPr lang="es-ES" sz="1200" dirty="0"/>
+              <a:t>FALSE</a:t>
+            </a:r>
+          </a:p>
+        </p:txBody>
+      </p:sp>
+      <p:sp>
+        <p:nvSpPr>
+          <p:cNvPr id="107" name="175 CuadroTexto">
+            <a:extLst>
+              <a:ext uri="{FF2B5EF4-FFF2-40B4-BE49-F238E27FC236}">
+                <a16:creationId xmlns:a16="http://schemas.microsoft.com/office/drawing/2014/main" id="{B2A8759A-9C07-444B-992B-FD05014AEB03}"/>
+              </a:ext>
+            </a:extLst>
+          </p:cNvPr>
+          <p:cNvSpPr txBox="1"/>
+          <p:nvPr/>
+        </p:nvSpPr>
+        <p:spPr>
+          <a:xfrm>
+            <a:off x="4291581" y="5579458"/>
+            <a:ext cx="560838" cy="276999"/>
+          </a:xfrm>
+          <a:prstGeom prst="rect">
+            <a:avLst/>
+          </a:prstGeom>
+          <a:noFill/>
+        </p:spPr>
+        <p:txBody>
+          <a:bodyPr wrap="square" rtlCol="0">
+            <a:spAutoFit/>
+          </a:bodyPr>
+          <a:lstStyle/>
+          <a:p>
+            <a:r>
+              <a:rPr lang="es-ES" sz="1200" dirty="0"/>
+              <a:t>NO</a:t>
+            </a:r>
+          </a:p>
+        </p:txBody>
+      </p:sp>
+      <p:sp>
+        <p:nvSpPr>
+          <p:cNvPr id="108" name="175 CuadroTexto">
+            <a:extLst>
+              <a:ext uri="{FF2B5EF4-FFF2-40B4-BE49-F238E27FC236}">
+                <a16:creationId xmlns:a16="http://schemas.microsoft.com/office/drawing/2014/main" id="{32FF6BE6-D1DF-46E5-9C79-1ED662C539CF}"/>
+              </a:ext>
+            </a:extLst>
+          </p:cNvPr>
+          <p:cNvSpPr txBox="1"/>
+          <p:nvPr/>
+        </p:nvSpPr>
+        <p:spPr>
+          <a:xfrm>
+            <a:off x="5634118" y="4755138"/>
+            <a:ext cx="560838" cy="276999"/>
+          </a:xfrm>
+          <a:prstGeom prst="rect">
+            <a:avLst/>
+          </a:prstGeom>
+          <a:noFill/>
+        </p:spPr>
+        <p:txBody>
+          <a:bodyPr wrap="square" rtlCol="0">
+            <a:spAutoFit/>
+          </a:bodyPr>
+          <a:lstStyle/>
+          <a:p>
+            <a:r>
+              <a:rPr lang="es-ES" sz="1200" dirty="0"/>
+              <a:t>SÍ</a:t>
+            </a:r>
+          </a:p>
+        </p:txBody>
+      </p:sp>
+      <p:sp>
+        <p:nvSpPr>
+          <p:cNvPr id="109" name="3 Conector">
+            <a:extLst>
+              <a:ext uri="{FF2B5EF4-FFF2-40B4-BE49-F238E27FC236}">
+                <a16:creationId xmlns:a16="http://schemas.microsoft.com/office/drawing/2014/main" id="{94E44A85-E212-4606-81E3-8F9209E12EC3}"/>
+              </a:ext>
+            </a:extLst>
+          </p:cNvPr>
+          <p:cNvSpPr/>
+          <p:nvPr/>
+        </p:nvSpPr>
+        <p:spPr>
+          <a:xfrm>
+            <a:off x="6804248" y="5733256"/>
+            <a:ext cx="846094" cy="712431"/>
           </a:xfrm>
           <a:prstGeom prst="flowChartConnector">
             <a:avLst/>
@@ -4322,27 +8894,253 @@
           <a:lstStyle/>
           <a:p>
             <a:pPr algn="ctr"/>
-            <a:endParaRPr lang="es-ES"/>
-          </a:p>
-        </p:txBody>
-      </p:sp>
-      <p:sp>
-        <p:nvSpPr>
-          <p:cNvPr id="6" name="5 Proceso"/>
+            <a:r>
+              <a:rPr lang="es-ES" sz="1200" dirty="0"/>
+              <a:t>Llama a </a:t>
+            </a:r>
+            <a:r>
+              <a:rPr lang="es-ES" sz="1200" b="1" i="1" dirty="0" err="1">
+                <a:solidFill>
+                  <a:schemeClr val="tx1"/>
+                </a:solidFill>
+              </a:rPr>
+              <a:t>menu</a:t>
+            </a:r>
+            <a:endParaRPr lang="es-ES" sz="1200" b="1" i="1" dirty="0">
+              <a:solidFill>
+                <a:schemeClr val="tx1"/>
+              </a:solidFill>
+            </a:endParaRPr>
+          </a:p>
+        </p:txBody>
+      </p:sp>
+      <p:cxnSp>
+        <p:nvCxnSpPr>
+          <p:cNvPr id="111" name="Conector recto de flecha 110">
+            <a:extLst>
+              <a:ext uri="{FF2B5EF4-FFF2-40B4-BE49-F238E27FC236}">
+                <a16:creationId xmlns:a16="http://schemas.microsoft.com/office/drawing/2014/main" id="{42517A66-EFAF-446E-8186-35D05850D618}"/>
+              </a:ext>
+            </a:extLst>
+          </p:cNvPr>
+          <p:cNvCxnSpPr>
+            <a:cxnSpLocks/>
+            <a:stCxn id="93" idx="2"/>
+            <a:endCxn id="109" idx="0"/>
+          </p:cNvCxnSpPr>
+          <p:nvPr/>
+        </p:nvCxnSpPr>
+        <p:spPr>
+          <a:xfrm>
+            <a:off x="7218294" y="5124960"/>
+            <a:ext cx="9001" cy="608296"/>
+          </a:xfrm>
+          <a:prstGeom prst="straightConnector1">
+            <a:avLst/>
+          </a:prstGeom>
+          <a:ln>
+            <a:tailEnd type="triangle"/>
+          </a:ln>
+        </p:spPr>
+        <p:style>
+          <a:lnRef idx="1">
+            <a:schemeClr val="accent1"/>
+          </a:lnRef>
+          <a:fillRef idx="0">
+            <a:schemeClr val="accent1"/>
+          </a:fillRef>
+          <a:effectRef idx="0">
+            <a:schemeClr val="accent1"/>
+          </a:effectRef>
+          <a:fontRef idx="minor">
+            <a:schemeClr val="tx1"/>
+          </a:fontRef>
+        </p:style>
+      </p:cxnSp>
+      <p:cxnSp>
+        <p:nvCxnSpPr>
+          <p:cNvPr id="113" name="Conector recto de flecha 112">
+            <a:extLst>
+              <a:ext uri="{FF2B5EF4-FFF2-40B4-BE49-F238E27FC236}">
+                <a16:creationId xmlns:a16="http://schemas.microsoft.com/office/drawing/2014/main" id="{5687BD0F-863B-4320-A3D7-345CE9845F53}"/>
+              </a:ext>
+            </a:extLst>
+          </p:cNvPr>
+          <p:cNvCxnSpPr>
+            <a:cxnSpLocks/>
+            <a:stCxn id="94" idx="3"/>
+            <a:endCxn id="109" idx="2"/>
+          </p:cNvCxnSpPr>
+          <p:nvPr/>
+        </p:nvCxnSpPr>
+        <p:spPr>
+          <a:xfrm>
+            <a:off x="5454096" y="6064941"/>
+            <a:ext cx="1350152" cy="24531"/>
+          </a:xfrm>
+          <a:prstGeom prst="straightConnector1">
+            <a:avLst/>
+          </a:prstGeom>
+          <a:ln>
+            <a:tailEnd type="triangle"/>
+          </a:ln>
+        </p:spPr>
+        <p:style>
+          <a:lnRef idx="1">
+            <a:schemeClr val="accent1"/>
+          </a:lnRef>
+          <a:fillRef idx="0">
+            <a:schemeClr val="accent1"/>
+          </a:fillRef>
+          <a:effectRef idx="0">
+            <a:schemeClr val="accent1"/>
+          </a:effectRef>
+          <a:fontRef idx="minor">
+            <a:schemeClr val="tx1"/>
+          </a:fontRef>
+        </p:style>
+      </p:cxnSp>
+      <p:sp>
+        <p:nvSpPr>
+          <p:cNvPr id="122" name="62 Rectángulo">
+            <a:extLst>
+              <a:ext uri="{FF2B5EF4-FFF2-40B4-BE49-F238E27FC236}">
+                <a16:creationId xmlns:a16="http://schemas.microsoft.com/office/drawing/2014/main" id="{EEB0C26C-1B5F-47FE-BCBB-7541BA7C7256}"/>
+              </a:ext>
+            </a:extLst>
+          </p:cNvPr>
           <p:cNvSpPr/>
           <p:nvPr/>
         </p:nvSpPr>
         <p:spPr>
           <a:xfrm>
-            <a:off x="5318575" y="764704"/>
-            <a:ext cx="1800200" cy="864096"/>
-          </a:xfrm>
-          <a:prstGeom prst="flowChartProcess">
+            <a:off x="309332" y="319299"/>
+            <a:ext cx="1898725" cy="769441"/>
+          </a:xfrm>
+          <a:prstGeom prst="rect">
+            <a:avLst/>
+          </a:prstGeom>
+          <a:noFill/>
+        </p:spPr>
+        <p:txBody>
+          <a:bodyPr wrap="none" lIns="91440" tIns="45720" rIns="91440" bIns="45720">
+            <a:spAutoFit/>
+          </a:bodyPr>
+          <a:lstStyle/>
+          <a:p>
+            <a:pPr algn="ctr"/>
+            <a:r>
+              <a:rPr lang="es-ES" sz="4400" b="1" cap="none" spc="0" dirty="0">
+                <a:ln w="17780" cmpd="sng">
+                  <a:solidFill>
+                    <a:srgbClr val="FFFFFF"/>
+                  </a:solidFill>
+                  <a:prstDash val="solid"/>
+                  <a:miter lim="800000"/>
+                </a:ln>
+                <a:gradFill rotWithShape="1">
+                  <a:gsLst>
+                    <a:gs pos="0">
+                      <a:srgbClr val="000000">
+                        <a:tint val="92000"/>
+                        <a:shade val="100000"/>
+                        <a:satMod val="150000"/>
+                      </a:srgbClr>
+                    </a:gs>
+                    <a:gs pos="49000">
+                      <a:srgbClr val="000000">
+                        <a:tint val="89000"/>
+                        <a:shade val="90000"/>
+                        <a:satMod val="150000"/>
+                      </a:srgbClr>
+                    </a:gs>
+                    <a:gs pos="50000">
+                      <a:srgbClr val="000000">
+                        <a:tint val="100000"/>
+                        <a:shade val="75000"/>
+                        <a:satMod val="150000"/>
+                      </a:srgbClr>
+                    </a:gs>
+                    <a:gs pos="95000">
+                      <a:srgbClr val="000000">
+                        <a:shade val="47000"/>
+                        <a:satMod val="150000"/>
+                      </a:srgbClr>
+                    </a:gs>
+                    <a:gs pos="100000">
+                      <a:srgbClr val="000000">
+                        <a:shade val="39000"/>
+                        <a:satMod val="150000"/>
+                      </a:srgbClr>
+                    </a:gs>
+                  </a:gsLst>
+                  <a:lin ang="5400000"/>
+                </a:gradFill>
+                <a:effectLst>
+                  <a:outerShdw blurRad="50800" algn="tl" rotWithShape="0">
+                    <a:srgbClr val="000000"/>
+                  </a:outerShdw>
+                </a:effectLst>
+              </a:rPr>
+              <a:t>horario</a:t>
+            </a:r>
+          </a:p>
+        </p:txBody>
+      </p:sp>
+    </p:spTree>
+    <p:extLst>
+      <p:ext uri="{BB962C8B-B14F-4D97-AF65-F5344CB8AC3E}">
+        <p14:creationId xmlns:p14="http://schemas.microsoft.com/office/powerpoint/2010/main" val="2880129296"/>
+      </p:ext>
+    </p:extLst>
+  </p:cSld>
+  <p:clrMapOvr>
+    <a:masterClrMapping/>
+  </p:clrMapOvr>
+</p:sld>
+</file>
+
+<file path=ppt/slides/slide5.xml><?xml version="1.0" encoding="utf-8"?>
+<p:sld xmlns:a="http://schemas.openxmlformats.org/drawingml/2006/main" xmlns:r="http://schemas.openxmlformats.org/officeDocument/2006/relationships" xmlns:p="http://schemas.openxmlformats.org/presentationml/2006/main">
+  <p:cSld>
+    <p:spTree>
+      <p:nvGrpSpPr>
+        <p:cNvPr id="1" name=""/>
+        <p:cNvGrpSpPr/>
+        <p:nvPr/>
+      </p:nvGrpSpPr>
+      <p:grpSpPr>
+        <a:xfrm>
+          <a:off x="0" y="0"/>
+          <a:ext cx="0" cy="0"/>
+          <a:chOff x="0" y="0"/>
+          <a:chExt cx="0" cy="0"/>
+        </a:xfrm>
+      </p:grpSpPr>
+      <p:sp>
+        <p:nvSpPr>
+          <p:cNvPr id="4" name="3 Conector"/>
+          <p:cNvSpPr/>
+          <p:nvPr/>
+        </p:nvSpPr>
+        <p:spPr>
+          <a:xfrm>
+            <a:off x="5966647" y="116632"/>
+            <a:ext cx="504056" cy="504056"/>
+          </a:xfrm>
+          <a:prstGeom prst="flowChartConnector">
             <a:avLst/>
           </a:prstGeom>
           <a:solidFill>
-            <a:srgbClr val="7CA1CE"/>
+            <a:srgbClr val="F9B67F"/>
           </a:solidFill>
+          <a:ln>
+            <a:solidFill>
+              <a:schemeClr val="accent6">
+                <a:lumMod val="50000"/>
+              </a:schemeClr>
+            </a:solidFill>
+          </a:ln>
         </p:spPr>
         <p:style>
           <a:lnRef idx="2">
@@ -4365,11 +9163,53 @@
           <a:lstStyle/>
           <a:p>
             <a:pPr algn="ctr"/>
-            <a:r>
-              <a:rPr lang="es-ES" dirty="0" smtClean="0"/>
+            <a:endParaRPr lang="es-ES"/>
+          </a:p>
+        </p:txBody>
+      </p:sp>
+      <p:sp>
+        <p:nvSpPr>
+          <p:cNvPr id="6" name="5 Proceso"/>
+          <p:cNvSpPr/>
+          <p:nvPr/>
+        </p:nvSpPr>
+        <p:spPr>
+          <a:xfrm>
+            <a:off x="5318575" y="764704"/>
+            <a:ext cx="1800200" cy="864096"/>
+          </a:xfrm>
+          <a:prstGeom prst="flowChartProcess">
+            <a:avLst/>
+          </a:prstGeom>
+          <a:solidFill>
+            <a:srgbClr val="7CA1CE"/>
+          </a:solidFill>
+        </p:spPr>
+        <p:style>
+          <a:lnRef idx="2">
+            <a:schemeClr val="accent1">
+              <a:shade val="50000"/>
+            </a:schemeClr>
+          </a:lnRef>
+          <a:fillRef idx="1">
+            <a:schemeClr val="accent1"/>
+          </a:fillRef>
+          <a:effectRef idx="0">
+            <a:schemeClr val="accent1"/>
+          </a:effectRef>
+          <a:fontRef idx="minor">
+            <a:schemeClr val="lt1"/>
+          </a:fontRef>
+        </p:style>
+        <p:txBody>
+          <a:bodyPr rtlCol="0" anchor="ctr"/>
+          <a:lstStyle/>
+          <a:p>
+            <a:pPr algn="ctr"/>
+            <a:r>
+              <a:rPr lang="es-ES" dirty="0"/>
               <a:t>Lee “edad”</a:t>
             </a:r>
-            <a:endParaRPr lang="es-ES" dirty="0"/>
           </a:p>
         </p:txBody>
       </p:sp>
@@ -4429,10 +9269,9 @@
           <a:lstStyle/>
           <a:p>
             <a:r>
-              <a:rPr lang="es-ES" dirty="0" smtClean="0"/>
+              <a:rPr lang="es-ES" dirty="0"/>
               <a:t>No</a:t>
             </a:r>
-            <a:endParaRPr lang="es-ES" dirty="0"/>
           </a:p>
         </p:txBody>
       </p:sp>
@@ -4480,10 +9319,9 @@
           <a:lstStyle/>
           <a:p>
             <a:r>
-              <a:rPr lang="es-ES" dirty="0" smtClean="0"/>
+              <a:rPr lang="es-ES" dirty="0"/>
               <a:t>edad&lt;18 o edad&gt;65</a:t>
             </a:r>
-            <a:endParaRPr lang="es-ES" dirty="0"/>
           </a:p>
         </p:txBody>
       </p:sp>
@@ -4527,10 +9365,9 @@
           <a:p>
             <a:pPr algn="ctr"/>
             <a:r>
-              <a:rPr lang="es-ES" dirty="0" smtClean="0"/>
+              <a:rPr lang="es-ES" dirty="0"/>
               <a:t>Escribe “tienes descuento”</a:t>
             </a:r>
-            <a:endParaRPr lang="es-ES" dirty="0"/>
           </a:p>
         </p:txBody>
       </p:sp>
@@ -4581,17 +9418,16 @@
           <a:p>
             <a:pPr algn="ctr"/>
             <a:r>
-              <a:rPr lang="es-ES" dirty="0" smtClean="0"/>
+              <a:rPr lang="es-ES" dirty="0"/>
               <a:t>Opción</a:t>
             </a:r>
           </a:p>
           <a:p>
             <a:pPr algn="ctr"/>
             <a:r>
-              <a:rPr lang="es-ES" dirty="0" smtClean="0"/>
+              <a:rPr lang="es-ES" dirty="0"/>
               <a:t>Descuento</a:t>
             </a:r>
-            <a:endParaRPr lang="es-ES" dirty="0"/>
           </a:p>
         </p:txBody>
       </p:sp>
@@ -4779,10 +9615,9 @@
           <a:p>
             <a:pPr algn="ctr"/>
             <a:r>
-              <a:rPr lang="es-ES" dirty="0" smtClean="0"/>
+              <a:rPr lang="es-ES" dirty="0"/>
               <a:t>Escribe “no tienes descuento”</a:t>
             </a:r>
-            <a:endParaRPr lang="es-ES" dirty="0"/>
           </a:p>
         </p:txBody>
       </p:sp>
@@ -4862,15 +9697,16 @@
         <p:nvCxnSpPr>
           <p:cNvPr id="141" name="140 Conector recto"/>
           <p:cNvCxnSpPr>
+            <a:cxnSpLocks/>
             <a:stCxn id="30" idx="2"/>
-            <a:endCxn id="5" idx="0"/>
+            <a:endCxn id="34" idx="0"/>
           </p:cNvCxnSpPr>
           <p:nvPr/>
         </p:nvCxnSpPr>
         <p:spPr>
           <a:xfrm>
             <a:off x="6228184" y="5949280"/>
-            <a:ext cx="0" cy="216024"/>
+            <a:ext cx="0" cy="88461"/>
           </a:xfrm>
           <a:prstGeom prst="line">
             <a:avLst/>
@@ -4914,10 +9750,9 @@
           <a:lstStyle/>
           <a:p>
             <a:r>
-              <a:rPr lang="es-ES" dirty="0" smtClean="0"/>
+              <a:rPr lang="es-ES" dirty="0"/>
               <a:t>Sí</a:t>
             </a:r>
-            <a:endParaRPr lang="es-ES" dirty="0"/>
           </a:p>
         </p:txBody>
       </p:sp>
@@ -4925,15 +9760,16 @@
         <p:nvCxnSpPr>
           <p:cNvPr id="169" name="168 Conector recto"/>
           <p:cNvCxnSpPr>
+            <a:cxnSpLocks/>
             <a:stCxn id="116" idx="2"/>
-            <a:endCxn id="5" idx="2"/>
+            <a:endCxn id="34" idx="2"/>
           </p:cNvCxnSpPr>
           <p:nvPr/>
         </p:nvCxnSpPr>
         <p:spPr>
           <a:xfrm rot="16200000" flipH="1">
-            <a:off x="3473878" y="3987062"/>
-            <a:ext cx="432048" cy="4500500"/>
+            <a:off x="3436060" y="4024879"/>
+            <a:ext cx="372669" cy="4365485"/>
           </a:xfrm>
           <a:prstGeom prst="bentConnector2">
             <a:avLst/>
@@ -4977,10 +9813,9 @@
           <a:lstStyle/>
           <a:p>
             <a:r>
-              <a:rPr lang="es-ES" sz="1200" dirty="0" smtClean="0"/>
+              <a:rPr lang="es-ES" sz="1200" dirty="0"/>
               <a:t>Caso 1: Familia numerosa</a:t>
             </a:r>
-            <a:endParaRPr lang="es-ES" sz="1200" dirty="0"/>
           </a:p>
         </p:txBody>
       </p:sp>
@@ -5007,16 +9842,15 @@
           <a:lstStyle/>
           <a:p>
             <a:r>
-              <a:rPr lang="es-ES" sz="1200" dirty="0" smtClean="0"/>
+              <a:rPr lang="es-ES" sz="1200" dirty="0"/>
               <a:t>Caso 2: </a:t>
             </a:r>
           </a:p>
           <a:p>
             <a:r>
-              <a:rPr lang="es-ES" sz="1200" dirty="0" smtClean="0"/>
+              <a:rPr lang="es-ES" sz="1200" dirty="0"/>
               <a:t>Paro</a:t>
             </a:r>
-            <a:endParaRPr lang="es-ES" sz="1200" dirty="0"/>
           </a:p>
         </p:txBody>
       </p:sp>
@@ -5043,11 +9877,11 @@
           <a:lstStyle/>
           <a:p>
             <a:r>
-              <a:rPr lang="es-ES" sz="1200" dirty="0" smtClean="0"/>
+              <a:rPr lang="es-ES" sz="1200" dirty="0"/>
               <a:t>Caso 3: Cliente </a:t>
             </a:r>
             <a:r>
-              <a:rPr lang="es-ES" sz="1200" dirty="0" err="1" smtClean="0"/>
+              <a:rPr lang="es-ES" sz="1200" dirty="0" err="1"/>
               <a:t>premium</a:t>
             </a:r>
             <a:endParaRPr lang="es-ES" sz="1200" dirty="0"/>
@@ -5077,10 +9911,9 @@
           <a:lstStyle/>
           <a:p>
             <a:r>
-              <a:rPr lang="es-ES" sz="1200" dirty="0" smtClean="0"/>
+              <a:rPr lang="es-ES" sz="1200" dirty="0"/>
               <a:t>Caso 4: Ninguna de las anteriores</a:t>
             </a:r>
-            <a:endParaRPr lang="es-ES" sz="1200" dirty="0"/>
           </a:p>
         </p:txBody>
       </p:sp>
@@ -5141,7 +9974,7 @@
           <a:p>
             <a:pPr algn="ctr"/>
             <a:r>
-              <a:rPr lang="es-ES" sz="4400" b="1" dirty="0" smtClean="0">
+              <a:rPr lang="es-ES" sz="4400" b="1" dirty="0">
                 <a:ln w="17780" cmpd="sng">
                   <a:solidFill>
                     <a:srgbClr val="FFFFFF"/>
@@ -5196,7 +10029,7 @@
               <a:t>d</a:t>
             </a:r>
             <a:r>
-              <a:rPr lang="es-ES" sz="4400" b="1" cap="none" spc="0" dirty="0" smtClean="0">
+              <a:rPr lang="es-ES" sz="4400" b="1" cap="none" spc="0" dirty="0">
                 <a:ln w="17780" cmpd="sng">
                   <a:solidFill>
                     <a:srgbClr val="FFFFFF"/>
@@ -5250,6 +10083,771 @@
               </a:rPr>
               <a:t>escuentos</a:t>
             </a:r>
+          </a:p>
+        </p:txBody>
+      </p:sp>
+      <p:sp>
+        <p:nvSpPr>
+          <p:cNvPr id="205" name="204 CuadroTexto"/>
+          <p:cNvSpPr txBox="1"/>
+          <p:nvPr/>
+        </p:nvSpPr>
+        <p:spPr>
+          <a:xfrm>
+            <a:off x="4572000" y="3491716"/>
+            <a:ext cx="504056" cy="369332"/>
+          </a:xfrm>
+          <a:prstGeom prst="rect">
+            <a:avLst/>
+          </a:prstGeom>
+          <a:noFill/>
+        </p:spPr>
+        <p:txBody>
+          <a:bodyPr wrap="square" rtlCol="0">
+            <a:spAutoFit/>
+          </a:bodyPr>
+          <a:lstStyle/>
+          <a:p>
+            <a:r>
+              <a:rPr lang="es-ES" dirty="0"/>
+              <a:t>No</a:t>
+            </a:r>
+          </a:p>
+        </p:txBody>
+      </p:sp>
+      <p:cxnSp>
+        <p:nvCxnSpPr>
+          <p:cNvPr id="222" name="221 Conector angular"/>
+          <p:cNvCxnSpPr>
+            <a:endCxn id="6" idx="1"/>
+          </p:cNvCxnSpPr>
+          <p:nvPr/>
+        </p:nvCxnSpPr>
+        <p:spPr>
+          <a:xfrm rot="10800000" flipH="1">
+            <a:off x="5133661" y="1196752"/>
+            <a:ext cx="184913" cy="1152128"/>
+          </a:xfrm>
+          <a:prstGeom prst="bentConnector3">
+            <a:avLst>
+              <a:gd name="adj1" fmla="val -271603"/>
+            </a:avLst>
+          </a:prstGeom>
+          <a:ln>
+            <a:tailEnd type="arrow"/>
+          </a:ln>
+        </p:spPr>
+        <p:style>
+          <a:lnRef idx="1">
+            <a:schemeClr val="accent1"/>
+          </a:lnRef>
+          <a:fillRef idx="0">
+            <a:schemeClr val="accent1"/>
+          </a:fillRef>
+          <a:effectRef idx="0">
+            <a:schemeClr val="accent1"/>
+          </a:effectRef>
+          <a:fontRef idx="minor">
+            <a:schemeClr val="tx1"/>
+          </a:fontRef>
+        </p:style>
+      </p:cxnSp>
+      <p:cxnSp>
+        <p:nvCxnSpPr>
+          <p:cNvPr id="224" name="223 Conector recto de flecha"/>
+          <p:cNvCxnSpPr>
+            <a:endCxn id="24" idx="0"/>
+          </p:cNvCxnSpPr>
+          <p:nvPr/>
+        </p:nvCxnSpPr>
+        <p:spPr>
+          <a:xfrm>
+            <a:off x="6228184" y="2708920"/>
+            <a:ext cx="0" cy="504056"/>
+          </a:xfrm>
+          <a:prstGeom prst="straightConnector1">
+            <a:avLst/>
+          </a:prstGeom>
+          <a:ln>
+            <a:tailEnd type="arrow"/>
+          </a:ln>
+        </p:spPr>
+        <p:style>
+          <a:lnRef idx="1">
+            <a:schemeClr val="accent1"/>
+          </a:lnRef>
+          <a:fillRef idx="0">
+            <a:schemeClr val="accent1"/>
+          </a:fillRef>
+          <a:effectRef idx="0">
+            <a:schemeClr val="accent1"/>
+          </a:effectRef>
+          <a:fontRef idx="minor">
+            <a:schemeClr val="tx1"/>
+          </a:fontRef>
+        </p:style>
+      </p:cxnSp>
+      <p:cxnSp>
+        <p:nvCxnSpPr>
+          <p:cNvPr id="226" name="225 Conector recto"/>
+          <p:cNvCxnSpPr>
+            <a:stCxn id="6" idx="2"/>
+          </p:cNvCxnSpPr>
+          <p:nvPr/>
+        </p:nvCxnSpPr>
+        <p:spPr>
+          <a:xfrm>
+            <a:off x="6218675" y="1628800"/>
+            <a:ext cx="9509" cy="360040"/>
+          </a:xfrm>
+          <a:prstGeom prst="line">
+            <a:avLst/>
+          </a:prstGeom>
+        </p:spPr>
+        <p:style>
+          <a:lnRef idx="1">
+            <a:schemeClr val="accent1"/>
+          </a:lnRef>
+          <a:fillRef idx="0">
+            <a:schemeClr val="accent1"/>
+          </a:fillRef>
+          <a:effectRef idx="0">
+            <a:schemeClr val="accent1"/>
+          </a:effectRef>
+          <a:fontRef idx="minor">
+            <a:schemeClr val="tx1"/>
+          </a:fontRef>
+        </p:style>
+      </p:cxnSp>
+      <p:sp>
+        <p:nvSpPr>
+          <p:cNvPr id="230" name="229 CuadroTexto"/>
+          <p:cNvSpPr txBox="1"/>
+          <p:nvPr/>
+        </p:nvSpPr>
+        <p:spPr>
+          <a:xfrm>
+            <a:off x="6228184" y="2843644"/>
+            <a:ext cx="360040" cy="369332"/>
+          </a:xfrm>
+          <a:prstGeom prst="rect">
+            <a:avLst/>
+          </a:prstGeom>
+          <a:noFill/>
+        </p:spPr>
+        <p:txBody>
+          <a:bodyPr wrap="square" rtlCol="0">
+            <a:spAutoFit/>
+          </a:bodyPr>
+          <a:lstStyle/>
+          <a:p>
+            <a:r>
+              <a:rPr lang="es-ES" dirty="0"/>
+              <a:t>Sí</a:t>
+            </a:r>
+          </a:p>
+        </p:txBody>
+      </p:sp>
+      <p:sp>
+        <p:nvSpPr>
+          <p:cNvPr id="32" name="31 Decisión"/>
+          <p:cNvSpPr/>
+          <p:nvPr/>
+        </p:nvSpPr>
+        <p:spPr>
+          <a:xfrm>
+            <a:off x="5076056" y="1844824"/>
+            <a:ext cx="2304256" cy="1008112"/>
+          </a:xfrm>
+          <a:prstGeom prst="flowChartDecision">
+            <a:avLst/>
+          </a:prstGeom>
+          <a:solidFill>
+            <a:srgbClr val="C96765"/>
+          </a:solidFill>
+          <a:ln>
+            <a:solidFill>
+              <a:srgbClr val="C00000"/>
+            </a:solidFill>
+          </a:ln>
+        </p:spPr>
+        <p:style>
+          <a:lnRef idx="2">
+            <a:schemeClr val="accent1">
+              <a:shade val="50000"/>
+            </a:schemeClr>
+          </a:lnRef>
+          <a:fillRef idx="1">
+            <a:schemeClr val="accent1"/>
+          </a:fillRef>
+          <a:effectRef idx="0">
+            <a:schemeClr val="accent1"/>
+          </a:effectRef>
+          <a:fontRef idx="minor">
+            <a:schemeClr val="lt1"/>
+          </a:fontRef>
+        </p:style>
+        <p:txBody>
+          <a:bodyPr rtlCol="0" anchor="ctr"/>
+          <a:lstStyle/>
+          <a:p>
+            <a:r>
+              <a:rPr lang="es-ES" dirty="0"/>
+              <a:t>  edad&gt;0</a:t>
+            </a:r>
+          </a:p>
+        </p:txBody>
+      </p:sp>
+      <p:sp>
+        <p:nvSpPr>
+          <p:cNvPr id="34" name="3 Conector">
+            <a:extLst>
+              <a:ext uri="{FF2B5EF4-FFF2-40B4-BE49-F238E27FC236}">
+                <a16:creationId xmlns:a16="http://schemas.microsoft.com/office/drawing/2014/main" id="{1D59F02B-6C80-4079-8377-759E4C7E6E57}"/>
+              </a:ext>
+            </a:extLst>
+          </p:cNvPr>
+          <p:cNvSpPr/>
+          <p:nvPr/>
+        </p:nvSpPr>
+        <p:spPr>
+          <a:xfrm>
+            <a:off x="5805137" y="6037741"/>
+            <a:ext cx="846094" cy="712431"/>
+          </a:xfrm>
+          <a:prstGeom prst="flowChartConnector">
+            <a:avLst/>
+          </a:prstGeom>
+          <a:solidFill>
+            <a:srgbClr val="F9B67F"/>
+          </a:solidFill>
+          <a:ln>
+            <a:solidFill>
+              <a:schemeClr val="accent6">
+                <a:lumMod val="50000"/>
+              </a:schemeClr>
+            </a:solidFill>
+          </a:ln>
+        </p:spPr>
+        <p:style>
+          <a:lnRef idx="2">
+            <a:schemeClr val="accent1">
+              <a:shade val="50000"/>
+            </a:schemeClr>
+          </a:lnRef>
+          <a:fillRef idx="1">
+            <a:schemeClr val="accent1"/>
+          </a:fillRef>
+          <a:effectRef idx="0">
+            <a:schemeClr val="accent1"/>
+          </a:effectRef>
+          <a:fontRef idx="minor">
+            <a:schemeClr val="lt1"/>
+          </a:fontRef>
+        </p:style>
+        <p:txBody>
+          <a:bodyPr rtlCol="0" anchor="ctr"/>
+          <a:lstStyle/>
+          <a:p>
+            <a:pPr algn="ctr"/>
+            <a:r>
+              <a:rPr lang="es-ES" sz="1200" dirty="0"/>
+              <a:t>Llama a </a:t>
+            </a:r>
+            <a:r>
+              <a:rPr lang="es-ES" sz="1200" b="1" i="1" dirty="0" err="1">
+                <a:solidFill>
+                  <a:schemeClr val="tx1"/>
+                </a:solidFill>
+              </a:rPr>
+              <a:t>menu</a:t>
+            </a:r>
+            <a:endParaRPr lang="es-ES" sz="1200" b="1" i="1" dirty="0">
+              <a:solidFill>
+                <a:schemeClr val="tx1"/>
+              </a:solidFill>
+            </a:endParaRPr>
+          </a:p>
+        </p:txBody>
+      </p:sp>
+    </p:spTree>
+  </p:cSld>
+  <p:clrMapOvr>
+    <a:masterClrMapping/>
+  </p:clrMapOvr>
+</p:sld>
+</file>
+
+<file path=ppt/slides/slide6.xml><?xml version="1.0" encoding="utf-8"?>
+<p:sld xmlns:a="http://schemas.openxmlformats.org/drawingml/2006/main" xmlns:r="http://schemas.openxmlformats.org/officeDocument/2006/relationships" xmlns:p="http://schemas.openxmlformats.org/presentationml/2006/main">
+  <p:cSld>
+    <p:spTree>
+      <p:nvGrpSpPr>
+        <p:cNvPr id="1" name=""/>
+        <p:cNvGrpSpPr/>
+        <p:nvPr/>
+      </p:nvGrpSpPr>
+      <p:grpSpPr>
+        <a:xfrm>
+          <a:off x="0" y="0"/>
+          <a:ext cx="0" cy="0"/>
+          <a:chOff x="0" y="0"/>
+          <a:chExt cx="0" cy="0"/>
+        </a:xfrm>
+      </p:grpSpPr>
+      <p:sp>
+        <p:nvSpPr>
+          <p:cNvPr id="4" name="3 Conector"/>
+          <p:cNvSpPr/>
+          <p:nvPr/>
+        </p:nvSpPr>
+        <p:spPr>
+          <a:xfrm>
+            <a:off x="4572000" y="260648"/>
+            <a:ext cx="432048" cy="432048"/>
+          </a:xfrm>
+          <a:prstGeom prst="flowChartConnector">
+            <a:avLst/>
+          </a:prstGeom>
+          <a:solidFill>
+            <a:srgbClr val="F9B67F"/>
+          </a:solidFill>
+          <a:ln>
+            <a:solidFill>
+              <a:schemeClr val="accent6">
+                <a:lumMod val="50000"/>
+              </a:schemeClr>
+            </a:solidFill>
+          </a:ln>
+        </p:spPr>
+        <p:style>
+          <a:lnRef idx="2">
+            <a:schemeClr val="accent1">
+              <a:shade val="50000"/>
+            </a:schemeClr>
+          </a:lnRef>
+          <a:fillRef idx="1">
+            <a:schemeClr val="accent1"/>
+          </a:fillRef>
+          <a:effectRef idx="0">
+            <a:schemeClr val="accent1"/>
+          </a:effectRef>
+          <a:fontRef idx="minor">
+            <a:schemeClr val="lt1"/>
+          </a:fontRef>
+        </p:style>
+        <p:txBody>
+          <a:bodyPr rtlCol="0" anchor="ctr"/>
+          <a:lstStyle/>
+          <a:p>
+            <a:pPr algn="ctr"/>
+            <a:endParaRPr lang="es-ES"/>
+          </a:p>
+        </p:txBody>
+      </p:sp>
+      <p:sp>
+        <p:nvSpPr>
+          <p:cNvPr id="8" name="7 Proceso"/>
+          <p:cNvSpPr/>
+          <p:nvPr/>
+        </p:nvSpPr>
+        <p:spPr>
+          <a:xfrm>
+            <a:off x="3851920" y="2060848"/>
+            <a:ext cx="1872208" cy="432048"/>
+          </a:xfrm>
+          <a:prstGeom prst="flowChartProcess">
+            <a:avLst/>
+          </a:prstGeom>
+          <a:solidFill>
+            <a:srgbClr val="7CA1CE"/>
+          </a:solidFill>
+        </p:spPr>
+        <p:style>
+          <a:lnRef idx="2">
+            <a:schemeClr val="accent1">
+              <a:shade val="50000"/>
+            </a:schemeClr>
+          </a:lnRef>
+          <a:fillRef idx="1">
+            <a:schemeClr val="accent1"/>
+          </a:fillRef>
+          <a:effectRef idx="0">
+            <a:schemeClr val="accent1"/>
+          </a:effectRef>
+          <a:fontRef idx="minor">
+            <a:schemeClr val="lt1"/>
+          </a:fontRef>
+        </p:style>
+        <p:txBody>
+          <a:bodyPr rtlCol="0" anchor="ctr"/>
+          <a:lstStyle/>
+          <a:p>
+            <a:pPr algn="ctr"/>
+            <a:r>
+              <a:rPr lang="es-ES" dirty="0" err="1"/>
+              <a:t>verTabla</a:t>
+            </a:r>
+            <a:r>
+              <a:rPr lang="es-ES" dirty="0"/>
+              <a:t>= “”</a:t>
+            </a:r>
+          </a:p>
+        </p:txBody>
+      </p:sp>
+      <p:sp>
+        <p:nvSpPr>
+          <p:cNvPr id="10" name="9 Proceso"/>
+          <p:cNvSpPr/>
+          <p:nvPr/>
+        </p:nvSpPr>
+        <p:spPr>
+          <a:xfrm>
+            <a:off x="3131840" y="4005064"/>
+            <a:ext cx="3312368" cy="504056"/>
+          </a:xfrm>
+          <a:prstGeom prst="flowChartProcess">
+            <a:avLst/>
+          </a:prstGeom>
+          <a:solidFill>
+            <a:srgbClr val="7CA1CE"/>
+          </a:solidFill>
+        </p:spPr>
+        <p:style>
+          <a:lnRef idx="2">
+            <a:schemeClr val="accent1">
+              <a:shade val="50000"/>
+            </a:schemeClr>
+          </a:lnRef>
+          <a:fillRef idx="1">
+            <a:schemeClr val="accent1"/>
+          </a:fillRef>
+          <a:effectRef idx="0">
+            <a:schemeClr val="accent1"/>
+          </a:effectRef>
+          <a:fontRef idx="minor">
+            <a:schemeClr val="lt1"/>
+          </a:fontRef>
+        </p:style>
+        <p:txBody>
+          <a:bodyPr rtlCol="0" anchor="ctr"/>
+          <a:lstStyle/>
+          <a:p>
+            <a:pPr algn="ctr"/>
+            <a:r>
+              <a:rPr lang="es-ES" dirty="0" err="1"/>
+              <a:t>verTabla</a:t>
+            </a:r>
+            <a:r>
+              <a:rPr lang="es-ES" dirty="0"/>
+              <a:t>+= " "+</a:t>
+            </a:r>
+            <a:r>
+              <a:rPr lang="es-ES" dirty="0" err="1"/>
+              <a:t>libreria</a:t>
+            </a:r>
+            <a:r>
+              <a:rPr lang="es-ES" dirty="0"/>
+              <a:t>[i][j]</a:t>
+            </a:r>
+          </a:p>
+        </p:txBody>
+      </p:sp>
+      <p:sp>
+        <p:nvSpPr>
+          <p:cNvPr id="33" name="32 Proceso"/>
+          <p:cNvSpPr/>
+          <p:nvPr/>
+        </p:nvSpPr>
+        <p:spPr>
+          <a:xfrm>
+            <a:off x="3131840" y="5013176"/>
+            <a:ext cx="3312368" cy="504056"/>
+          </a:xfrm>
+          <a:prstGeom prst="flowChartProcess">
+            <a:avLst/>
+          </a:prstGeom>
+          <a:solidFill>
+            <a:srgbClr val="7CA1CE"/>
+          </a:solidFill>
+        </p:spPr>
+        <p:style>
+          <a:lnRef idx="2">
+            <a:schemeClr val="accent1">
+              <a:shade val="50000"/>
+            </a:schemeClr>
+          </a:lnRef>
+          <a:fillRef idx="1">
+            <a:schemeClr val="accent1"/>
+          </a:fillRef>
+          <a:effectRef idx="0">
+            <a:schemeClr val="accent1"/>
+          </a:effectRef>
+          <a:fontRef idx="minor">
+            <a:schemeClr val="lt1"/>
+          </a:fontRef>
+        </p:style>
+        <p:txBody>
+          <a:bodyPr rtlCol="0" anchor="ctr"/>
+          <a:lstStyle/>
+          <a:p>
+            <a:pPr algn="ctr"/>
+            <a:r>
+              <a:rPr lang="es-ES" dirty="0"/>
+              <a:t>Escribir por pantalla </a:t>
+            </a:r>
+            <a:r>
+              <a:rPr lang="es-ES" dirty="0" err="1"/>
+              <a:t>verTabla</a:t>
+            </a:r>
+            <a:endParaRPr lang="es-ES" dirty="0"/>
+          </a:p>
+        </p:txBody>
+      </p:sp>
+      <p:sp>
+        <p:nvSpPr>
+          <p:cNvPr id="87" name="86 Conector"/>
+          <p:cNvSpPr/>
+          <p:nvPr/>
+        </p:nvSpPr>
+        <p:spPr>
+          <a:xfrm>
+            <a:off x="4572000" y="6165304"/>
+            <a:ext cx="432048" cy="432048"/>
+          </a:xfrm>
+          <a:prstGeom prst="flowChartConnector">
+            <a:avLst/>
+          </a:prstGeom>
+          <a:solidFill>
+            <a:srgbClr val="F9B67F"/>
+          </a:solidFill>
+          <a:ln>
+            <a:solidFill>
+              <a:schemeClr val="accent6">
+                <a:lumMod val="50000"/>
+              </a:schemeClr>
+            </a:solidFill>
+          </a:ln>
+        </p:spPr>
+        <p:style>
+          <a:lnRef idx="2">
+            <a:schemeClr val="accent1">
+              <a:shade val="50000"/>
+            </a:schemeClr>
+          </a:lnRef>
+          <a:fillRef idx="1">
+            <a:schemeClr val="accent1"/>
+          </a:fillRef>
+          <a:effectRef idx="0">
+            <a:schemeClr val="accent1"/>
+          </a:effectRef>
+          <a:fontRef idx="minor">
+            <a:schemeClr val="lt1"/>
+          </a:fontRef>
+        </p:style>
+        <p:txBody>
+          <a:bodyPr rtlCol="0" anchor="ctr"/>
+          <a:lstStyle/>
+          <a:p>
+            <a:pPr algn="ctr"/>
+            <a:endParaRPr lang="es-ES"/>
+          </a:p>
+        </p:txBody>
+      </p:sp>
+      <p:sp>
+        <p:nvSpPr>
+          <p:cNvPr id="90" name="89 CuadroTexto"/>
+          <p:cNvSpPr txBox="1"/>
+          <p:nvPr/>
+        </p:nvSpPr>
+        <p:spPr>
+          <a:xfrm>
+            <a:off x="2843808" y="3635732"/>
+            <a:ext cx="360040" cy="369332"/>
+          </a:xfrm>
+          <a:prstGeom prst="rect">
+            <a:avLst/>
+          </a:prstGeom>
+          <a:noFill/>
+        </p:spPr>
+        <p:txBody>
+          <a:bodyPr wrap="square" rtlCol="0">
+            <a:spAutoFit/>
+          </a:bodyPr>
+          <a:lstStyle/>
+          <a:p>
+            <a:r>
+              <a:rPr lang="es-ES" dirty="0"/>
+              <a:t>Sí</a:t>
+            </a:r>
+          </a:p>
+        </p:txBody>
+      </p:sp>
+      <p:sp>
+        <p:nvSpPr>
+          <p:cNvPr id="91" name="90 CuadroTexto"/>
+          <p:cNvSpPr txBox="1"/>
+          <p:nvPr/>
+        </p:nvSpPr>
+        <p:spPr>
+          <a:xfrm>
+            <a:off x="2771800" y="4941168"/>
+            <a:ext cx="360040" cy="369332"/>
+          </a:xfrm>
+          <a:prstGeom prst="rect">
+            <a:avLst/>
+          </a:prstGeom>
+          <a:noFill/>
+        </p:spPr>
+        <p:txBody>
+          <a:bodyPr wrap="square" rtlCol="0">
+            <a:spAutoFit/>
+          </a:bodyPr>
+          <a:lstStyle/>
+          <a:p>
+            <a:r>
+              <a:rPr lang="es-ES" dirty="0"/>
+              <a:t>Sí</a:t>
+            </a:r>
+          </a:p>
+        </p:txBody>
+      </p:sp>
+      <p:sp>
+        <p:nvSpPr>
+          <p:cNvPr id="92" name="91 CuadroTexto"/>
+          <p:cNvSpPr txBox="1"/>
+          <p:nvPr/>
+        </p:nvSpPr>
+        <p:spPr>
+          <a:xfrm>
+            <a:off x="4788024" y="4581128"/>
+            <a:ext cx="504056" cy="369332"/>
+          </a:xfrm>
+          <a:prstGeom prst="rect">
+            <a:avLst/>
+          </a:prstGeom>
+          <a:noFill/>
+        </p:spPr>
+        <p:txBody>
+          <a:bodyPr wrap="square" rtlCol="0">
+            <a:spAutoFit/>
+          </a:bodyPr>
+          <a:lstStyle/>
+          <a:p>
+            <a:r>
+              <a:rPr lang="es-ES" dirty="0"/>
+              <a:t>No</a:t>
+            </a:r>
+          </a:p>
+        </p:txBody>
+      </p:sp>
+      <p:sp>
+        <p:nvSpPr>
+          <p:cNvPr id="93" name="92 CuadroTexto"/>
+          <p:cNvSpPr txBox="1"/>
+          <p:nvPr/>
+        </p:nvSpPr>
+        <p:spPr>
+          <a:xfrm>
+            <a:off x="4788024" y="5661248"/>
+            <a:ext cx="504056" cy="369332"/>
+          </a:xfrm>
+          <a:prstGeom prst="rect">
+            <a:avLst/>
+          </a:prstGeom>
+          <a:noFill/>
+        </p:spPr>
+        <p:txBody>
+          <a:bodyPr wrap="square" rtlCol="0">
+            <a:spAutoFit/>
+          </a:bodyPr>
+          <a:lstStyle/>
+          <a:p>
+            <a:r>
+              <a:rPr lang="es-ES" dirty="0"/>
+              <a:t>No</a:t>
+            </a:r>
+          </a:p>
+        </p:txBody>
+      </p:sp>
+      <p:sp>
+        <p:nvSpPr>
+          <p:cNvPr id="94" name="93 Rectángulo"/>
+          <p:cNvSpPr/>
+          <p:nvPr/>
+        </p:nvSpPr>
+        <p:spPr>
+          <a:xfrm>
+            <a:off x="35496" y="67271"/>
+            <a:ext cx="2166106" cy="769441"/>
+          </a:xfrm>
+          <a:prstGeom prst="rect">
+            <a:avLst/>
+          </a:prstGeom>
+          <a:noFill/>
+        </p:spPr>
+        <p:txBody>
+          <a:bodyPr wrap="none" lIns="91440" tIns="45720" rIns="91440" bIns="45720">
+            <a:spAutoFit/>
+          </a:bodyPr>
+          <a:lstStyle/>
+          <a:p>
+            <a:pPr algn="ctr"/>
+            <a:r>
+              <a:rPr lang="es-ES" sz="4400" b="1" dirty="0" err="1">
+                <a:ln w="17780" cmpd="sng">
+                  <a:solidFill>
+                    <a:srgbClr val="FFFFFF"/>
+                  </a:solidFill>
+                  <a:prstDash val="solid"/>
+                  <a:miter lim="800000"/>
+                </a:ln>
+                <a:gradFill rotWithShape="1">
+                  <a:gsLst>
+                    <a:gs pos="0">
+                      <a:srgbClr val="000000">
+                        <a:tint val="92000"/>
+                        <a:shade val="100000"/>
+                        <a:satMod val="150000"/>
+                      </a:srgbClr>
+                    </a:gs>
+                    <a:gs pos="49000">
+                      <a:srgbClr val="000000">
+                        <a:tint val="89000"/>
+                        <a:shade val="90000"/>
+                        <a:satMod val="150000"/>
+                      </a:srgbClr>
+                    </a:gs>
+                    <a:gs pos="50000">
+                      <a:srgbClr val="000000">
+                        <a:tint val="100000"/>
+                        <a:shade val="75000"/>
+                        <a:satMod val="150000"/>
+                      </a:srgbClr>
+                    </a:gs>
+                    <a:gs pos="95000">
+                      <a:srgbClr val="000000">
+                        <a:shade val="47000"/>
+                        <a:satMod val="150000"/>
+                      </a:srgbClr>
+                    </a:gs>
+                    <a:gs pos="100000">
+                      <a:srgbClr val="000000">
+                        <a:shade val="39000"/>
+                        <a:satMod val="150000"/>
+                      </a:srgbClr>
+                    </a:gs>
+                  </a:gsLst>
+                  <a:lin ang="5400000"/>
+                </a:gradFill>
+                <a:effectLst>
+                  <a:outerShdw blurRad="50800" algn="tl" rotWithShape="0">
+                    <a:srgbClr val="000000"/>
+                  </a:outerShdw>
+                </a:effectLst>
+              </a:rPr>
+              <a:t>verTabla</a:t>
+            </a:r>
             <a:endParaRPr lang="es-ES" sz="4400" b="1" cap="none" spc="0" dirty="0">
               <a:ln w="17780" cmpd="sng">
                 <a:solidFill>
@@ -5307,760 +10905,6 @@
       </p:sp>
       <p:sp>
         <p:nvSpPr>
-          <p:cNvPr id="205" name="204 CuadroTexto"/>
-          <p:cNvSpPr txBox="1"/>
-          <p:nvPr/>
-        </p:nvSpPr>
-        <p:spPr>
-          <a:xfrm>
-            <a:off x="4572000" y="3491716"/>
-            <a:ext cx="504056" cy="369332"/>
-          </a:xfrm>
-          <a:prstGeom prst="rect">
-            <a:avLst/>
-          </a:prstGeom>
-          <a:noFill/>
-        </p:spPr>
-        <p:txBody>
-          <a:bodyPr wrap="square" rtlCol="0">
-            <a:spAutoFit/>
-          </a:bodyPr>
-          <a:lstStyle/>
-          <a:p>
-            <a:r>
-              <a:rPr lang="es-ES" dirty="0" smtClean="0"/>
-              <a:t>No</a:t>
-            </a:r>
-            <a:endParaRPr lang="es-ES" dirty="0"/>
-          </a:p>
-        </p:txBody>
-      </p:sp>
-      <p:cxnSp>
-        <p:nvCxnSpPr>
-          <p:cNvPr id="222" name="221 Conector angular"/>
-          <p:cNvCxnSpPr>
-            <a:endCxn id="6" idx="1"/>
-          </p:cNvCxnSpPr>
-          <p:nvPr/>
-        </p:nvCxnSpPr>
-        <p:spPr>
-          <a:xfrm rot="10800000" flipH="1">
-            <a:off x="5133661" y="1196752"/>
-            <a:ext cx="184913" cy="1152128"/>
-          </a:xfrm>
-          <a:prstGeom prst="bentConnector3">
-            <a:avLst>
-              <a:gd name="adj1" fmla="val -271603"/>
-            </a:avLst>
-          </a:prstGeom>
-          <a:ln>
-            <a:tailEnd type="arrow"/>
-          </a:ln>
-        </p:spPr>
-        <p:style>
-          <a:lnRef idx="1">
-            <a:schemeClr val="accent1"/>
-          </a:lnRef>
-          <a:fillRef idx="0">
-            <a:schemeClr val="accent1"/>
-          </a:fillRef>
-          <a:effectRef idx="0">
-            <a:schemeClr val="accent1"/>
-          </a:effectRef>
-          <a:fontRef idx="minor">
-            <a:schemeClr val="tx1"/>
-          </a:fontRef>
-        </p:style>
-      </p:cxnSp>
-      <p:cxnSp>
-        <p:nvCxnSpPr>
-          <p:cNvPr id="224" name="223 Conector recto de flecha"/>
-          <p:cNvCxnSpPr>
-            <a:endCxn id="24" idx="0"/>
-          </p:cNvCxnSpPr>
-          <p:nvPr/>
-        </p:nvCxnSpPr>
-        <p:spPr>
-          <a:xfrm>
-            <a:off x="6228184" y="2708920"/>
-            <a:ext cx="0" cy="504056"/>
-          </a:xfrm>
-          <a:prstGeom prst="straightConnector1">
-            <a:avLst/>
-          </a:prstGeom>
-          <a:ln>
-            <a:tailEnd type="arrow"/>
-          </a:ln>
-        </p:spPr>
-        <p:style>
-          <a:lnRef idx="1">
-            <a:schemeClr val="accent1"/>
-          </a:lnRef>
-          <a:fillRef idx="0">
-            <a:schemeClr val="accent1"/>
-          </a:fillRef>
-          <a:effectRef idx="0">
-            <a:schemeClr val="accent1"/>
-          </a:effectRef>
-          <a:fontRef idx="minor">
-            <a:schemeClr val="tx1"/>
-          </a:fontRef>
-        </p:style>
-      </p:cxnSp>
-      <p:cxnSp>
-        <p:nvCxnSpPr>
-          <p:cNvPr id="226" name="225 Conector recto"/>
-          <p:cNvCxnSpPr>
-            <a:stCxn id="6" idx="2"/>
-          </p:cNvCxnSpPr>
-          <p:nvPr/>
-        </p:nvCxnSpPr>
-        <p:spPr>
-          <a:xfrm>
-            <a:off x="6218675" y="1628800"/>
-            <a:ext cx="9509" cy="360040"/>
-          </a:xfrm>
-          <a:prstGeom prst="line">
-            <a:avLst/>
-          </a:prstGeom>
-        </p:spPr>
-        <p:style>
-          <a:lnRef idx="1">
-            <a:schemeClr val="accent1"/>
-          </a:lnRef>
-          <a:fillRef idx="0">
-            <a:schemeClr val="accent1"/>
-          </a:fillRef>
-          <a:effectRef idx="0">
-            <a:schemeClr val="accent1"/>
-          </a:effectRef>
-          <a:fontRef idx="minor">
-            <a:schemeClr val="tx1"/>
-          </a:fontRef>
-        </p:style>
-      </p:cxnSp>
-      <p:sp>
-        <p:nvSpPr>
-          <p:cNvPr id="230" name="229 CuadroTexto"/>
-          <p:cNvSpPr txBox="1"/>
-          <p:nvPr/>
-        </p:nvSpPr>
-        <p:spPr>
-          <a:xfrm>
-            <a:off x="6228184" y="2843644"/>
-            <a:ext cx="360040" cy="369332"/>
-          </a:xfrm>
-          <a:prstGeom prst="rect">
-            <a:avLst/>
-          </a:prstGeom>
-          <a:noFill/>
-        </p:spPr>
-        <p:txBody>
-          <a:bodyPr wrap="square" rtlCol="0">
-            <a:spAutoFit/>
-          </a:bodyPr>
-          <a:lstStyle/>
-          <a:p>
-            <a:r>
-              <a:rPr lang="es-ES" dirty="0" smtClean="0"/>
-              <a:t>Sí</a:t>
-            </a:r>
-            <a:endParaRPr lang="es-ES" dirty="0"/>
-          </a:p>
-        </p:txBody>
-      </p:sp>
-      <p:sp>
-        <p:nvSpPr>
-          <p:cNvPr id="32" name="31 Decisión"/>
-          <p:cNvSpPr/>
-          <p:nvPr/>
-        </p:nvSpPr>
-        <p:spPr>
-          <a:xfrm>
-            <a:off x="5076056" y="1844824"/>
-            <a:ext cx="2304256" cy="1008112"/>
-          </a:xfrm>
-          <a:prstGeom prst="flowChartDecision">
-            <a:avLst/>
-          </a:prstGeom>
-          <a:solidFill>
-            <a:srgbClr val="C96765"/>
-          </a:solidFill>
-          <a:ln>
-            <a:solidFill>
-              <a:srgbClr val="C00000"/>
-            </a:solidFill>
-          </a:ln>
-        </p:spPr>
-        <p:style>
-          <a:lnRef idx="2">
-            <a:schemeClr val="accent1">
-              <a:shade val="50000"/>
-            </a:schemeClr>
-          </a:lnRef>
-          <a:fillRef idx="1">
-            <a:schemeClr val="accent1"/>
-          </a:fillRef>
-          <a:effectRef idx="0">
-            <a:schemeClr val="accent1"/>
-          </a:effectRef>
-          <a:fontRef idx="minor">
-            <a:schemeClr val="lt1"/>
-          </a:fontRef>
-        </p:style>
-        <p:txBody>
-          <a:bodyPr rtlCol="0" anchor="ctr"/>
-          <a:lstStyle/>
-          <a:p>
-            <a:r>
-              <a:rPr lang="es-ES" dirty="0" smtClean="0"/>
-              <a:t>  edad&gt;0</a:t>
-            </a:r>
-            <a:endParaRPr lang="es-ES" dirty="0"/>
-          </a:p>
-        </p:txBody>
-      </p:sp>
-    </p:spTree>
-  </p:cSld>
-  <p:clrMapOvr>
-    <a:masterClrMapping/>
-  </p:clrMapOvr>
-</p:sld>
-</file>
-
-<file path=ppt/slides/slide3.xml><?xml version="1.0" encoding="utf-8"?>
-<p:sld xmlns:a="http://schemas.openxmlformats.org/drawingml/2006/main" xmlns:r="http://schemas.openxmlformats.org/officeDocument/2006/relationships" xmlns:p="http://schemas.openxmlformats.org/presentationml/2006/main">
-  <p:cSld>
-    <p:spTree>
-      <p:nvGrpSpPr>
-        <p:cNvPr id="1" name=""/>
-        <p:cNvGrpSpPr/>
-        <p:nvPr/>
-      </p:nvGrpSpPr>
-      <p:grpSpPr>
-        <a:xfrm>
-          <a:off x="0" y="0"/>
-          <a:ext cx="0" cy="0"/>
-          <a:chOff x="0" y="0"/>
-          <a:chExt cx="0" cy="0"/>
-        </a:xfrm>
-      </p:grpSpPr>
-      <p:sp>
-        <p:nvSpPr>
-          <p:cNvPr id="4" name="3 Conector"/>
-          <p:cNvSpPr/>
-          <p:nvPr/>
-        </p:nvSpPr>
-        <p:spPr>
-          <a:xfrm>
-            <a:off x="4572000" y="260648"/>
-            <a:ext cx="432048" cy="432048"/>
-          </a:xfrm>
-          <a:prstGeom prst="flowChartConnector">
-            <a:avLst/>
-          </a:prstGeom>
-          <a:solidFill>
-            <a:srgbClr val="F9B67F"/>
-          </a:solidFill>
-          <a:ln>
-            <a:solidFill>
-              <a:schemeClr val="accent6">
-                <a:lumMod val="50000"/>
-              </a:schemeClr>
-            </a:solidFill>
-          </a:ln>
-        </p:spPr>
-        <p:style>
-          <a:lnRef idx="2">
-            <a:schemeClr val="accent1">
-              <a:shade val="50000"/>
-            </a:schemeClr>
-          </a:lnRef>
-          <a:fillRef idx="1">
-            <a:schemeClr val="accent1"/>
-          </a:fillRef>
-          <a:effectRef idx="0">
-            <a:schemeClr val="accent1"/>
-          </a:effectRef>
-          <a:fontRef idx="minor">
-            <a:schemeClr val="lt1"/>
-          </a:fontRef>
-        </p:style>
-        <p:txBody>
-          <a:bodyPr rtlCol="0" anchor="ctr"/>
-          <a:lstStyle/>
-          <a:p>
-            <a:pPr algn="ctr"/>
-            <a:endParaRPr lang="es-ES"/>
-          </a:p>
-        </p:txBody>
-      </p:sp>
-      <p:sp>
-        <p:nvSpPr>
-          <p:cNvPr id="8" name="7 Proceso"/>
-          <p:cNvSpPr/>
-          <p:nvPr/>
-        </p:nvSpPr>
-        <p:spPr>
-          <a:xfrm>
-            <a:off x="3851920" y="2060848"/>
-            <a:ext cx="1872208" cy="432048"/>
-          </a:xfrm>
-          <a:prstGeom prst="flowChartProcess">
-            <a:avLst/>
-          </a:prstGeom>
-          <a:solidFill>
-            <a:srgbClr val="7CA1CE"/>
-          </a:solidFill>
-        </p:spPr>
-        <p:style>
-          <a:lnRef idx="2">
-            <a:schemeClr val="accent1">
-              <a:shade val="50000"/>
-            </a:schemeClr>
-          </a:lnRef>
-          <a:fillRef idx="1">
-            <a:schemeClr val="accent1"/>
-          </a:fillRef>
-          <a:effectRef idx="0">
-            <a:schemeClr val="accent1"/>
-          </a:effectRef>
-          <a:fontRef idx="minor">
-            <a:schemeClr val="lt1"/>
-          </a:fontRef>
-        </p:style>
-        <p:txBody>
-          <a:bodyPr rtlCol="0" anchor="ctr"/>
-          <a:lstStyle/>
-          <a:p>
-            <a:pPr algn="ctr"/>
-            <a:r>
-              <a:rPr lang="es-ES" dirty="0" err="1" smtClean="0"/>
-              <a:t>verTabla</a:t>
-            </a:r>
-            <a:r>
-              <a:rPr lang="es-ES" dirty="0" smtClean="0"/>
-              <a:t>= “”</a:t>
-            </a:r>
-            <a:endParaRPr lang="es-ES" dirty="0"/>
-          </a:p>
-        </p:txBody>
-      </p:sp>
-      <p:sp>
-        <p:nvSpPr>
-          <p:cNvPr id="10" name="9 Proceso"/>
-          <p:cNvSpPr/>
-          <p:nvPr/>
-        </p:nvSpPr>
-        <p:spPr>
-          <a:xfrm>
-            <a:off x="3131840" y="4005064"/>
-            <a:ext cx="3312368" cy="504056"/>
-          </a:xfrm>
-          <a:prstGeom prst="flowChartProcess">
-            <a:avLst/>
-          </a:prstGeom>
-          <a:solidFill>
-            <a:srgbClr val="7CA1CE"/>
-          </a:solidFill>
-        </p:spPr>
-        <p:style>
-          <a:lnRef idx="2">
-            <a:schemeClr val="accent1">
-              <a:shade val="50000"/>
-            </a:schemeClr>
-          </a:lnRef>
-          <a:fillRef idx="1">
-            <a:schemeClr val="accent1"/>
-          </a:fillRef>
-          <a:effectRef idx="0">
-            <a:schemeClr val="accent1"/>
-          </a:effectRef>
-          <a:fontRef idx="minor">
-            <a:schemeClr val="lt1"/>
-          </a:fontRef>
-        </p:style>
-        <p:txBody>
-          <a:bodyPr rtlCol="0" anchor="ctr"/>
-          <a:lstStyle/>
-          <a:p>
-            <a:pPr algn="ctr"/>
-            <a:r>
-              <a:rPr lang="es-ES" dirty="0" err="1" smtClean="0"/>
-              <a:t>verTabla</a:t>
-            </a:r>
-            <a:r>
-              <a:rPr lang="es-ES" dirty="0" smtClean="0"/>
-              <a:t>+= " "+</a:t>
-            </a:r>
-            <a:r>
-              <a:rPr lang="es-ES" dirty="0" err="1" smtClean="0"/>
-              <a:t>libreria</a:t>
-            </a:r>
-            <a:r>
-              <a:rPr lang="es-ES" dirty="0" smtClean="0"/>
-              <a:t>[i][j]</a:t>
-            </a:r>
-            <a:endParaRPr lang="es-ES" dirty="0"/>
-          </a:p>
-        </p:txBody>
-      </p:sp>
-      <p:sp>
-        <p:nvSpPr>
-          <p:cNvPr id="33" name="32 Proceso"/>
-          <p:cNvSpPr/>
-          <p:nvPr/>
-        </p:nvSpPr>
-        <p:spPr>
-          <a:xfrm>
-            <a:off x="3131840" y="5013176"/>
-            <a:ext cx="3312368" cy="504056"/>
-          </a:xfrm>
-          <a:prstGeom prst="flowChartProcess">
-            <a:avLst/>
-          </a:prstGeom>
-          <a:solidFill>
-            <a:srgbClr val="7CA1CE"/>
-          </a:solidFill>
-        </p:spPr>
-        <p:style>
-          <a:lnRef idx="2">
-            <a:schemeClr val="accent1">
-              <a:shade val="50000"/>
-            </a:schemeClr>
-          </a:lnRef>
-          <a:fillRef idx="1">
-            <a:schemeClr val="accent1"/>
-          </a:fillRef>
-          <a:effectRef idx="0">
-            <a:schemeClr val="accent1"/>
-          </a:effectRef>
-          <a:fontRef idx="minor">
-            <a:schemeClr val="lt1"/>
-          </a:fontRef>
-        </p:style>
-        <p:txBody>
-          <a:bodyPr rtlCol="0" anchor="ctr"/>
-          <a:lstStyle/>
-          <a:p>
-            <a:pPr algn="ctr"/>
-            <a:r>
-              <a:rPr lang="es-ES" dirty="0" smtClean="0"/>
-              <a:t>Escribir por pantalla </a:t>
-            </a:r>
-            <a:r>
-              <a:rPr lang="es-ES" dirty="0" err="1" smtClean="0"/>
-              <a:t>verTabla</a:t>
-            </a:r>
-            <a:endParaRPr lang="es-ES" dirty="0"/>
-          </a:p>
-        </p:txBody>
-      </p:sp>
-      <p:sp>
-        <p:nvSpPr>
-          <p:cNvPr id="87" name="86 Conector"/>
-          <p:cNvSpPr/>
-          <p:nvPr/>
-        </p:nvSpPr>
-        <p:spPr>
-          <a:xfrm>
-            <a:off x="4572000" y="6165304"/>
-            <a:ext cx="432048" cy="432048"/>
-          </a:xfrm>
-          <a:prstGeom prst="flowChartConnector">
-            <a:avLst/>
-          </a:prstGeom>
-          <a:solidFill>
-            <a:srgbClr val="F9B67F"/>
-          </a:solidFill>
-          <a:ln>
-            <a:solidFill>
-              <a:schemeClr val="accent6">
-                <a:lumMod val="50000"/>
-              </a:schemeClr>
-            </a:solidFill>
-          </a:ln>
-        </p:spPr>
-        <p:style>
-          <a:lnRef idx="2">
-            <a:schemeClr val="accent1">
-              <a:shade val="50000"/>
-            </a:schemeClr>
-          </a:lnRef>
-          <a:fillRef idx="1">
-            <a:schemeClr val="accent1"/>
-          </a:fillRef>
-          <a:effectRef idx="0">
-            <a:schemeClr val="accent1"/>
-          </a:effectRef>
-          <a:fontRef idx="minor">
-            <a:schemeClr val="lt1"/>
-          </a:fontRef>
-        </p:style>
-        <p:txBody>
-          <a:bodyPr rtlCol="0" anchor="ctr"/>
-          <a:lstStyle/>
-          <a:p>
-            <a:pPr algn="ctr"/>
-            <a:endParaRPr lang="es-ES"/>
-          </a:p>
-        </p:txBody>
-      </p:sp>
-      <p:sp>
-        <p:nvSpPr>
-          <p:cNvPr id="90" name="89 CuadroTexto"/>
-          <p:cNvSpPr txBox="1"/>
-          <p:nvPr/>
-        </p:nvSpPr>
-        <p:spPr>
-          <a:xfrm>
-            <a:off x="2843808" y="3635732"/>
-            <a:ext cx="360040" cy="369332"/>
-          </a:xfrm>
-          <a:prstGeom prst="rect">
-            <a:avLst/>
-          </a:prstGeom>
-          <a:noFill/>
-        </p:spPr>
-        <p:txBody>
-          <a:bodyPr wrap="square" rtlCol="0">
-            <a:spAutoFit/>
-          </a:bodyPr>
-          <a:lstStyle/>
-          <a:p>
-            <a:r>
-              <a:rPr lang="es-ES" dirty="0" smtClean="0"/>
-              <a:t>Sí</a:t>
-            </a:r>
-            <a:endParaRPr lang="es-ES" dirty="0"/>
-          </a:p>
-        </p:txBody>
-      </p:sp>
-      <p:sp>
-        <p:nvSpPr>
-          <p:cNvPr id="91" name="90 CuadroTexto"/>
-          <p:cNvSpPr txBox="1"/>
-          <p:nvPr/>
-        </p:nvSpPr>
-        <p:spPr>
-          <a:xfrm>
-            <a:off x="2771800" y="4941168"/>
-            <a:ext cx="360040" cy="369332"/>
-          </a:xfrm>
-          <a:prstGeom prst="rect">
-            <a:avLst/>
-          </a:prstGeom>
-          <a:noFill/>
-        </p:spPr>
-        <p:txBody>
-          <a:bodyPr wrap="square" rtlCol="0">
-            <a:spAutoFit/>
-          </a:bodyPr>
-          <a:lstStyle/>
-          <a:p>
-            <a:r>
-              <a:rPr lang="es-ES" dirty="0" smtClean="0"/>
-              <a:t>Sí</a:t>
-            </a:r>
-            <a:endParaRPr lang="es-ES" dirty="0"/>
-          </a:p>
-        </p:txBody>
-      </p:sp>
-      <p:sp>
-        <p:nvSpPr>
-          <p:cNvPr id="92" name="91 CuadroTexto"/>
-          <p:cNvSpPr txBox="1"/>
-          <p:nvPr/>
-        </p:nvSpPr>
-        <p:spPr>
-          <a:xfrm>
-            <a:off x="4788024" y="4581128"/>
-            <a:ext cx="504056" cy="369332"/>
-          </a:xfrm>
-          <a:prstGeom prst="rect">
-            <a:avLst/>
-          </a:prstGeom>
-          <a:noFill/>
-        </p:spPr>
-        <p:txBody>
-          <a:bodyPr wrap="square" rtlCol="0">
-            <a:spAutoFit/>
-          </a:bodyPr>
-          <a:lstStyle/>
-          <a:p>
-            <a:r>
-              <a:rPr lang="es-ES" dirty="0" smtClean="0"/>
-              <a:t>No</a:t>
-            </a:r>
-            <a:endParaRPr lang="es-ES" dirty="0"/>
-          </a:p>
-        </p:txBody>
-      </p:sp>
-      <p:sp>
-        <p:nvSpPr>
-          <p:cNvPr id="93" name="92 CuadroTexto"/>
-          <p:cNvSpPr txBox="1"/>
-          <p:nvPr/>
-        </p:nvSpPr>
-        <p:spPr>
-          <a:xfrm>
-            <a:off x="4788024" y="5661248"/>
-            <a:ext cx="504056" cy="369332"/>
-          </a:xfrm>
-          <a:prstGeom prst="rect">
-            <a:avLst/>
-          </a:prstGeom>
-          <a:noFill/>
-        </p:spPr>
-        <p:txBody>
-          <a:bodyPr wrap="square" rtlCol="0">
-            <a:spAutoFit/>
-          </a:bodyPr>
-          <a:lstStyle/>
-          <a:p>
-            <a:r>
-              <a:rPr lang="es-ES" dirty="0" smtClean="0"/>
-              <a:t>No</a:t>
-            </a:r>
-            <a:endParaRPr lang="es-ES" dirty="0"/>
-          </a:p>
-        </p:txBody>
-      </p:sp>
-      <p:sp>
-        <p:nvSpPr>
-          <p:cNvPr id="94" name="93 Rectángulo"/>
-          <p:cNvSpPr/>
-          <p:nvPr/>
-        </p:nvSpPr>
-        <p:spPr>
-          <a:xfrm>
-            <a:off x="35496" y="67271"/>
-            <a:ext cx="2166106" cy="769441"/>
-          </a:xfrm>
-          <a:prstGeom prst="rect">
-            <a:avLst/>
-          </a:prstGeom>
-          <a:noFill/>
-        </p:spPr>
-        <p:txBody>
-          <a:bodyPr wrap="none" lIns="91440" tIns="45720" rIns="91440" bIns="45720">
-            <a:spAutoFit/>
-          </a:bodyPr>
-          <a:lstStyle/>
-          <a:p>
-            <a:pPr algn="ctr"/>
-            <a:r>
-              <a:rPr lang="es-ES" sz="4400" b="1" dirty="0" err="1" smtClean="0">
-                <a:ln w="17780" cmpd="sng">
-                  <a:solidFill>
-                    <a:srgbClr val="FFFFFF"/>
-                  </a:solidFill>
-                  <a:prstDash val="solid"/>
-                  <a:miter lim="800000"/>
-                </a:ln>
-                <a:gradFill rotWithShape="1">
-                  <a:gsLst>
-                    <a:gs pos="0">
-                      <a:srgbClr val="000000">
-                        <a:tint val="92000"/>
-                        <a:shade val="100000"/>
-                        <a:satMod val="150000"/>
-                      </a:srgbClr>
-                    </a:gs>
-                    <a:gs pos="49000">
-                      <a:srgbClr val="000000">
-                        <a:tint val="89000"/>
-                        <a:shade val="90000"/>
-                        <a:satMod val="150000"/>
-                      </a:srgbClr>
-                    </a:gs>
-                    <a:gs pos="50000">
-                      <a:srgbClr val="000000">
-                        <a:tint val="100000"/>
-                        <a:shade val="75000"/>
-                        <a:satMod val="150000"/>
-                      </a:srgbClr>
-                    </a:gs>
-                    <a:gs pos="95000">
-                      <a:srgbClr val="000000">
-                        <a:shade val="47000"/>
-                        <a:satMod val="150000"/>
-                      </a:srgbClr>
-                    </a:gs>
-                    <a:gs pos="100000">
-                      <a:srgbClr val="000000">
-                        <a:shade val="39000"/>
-                        <a:satMod val="150000"/>
-                      </a:srgbClr>
-                    </a:gs>
-                  </a:gsLst>
-                  <a:lin ang="5400000"/>
-                </a:gradFill>
-                <a:effectLst>
-                  <a:outerShdw blurRad="50800" algn="tl" rotWithShape="0">
-                    <a:srgbClr val="000000"/>
-                  </a:outerShdw>
-                </a:effectLst>
-              </a:rPr>
-              <a:t>verTabla</a:t>
-            </a:r>
-            <a:endParaRPr lang="es-ES" sz="4400" b="1" cap="none" spc="0" dirty="0">
-              <a:ln w="17780" cmpd="sng">
-                <a:solidFill>
-                  <a:srgbClr val="FFFFFF"/>
-                </a:solidFill>
-                <a:prstDash val="solid"/>
-                <a:miter lim="800000"/>
-              </a:ln>
-              <a:gradFill rotWithShape="1">
-                <a:gsLst>
-                  <a:gs pos="0">
-                    <a:srgbClr val="000000">
-                      <a:tint val="92000"/>
-                      <a:shade val="100000"/>
-                      <a:satMod val="150000"/>
-                    </a:srgbClr>
-                  </a:gs>
-                  <a:gs pos="49000">
-                    <a:srgbClr val="000000">
-                      <a:tint val="89000"/>
-                      <a:shade val="90000"/>
-                      <a:satMod val="150000"/>
-                    </a:srgbClr>
-                  </a:gs>
-                  <a:gs pos="50000">
-                    <a:srgbClr val="000000">
-                      <a:tint val="100000"/>
-                      <a:shade val="75000"/>
-                      <a:satMod val="150000"/>
-                    </a:srgbClr>
-                  </a:gs>
-                  <a:gs pos="95000">
-                    <a:srgbClr val="000000">
-                      <a:shade val="47000"/>
-                      <a:satMod val="150000"/>
-                    </a:srgbClr>
-                  </a:gs>
-                  <a:gs pos="100000">
-                    <a:srgbClr val="000000">
-                      <a:shade val="39000"/>
-                      <a:satMod val="150000"/>
-                    </a:srgbClr>
-                  </a:gs>
-                </a:gsLst>
-                <a:lin ang="5400000"/>
-              </a:gradFill>
-              <a:effectLst>
-                <a:outerShdw blurRad="50800" algn="tl" rotWithShape="0">
-                  <a:srgbClr val="000000"/>
-                </a:outerShdw>
-              </a:effectLst>
-            </a:endParaRPr>
-          </a:p>
-        </p:txBody>
-      </p:sp>
-      <p:sp>
-        <p:nvSpPr>
           <p:cNvPr id="67" name="66 Pentágono"/>
           <p:cNvSpPr/>
           <p:nvPr/>
@@ -6106,22 +10950,21 @@
           <a:p>
             <a:pPr algn="ctr"/>
             <a:r>
-              <a:rPr lang="es-ES" dirty="0" err="1" smtClean="0"/>
+              <a:rPr lang="es-ES" dirty="0" err="1"/>
               <a:t>int</a:t>
             </a:r>
             <a:r>
-              <a:rPr lang="es-ES" dirty="0" smtClean="0"/>
+              <a:rPr lang="es-ES" dirty="0"/>
               <a:t> i=0; i&lt;filas </a:t>
             </a:r>
             <a:r>
-              <a:rPr lang="es-ES" dirty="0" err="1" smtClean="0"/>
+              <a:rPr lang="es-ES" dirty="0" err="1"/>
               <a:t>array</a:t>
             </a:r>
             <a:r>
-              <a:rPr lang="es-ES" dirty="0" smtClean="0"/>
+              <a:rPr lang="es-ES" dirty="0"/>
               <a:t>; i++</a:t>
             </a:r>
-            <a:endParaRPr lang="es-ES" dirty="0"/>
           </a:p>
         </p:txBody>
       </p:sp>
@@ -6172,23 +11015,23 @@
           <a:p>
             <a:pPr algn="ctr"/>
             <a:r>
-              <a:rPr lang="es-ES" dirty="0" err="1" smtClean="0"/>
+              <a:rPr lang="es-ES" dirty="0" err="1"/>
               <a:t>int</a:t>
             </a:r>
             <a:r>
-              <a:rPr lang="es-ES" dirty="0" smtClean="0"/>
+              <a:rPr lang="es-ES" dirty="0"/>
               <a:t> j=0; j&lt;columnas </a:t>
             </a:r>
             <a:r>
-              <a:rPr lang="es-ES" dirty="0" err="1" smtClean="0"/>
+              <a:rPr lang="es-ES" dirty="0" err="1"/>
               <a:t>array</a:t>
             </a:r>
             <a:r>
-              <a:rPr lang="es-ES" dirty="0" smtClean="0"/>
+              <a:rPr lang="es-ES" dirty="0"/>
               <a:t>; </a:t>
             </a:r>
             <a:r>
-              <a:rPr lang="es-ES" dirty="0" err="1" smtClean="0"/>
+              <a:rPr lang="es-ES" dirty="0" err="1"/>
               <a:t>j++</a:t>
             </a:r>
             <a:endParaRPr lang="es-ES" dirty="0"/>
@@ -6443,6 +11286,7 @@
         <p:nvCxnSpPr>
           <p:cNvPr id="128" name="127 Conector recto de flecha"/>
           <p:cNvCxnSpPr>
+            <a:cxnSpLocks/>
             <a:stCxn id="33" idx="2"/>
             <a:endCxn id="87" idx="0"/>
           </p:cNvCxnSpPr>
